--- a/Projektdokumentation/ZwischenPresentation.pptx
+++ b/Projektdokumentation/ZwischenPresentation.pptx
@@ -6,8 +6,11 @@
   </p:sldMasterIdLst>
   <p:sldIdLst>
     <p:sldId id="256" r:id="rId2"/>
-    <p:sldId id="257" r:id="rId3"/>
-    <p:sldId id="258" r:id="rId4"/>
+    <p:sldId id="259" r:id="rId3"/>
+    <p:sldId id="264" r:id="rId4"/>
+    <p:sldId id="262" r:id="rId5"/>
+    <p:sldId id="260" r:id="rId6"/>
+    <p:sldId id="261" r:id="rId7"/>
   </p:sldIdLst>
   <p:sldSz cx="12192000" cy="6858000"/>
   <p:notesSz cx="6858000" cy="9144000"/>
@@ -106,7 +109,1835 @@
       </a:defRPr>
     </a:lvl9pPr>
   </p:defaultTextStyle>
+  <p:extLst>
+    <p:ext uri="{EFAFB233-063F-42B5-8137-9DF3F51BA10A}">
+      <p15:sldGuideLst xmlns:p15="http://schemas.microsoft.com/office/powerpoint/2012/main"/>
+    </p:ext>
+  </p:extLst>
 </p:presentation>
+</file>
+
+<file path=ppt/charts/chart1.xml><?xml version="1.0" encoding="utf-8"?>
+<c:chartSpace xmlns:c="http://schemas.openxmlformats.org/drawingml/2006/chart" xmlns:a="http://schemas.openxmlformats.org/drawingml/2006/main" xmlns:r="http://schemas.openxmlformats.org/officeDocument/2006/relationships" xmlns:c16r2="http://schemas.microsoft.com/office/drawing/2015/06/chart">
+  <c:date1904 val="0"/>
+  <c:lang val="de-DE"/>
+  <c:roundedCorners val="0"/>
+  <mc:AlternateContent xmlns:mc="http://schemas.openxmlformats.org/markup-compatibility/2006">
+    <mc:Choice xmlns:c14="http://schemas.microsoft.com/office/drawing/2007/8/2/chart" Requires="c14">
+      <c14:style val="102"/>
+    </mc:Choice>
+    <mc:Fallback>
+      <c:style val="2"/>
+    </mc:Fallback>
+  </mc:AlternateContent>
+  <c:chart>
+    <c:title>
+      <c:tx>
+        <c:rich>
+          <a:bodyPr rot="0" spcFirstLastPara="1" vertOverflow="ellipsis" vert="horz" wrap="square" anchor="ctr" anchorCtr="1"/>
+          <a:lstStyle/>
+          <a:p>
+            <a:pPr>
+              <a:defRPr sz="1400" b="0" i="0" u="none" strike="noStrike" kern="1200" spc="0" baseline="0">
+                <a:solidFill>
+                  <a:schemeClr val="tx1">
+                    <a:lumMod val="65000"/>
+                    <a:lumOff val="35000"/>
+                  </a:schemeClr>
+                </a:solidFill>
+                <a:latin typeface="+mn-lt"/>
+                <a:ea typeface="+mn-ea"/>
+                <a:cs typeface="+mn-cs"/>
+              </a:defRPr>
+            </a:pPr>
+            <a:r>
+              <a:rPr lang="en-US"/>
+              <a:t>Meilensteintrendanalyse</a:t>
+            </a:r>
+          </a:p>
+        </c:rich>
+      </c:tx>
+      <c:overlay val="0"/>
+      <c:spPr>
+        <a:noFill/>
+        <a:ln>
+          <a:noFill/>
+        </a:ln>
+        <a:effectLst/>
+      </c:spPr>
+      <c:txPr>
+        <a:bodyPr rot="0" spcFirstLastPara="1" vertOverflow="ellipsis" vert="horz" wrap="square" anchor="ctr" anchorCtr="1"/>
+        <a:lstStyle/>
+        <a:p>
+          <a:pPr>
+            <a:defRPr sz="1400" b="0" i="0" u="none" strike="noStrike" kern="1200" spc="0" baseline="0">
+              <a:solidFill>
+                <a:schemeClr val="tx1">
+                  <a:lumMod val="65000"/>
+                  <a:lumOff val="35000"/>
+                </a:schemeClr>
+              </a:solidFill>
+              <a:latin typeface="+mn-lt"/>
+              <a:ea typeface="+mn-ea"/>
+              <a:cs typeface="+mn-cs"/>
+            </a:defRPr>
+          </a:pPr>
+          <a:endParaRPr lang="de-DE"/>
+        </a:p>
+      </c:txPr>
+    </c:title>
+    <c:autoTitleDeleted val="0"/>
+    <c:plotArea>
+      <c:layout/>
+      <c:lineChart>
+        <c:grouping val="standard"/>
+        <c:varyColors val="0"/>
+        <c:ser>
+          <c:idx val="0"/>
+          <c:order val="0"/>
+          <c:tx>
+            <c:strRef>
+              <c:f>Tabelle2!$B$4:$C$4</c:f>
+              <c:strCache>
+                <c:ptCount val="2"/>
+                <c:pt idx="0">
+                  <c:v>Sandbox</c:v>
+                </c:pt>
+                <c:pt idx="1">
+                  <c:v>14.06.2024</c:v>
+                </c:pt>
+              </c:strCache>
+            </c:strRef>
+          </c:tx>
+          <c:spPr>
+            <a:ln w="28575" cap="rnd">
+              <a:solidFill>
+                <a:schemeClr val="accent1"/>
+              </a:solidFill>
+              <a:round/>
+            </a:ln>
+            <a:effectLst/>
+          </c:spPr>
+          <c:marker>
+            <c:symbol val="none"/>
+          </c:marker>
+          <c:cat>
+            <c:numRef>
+              <c:f>Tabelle2!$D$2:$V$2</c:f>
+              <c:numCache>
+                <c:formatCode>m/d/yyyy</c:formatCode>
+                <c:ptCount val="19"/>
+                <c:pt idx="0">
+                  <c:v>45324</c:v>
+                </c:pt>
+                <c:pt idx="1">
+                  <c:v>45331</c:v>
+                </c:pt>
+                <c:pt idx="2">
+                  <c:v>45338</c:v>
+                </c:pt>
+                <c:pt idx="3">
+                  <c:v>45345</c:v>
+                </c:pt>
+                <c:pt idx="4">
+                  <c:v>45352</c:v>
+                </c:pt>
+                <c:pt idx="5">
+                  <c:v>45359</c:v>
+                </c:pt>
+                <c:pt idx="6">
+                  <c:v>45366</c:v>
+                </c:pt>
+                <c:pt idx="7">
+                  <c:v>45373</c:v>
+                </c:pt>
+                <c:pt idx="8">
+                  <c:v>45380</c:v>
+                </c:pt>
+                <c:pt idx="9">
+                  <c:v>45387</c:v>
+                </c:pt>
+                <c:pt idx="10">
+                  <c:v>45394</c:v>
+                </c:pt>
+                <c:pt idx="11">
+                  <c:v>45401</c:v>
+                </c:pt>
+                <c:pt idx="12">
+                  <c:v>45408</c:v>
+                </c:pt>
+                <c:pt idx="13">
+                  <c:v>45415</c:v>
+                </c:pt>
+                <c:pt idx="14">
+                  <c:v>45422</c:v>
+                </c:pt>
+                <c:pt idx="15">
+                  <c:v>45429</c:v>
+                </c:pt>
+                <c:pt idx="16">
+                  <c:v>45436</c:v>
+                </c:pt>
+                <c:pt idx="17">
+                  <c:v>45443</c:v>
+                </c:pt>
+                <c:pt idx="18">
+                  <c:v>45450</c:v>
+                </c:pt>
+              </c:numCache>
+            </c:numRef>
+          </c:cat>
+          <c:val>
+            <c:numRef>
+              <c:f>Tabelle2!$D$4:$W$4</c:f>
+              <c:numCache>
+                <c:formatCode>m/d/yyyy</c:formatCode>
+                <c:ptCount val="20"/>
+                <c:pt idx="0">
+                  <c:v>45457</c:v>
+                </c:pt>
+                <c:pt idx="1">
+                  <c:v>45457</c:v>
+                </c:pt>
+                <c:pt idx="2">
+                  <c:v>45457</c:v>
+                </c:pt>
+                <c:pt idx="3">
+                  <c:v>45457</c:v>
+                </c:pt>
+                <c:pt idx="4">
+                  <c:v>45457</c:v>
+                </c:pt>
+                <c:pt idx="5">
+                  <c:v>45457</c:v>
+                </c:pt>
+                <c:pt idx="6">
+                  <c:v>45457</c:v>
+                </c:pt>
+              </c:numCache>
+            </c:numRef>
+          </c:val>
+          <c:smooth val="0"/>
+          <c:extLst>
+            <c:ext xmlns:c16="http://schemas.microsoft.com/office/drawing/2014/chart" uri="{C3380CC4-5D6E-409C-BE32-E72D297353CC}">
+              <c16:uniqueId val="{00000000-8024-49AB-B7F7-E71CF44316CC}"/>
+            </c:ext>
+          </c:extLst>
+        </c:ser>
+        <c:ser>
+          <c:idx val="1"/>
+          <c:order val="1"/>
+          <c:tx>
+            <c:strRef>
+              <c:f>Tabelle2!$B$5:$C$5</c:f>
+              <c:strCache>
+                <c:ptCount val="2"/>
+                <c:pt idx="0">
+                  <c:v>Spielerfigur</c:v>
+                </c:pt>
+                <c:pt idx="1">
+                  <c:v>17.04.2024</c:v>
+                </c:pt>
+              </c:strCache>
+            </c:strRef>
+          </c:tx>
+          <c:spPr>
+            <a:ln w="28575" cap="rnd">
+              <a:solidFill>
+                <a:schemeClr val="accent2"/>
+              </a:solidFill>
+              <a:round/>
+            </a:ln>
+            <a:effectLst/>
+          </c:spPr>
+          <c:marker>
+            <c:symbol val="none"/>
+          </c:marker>
+          <c:cat>
+            <c:numRef>
+              <c:f>Tabelle2!$D$2:$V$2</c:f>
+              <c:numCache>
+                <c:formatCode>m/d/yyyy</c:formatCode>
+                <c:ptCount val="19"/>
+                <c:pt idx="0">
+                  <c:v>45324</c:v>
+                </c:pt>
+                <c:pt idx="1">
+                  <c:v>45331</c:v>
+                </c:pt>
+                <c:pt idx="2">
+                  <c:v>45338</c:v>
+                </c:pt>
+                <c:pt idx="3">
+                  <c:v>45345</c:v>
+                </c:pt>
+                <c:pt idx="4">
+                  <c:v>45352</c:v>
+                </c:pt>
+                <c:pt idx="5">
+                  <c:v>45359</c:v>
+                </c:pt>
+                <c:pt idx="6">
+                  <c:v>45366</c:v>
+                </c:pt>
+                <c:pt idx="7">
+                  <c:v>45373</c:v>
+                </c:pt>
+                <c:pt idx="8">
+                  <c:v>45380</c:v>
+                </c:pt>
+                <c:pt idx="9">
+                  <c:v>45387</c:v>
+                </c:pt>
+                <c:pt idx="10">
+                  <c:v>45394</c:v>
+                </c:pt>
+                <c:pt idx="11">
+                  <c:v>45401</c:v>
+                </c:pt>
+                <c:pt idx="12">
+                  <c:v>45408</c:v>
+                </c:pt>
+                <c:pt idx="13">
+                  <c:v>45415</c:v>
+                </c:pt>
+                <c:pt idx="14">
+                  <c:v>45422</c:v>
+                </c:pt>
+                <c:pt idx="15">
+                  <c:v>45429</c:v>
+                </c:pt>
+                <c:pt idx="16">
+                  <c:v>45436</c:v>
+                </c:pt>
+                <c:pt idx="17">
+                  <c:v>45443</c:v>
+                </c:pt>
+                <c:pt idx="18">
+                  <c:v>45450</c:v>
+                </c:pt>
+              </c:numCache>
+            </c:numRef>
+          </c:cat>
+          <c:val>
+            <c:numRef>
+              <c:f>Tabelle2!$D$5:$W$5</c:f>
+              <c:numCache>
+                <c:formatCode>m/d/yyyy</c:formatCode>
+                <c:ptCount val="20"/>
+                <c:pt idx="0">
+                  <c:v>45399</c:v>
+                </c:pt>
+                <c:pt idx="1">
+                  <c:v>45399</c:v>
+                </c:pt>
+                <c:pt idx="2">
+                  <c:v>45399</c:v>
+                </c:pt>
+                <c:pt idx="3">
+                  <c:v>45399</c:v>
+                </c:pt>
+                <c:pt idx="4">
+                  <c:v>45399</c:v>
+                </c:pt>
+                <c:pt idx="5">
+                  <c:v>45399</c:v>
+                </c:pt>
+                <c:pt idx="6">
+                  <c:v>45399</c:v>
+                </c:pt>
+              </c:numCache>
+            </c:numRef>
+          </c:val>
+          <c:smooth val="0"/>
+          <c:extLst>
+            <c:ext xmlns:c16="http://schemas.microsoft.com/office/drawing/2014/chart" uri="{C3380CC4-5D6E-409C-BE32-E72D297353CC}">
+              <c16:uniqueId val="{00000001-8024-49AB-B7F7-E71CF44316CC}"/>
+            </c:ext>
+          </c:extLst>
+        </c:ser>
+        <c:ser>
+          <c:idx val="2"/>
+          <c:order val="2"/>
+          <c:tx>
+            <c:strRef>
+              <c:f>Tabelle2!$B$6:$C$6</c:f>
+              <c:strCache>
+                <c:ptCount val="2"/>
+                <c:pt idx="0">
+                  <c:v>Items(Optional)</c:v>
+                </c:pt>
+                <c:pt idx="1">
+                  <c:v>20.03.2024</c:v>
+                </c:pt>
+              </c:strCache>
+            </c:strRef>
+          </c:tx>
+          <c:spPr>
+            <a:ln w="28575" cap="rnd">
+              <a:solidFill>
+                <a:schemeClr val="accent3"/>
+              </a:solidFill>
+              <a:round/>
+            </a:ln>
+            <a:effectLst/>
+          </c:spPr>
+          <c:marker>
+            <c:symbol val="none"/>
+          </c:marker>
+          <c:cat>
+            <c:numRef>
+              <c:f>Tabelle2!$D$2:$V$2</c:f>
+              <c:numCache>
+                <c:formatCode>m/d/yyyy</c:formatCode>
+                <c:ptCount val="19"/>
+                <c:pt idx="0">
+                  <c:v>45324</c:v>
+                </c:pt>
+                <c:pt idx="1">
+                  <c:v>45331</c:v>
+                </c:pt>
+                <c:pt idx="2">
+                  <c:v>45338</c:v>
+                </c:pt>
+                <c:pt idx="3">
+                  <c:v>45345</c:v>
+                </c:pt>
+                <c:pt idx="4">
+                  <c:v>45352</c:v>
+                </c:pt>
+                <c:pt idx="5">
+                  <c:v>45359</c:v>
+                </c:pt>
+                <c:pt idx="6">
+                  <c:v>45366</c:v>
+                </c:pt>
+                <c:pt idx="7">
+                  <c:v>45373</c:v>
+                </c:pt>
+                <c:pt idx="8">
+                  <c:v>45380</c:v>
+                </c:pt>
+                <c:pt idx="9">
+                  <c:v>45387</c:v>
+                </c:pt>
+                <c:pt idx="10">
+                  <c:v>45394</c:v>
+                </c:pt>
+                <c:pt idx="11">
+                  <c:v>45401</c:v>
+                </c:pt>
+                <c:pt idx="12">
+                  <c:v>45408</c:v>
+                </c:pt>
+                <c:pt idx="13">
+                  <c:v>45415</c:v>
+                </c:pt>
+                <c:pt idx="14">
+                  <c:v>45422</c:v>
+                </c:pt>
+                <c:pt idx="15">
+                  <c:v>45429</c:v>
+                </c:pt>
+                <c:pt idx="16">
+                  <c:v>45436</c:v>
+                </c:pt>
+                <c:pt idx="17">
+                  <c:v>45443</c:v>
+                </c:pt>
+                <c:pt idx="18">
+                  <c:v>45450</c:v>
+                </c:pt>
+              </c:numCache>
+            </c:numRef>
+          </c:cat>
+          <c:val>
+            <c:numRef>
+              <c:f>Tabelle2!$D$6:$W$6</c:f>
+              <c:numCache>
+                <c:formatCode>m/d/yyyy</c:formatCode>
+                <c:ptCount val="20"/>
+                <c:pt idx="0">
+                  <c:v>45371</c:v>
+                </c:pt>
+                <c:pt idx="1">
+                  <c:v>45371</c:v>
+                </c:pt>
+                <c:pt idx="2">
+                  <c:v>45371</c:v>
+                </c:pt>
+                <c:pt idx="3">
+                  <c:v>45371</c:v>
+                </c:pt>
+                <c:pt idx="4">
+                  <c:v>45398</c:v>
+                </c:pt>
+                <c:pt idx="5">
+                  <c:v>45398</c:v>
+                </c:pt>
+                <c:pt idx="6">
+                  <c:v>45398</c:v>
+                </c:pt>
+              </c:numCache>
+            </c:numRef>
+          </c:val>
+          <c:smooth val="0"/>
+          <c:extLst>
+            <c:ext xmlns:c16="http://schemas.microsoft.com/office/drawing/2014/chart" uri="{C3380CC4-5D6E-409C-BE32-E72D297353CC}">
+              <c16:uniqueId val="{00000002-8024-49AB-B7F7-E71CF44316CC}"/>
+            </c:ext>
+          </c:extLst>
+        </c:ser>
+        <c:ser>
+          <c:idx val="3"/>
+          <c:order val="3"/>
+          <c:tx>
+            <c:strRef>
+              <c:f>Tabelle2!$B$7:$C$7</c:f>
+              <c:strCache>
+                <c:ptCount val="2"/>
+                <c:pt idx="0">
+                  <c:v>Mapsbauen</c:v>
+                </c:pt>
+                <c:pt idx="1">
+                  <c:v>15.05.2024</c:v>
+                </c:pt>
+              </c:strCache>
+            </c:strRef>
+          </c:tx>
+          <c:spPr>
+            <a:ln w="28575" cap="rnd">
+              <a:solidFill>
+                <a:schemeClr val="accent4"/>
+              </a:solidFill>
+              <a:round/>
+            </a:ln>
+            <a:effectLst/>
+          </c:spPr>
+          <c:marker>
+            <c:symbol val="none"/>
+          </c:marker>
+          <c:cat>
+            <c:numRef>
+              <c:f>Tabelle2!$D$2:$V$2</c:f>
+              <c:numCache>
+                <c:formatCode>m/d/yyyy</c:formatCode>
+                <c:ptCount val="19"/>
+                <c:pt idx="0">
+                  <c:v>45324</c:v>
+                </c:pt>
+                <c:pt idx="1">
+                  <c:v>45331</c:v>
+                </c:pt>
+                <c:pt idx="2">
+                  <c:v>45338</c:v>
+                </c:pt>
+                <c:pt idx="3">
+                  <c:v>45345</c:v>
+                </c:pt>
+                <c:pt idx="4">
+                  <c:v>45352</c:v>
+                </c:pt>
+                <c:pt idx="5">
+                  <c:v>45359</c:v>
+                </c:pt>
+                <c:pt idx="6">
+                  <c:v>45366</c:v>
+                </c:pt>
+                <c:pt idx="7">
+                  <c:v>45373</c:v>
+                </c:pt>
+                <c:pt idx="8">
+                  <c:v>45380</c:v>
+                </c:pt>
+                <c:pt idx="9">
+                  <c:v>45387</c:v>
+                </c:pt>
+                <c:pt idx="10">
+                  <c:v>45394</c:v>
+                </c:pt>
+                <c:pt idx="11">
+                  <c:v>45401</c:v>
+                </c:pt>
+                <c:pt idx="12">
+                  <c:v>45408</c:v>
+                </c:pt>
+                <c:pt idx="13">
+                  <c:v>45415</c:v>
+                </c:pt>
+                <c:pt idx="14">
+                  <c:v>45422</c:v>
+                </c:pt>
+                <c:pt idx="15">
+                  <c:v>45429</c:v>
+                </c:pt>
+                <c:pt idx="16">
+                  <c:v>45436</c:v>
+                </c:pt>
+                <c:pt idx="17">
+                  <c:v>45443</c:v>
+                </c:pt>
+                <c:pt idx="18">
+                  <c:v>45450</c:v>
+                </c:pt>
+              </c:numCache>
+            </c:numRef>
+          </c:cat>
+          <c:val>
+            <c:numRef>
+              <c:f>Tabelle2!$D$7:$W$7</c:f>
+              <c:numCache>
+                <c:formatCode>m/d/yyyy</c:formatCode>
+                <c:ptCount val="20"/>
+                <c:pt idx="0">
+                  <c:v>45427</c:v>
+                </c:pt>
+                <c:pt idx="1">
+                  <c:v>45427</c:v>
+                </c:pt>
+                <c:pt idx="2">
+                  <c:v>45427</c:v>
+                </c:pt>
+                <c:pt idx="3">
+                  <c:v>45427</c:v>
+                </c:pt>
+                <c:pt idx="4">
+                  <c:v>45429</c:v>
+                </c:pt>
+                <c:pt idx="5">
+                  <c:v>45429</c:v>
+                </c:pt>
+                <c:pt idx="6">
+                  <c:v>45429</c:v>
+                </c:pt>
+              </c:numCache>
+            </c:numRef>
+          </c:val>
+          <c:smooth val="0"/>
+          <c:extLst>
+            <c:ext xmlns:c16="http://schemas.microsoft.com/office/drawing/2014/chart" uri="{C3380CC4-5D6E-409C-BE32-E72D297353CC}">
+              <c16:uniqueId val="{00000003-8024-49AB-B7F7-E71CF44316CC}"/>
+            </c:ext>
+          </c:extLst>
+        </c:ser>
+        <c:ser>
+          <c:idx val="4"/>
+          <c:order val="4"/>
+          <c:tx>
+            <c:strRef>
+              <c:f>Tabelle2!$B$8:$C$8</c:f>
+              <c:strCache>
+                <c:ptCount val="2"/>
+                <c:pt idx="0">
+                  <c:v>Savestates</c:v>
+                </c:pt>
+                <c:pt idx="1">
+                  <c:v>03.04.2024</c:v>
+                </c:pt>
+              </c:strCache>
+            </c:strRef>
+          </c:tx>
+          <c:spPr>
+            <a:ln w="28575" cap="rnd">
+              <a:solidFill>
+                <a:schemeClr val="accent5"/>
+              </a:solidFill>
+              <a:round/>
+            </a:ln>
+            <a:effectLst/>
+          </c:spPr>
+          <c:marker>
+            <c:symbol val="none"/>
+          </c:marker>
+          <c:cat>
+            <c:numRef>
+              <c:f>Tabelle2!$D$2:$V$2</c:f>
+              <c:numCache>
+                <c:formatCode>m/d/yyyy</c:formatCode>
+                <c:ptCount val="19"/>
+                <c:pt idx="0">
+                  <c:v>45324</c:v>
+                </c:pt>
+                <c:pt idx="1">
+                  <c:v>45331</c:v>
+                </c:pt>
+                <c:pt idx="2">
+                  <c:v>45338</c:v>
+                </c:pt>
+                <c:pt idx="3">
+                  <c:v>45345</c:v>
+                </c:pt>
+                <c:pt idx="4">
+                  <c:v>45352</c:v>
+                </c:pt>
+                <c:pt idx="5">
+                  <c:v>45359</c:v>
+                </c:pt>
+                <c:pt idx="6">
+                  <c:v>45366</c:v>
+                </c:pt>
+                <c:pt idx="7">
+                  <c:v>45373</c:v>
+                </c:pt>
+                <c:pt idx="8">
+                  <c:v>45380</c:v>
+                </c:pt>
+                <c:pt idx="9">
+                  <c:v>45387</c:v>
+                </c:pt>
+                <c:pt idx="10">
+                  <c:v>45394</c:v>
+                </c:pt>
+                <c:pt idx="11">
+                  <c:v>45401</c:v>
+                </c:pt>
+                <c:pt idx="12">
+                  <c:v>45408</c:v>
+                </c:pt>
+                <c:pt idx="13">
+                  <c:v>45415</c:v>
+                </c:pt>
+                <c:pt idx="14">
+                  <c:v>45422</c:v>
+                </c:pt>
+                <c:pt idx="15">
+                  <c:v>45429</c:v>
+                </c:pt>
+                <c:pt idx="16">
+                  <c:v>45436</c:v>
+                </c:pt>
+                <c:pt idx="17">
+                  <c:v>45443</c:v>
+                </c:pt>
+                <c:pt idx="18">
+                  <c:v>45450</c:v>
+                </c:pt>
+              </c:numCache>
+            </c:numRef>
+          </c:cat>
+          <c:val>
+            <c:numRef>
+              <c:f>Tabelle2!$D$8:$W$8</c:f>
+              <c:numCache>
+                <c:formatCode>m/d/yyyy</c:formatCode>
+                <c:ptCount val="20"/>
+                <c:pt idx="0">
+                  <c:v>45385</c:v>
+                </c:pt>
+                <c:pt idx="1">
+                  <c:v>45385</c:v>
+                </c:pt>
+                <c:pt idx="2">
+                  <c:v>45385</c:v>
+                </c:pt>
+                <c:pt idx="3">
+                  <c:v>45385</c:v>
+                </c:pt>
+                <c:pt idx="4">
+                  <c:v>45429</c:v>
+                </c:pt>
+                <c:pt idx="5">
+                  <c:v>45429</c:v>
+                </c:pt>
+                <c:pt idx="6">
+                  <c:v>45429</c:v>
+                </c:pt>
+              </c:numCache>
+            </c:numRef>
+          </c:val>
+          <c:smooth val="0"/>
+          <c:extLst>
+            <c:ext xmlns:c16="http://schemas.microsoft.com/office/drawing/2014/chart" uri="{C3380CC4-5D6E-409C-BE32-E72D297353CC}">
+              <c16:uniqueId val="{00000004-8024-49AB-B7F7-E71CF44316CC}"/>
+            </c:ext>
+          </c:extLst>
+        </c:ser>
+        <c:ser>
+          <c:idx val="5"/>
+          <c:order val="5"/>
+          <c:tx>
+            <c:strRef>
+              <c:f>Tabelle2!$B$9:$C$9</c:f>
+              <c:strCache>
+                <c:ptCount val="2"/>
+                <c:pt idx="0">
+                  <c:v>NPC</c:v>
+                </c:pt>
+                <c:pt idx="1">
+                  <c:v>24.05.2024</c:v>
+                </c:pt>
+              </c:strCache>
+            </c:strRef>
+          </c:tx>
+          <c:spPr>
+            <a:ln w="28575" cap="rnd">
+              <a:solidFill>
+                <a:schemeClr val="accent6"/>
+              </a:solidFill>
+              <a:round/>
+            </a:ln>
+            <a:effectLst/>
+          </c:spPr>
+          <c:marker>
+            <c:symbol val="none"/>
+          </c:marker>
+          <c:cat>
+            <c:numRef>
+              <c:f>Tabelle2!$D$2:$V$2</c:f>
+              <c:numCache>
+                <c:formatCode>m/d/yyyy</c:formatCode>
+                <c:ptCount val="19"/>
+                <c:pt idx="0">
+                  <c:v>45324</c:v>
+                </c:pt>
+                <c:pt idx="1">
+                  <c:v>45331</c:v>
+                </c:pt>
+                <c:pt idx="2">
+                  <c:v>45338</c:v>
+                </c:pt>
+                <c:pt idx="3">
+                  <c:v>45345</c:v>
+                </c:pt>
+                <c:pt idx="4">
+                  <c:v>45352</c:v>
+                </c:pt>
+                <c:pt idx="5">
+                  <c:v>45359</c:v>
+                </c:pt>
+                <c:pt idx="6">
+                  <c:v>45366</c:v>
+                </c:pt>
+                <c:pt idx="7">
+                  <c:v>45373</c:v>
+                </c:pt>
+                <c:pt idx="8">
+                  <c:v>45380</c:v>
+                </c:pt>
+                <c:pt idx="9">
+                  <c:v>45387</c:v>
+                </c:pt>
+                <c:pt idx="10">
+                  <c:v>45394</c:v>
+                </c:pt>
+                <c:pt idx="11">
+                  <c:v>45401</c:v>
+                </c:pt>
+                <c:pt idx="12">
+                  <c:v>45408</c:v>
+                </c:pt>
+                <c:pt idx="13">
+                  <c:v>45415</c:v>
+                </c:pt>
+                <c:pt idx="14">
+                  <c:v>45422</c:v>
+                </c:pt>
+                <c:pt idx="15">
+                  <c:v>45429</c:v>
+                </c:pt>
+                <c:pt idx="16">
+                  <c:v>45436</c:v>
+                </c:pt>
+                <c:pt idx="17">
+                  <c:v>45443</c:v>
+                </c:pt>
+                <c:pt idx="18">
+                  <c:v>45450</c:v>
+                </c:pt>
+              </c:numCache>
+            </c:numRef>
+          </c:cat>
+          <c:val>
+            <c:numRef>
+              <c:f>Tabelle2!$D$9:$W$9</c:f>
+              <c:numCache>
+                <c:formatCode>m/d/yyyy</c:formatCode>
+                <c:ptCount val="20"/>
+                <c:pt idx="0">
+                  <c:v>45436</c:v>
+                </c:pt>
+                <c:pt idx="1">
+                  <c:v>45436</c:v>
+                </c:pt>
+                <c:pt idx="2">
+                  <c:v>45436</c:v>
+                </c:pt>
+                <c:pt idx="3">
+                  <c:v>45436</c:v>
+                </c:pt>
+                <c:pt idx="4">
+                  <c:v>45436</c:v>
+                </c:pt>
+                <c:pt idx="5">
+                  <c:v>45436</c:v>
+                </c:pt>
+                <c:pt idx="6">
+                  <c:v>45436</c:v>
+                </c:pt>
+              </c:numCache>
+            </c:numRef>
+          </c:val>
+          <c:smooth val="0"/>
+          <c:extLst>
+            <c:ext xmlns:c16="http://schemas.microsoft.com/office/drawing/2014/chart" uri="{C3380CC4-5D6E-409C-BE32-E72D297353CC}">
+              <c16:uniqueId val="{00000005-8024-49AB-B7F7-E71CF44316CC}"/>
+            </c:ext>
+          </c:extLst>
+        </c:ser>
+        <c:ser>
+          <c:idx val="6"/>
+          <c:order val="6"/>
+          <c:tx>
+            <c:strRef>
+              <c:f>Tabelle2!$B$10:$C$10</c:f>
+              <c:strCache>
+                <c:ptCount val="2"/>
+                <c:pt idx="0">
+                  <c:v>Menü</c:v>
+                </c:pt>
+                <c:pt idx="1">
+                  <c:v>03.04.2024</c:v>
+                </c:pt>
+              </c:strCache>
+            </c:strRef>
+          </c:tx>
+          <c:spPr>
+            <a:ln w="28575" cap="rnd">
+              <a:solidFill>
+                <a:schemeClr val="accent1">
+                  <a:lumMod val="60000"/>
+                </a:schemeClr>
+              </a:solidFill>
+              <a:round/>
+            </a:ln>
+            <a:effectLst/>
+          </c:spPr>
+          <c:marker>
+            <c:symbol val="none"/>
+          </c:marker>
+          <c:cat>
+            <c:numRef>
+              <c:f>Tabelle2!$D$2:$V$2</c:f>
+              <c:numCache>
+                <c:formatCode>m/d/yyyy</c:formatCode>
+                <c:ptCount val="19"/>
+                <c:pt idx="0">
+                  <c:v>45324</c:v>
+                </c:pt>
+                <c:pt idx="1">
+                  <c:v>45331</c:v>
+                </c:pt>
+                <c:pt idx="2">
+                  <c:v>45338</c:v>
+                </c:pt>
+                <c:pt idx="3">
+                  <c:v>45345</c:v>
+                </c:pt>
+                <c:pt idx="4">
+                  <c:v>45352</c:v>
+                </c:pt>
+                <c:pt idx="5">
+                  <c:v>45359</c:v>
+                </c:pt>
+                <c:pt idx="6">
+                  <c:v>45366</c:v>
+                </c:pt>
+                <c:pt idx="7">
+                  <c:v>45373</c:v>
+                </c:pt>
+                <c:pt idx="8">
+                  <c:v>45380</c:v>
+                </c:pt>
+                <c:pt idx="9">
+                  <c:v>45387</c:v>
+                </c:pt>
+                <c:pt idx="10">
+                  <c:v>45394</c:v>
+                </c:pt>
+                <c:pt idx="11">
+                  <c:v>45401</c:v>
+                </c:pt>
+                <c:pt idx="12">
+                  <c:v>45408</c:v>
+                </c:pt>
+                <c:pt idx="13">
+                  <c:v>45415</c:v>
+                </c:pt>
+                <c:pt idx="14">
+                  <c:v>45422</c:v>
+                </c:pt>
+                <c:pt idx="15">
+                  <c:v>45429</c:v>
+                </c:pt>
+                <c:pt idx="16">
+                  <c:v>45436</c:v>
+                </c:pt>
+                <c:pt idx="17">
+                  <c:v>45443</c:v>
+                </c:pt>
+                <c:pt idx="18">
+                  <c:v>45450</c:v>
+                </c:pt>
+              </c:numCache>
+            </c:numRef>
+          </c:cat>
+          <c:val>
+            <c:numRef>
+              <c:f>Tabelle2!$D$10:$W$10</c:f>
+              <c:numCache>
+                <c:formatCode>m/d/yyyy</c:formatCode>
+                <c:ptCount val="20"/>
+                <c:pt idx="0">
+                  <c:v>45385</c:v>
+                </c:pt>
+                <c:pt idx="1">
+                  <c:v>45386</c:v>
+                </c:pt>
+                <c:pt idx="2">
+                  <c:v>45387</c:v>
+                </c:pt>
+                <c:pt idx="3">
+                  <c:v>45388</c:v>
+                </c:pt>
+                <c:pt idx="4">
+                  <c:v>45429</c:v>
+                </c:pt>
+                <c:pt idx="5">
+                  <c:v>45429</c:v>
+                </c:pt>
+                <c:pt idx="6">
+                  <c:v>45415</c:v>
+                </c:pt>
+              </c:numCache>
+            </c:numRef>
+          </c:val>
+          <c:smooth val="0"/>
+          <c:extLst>
+            <c:ext xmlns:c16="http://schemas.microsoft.com/office/drawing/2014/chart" uri="{C3380CC4-5D6E-409C-BE32-E72D297353CC}">
+              <c16:uniqueId val="{00000006-8024-49AB-B7F7-E71CF44316CC}"/>
+            </c:ext>
+          </c:extLst>
+        </c:ser>
+        <c:ser>
+          <c:idx val="7"/>
+          <c:order val="7"/>
+          <c:tx>
+            <c:strRef>
+              <c:f>Tabelle2!$B$11</c:f>
+              <c:strCache>
+                <c:ptCount val="1"/>
+                <c:pt idx="0">
+                  <c:v>Musik</c:v>
+                </c:pt>
+              </c:strCache>
+            </c:strRef>
+          </c:tx>
+          <c:spPr>
+            <a:ln w="28575" cap="rnd">
+              <a:solidFill>
+                <a:schemeClr val="accent2">
+                  <a:lumMod val="60000"/>
+                </a:schemeClr>
+              </a:solidFill>
+              <a:round/>
+            </a:ln>
+            <a:effectLst/>
+          </c:spPr>
+          <c:marker>
+            <c:symbol val="none"/>
+          </c:marker>
+          <c:val>
+            <c:numRef>
+              <c:f>Tabelle2!$D$11:$V$11</c:f>
+              <c:numCache>
+                <c:formatCode>m/d/yyyy</c:formatCode>
+                <c:ptCount val="19"/>
+                <c:pt idx="0">
+                  <c:v>45443</c:v>
+                </c:pt>
+                <c:pt idx="1">
+                  <c:v>45443</c:v>
+                </c:pt>
+                <c:pt idx="2">
+                  <c:v>45443</c:v>
+                </c:pt>
+                <c:pt idx="3">
+                  <c:v>45443</c:v>
+                </c:pt>
+                <c:pt idx="4">
+                  <c:v>45422</c:v>
+                </c:pt>
+                <c:pt idx="5">
+                  <c:v>45422</c:v>
+                </c:pt>
+                <c:pt idx="6">
+                  <c:v>45422</c:v>
+                </c:pt>
+              </c:numCache>
+            </c:numRef>
+          </c:val>
+          <c:smooth val="0"/>
+          <c:extLst>
+            <c:ext xmlns:c16="http://schemas.microsoft.com/office/drawing/2014/chart" uri="{C3380CC4-5D6E-409C-BE32-E72D297353CC}">
+              <c16:uniqueId val="{00000007-8024-49AB-B7F7-E71CF44316CC}"/>
+            </c:ext>
+          </c:extLst>
+        </c:ser>
+        <c:dLbls>
+          <c:showLegendKey val="0"/>
+          <c:showVal val="0"/>
+          <c:showCatName val="0"/>
+          <c:showSerName val="0"/>
+          <c:showPercent val="0"/>
+          <c:showBubbleSize val="0"/>
+        </c:dLbls>
+        <c:smooth val="0"/>
+        <c:axId val="718231048"/>
+        <c:axId val="718233096"/>
+      </c:lineChart>
+      <c:dateAx>
+        <c:axId val="718231048"/>
+        <c:scaling>
+          <c:orientation val="minMax"/>
+        </c:scaling>
+        <c:delete val="0"/>
+        <c:axPos val="b"/>
+        <c:majorGridlines>
+          <c:spPr>
+            <a:ln w="9525" cap="flat" cmpd="sng" algn="ctr">
+              <a:solidFill>
+                <a:schemeClr val="tx1">
+                  <a:lumMod val="15000"/>
+                  <a:lumOff val="85000"/>
+                </a:schemeClr>
+              </a:solidFill>
+              <a:round/>
+            </a:ln>
+            <a:effectLst/>
+          </c:spPr>
+        </c:majorGridlines>
+        <c:numFmt formatCode="m/d/yyyy" sourceLinked="1"/>
+        <c:majorTickMark val="none"/>
+        <c:minorTickMark val="none"/>
+        <c:tickLblPos val="nextTo"/>
+        <c:spPr>
+          <a:noFill/>
+          <a:ln w="9525" cap="flat" cmpd="sng" algn="ctr">
+            <a:solidFill>
+              <a:schemeClr val="tx1">
+                <a:lumMod val="15000"/>
+                <a:lumOff val="85000"/>
+              </a:schemeClr>
+            </a:solidFill>
+            <a:round/>
+          </a:ln>
+          <a:effectLst/>
+        </c:spPr>
+        <c:txPr>
+          <a:bodyPr rot="-60000000" spcFirstLastPara="1" vertOverflow="ellipsis" vert="horz" wrap="square" anchor="ctr" anchorCtr="1"/>
+          <a:lstStyle/>
+          <a:p>
+            <a:pPr>
+              <a:defRPr sz="900" b="0" i="0" u="none" strike="noStrike" kern="1200" baseline="0">
+                <a:solidFill>
+                  <a:schemeClr val="tx1">
+                    <a:lumMod val="65000"/>
+                    <a:lumOff val="35000"/>
+                  </a:schemeClr>
+                </a:solidFill>
+                <a:latin typeface="+mn-lt"/>
+                <a:ea typeface="+mn-ea"/>
+                <a:cs typeface="+mn-cs"/>
+              </a:defRPr>
+            </a:pPr>
+            <a:endParaRPr lang="de-DE"/>
+          </a:p>
+        </c:txPr>
+        <c:crossAx val="718233096"/>
+        <c:crosses val="autoZero"/>
+        <c:auto val="1"/>
+        <c:lblOffset val="100"/>
+        <c:baseTimeUnit val="days"/>
+      </c:dateAx>
+      <c:valAx>
+        <c:axId val="718233096"/>
+        <c:scaling>
+          <c:orientation val="minMax"/>
+          <c:max val="45470"/>
+          <c:min val="45323"/>
+        </c:scaling>
+        <c:delete val="0"/>
+        <c:axPos val="l"/>
+        <c:majorGridlines>
+          <c:spPr>
+            <a:ln w="9525" cap="flat" cmpd="sng" algn="ctr">
+              <a:solidFill>
+                <a:schemeClr val="tx1">
+                  <a:lumMod val="15000"/>
+                  <a:lumOff val="85000"/>
+                </a:schemeClr>
+              </a:solidFill>
+              <a:round/>
+            </a:ln>
+            <a:effectLst/>
+          </c:spPr>
+        </c:majorGridlines>
+        <c:numFmt formatCode="m/d/yyyy" sourceLinked="0"/>
+        <c:majorTickMark val="none"/>
+        <c:minorTickMark val="none"/>
+        <c:tickLblPos val="nextTo"/>
+        <c:spPr>
+          <a:noFill/>
+          <a:ln>
+            <a:noFill/>
+          </a:ln>
+          <a:effectLst/>
+        </c:spPr>
+        <c:txPr>
+          <a:bodyPr rot="-60000000" spcFirstLastPara="1" vertOverflow="ellipsis" vert="horz" wrap="square" anchor="ctr" anchorCtr="1"/>
+          <a:lstStyle/>
+          <a:p>
+            <a:pPr>
+              <a:defRPr sz="900" b="0" i="0" u="none" strike="noStrike" kern="1200" baseline="0">
+                <a:solidFill>
+                  <a:schemeClr val="tx1">
+                    <a:lumMod val="65000"/>
+                    <a:lumOff val="35000"/>
+                  </a:schemeClr>
+                </a:solidFill>
+                <a:latin typeface="+mn-lt"/>
+                <a:ea typeface="+mn-ea"/>
+                <a:cs typeface="+mn-cs"/>
+              </a:defRPr>
+            </a:pPr>
+            <a:endParaRPr lang="de-DE"/>
+          </a:p>
+        </c:txPr>
+        <c:crossAx val="718231048"/>
+        <c:crosses val="autoZero"/>
+        <c:crossBetween val="between"/>
+        <c:majorUnit val="7"/>
+      </c:valAx>
+      <c:spPr>
+        <a:noFill/>
+        <a:ln>
+          <a:noFill/>
+        </a:ln>
+        <a:effectLst/>
+      </c:spPr>
+    </c:plotArea>
+    <c:legend>
+      <c:legendPos val="b"/>
+      <c:overlay val="0"/>
+      <c:spPr>
+        <a:noFill/>
+        <a:ln>
+          <a:noFill/>
+        </a:ln>
+        <a:effectLst/>
+      </c:spPr>
+      <c:txPr>
+        <a:bodyPr rot="0" spcFirstLastPara="1" vertOverflow="ellipsis" vert="horz" wrap="square" anchor="ctr" anchorCtr="1"/>
+        <a:lstStyle/>
+        <a:p>
+          <a:pPr>
+            <a:defRPr sz="900" b="0" i="0" u="none" strike="noStrike" kern="1200" baseline="0">
+              <a:solidFill>
+                <a:schemeClr val="tx1">
+                  <a:lumMod val="65000"/>
+                  <a:lumOff val="35000"/>
+                </a:schemeClr>
+              </a:solidFill>
+              <a:latin typeface="+mn-lt"/>
+              <a:ea typeface="+mn-ea"/>
+              <a:cs typeface="+mn-cs"/>
+            </a:defRPr>
+          </a:pPr>
+          <a:endParaRPr lang="de-DE"/>
+        </a:p>
+      </c:txPr>
+    </c:legend>
+    <c:plotVisOnly val="1"/>
+    <c:dispBlanksAs val="gap"/>
+    <c:showDLblsOverMax val="0"/>
+  </c:chart>
+  <c:spPr>
+    <a:noFill/>
+    <a:ln>
+      <a:noFill/>
+    </a:ln>
+    <a:effectLst/>
+  </c:spPr>
+  <c:txPr>
+    <a:bodyPr/>
+    <a:lstStyle/>
+    <a:p>
+      <a:pPr>
+        <a:defRPr/>
+      </a:pPr>
+      <a:endParaRPr lang="de-DE"/>
+    </a:p>
+  </c:txPr>
+  <c:externalData r:id="rId3">
+    <c:autoUpdate val="0"/>
+  </c:externalData>
+</c:chartSpace>
+</file>
+
+<file path=ppt/charts/colors1.xml><?xml version="1.0" encoding="utf-8"?>
+<cs:colorStyle xmlns:cs="http://schemas.microsoft.com/office/drawing/2012/chartStyle" xmlns:a="http://schemas.openxmlformats.org/drawingml/2006/main" meth="cycle" id="10">
+  <a:schemeClr val="accent1"/>
+  <a:schemeClr val="accent2"/>
+  <a:schemeClr val="accent3"/>
+  <a:schemeClr val="accent4"/>
+  <a:schemeClr val="accent5"/>
+  <a:schemeClr val="accent6"/>
+  <cs:variation/>
+  <cs:variation>
+    <a:lumMod val="60000"/>
+  </cs:variation>
+  <cs:variation>
+    <a:lumMod val="80000"/>
+    <a:lumOff val="20000"/>
+  </cs:variation>
+  <cs:variation>
+    <a:lumMod val="80000"/>
+  </cs:variation>
+  <cs:variation>
+    <a:lumMod val="60000"/>
+    <a:lumOff val="40000"/>
+  </cs:variation>
+  <cs:variation>
+    <a:lumMod val="50000"/>
+  </cs:variation>
+  <cs:variation>
+    <a:lumMod val="70000"/>
+    <a:lumOff val="30000"/>
+  </cs:variation>
+  <cs:variation>
+    <a:lumMod val="70000"/>
+  </cs:variation>
+  <cs:variation>
+    <a:lumMod val="50000"/>
+    <a:lumOff val="50000"/>
+  </cs:variation>
+</cs:colorStyle>
+</file>
+
+<file path=ppt/charts/style1.xml><?xml version="1.0" encoding="utf-8"?>
+<cs:chartStyle xmlns:cs="http://schemas.microsoft.com/office/drawing/2012/chartStyle" xmlns:a="http://schemas.openxmlformats.org/drawingml/2006/main" id="227">
+  <cs:axisTitle>
+    <cs:lnRef idx="0"/>
+    <cs:fillRef idx="0"/>
+    <cs:effectRef idx="0"/>
+    <cs:fontRef idx="minor">
+      <a:schemeClr val="tx1">
+        <a:lumMod val="65000"/>
+        <a:lumOff val="35000"/>
+      </a:schemeClr>
+    </cs:fontRef>
+    <cs:defRPr sz="1000" kern="1200"/>
+  </cs:axisTitle>
+  <cs:categoryAxis>
+    <cs:lnRef idx="0"/>
+    <cs:fillRef idx="0"/>
+    <cs:effectRef idx="0"/>
+    <cs:fontRef idx="minor">
+      <a:schemeClr val="tx1">
+        <a:lumMod val="65000"/>
+        <a:lumOff val="35000"/>
+      </a:schemeClr>
+    </cs:fontRef>
+    <cs:spPr>
+      <a:ln w="9525" cap="flat" cmpd="sng" algn="ctr">
+        <a:solidFill>
+          <a:schemeClr val="tx1">
+            <a:lumMod val="15000"/>
+            <a:lumOff val="85000"/>
+          </a:schemeClr>
+        </a:solidFill>
+        <a:round/>
+      </a:ln>
+    </cs:spPr>
+    <cs:defRPr sz="900" kern="1200"/>
+  </cs:categoryAxis>
+  <cs:chartArea mods="allowNoFillOverride allowNoLineOverride">
+    <cs:lnRef idx="0"/>
+    <cs:fillRef idx="0"/>
+    <cs:effectRef idx="0"/>
+    <cs:fontRef idx="minor">
+      <a:schemeClr val="tx1"/>
+    </cs:fontRef>
+    <cs:spPr>
+      <a:solidFill>
+        <a:schemeClr val="bg1"/>
+      </a:solidFill>
+      <a:ln w="9525" cap="flat" cmpd="sng" algn="ctr">
+        <a:solidFill>
+          <a:schemeClr val="tx1">
+            <a:lumMod val="15000"/>
+            <a:lumOff val="85000"/>
+          </a:schemeClr>
+        </a:solidFill>
+        <a:round/>
+      </a:ln>
+    </cs:spPr>
+    <cs:defRPr sz="1000" kern="1200"/>
+  </cs:chartArea>
+  <cs:dataLabel>
+    <cs:lnRef idx="0"/>
+    <cs:fillRef idx="0"/>
+    <cs:effectRef idx="0"/>
+    <cs:fontRef idx="minor">
+      <a:schemeClr val="tx1">
+        <a:lumMod val="75000"/>
+        <a:lumOff val="25000"/>
+      </a:schemeClr>
+    </cs:fontRef>
+    <cs:defRPr sz="900" kern="1200"/>
+  </cs:dataLabel>
+  <cs:dataLabelCallout>
+    <cs:lnRef idx="0"/>
+    <cs:fillRef idx="0"/>
+    <cs:effectRef idx="0"/>
+    <cs:fontRef idx="minor">
+      <a:schemeClr val="dk1">
+        <a:lumMod val="65000"/>
+        <a:lumOff val="35000"/>
+      </a:schemeClr>
+    </cs:fontRef>
+    <cs:spPr>
+      <a:solidFill>
+        <a:schemeClr val="lt1"/>
+      </a:solidFill>
+      <a:ln>
+        <a:solidFill>
+          <a:schemeClr val="dk1">
+            <a:lumMod val="25000"/>
+            <a:lumOff val="75000"/>
+          </a:schemeClr>
+        </a:solidFill>
+      </a:ln>
+    </cs:spPr>
+    <cs:defRPr sz="900" kern="1200"/>
+    <cs:bodyPr rot="0" spcFirstLastPara="1" vertOverflow="clip" horzOverflow="clip" vert="horz" wrap="square" lIns="36576" tIns="18288" rIns="36576" bIns="18288" anchor="ctr" anchorCtr="1">
+      <a:spAutoFit/>
+    </cs:bodyPr>
+  </cs:dataLabelCallout>
+  <cs:dataPoint>
+    <cs:lnRef idx="0"/>
+    <cs:fillRef idx="1">
+      <cs:styleClr val="auto"/>
+    </cs:fillRef>
+    <cs:effectRef idx="0"/>
+    <cs:fontRef idx="minor">
+      <a:schemeClr val="tx1"/>
+    </cs:fontRef>
+    <cs:spPr>
+      <a:solidFill>
+        <a:schemeClr val="phClr"/>
+      </a:solidFill>
+    </cs:spPr>
+  </cs:dataPoint>
+  <cs:dataPoint3D>
+    <cs:lnRef idx="0"/>
+    <cs:fillRef idx="1">
+      <cs:styleClr val="auto"/>
+    </cs:fillRef>
+    <cs:effectRef idx="0"/>
+    <cs:fontRef idx="minor">
+      <a:schemeClr val="tx1"/>
+    </cs:fontRef>
+    <cs:spPr>
+      <a:solidFill>
+        <a:schemeClr val="phClr"/>
+      </a:solidFill>
+    </cs:spPr>
+  </cs:dataPoint3D>
+  <cs:dataPointLine>
+    <cs:lnRef idx="0">
+      <cs:styleClr val="auto"/>
+    </cs:lnRef>
+    <cs:fillRef idx="1"/>
+    <cs:effectRef idx="0"/>
+    <cs:fontRef idx="minor">
+      <a:schemeClr val="tx1"/>
+    </cs:fontRef>
+    <cs:spPr>
+      <a:ln w="28575" cap="rnd">
+        <a:solidFill>
+          <a:schemeClr val="phClr"/>
+        </a:solidFill>
+        <a:round/>
+      </a:ln>
+    </cs:spPr>
+  </cs:dataPointLine>
+  <cs:dataPointMarker>
+    <cs:lnRef idx="0">
+      <cs:styleClr val="auto"/>
+    </cs:lnRef>
+    <cs:fillRef idx="1">
+      <cs:styleClr val="auto"/>
+    </cs:fillRef>
+    <cs:effectRef idx="0"/>
+    <cs:fontRef idx="minor">
+      <a:schemeClr val="tx1"/>
+    </cs:fontRef>
+    <cs:spPr>
+      <a:solidFill>
+        <a:schemeClr val="phClr"/>
+      </a:solidFill>
+      <a:ln w="9525">
+        <a:solidFill>
+          <a:schemeClr val="phClr"/>
+        </a:solidFill>
+      </a:ln>
+    </cs:spPr>
+  </cs:dataPointMarker>
+  <cs:dataPointMarkerLayout symbol="circle" size="5"/>
+  <cs:dataPointWireframe>
+    <cs:lnRef idx="0">
+      <cs:styleClr val="auto"/>
+    </cs:lnRef>
+    <cs:fillRef idx="1"/>
+    <cs:effectRef idx="0"/>
+    <cs:fontRef idx="minor">
+      <a:schemeClr val="tx1"/>
+    </cs:fontRef>
+    <cs:spPr>
+      <a:ln w="9525" cap="rnd">
+        <a:solidFill>
+          <a:schemeClr val="phClr"/>
+        </a:solidFill>
+        <a:round/>
+      </a:ln>
+    </cs:spPr>
+  </cs:dataPointWireframe>
+  <cs:dataTable>
+    <cs:lnRef idx="0"/>
+    <cs:fillRef idx="0"/>
+    <cs:effectRef idx="0"/>
+    <cs:fontRef idx="minor">
+      <a:schemeClr val="tx1">
+        <a:lumMod val="65000"/>
+        <a:lumOff val="35000"/>
+      </a:schemeClr>
+    </cs:fontRef>
+    <cs:spPr>
+      <a:noFill/>
+      <a:ln w="9525" cap="flat" cmpd="sng" algn="ctr">
+        <a:solidFill>
+          <a:schemeClr val="tx1">
+            <a:lumMod val="15000"/>
+            <a:lumOff val="85000"/>
+          </a:schemeClr>
+        </a:solidFill>
+        <a:round/>
+      </a:ln>
+    </cs:spPr>
+    <cs:defRPr sz="900" kern="1200"/>
+  </cs:dataTable>
+  <cs:downBar>
+    <cs:lnRef idx="0"/>
+    <cs:fillRef idx="0"/>
+    <cs:effectRef idx="0"/>
+    <cs:fontRef idx="minor">
+      <a:schemeClr val="dk1"/>
+    </cs:fontRef>
+    <cs:spPr>
+      <a:solidFill>
+        <a:schemeClr val="dk1">
+          <a:lumMod val="65000"/>
+          <a:lumOff val="35000"/>
+        </a:schemeClr>
+      </a:solidFill>
+      <a:ln w="9525">
+        <a:solidFill>
+          <a:schemeClr val="tx1">
+            <a:lumMod val="65000"/>
+            <a:lumOff val="35000"/>
+          </a:schemeClr>
+        </a:solidFill>
+      </a:ln>
+    </cs:spPr>
+  </cs:downBar>
+  <cs:dropLine>
+    <cs:lnRef idx="0"/>
+    <cs:fillRef idx="0"/>
+    <cs:effectRef idx="0"/>
+    <cs:fontRef idx="minor">
+      <a:schemeClr val="tx1"/>
+    </cs:fontRef>
+    <cs:spPr>
+      <a:ln w="9525" cap="flat" cmpd="sng" algn="ctr">
+        <a:solidFill>
+          <a:schemeClr val="tx1">
+            <a:lumMod val="35000"/>
+            <a:lumOff val="65000"/>
+          </a:schemeClr>
+        </a:solidFill>
+        <a:round/>
+      </a:ln>
+    </cs:spPr>
+  </cs:dropLine>
+  <cs:errorBar>
+    <cs:lnRef idx="0"/>
+    <cs:fillRef idx="0"/>
+    <cs:effectRef idx="0"/>
+    <cs:fontRef idx="minor">
+      <a:schemeClr val="tx1"/>
+    </cs:fontRef>
+    <cs:spPr>
+      <a:ln w="9525" cap="flat" cmpd="sng" algn="ctr">
+        <a:solidFill>
+          <a:schemeClr val="tx1">
+            <a:lumMod val="65000"/>
+            <a:lumOff val="35000"/>
+          </a:schemeClr>
+        </a:solidFill>
+        <a:round/>
+      </a:ln>
+    </cs:spPr>
+  </cs:errorBar>
+  <cs:floor>
+    <cs:lnRef idx="0"/>
+    <cs:fillRef idx="0"/>
+    <cs:effectRef idx="0"/>
+    <cs:fontRef idx="minor">
+      <a:schemeClr val="tx1"/>
+    </cs:fontRef>
+    <cs:spPr>
+      <a:noFill/>
+      <a:ln>
+        <a:noFill/>
+      </a:ln>
+    </cs:spPr>
+  </cs:floor>
+  <cs:gridlineMajor>
+    <cs:lnRef idx="0"/>
+    <cs:fillRef idx="0"/>
+    <cs:effectRef idx="0"/>
+    <cs:fontRef idx="minor">
+      <a:schemeClr val="tx1"/>
+    </cs:fontRef>
+    <cs:spPr>
+      <a:ln w="9525" cap="flat" cmpd="sng" algn="ctr">
+        <a:solidFill>
+          <a:schemeClr val="tx1">
+            <a:lumMod val="15000"/>
+            <a:lumOff val="85000"/>
+          </a:schemeClr>
+        </a:solidFill>
+        <a:round/>
+      </a:ln>
+    </cs:spPr>
+  </cs:gridlineMajor>
+  <cs:gridlineMinor>
+    <cs:lnRef idx="0"/>
+    <cs:fillRef idx="0"/>
+    <cs:effectRef idx="0"/>
+    <cs:fontRef idx="minor">
+      <a:schemeClr val="tx1"/>
+    </cs:fontRef>
+    <cs:spPr>
+      <a:ln w="9525" cap="flat" cmpd="sng" algn="ctr">
+        <a:solidFill>
+          <a:schemeClr val="tx1">
+            <a:lumMod val="5000"/>
+            <a:lumOff val="95000"/>
+          </a:schemeClr>
+        </a:solidFill>
+        <a:round/>
+      </a:ln>
+    </cs:spPr>
+  </cs:gridlineMinor>
+  <cs:hiLoLine>
+    <cs:lnRef idx="0"/>
+    <cs:fillRef idx="0"/>
+    <cs:effectRef idx="0"/>
+    <cs:fontRef idx="minor">
+      <a:schemeClr val="tx1"/>
+    </cs:fontRef>
+    <cs:spPr>
+      <a:ln w="9525" cap="flat" cmpd="sng" algn="ctr">
+        <a:solidFill>
+          <a:schemeClr val="tx1">
+            <a:lumMod val="75000"/>
+            <a:lumOff val="25000"/>
+          </a:schemeClr>
+        </a:solidFill>
+        <a:round/>
+      </a:ln>
+    </cs:spPr>
+  </cs:hiLoLine>
+  <cs:leaderLine>
+    <cs:lnRef idx="0"/>
+    <cs:fillRef idx="0"/>
+    <cs:effectRef idx="0"/>
+    <cs:fontRef idx="minor">
+      <a:schemeClr val="tx1"/>
+    </cs:fontRef>
+    <cs:spPr>
+      <a:ln w="9525" cap="flat" cmpd="sng" algn="ctr">
+        <a:solidFill>
+          <a:schemeClr val="tx1">
+            <a:lumMod val="35000"/>
+            <a:lumOff val="65000"/>
+          </a:schemeClr>
+        </a:solidFill>
+        <a:round/>
+      </a:ln>
+    </cs:spPr>
+  </cs:leaderLine>
+  <cs:legend>
+    <cs:lnRef idx="0"/>
+    <cs:fillRef idx="0"/>
+    <cs:effectRef idx="0"/>
+    <cs:fontRef idx="minor">
+      <a:schemeClr val="tx1">
+        <a:lumMod val="65000"/>
+        <a:lumOff val="35000"/>
+      </a:schemeClr>
+    </cs:fontRef>
+    <cs:defRPr sz="900" kern="1200"/>
+  </cs:legend>
+  <cs:plotArea mods="allowNoFillOverride allowNoLineOverride">
+    <cs:lnRef idx="0"/>
+    <cs:fillRef idx="0"/>
+    <cs:effectRef idx="0"/>
+    <cs:fontRef idx="minor">
+      <a:schemeClr val="tx1"/>
+    </cs:fontRef>
+  </cs:plotArea>
+  <cs:plotArea3D mods="allowNoFillOverride allowNoLineOverride">
+    <cs:lnRef idx="0"/>
+    <cs:fillRef idx="0"/>
+    <cs:effectRef idx="0"/>
+    <cs:fontRef idx="minor">
+      <a:schemeClr val="tx1"/>
+    </cs:fontRef>
+  </cs:plotArea3D>
+  <cs:seriesAxis>
+    <cs:lnRef idx="0"/>
+    <cs:fillRef idx="0"/>
+    <cs:effectRef idx="0"/>
+    <cs:fontRef idx="minor">
+      <a:schemeClr val="tx1">
+        <a:lumMod val="65000"/>
+        <a:lumOff val="35000"/>
+      </a:schemeClr>
+    </cs:fontRef>
+    <cs:defRPr sz="900" kern="1200"/>
+  </cs:seriesAxis>
+  <cs:seriesLine>
+    <cs:lnRef idx="0"/>
+    <cs:fillRef idx="0"/>
+    <cs:effectRef idx="0"/>
+    <cs:fontRef idx="minor">
+      <a:schemeClr val="tx1"/>
+    </cs:fontRef>
+    <cs:spPr>
+      <a:ln w="9525" cap="flat" cmpd="sng" algn="ctr">
+        <a:solidFill>
+          <a:schemeClr val="tx1">
+            <a:lumMod val="35000"/>
+            <a:lumOff val="65000"/>
+          </a:schemeClr>
+        </a:solidFill>
+        <a:round/>
+      </a:ln>
+    </cs:spPr>
+  </cs:seriesLine>
+  <cs:title>
+    <cs:lnRef idx="0"/>
+    <cs:fillRef idx="0"/>
+    <cs:effectRef idx="0"/>
+    <cs:fontRef idx="minor">
+      <a:schemeClr val="tx1">
+        <a:lumMod val="65000"/>
+        <a:lumOff val="35000"/>
+      </a:schemeClr>
+    </cs:fontRef>
+    <cs:defRPr sz="1400" b="0" kern="1200" spc="0" baseline="0"/>
+  </cs:title>
+  <cs:trendline>
+    <cs:lnRef idx="0">
+      <cs:styleClr val="auto"/>
+    </cs:lnRef>
+    <cs:fillRef idx="0"/>
+    <cs:effectRef idx="0"/>
+    <cs:fontRef idx="minor">
+      <a:schemeClr val="tx1"/>
+    </cs:fontRef>
+    <cs:spPr>
+      <a:ln w="19050" cap="rnd">
+        <a:solidFill>
+          <a:schemeClr val="phClr"/>
+        </a:solidFill>
+        <a:prstDash val="sysDot"/>
+      </a:ln>
+    </cs:spPr>
+  </cs:trendline>
+  <cs:trendlineLabel>
+    <cs:lnRef idx="0"/>
+    <cs:fillRef idx="0"/>
+    <cs:effectRef idx="0"/>
+    <cs:fontRef idx="minor">
+      <a:schemeClr val="tx1">
+        <a:lumMod val="65000"/>
+        <a:lumOff val="35000"/>
+      </a:schemeClr>
+    </cs:fontRef>
+    <cs:defRPr sz="900" kern="1200"/>
+  </cs:trendlineLabel>
+  <cs:upBar>
+    <cs:lnRef idx="0"/>
+    <cs:fillRef idx="0"/>
+    <cs:effectRef idx="0"/>
+    <cs:fontRef idx="minor">
+      <a:schemeClr val="dk1"/>
+    </cs:fontRef>
+    <cs:spPr>
+      <a:solidFill>
+        <a:schemeClr val="lt1"/>
+      </a:solidFill>
+      <a:ln w="9525">
+        <a:solidFill>
+          <a:schemeClr val="tx1">
+            <a:lumMod val="15000"/>
+            <a:lumOff val="85000"/>
+          </a:schemeClr>
+        </a:solidFill>
+      </a:ln>
+    </cs:spPr>
+  </cs:upBar>
+  <cs:valueAxis>
+    <cs:lnRef idx="0"/>
+    <cs:fillRef idx="0"/>
+    <cs:effectRef idx="0"/>
+    <cs:fontRef idx="minor">
+      <a:schemeClr val="tx1">
+        <a:lumMod val="65000"/>
+        <a:lumOff val="35000"/>
+      </a:schemeClr>
+    </cs:fontRef>
+    <cs:defRPr sz="900" kern="1200"/>
+  </cs:valueAxis>
+  <cs:wall>
+    <cs:lnRef idx="0"/>
+    <cs:fillRef idx="0"/>
+    <cs:effectRef idx="0"/>
+    <cs:fontRef idx="minor">
+      <a:schemeClr val="tx1"/>
+    </cs:fontRef>
+    <cs:spPr>
+      <a:noFill/>
+      <a:ln>
+        <a:noFill/>
+      </a:ln>
+    </cs:spPr>
+  </cs:wall>
+</cs:chartStyle>
 </file>
 
 <file path=ppt/slideLayouts/slideLayout1.xml><?xml version="1.0" encoding="utf-8"?>
@@ -3440,6 +5271,127 @@
 <file path=ppt/slides/slide2.xml><?xml version="1.0" encoding="utf-8"?>
 <p:sld xmlns:a="http://schemas.openxmlformats.org/drawingml/2006/main" xmlns:r="http://schemas.openxmlformats.org/officeDocument/2006/relationships" xmlns:p="http://schemas.openxmlformats.org/presentationml/2006/main">
   <p:cSld>
+    <p:spTree>
+      <p:nvGrpSpPr>
+        <p:cNvPr id="1" name=""/>
+        <p:cNvGrpSpPr/>
+        <p:nvPr/>
+      </p:nvGrpSpPr>
+      <p:grpSpPr>
+        <a:xfrm>
+          <a:off x="0" y="0"/>
+          <a:ext cx="0" cy="0"/>
+          <a:chOff x="0" y="0"/>
+          <a:chExt cx="0" cy="0"/>
+        </a:xfrm>
+      </p:grpSpPr>
+      <p:sp>
+        <p:nvSpPr>
+          <p:cNvPr id="2" name="Titel 1">
+            <a:extLst>
+              <a:ext uri="{FF2B5EF4-FFF2-40B4-BE49-F238E27FC236}">
+                <a16:creationId xmlns:a16="http://schemas.microsoft.com/office/drawing/2014/main" id="{7F3A61BA-91D0-BE2B-6CA6-030B8F14BD52}"/>
+              </a:ext>
+            </a:extLst>
+          </p:cNvPr>
+          <p:cNvSpPr>
+            <a:spLocks noGrp="1"/>
+          </p:cNvSpPr>
+          <p:nvPr>
+            <p:ph type="title"/>
+          </p:nvPr>
+        </p:nvSpPr>
+        <p:spPr/>
+        <p:txBody>
+          <a:bodyPr/>
+          <a:lstStyle/>
+          <a:p>
+            <a:r>
+              <a:rPr lang="de-AT" dirty="0"/>
+              <a:t>Inhalt</a:t>
+            </a:r>
+          </a:p>
+        </p:txBody>
+      </p:sp>
+      <p:sp>
+        <p:nvSpPr>
+          <p:cNvPr id="3" name="Inhaltsplatzhalter 2">
+            <a:extLst>
+              <a:ext uri="{FF2B5EF4-FFF2-40B4-BE49-F238E27FC236}">
+                <a16:creationId xmlns:a16="http://schemas.microsoft.com/office/drawing/2014/main" id="{2D474D6D-DEB3-EAB2-B5C6-C2AC8249E95E}"/>
+              </a:ext>
+            </a:extLst>
+          </p:cNvPr>
+          <p:cNvSpPr>
+            <a:spLocks noGrp="1"/>
+          </p:cNvSpPr>
+          <p:nvPr>
+            <p:ph idx="1"/>
+          </p:nvPr>
+        </p:nvSpPr>
+        <p:spPr/>
+        <p:txBody>
+          <a:bodyPr/>
+          <a:lstStyle/>
+          <a:p>
+            <a:r>
+              <a:rPr lang="de-AT" dirty="0"/>
+              <a:t>Meilensteintrend Analyse</a:t>
+            </a:r>
+          </a:p>
+          <a:p>
+            <a:r>
+              <a:rPr lang="de-AT" dirty="0"/>
+              <a:t>Ergebnisse</a:t>
+            </a:r>
+          </a:p>
+          <a:p>
+            <a:pPr lvl="1"/>
+            <a:r>
+              <a:rPr lang="de-AT" dirty="0"/>
+              <a:t>Spieler</a:t>
+            </a:r>
+          </a:p>
+          <a:p>
+            <a:pPr lvl="1"/>
+            <a:r>
+              <a:rPr lang="de-AT" dirty="0"/>
+              <a:t>Menü</a:t>
+            </a:r>
+          </a:p>
+          <a:p>
+            <a:r>
+              <a:rPr lang="de-AT" dirty="0"/>
+              <a:t>Kurzes Beispiel</a:t>
+            </a:r>
+          </a:p>
+          <a:p>
+            <a:r>
+              <a:rPr lang="de-AT" dirty="0"/>
+              <a:t>Fazit</a:t>
+            </a:r>
+          </a:p>
+          <a:p>
+            <a:endParaRPr lang="de-AT" dirty="0"/>
+          </a:p>
+        </p:txBody>
+      </p:sp>
+    </p:spTree>
+    <p:extLst>
+      <p:ext uri="{BB962C8B-B14F-4D97-AF65-F5344CB8AC3E}">
+        <p14:creationId xmlns:p14="http://schemas.microsoft.com/office/powerpoint/2010/main" val="762255195"/>
+      </p:ext>
+    </p:extLst>
+  </p:cSld>
+  <p:clrMapOvr>
+    <a:masterClrMapping/>
+  </p:clrMapOvr>
+</p:sld>
+</file>
+
+<file path=ppt/slides/slide3.xml><?xml version="1.0" encoding="utf-8"?>
+<p:sld xmlns:a="http://schemas.openxmlformats.org/drawingml/2006/main" xmlns:r="http://schemas.openxmlformats.org/officeDocument/2006/relationships" xmlns:p="http://schemas.openxmlformats.org/presentationml/2006/main">
+  <p:cSld>
     <p:bg>
       <p:bgPr>
         <a:solidFill>
@@ -3464,10 +5416,10 @@
       </p:grpSpPr>
       <p:sp>
         <p:nvSpPr>
-          <p:cNvPr id="10" name="Rectangle 9">
-            <a:extLst>
-              <a:ext uri="{FF2B5EF4-FFF2-40B4-BE49-F238E27FC236}">
-                <a16:creationId xmlns:a16="http://schemas.microsoft.com/office/drawing/2014/main" id="{A4AC5506-6312-4701-8D3C-40187889A947}"/>
+          <p:cNvPr id="7" name="Rectangle 6">
+            <a:extLst>
+              <a:ext uri="{FF2B5EF4-FFF2-40B4-BE49-F238E27FC236}">
+                <a16:creationId xmlns:a16="http://schemas.microsoft.com/office/drawing/2014/main" id="{32BC26D8-82FB-445E-AA49-62A77D7C1EE0}"/>
               </a:ext>
               <a:ext uri="{C183D7F6-B498-43B3-948B-1728B52AA6E4}">
                 <adec:decorative xmlns:adec="http://schemas.microsoft.com/office/drawing/2017/decorative" val="1"/>
@@ -3487,14 +5439,17 @@
         </p:nvSpPr>
         <p:spPr>
           <a:xfrm>
-            <a:off x="0" y="651752"/>
-            <a:ext cx="12192000" cy="736551"/>
+            <a:off x="0" y="0"/>
+            <a:ext cx="12192000" cy="6858000"/>
           </a:xfrm>
           <a:prstGeom prst="rect">
             <a:avLst/>
           </a:prstGeom>
           <a:solidFill>
-            <a:schemeClr val="tx1"/>
+            <a:schemeClr val="tx1">
+              <a:lumMod val="65000"/>
+              <a:lumOff val="35000"/>
+            </a:schemeClr>
           </a:solidFill>
           <a:ln>
             <a:noFill/>
@@ -3527,83 +5482,241 @@
       </p:sp>
       <p:sp>
         <p:nvSpPr>
-          <p:cNvPr id="2" name="Titel 1">
-            <a:extLst>
-              <a:ext uri="{FF2B5EF4-FFF2-40B4-BE49-F238E27FC236}">
-                <a16:creationId xmlns:a16="http://schemas.microsoft.com/office/drawing/2014/main" id="{C8D65647-DDF1-7175-A0EB-1B29BF765A9A}"/>
-              </a:ext>
-            </a:extLst>
-          </p:cNvPr>
-          <p:cNvSpPr>
-            <a:spLocks noGrp="1"/>
-          </p:cNvSpPr>
-          <p:nvPr>
-            <p:ph type="title"/>
+          <p:cNvPr id="9" name="Rectangle 8">
+            <a:extLst>
+              <a:ext uri="{FF2B5EF4-FFF2-40B4-BE49-F238E27FC236}">
+                <a16:creationId xmlns:a16="http://schemas.microsoft.com/office/drawing/2014/main" id="{CB44330D-EA18-4254-AA95-EB49948539B8}"/>
+              </a:ext>
+              <a:ext uri="{C183D7F6-B498-43B3-948B-1728B52AA6E4}">
+                <adec:decorative xmlns:adec="http://schemas.microsoft.com/office/drawing/2017/decorative" val="1"/>
+              </a:ext>
+            </a:extLst>
+          </p:cNvPr>
+          <p:cNvSpPr>
+            <a:spLocks noGrp="1" noRot="1" noChangeAspect="1" noMove="1" noResize="1" noEditPoints="1" noAdjustHandles="1" noChangeArrowheads="1" noChangeShapeType="1" noTextEdit="1"/>
+          </p:cNvSpPr>
+          <p:nvPr>
+            <p:extLst>
+              <p:ext uri="{386F3935-93C4-4BCD-93E2-E3B085C9AB24}">
+                <p16:designElem xmlns:p16="http://schemas.microsoft.com/office/powerpoint/2015/main" val="1"/>
+              </p:ext>
+            </p:extLst>
           </p:nvPr>
         </p:nvSpPr>
         <p:spPr>
           <a:xfrm>
-            <a:off x="556532" y="643467"/>
-            <a:ext cx="11210925" cy="744836"/>
-          </a:xfrm>
-        </p:spPr>
-        <p:txBody>
-          <a:bodyPr vert="horz" lIns="91440" tIns="45720" rIns="91440" bIns="45720" rtlCol="0" anchor="ctr">
-            <a:normAutofit/>
-          </a:bodyPr>
-          <a:lstStyle/>
-          <a:p>
-            <a:pPr algn="ctr"/>
-            <a:r>
-              <a:rPr lang="en-US" sz="3200" kern="1200">
-                <a:solidFill>
-                  <a:schemeClr val="bg1"/>
-                </a:solidFill>
-                <a:latin typeface="+mj-lt"/>
-                <a:ea typeface="+mj-ea"/>
-                <a:cs typeface="+mj-cs"/>
-              </a:rPr>
-              <a:t>Meilensteintrendanalyse</a:t>
-            </a:r>
-          </a:p>
-        </p:txBody>
-      </p:sp>
-      <p:pic>
-        <p:nvPicPr>
-          <p:cNvPr id="5" name="Inhaltsplatzhalter 4">
-            <a:extLst>
-              <a:ext uri="{FF2B5EF4-FFF2-40B4-BE49-F238E27FC236}">
-                <a16:creationId xmlns:a16="http://schemas.microsoft.com/office/drawing/2014/main" id="{61839962-DDF6-4510-389B-5E377A6FC3F6}"/>
-              </a:ext>
-            </a:extLst>
-          </p:cNvPr>
-          <p:cNvPicPr>
-            <a:picLocks noGrp="1" noChangeAspect="1"/>
-          </p:cNvPicPr>
-          <p:nvPr>
-            <p:ph idx="1"/>
-          </p:nvPr>
-        </p:nvPicPr>
-        <p:blipFill>
-          <a:blip r:embed="rId2"/>
-          <a:stretch>
-            <a:fillRect/>
-          </a:stretch>
-        </p:blipFill>
-        <p:spPr>
-          <a:xfrm>
-            <a:off x="668595" y="1379849"/>
-            <a:ext cx="10956300" cy="5478151"/>
+            <a:off x="477012" y="480060"/>
+            <a:ext cx="11237976" cy="5897880"/>
           </a:xfrm>
           <a:prstGeom prst="rect">
             <a:avLst/>
           </a:prstGeom>
+          <a:solidFill>
+            <a:srgbClr val="FFFFFF"/>
+          </a:solidFill>
+          <a:ln>
+            <a:noFill/>
+          </a:ln>
         </p:spPr>
-      </p:pic>
+        <p:style>
+          <a:lnRef idx="2">
+            <a:schemeClr val="accent1">
+              <a:shade val="50000"/>
+            </a:schemeClr>
+          </a:lnRef>
+          <a:fillRef idx="1">
+            <a:schemeClr val="accent1"/>
+          </a:fillRef>
+          <a:effectRef idx="0">
+            <a:schemeClr val="accent1"/>
+          </a:effectRef>
+          <a:fontRef idx="minor">
+            <a:schemeClr val="lt1"/>
+          </a:fontRef>
+        </p:style>
+        <p:txBody>
+          <a:bodyPr rtlCol="0" anchor="ctr"/>
+          <a:lstStyle/>
+          <a:p>
+            <a:pPr algn="ctr"/>
+            <a:endParaRPr lang="en-US"/>
+          </a:p>
+        </p:txBody>
+      </p:sp>
+      <p:graphicFrame>
+        <p:nvGraphicFramePr>
+          <p:cNvPr id="2" name="Diagramm 1">
+            <a:extLst>
+              <a:ext uri="{FF2B5EF4-FFF2-40B4-BE49-F238E27FC236}">
+                <a16:creationId xmlns:a16="http://schemas.microsoft.com/office/drawing/2014/main" id="{02EA3207-FE3D-0170-D34E-CD2A3A8B24ED}"/>
+              </a:ext>
+            </a:extLst>
+          </p:cNvPr>
+          <p:cNvGraphicFramePr>
+            <a:graphicFrameLocks/>
+          </p:cNvGraphicFramePr>
+          <p:nvPr>
+            <p:extLst>
+              <p:ext uri="{D42A27DB-BD31-4B8C-83A1-F6EECF244321}">
+                <p14:modId xmlns:p14="http://schemas.microsoft.com/office/powerpoint/2010/main" val="1345881984"/>
+              </p:ext>
+            </p:extLst>
+          </p:nvPr>
+        </p:nvGraphicFramePr>
+        <p:xfrm>
+          <a:off x="643467" y="643467"/>
+          <a:ext cx="10905066" cy="5571066"/>
+        </p:xfrm>
+        <a:graphic>
+          <a:graphicData uri="http://schemas.openxmlformats.org/drawingml/2006/chart">
+            <c:chart xmlns:c="http://schemas.openxmlformats.org/drawingml/2006/chart" xmlns:r="http://schemas.openxmlformats.org/officeDocument/2006/relationships" r:id="rId2"/>
+          </a:graphicData>
+        </a:graphic>
+      </p:graphicFrame>
+      <p:sp>
+        <p:nvSpPr>
+          <p:cNvPr id="6" name="Rechtwinkliges Dreieck 5">
+            <a:extLst>
+              <a:ext uri="{FF2B5EF4-FFF2-40B4-BE49-F238E27FC236}">
+                <a16:creationId xmlns:a16="http://schemas.microsoft.com/office/drawing/2014/main" id="{973DF14B-55CB-9B88-07EB-2A0ADF56C0B0}"/>
+              </a:ext>
+              <a:ext uri="{147F2762-F138-4A5C-976F-8EAC2B608ADB}">
+                <a16:predDERef xmlns:a16="http://schemas.microsoft.com/office/drawing/2014/main" pred="{02EA3207-FE3D-0170-D34E-CD2A3A8B24ED}"/>
+              </a:ext>
+            </a:extLst>
+          </p:cNvPr>
+          <p:cNvSpPr/>
+          <p:nvPr/>
+        </p:nvSpPr>
+        <p:spPr>
+          <a:xfrm flipH="1">
+            <a:off x="1356085" y="1140101"/>
+            <a:ext cx="9970675" cy="3971953"/>
+          </a:xfrm>
+          <a:prstGeom prst="rtTriangle">
+            <a:avLst/>
+          </a:prstGeom>
+        </p:spPr>
+        <p:style>
+          <a:lnRef idx="2">
+            <a:schemeClr val="accent1">
+              <a:shade val="15000"/>
+            </a:schemeClr>
+          </a:lnRef>
+          <a:fillRef idx="1">
+            <a:schemeClr val="accent1"/>
+          </a:fillRef>
+          <a:effectRef idx="0">
+            <a:schemeClr val="accent1"/>
+          </a:effectRef>
+          <a:fontRef idx="minor">
+            <a:schemeClr val="lt1"/>
+          </a:fontRef>
+        </p:style>
+        <p:txBody>
+          <a:bodyPr rtlCol="0" anchor="t"/>
+          <a:lstStyle>
+            <a:lvl1pPr marL="0" indent="0">
+              <a:defRPr sz="1100">
+                <a:solidFill>
+                  <a:schemeClr val="lt1"/>
+                </a:solidFill>
+                <a:latin typeface="+mn-lt"/>
+                <a:ea typeface="+mn-ea"/>
+                <a:cs typeface="+mn-cs"/>
+              </a:defRPr>
+            </a:lvl1pPr>
+            <a:lvl2pPr marL="457200" indent="0">
+              <a:defRPr sz="1100">
+                <a:solidFill>
+                  <a:schemeClr val="lt1"/>
+                </a:solidFill>
+                <a:latin typeface="+mn-lt"/>
+                <a:ea typeface="+mn-ea"/>
+                <a:cs typeface="+mn-cs"/>
+              </a:defRPr>
+            </a:lvl2pPr>
+            <a:lvl3pPr marL="914400" indent="0">
+              <a:defRPr sz="1100">
+                <a:solidFill>
+                  <a:schemeClr val="lt1"/>
+                </a:solidFill>
+                <a:latin typeface="+mn-lt"/>
+                <a:ea typeface="+mn-ea"/>
+                <a:cs typeface="+mn-cs"/>
+              </a:defRPr>
+            </a:lvl3pPr>
+            <a:lvl4pPr marL="1371600" indent="0">
+              <a:defRPr sz="1100">
+                <a:solidFill>
+                  <a:schemeClr val="lt1"/>
+                </a:solidFill>
+                <a:latin typeface="+mn-lt"/>
+                <a:ea typeface="+mn-ea"/>
+                <a:cs typeface="+mn-cs"/>
+              </a:defRPr>
+            </a:lvl4pPr>
+            <a:lvl5pPr marL="1828800" indent="0">
+              <a:defRPr sz="1100">
+                <a:solidFill>
+                  <a:schemeClr val="lt1"/>
+                </a:solidFill>
+                <a:latin typeface="+mn-lt"/>
+                <a:ea typeface="+mn-ea"/>
+                <a:cs typeface="+mn-cs"/>
+              </a:defRPr>
+            </a:lvl5pPr>
+            <a:lvl6pPr marL="2286000" indent="0">
+              <a:defRPr sz="1100">
+                <a:solidFill>
+                  <a:schemeClr val="lt1"/>
+                </a:solidFill>
+                <a:latin typeface="+mn-lt"/>
+                <a:ea typeface="+mn-ea"/>
+                <a:cs typeface="+mn-cs"/>
+              </a:defRPr>
+            </a:lvl6pPr>
+            <a:lvl7pPr marL="2743200" indent="0">
+              <a:defRPr sz="1100">
+                <a:solidFill>
+                  <a:schemeClr val="lt1"/>
+                </a:solidFill>
+                <a:latin typeface="+mn-lt"/>
+                <a:ea typeface="+mn-ea"/>
+                <a:cs typeface="+mn-cs"/>
+              </a:defRPr>
+            </a:lvl7pPr>
+            <a:lvl8pPr marL="3200400" indent="0">
+              <a:defRPr sz="1100">
+                <a:solidFill>
+                  <a:schemeClr val="lt1"/>
+                </a:solidFill>
+                <a:latin typeface="+mn-lt"/>
+                <a:ea typeface="+mn-ea"/>
+                <a:cs typeface="+mn-cs"/>
+              </a:defRPr>
+            </a:lvl8pPr>
+            <a:lvl9pPr marL="3657600" indent="0">
+              <a:defRPr sz="1100">
+                <a:solidFill>
+                  <a:schemeClr val="lt1"/>
+                </a:solidFill>
+                <a:latin typeface="+mn-lt"/>
+                <a:ea typeface="+mn-ea"/>
+                <a:cs typeface="+mn-cs"/>
+              </a:defRPr>
+            </a:lvl9pPr>
+          </a:lstStyle>
+          <a:p>
+            <a:pPr algn="l"/>
+            <a:endParaRPr lang="en-US"/>
+          </a:p>
+        </p:txBody>
+      </p:sp>
     </p:spTree>
     <p:extLst>
       <p:ext uri="{BB962C8B-B14F-4D97-AF65-F5344CB8AC3E}">
-        <p14:creationId xmlns:p14="http://schemas.microsoft.com/office/powerpoint/2010/main" val="1316167153"/>
+        <p14:creationId xmlns:p14="http://schemas.microsoft.com/office/powerpoint/2010/main" val="3495921247"/>
       </p:ext>
     </p:extLst>
   </p:cSld>
@@ -3613,9 +5726,17 @@
 </p:sld>
 </file>
 
-<file path=ppt/slides/slide3.xml><?xml version="1.0" encoding="utf-8"?>
+<file path=ppt/slides/slide4.xml><?xml version="1.0" encoding="utf-8"?>
 <p:sld xmlns:a="http://schemas.openxmlformats.org/drawingml/2006/main" xmlns:r="http://schemas.openxmlformats.org/officeDocument/2006/relationships" xmlns:p="http://schemas.openxmlformats.org/presentationml/2006/main">
   <p:cSld>
+    <p:bg>
+      <p:bgPr>
+        <a:solidFill>
+          <a:schemeClr val="bg1"/>
+        </a:solidFill>
+        <a:effectLst/>
+      </p:bgPr>
+    </p:bg>
     <p:spTree>
       <p:nvGrpSpPr>
         <p:cNvPr id="1" name=""/>
@@ -3630,12 +5751,124 @@
           <a:chExt cx="0" cy="0"/>
         </a:xfrm>
       </p:grpSpPr>
+      <p:pic>
+        <p:nvPicPr>
+          <p:cNvPr id="1026" name="Picture 2">
+            <a:extLst>
+              <a:ext uri="{FF2B5EF4-FFF2-40B4-BE49-F238E27FC236}">
+                <a16:creationId xmlns:a16="http://schemas.microsoft.com/office/drawing/2014/main" id="{12CBA225-630A-A6AD-84D8-6247988D0264}"/>
+              </a:ext>
+            </a:extLst>
+          </p:cNvPr>
+          <p:cNvPicPr>
+            <a:picLocks noGrp="1" noChangeAspect="1" noChangeArrowheads="1"/>
+          </p:cNvPicPr>
+          <p:nvPr>
+            <p:ph idx="1"/>
+          </p:nvPr>
+        </p:nvPicPr>
+        <p:blipFill rotWithShape="1">
+          <a:blip r:embed="rId2">
+            <a:extLst>
+              <a:ext uri="{28A0092B-C50C-407E-A947-70E740481C1C}">
+                <a14:useLocalDpi xmlns:a14="http://schemas.microsoft.com/office/drawing/2010/main" val="0"/>
+              </a:ext>
+            </a:extLst>
+          </a:blip>
+          <a:srcRect b="881"/>
+          <a:stretch/>
+        </p:blipFill>
+        <p:spPr bwMode="auto">
+          <a:xfrm>
+            <a:off x="20" y="10"/>
+            <a:ext cx="12191980" cy="6857990"/>
+          </a:xfrm>
+          <a:prstGeom prst="rect">
+            <a:avLst/>
+          </a:prstGeom>
+          <a:noFill/>
+          <a:extLst>
+            <a:ext uri="{909E8E84-426E-40DD-AFC4-6F175D3DCCD1}">
+              <a14:hiddenFill xmlns:a14="http://schemas.microsoft.com/office/drawing/2010/main">
+                <a:solidFill>
+                  <a:srgbClr val="FFFFFF"/>
+                </a:solidFill>
+              </a14:hiddenFill>
+            </a:ext>
+          </a:extLst>
+        </p:spPr>
+      </p:pic>
+      <p:sp>
+        <p:nvSpPr>
+          <p:cNvPr id="1034" name="Rectangle 1030">
+            <a:extLst>
+              <a:ext uri="{FF2B5EF4-FFF2-40B4-BE49-F238E27FC236}">
+                <a16:creationId xmlns:a16="http://schemas.microsoft.com/office/drawing/2014/main" id="{37C89E4B-3C9F-44B9-8B86-D9E3D112D8EC}"/>
+              </a:ext>
+              <a:ext uri="{C183D7F6-B498-43B3-948B-1728B52AA6E4}">
+                <adec:decorative xmlns:adec="http://schemas.microsoft.com/office/drawing/2017/decorative" val="1"/>
+              </a:ext>
+            </a:extLst>
+          </p:cNvPr>
+          <p:cNvSpPr>
+            <a:spLocks noGrp="1" noRot="1" noChangeAspect="1" noMove="1" noResize="1" noEditPoints="1" noAdjustHandles="1" noChangeArrowheads="1" noChangeShapeType="1" noTextEdit="1"/>
+          </p:cNvSpPr>
+          <p:nvPr>
+            <p:extLst>
+              <p:ext uri="{386F3935-93C4-4BCD-93E2-E3B085C9AB24}">
+                <p16:designElem xmlns:p16="http://schemas.microsoft.com/office/powerpoint/2015/main" val="1"/>
+              </p:ext>
+            </p:extLst>
+          </p:nvPr>
+        </p:nvSpPr>
+        <p:spPr>
+          <a:xfrm>
+            <a:off x="0" y="428852"/>
+            <a:ext cx="12192000" cy="736551"/>
+          </a:xfrm>
+          <a:prstGeom prst="rect">
+            <a:avLst/>
+          </a:prstGeom>
+          <a:solidFill>
+            <a:schemeClr val="bg1">
+              <a:alpha val="93000"/>
+            </a:schemeClr>
+          </a:solidFill>
+          <a:ln>
+            <a:noFill/>
+          </a:ln>
+        </p:spPr>
+        <p:style>
+          <a:lnRef idx="2">
+            <a:schemeClr val="accent1">
+              <a:shade val="50000"/>
+            </a:schemeClr>
+          </a:lnRef>
+          <a:fillRef idx="1">
+            <a:schemeClr val="accent1"/>
+          </a:fillRef>
+          <a:effectRef idx="0">
+            <a:schemeClr val="accent1"/>
+          </a:effectRef>
+          <a:fontRef idx="minor">
+            <a:schemeClr val="lt1"/>
+          </a:fontRef>
+        </p:style>
+        <p:txBody>
+          <a:bodyPr rtlCol="0" anchor="ctr"/>
+          <a:lstStyle/>
+          <a:p>
+            <a:pPr algn="ctr"/>
+            <a:endParaRPr lang="en-US"/>
+          </a:p>
+        </p:txBody>
+      </p:sp>
       <p:sp>
         <p:nvSpPr>
           <p:cNvPr id="2" name="Titel 1">
             <a:extLst>
               <a:ext uri="{FF2B5EF4-FFF2-40B4-BE49-F238E27FC236}">
-                <a16:creationId xmlns:a16="http://schemas.microsoft.com/office/drawing/2014/main" id="{710A07E7-ED7F-38C7-0771-58180C2F8E2B}"/>
+                <a16:creationId xmlns:a16="http://schemas.microsoft.com/office/drawing/2014/main" id="{ABAB358E-57B8-595A-44EC-F8FA5599F18F}"/>
               </a:ext>
             </a:extLst>
           </p:cNvPr>
@@ -3646,44 +5879,602 @@
             <p:ph type="title"/>
           </p:nvPr>
         </p:nvSpPr>
-        <p:spPr/>
-        <p:txBody>
-          <a:bodyPr/>
+        <p:spPr>
+          <a:xfrm>
+            <a:off x="523875" y="425950"/>
+            <a:ext cx="11210925" cy="744836"/>
+          </a:xfrm>
+        </p:spPr>
+        <p:txBody>
+          <a:bodyPr vert="horz" lIns="91440" tIns="45720" rIns="91440" bIns="45720" rtlCol="0" anchor="ctr">
+            <a:normAutofit/>
+          </a:bodyPr>
           <a:lstStyle/>
           <a:p>
-            <a:endParaRPr lang="de-AT"/>
-          </a:p>
-        </p:txBody>
-      </p:sp>
-      <p:sp>
-        <p:nvSpPr>
-          <p:cNvPr id="3" name="Inhaltsplatzhalter 2">
-            <a:extLst>
-              <a:ext uri="{FF2B5EF4-FFF2-40B4-BE49-F238E27FC236}">
-                <a16:creationId xmlns:a16="http://schemas.microsoft.com/office/drawing/2014/main" id="{EE50B652-6894-7CC5-239B-1C7F5AAB64A0}"/>
-              </a:ext>
-            </a:extLst>
-          </p:cNvPr>
-          <p:cNvSpPr>
-            <a:spLocks noGrp="1"/>
-          </p:cNvSpPr>
-          <p:nvPr>
-            <p:ph idx="1"/>
-          </p:nvPr>
-        </p:nvSpPr>
-        <p:spPr/>
-        <p:txBody>
-          <a:bodyPr/>
-          <a:lstStyle/>
-          <a:p>
-            <a:endParaRPr lang="de-AT" dirty="0"/>
-          </a:p>
-        </p:txBody>
-      </p:sp>
+            <a:pPr algn="ctr"/>
+            <a:r>
+              <a:rPr lang="en-US" sz="3600">
+                <a:solidFill>
+                  <a:schemeClr val="tx1">
+                    <a:lumMod val="85000"/>
+                    <a:lumOff val="15000"/>
+                  </a:schemeClr>
+                </a:solidFill>
+              </a:rPr>
+              <a:t>Menü</a:t>
+            </a:r>
+          </a:p>
+        </p:txBody>
+      </p:sp>
+      <p:cxnSp>
+        <p:nvCxnSpPr>
+          <p:cNvPr id="1033" name="Straight Connector 1032">
+            <a:extLst>
+              <a:ext uri="{FF2B5EF4-FFF2-40B4-BE49-F238E27FC236}">
+                <a16:creationId xmlns:a16="http://schemas.microsoft.com/office/drawing/2014/main" id="{AA2EAA10-076F-46BD-8F0F-B9A2FB77A85C}"/>
+              </a:ext>
+              <a:ext uri="{C183D7F6-B498-43B3-948B-1728B52AA6E4}">
+                <adec:decorative xmlns:adec="http://schemas.microsoft.com/office/drawing/2017/decorative" val="1"/>
+              </a:ext>
+            </a:extLst>
+          </p:cNvPr>
+          <p:cNvCxnSpPr>
+            <a:cxnSpLocks noGrp="1" noRot="1" noChangeAspect="1" noMove="1" noResize="1" noEditPoints="1" noAdjustHandles="1" noChangeArrowheads="1" noChangeShapeType="1"/>
+          </p:cNvCxnSpPr>
+          <p:nvPr>
+            <p:extLst>
+              <p:ext uri="{386F3935-93C4-4BCD-93E2-E3B085C9AB24}">
+                <p16:designElem xmlns:p16="http://schemas.microsoft.com/office/powerpoint/2015/main" val="1"/>
+              </p:ext>
+            </p:extLst>
+          </p:nvPr>
+        </p:nvCxnSpPr>
+        <p:spPr>
+          <a:xfrm>
+            <a:off x="0" y="350693"/>
+            <a:ext cx="12192000" cy="0"/>
+          </a:xfrm>
+          <a:prstGeom prst="line">
+            <a:avLst/>
+          </a:prstGeom>
+          <a:ln w="41275">
+            <a:solidFill>
+              <a:schemeClr val="bg1">
+                <a:alpha val="90000"/>
+              </a:schemeClr>
+            </a:solidFill>
+          </a:ln>
+        </p:spPr>
+        <p:style>
+          <a:lnRef idx="1">
+            <a:schemeClr val="accent1"/>
+          </a:lnRef>
+          <a:fillRef idx="0">
+            <a:schemeClr val="accent1"/>
+          </a:fillRef>
+          <a:effectRef idx="0">
+            <a:schemeClr val="accent1"/>
+          </a:effectRef>
+          <a:fontRef idx="minor">
+            <a:schemeClr val="tx1"/>
+          </a:fontRef>
+        </p:style>
+      </p:cxnSp>
+      <p:cxnSp>
+        <p:nvCxnSpPr>
+          <p:cNvPr id="1035" name="Straight Connector 1034">
+            <a:extLst>
+              <a:ext uri="{FF2B5EF4-FFF2-40B4-BE49-F238E27FC236}">
+                <a16:creationId xmlns:a16="http://schemas.microsoft.com/office/drawing/2014/main" id="{D891E407-403B-4764-86C9-33A56D3BCAA3}"/>
+              </a:ext>
+              <a:ext uri="{C183D7F6-B498-43B3-948B-1728B52AA6E4}">
+                <adec:decorative xmlns:adec="http://schemas.microsoft.com/office/drawing/2017/decorative" val="1"/>
+              </a:ext>
+            </a:extLst>
+          </p:cNvPr>
+          <p:cNvCxnSpPr>
+            <a:cxnSpLocks noGrp="1" noRot="1" noChangeAspect="1" noMove="1" noResize="1" noEditPoints="1" noAdjustHandles="1" noChangeArrowheads="1" noChangeShapeType="1"/>
+          </p:cNvCxnSpPr>
+          <p:nvPr>
+            <p:extLst>
+              <p:ext uri="{386F3935-93C4-4BCD-93E2-E3B085C9AB24}">
+                <p16:designElem xmlns:p16="http://schemas.microsoft.com/office/powerpoint/2015/main" val="1"/>
+              </p:ext>
+            </p:extLst>
+          </p:nvPr>
+        </p:nvCxnSpPr>
+        <p:spPr>
+          <a:xfrm>
+            <a:off x="0" y="1243562"/>
+            <a:ext cx="12192000" cy="0"/>
+          </a:xfrm>
+          <a:prstGeom prst="line">
+            <a:avLst/>
+          </a:prstGeom>
+          <a:ln w="41275">
+            <a:solidFill>
+              <a:schemeClr val="bg1">
+                <a:alpha val="90000"/>
+              </a:schemeClr>
+            </a:solidFill>
+          </a:ln>
+        </p:spPr>
+        <p:style>
+          <a:lnRef idx="1">
+            <a:schemeClr val="accent1"/>
+          </a:lnRef>
+          <a:fillRef idx="0">
+            <a:schemeClr val="accent1"/>
+          </a:fillRef>
+          <a:effectRef idx="0">
+            <a:schemeClr val="accent1"/>
+          </a:effectRef>
+          <a:fontRef idx="minor">
+            <a:schemeClr val="tx1"/>
+          </a:fontRef>
+        </p:style>
+      </p:cxnSp>
     </p:spTree>
     <p:extLst>
       <p:ext uri="{BB962C8B-B14F-4D97-AF65-F5344CB8AC3E}">
-        <p14:creationId xmlns:p14="http://schemas.microsoft.com/office/powerpoint/2010/main" val="1693532483"/>
+        <p14:creationId xmlns:p14="http://schemas.microsoft.com/office/powerpoint/2010/main" val="3345182395"/>
+      </p:ext>
+    </p:extLst>
+  </p:cSld>
+  <p:clrMapOvr>
+    <a:masterClrMapping/>
+  </p:clrMapOvr>
+</p:sld>
+</file>
+
+<file path=ppt/slides/slide5.xml><?xml version="1.0" encoding="utf-8"?>
+<p:sld xmlns:a="http://schemas.openxmlformats.org/drawingml/2006/main" xmlns:r="http://schemas.openxmlformats.org/officeDocument/2006/relationships" xmlns:p="http://schemas.openxmlformats.org/presentationml/2006/main">
+  <p:cSld>
+    <p:bg>
+      <p:bgPr>
+        <a:gradFill rotWithShape="1">
+          <a:gsLst>
+            <a:gs pos="0">
+              <a:schemeClr val="bg2">
+                <a:tint val="93000"/>
+                <a:satMod val="150000"/>
+                <a:shade val="98000"/>
+                <a:lumMod val="102000"/>
+              </a:schemeClr>
+            </a:gs>
+            <a:gs pos="50000">
+              <a:schemeClr val="bg2">
+                <a:tint val="98000"/>
+                <a:satMod val="130000"/>
+                <a:shade val="90000"/>
+                <a:lumMod val="103000"/>
+              </a:schemeClr>
+            </a:gs>
+            <a:gs pos="100000">
+              <a:schemeClr val="bg2">
+                <a:shade val="63000"/>
+                <a:satMod val="120000"/>
+              </a:schemeClr>
+            </a:gs>
+          </a:gsLst>
+          <a:lin ang="5400000" scaled="0"/>
+        </a:gradFill>
+        <a:effectLst/>
+      </p:bgPr>
+    </p:bg>
+    <p:spTree>
+      <p:nvGrpSpPr>
+        <p:cNvPr id="1" name=""/>
+        <p:cNvGrpSpPr/>
+        <p:nvPr/>
+      </p:nvGrpSpPr>
+      <p:grpSpPr>
+        <a:xfrm>
+          <a:off x="0" y="0"/>
+          <a:ext cx="0" cy="0"/>
+          <a:chOff x="0" y="0"/>
+          <a:chExt cx="0" cy="0"/>
+        </a:xfrm>
+      </p:grpSpPr>
+      <p:sp>
+        <p:nvSpPr>
+          <p:cNvPr id="21" name="Rectangle: Rounded Corners 16">
+            <a:extLst>
+              <a:ext uri="{FF2B5EF4-FFF2-40B4-BE49-F238E27FC236}">
+                <a16:creationId xmlns:a16="http://schemas.microsoft.com/office/drawing/2014/main" id="{6AA24DE7-C336-4994-8C52-D9B3F3D0FA4D}"/>
+              </a:ext>
+              <a:ext uri="{C183D7F6-B498-43B3-948B-1728B52AA6E4}">
+                <adec:decorative xmlns:adec="http://schemas.microsoft.com/office/drawing/2017/decorative" val="1"/>
+              </a:ext>
+            </a:extLst>
+          </p:cNvPr>
+          <p:cNvSpPr>
+            <a:spLocks noGrp="1" noRot="1" noChangeAspect="1" noMove="1" noResize="1" noEditPoints="1" noAdjustHandles="1" noChangeArrowheads="1" noChangeShapeType="1" noTextEdit="1"/>
+          </p:cNvSpPr>
+          <p:nvPr>
+            <p:extLst>
+              <p:ext uri="{386F3935-93C4-4BCD-93E2-E3B085C9AB24}">
+                <p16:designElem xmlns:p16="http://schemas.microsoft.com/office/powerpoint/2015/main" val="1"/>
+              </p:ext>
+            </p:extLst>
+          </p:nvPr>
+        </p:nvSpPr>
+        <p:spPr>
+          <a:xfrm>
+            <a:off x="953311" y="953311"/>
+            <a:ext cx="10603149" cy="5263867"/>
+          </a:xfrm>
+          <a:prstGeom prst="roundRect">
+            <a:avLst>
+              <a:gd name="adj" fmla="val 1566"/>
+            </a:avLst>
+          </a:prstGeom>
+          <a:solidFill>
+            <a:srgbClr val="FFFFFF"/>
+          </a:solidFill>
+          <a:ln>
+            <a:noFill/>
+          </a:ln>
+        </p:spPr>
+        <p:style>
+          <a:lnRef idx="2">
+            <a:schemeClr val="accent1">
+              <a:shade val="50000"/>
+            </a:schemeClr>
+          </a:lnRef>
+          <a:fillRef idx="1">
+            <a:schemeClr val="accent1"/>
+          </a:fillRef>
+          <a:effectRef idx="0">
+            <a:schemeClr val="accent1"/>
+          </a:effectRef>
+          <a:fontRef idx="minor">
+            <a:schemeClr val="lt1"/>
+          </a:fontRef>
+        </p:style>
+        <p:txBody>
+          <a:bodyPr rtlCol="0" anchor="ctr"/>
+          <a:lstStyle/>
+          <a:p>
+            <a:pPr algn="ctr"/>
+            <a:endParaRPr lang="en-US"/>
+          </a:p>
+        </p:txBody>
+      </p:sp>
+      <p:sp>
+        <p:nvSpPr>
+          <p:cNvPr id="2" name="Titel 1">
+            <a:extLst>
+              <a:ext uri="{FF2B5EF4-FFF2-40B4-BE49-F238E27FC236}">
+                <a16:creationId xmlns:a16="http://schemas.microsoft.com/office/drawing/2014/main" id="{5AA4DD93-1EFE-9751-5205-FDB5B7815117}"/>
+              </a:ext>
+            </a:extLst>
+          </p:cNvPr>
+          <p:cNvSpPr>
+            <a:spLocks noGrp="1"/>
+          </p:cNvSpPr>
+          <p:nvPr>
+            <p:ph type="title"/>
+          </p:nvPr>
+        </p:nvSpPr>
+        <p:spPr>
+          <a:xfrm>
+            <a:off x="640080" y="640080"/>
+            <a:ext cx="2752354" cy="2709275"/>
+          </a:xfrm>
+          <a:prstGeom prst="rect">
+            <a:avLst/>
+          </a:prstGeom>
+          <a:solidFill>
+            <a:srgbClr val="324660"/>
+          </a:solidFill>
+          <a:ln>
+            <a:solidFill>
+              <a:srgbClr val="324660"/>
+            </a:solidFill>
+          </a:ln>
+        </p:spPr>
+        <p:txBody>
+          <a:bodyPr vert="horz" lIns="91440" tIns="45720" rIns="91440" bIns="45720" rtlCol="0" anchor="ctr">
+            <a:normAutofit/>
+          </a:bodyPr>
+          <a:lstStyle/>
+          <a:p>
+            <a:pPr algn="ctr"/>
+            <a:r>
+              <a:rPr lang="en-US" sz="2800" kern="1200">
+                <a:solidFill>
+                  <a:srgbClr val="FFFFFF"/>
+                </a:solidFill>
+                <a:latin typeface="+mj-lt"/>
+                <a:ea typeface="+mj-ea"/>
+                <a:cs typeface="+mj-cs"/>
+              </a:rPr>
+              <a:t>Spieler</a:t>
+            </a:r>
+          </a:p>
+        </p:txBody>
+      </p:sp>
+      <p:pic>
+        <p:nvPicPr>
+          <p:cNvPr id="5" name="Inhaltsplatzhalter 4" descr="Ein Bild, das Screenshot, Text, 3D-Modellierung, Grafiksoftware enthält.&#10;&#10;Automatisch generierte Beschreibung">
+            <a:extLst>
+              <a:ext uri="{FF2B5EF4-FFF2-40B4-BE49-F238E27FC236}">
+                <a16:creationId xmlns:a16="http://schemas.microsoft.com/office/drawing/2014/main" id="{9756885B-1E9A-7B3E-A373-374DCDDF17D9}"/>
+              </a:ext>
+            </a:extLst>
+          </p:cNvPr>
+          <p:cNvPicPr>
+            <a:picLocks noGrp="1" noChangeAspect="1"/>
+          </p:cNvPicPr>
+          <p:nvPr>
+            <p:ph idx="1"/>
+          </p:nvPr>
+        </p:nvPicPr>
+        <p:blipFill rotWithShape="1">
+          <a:blip r:embed="rId2"/>
+          <a:srcRect r="6022"/>
+          <a:stretch/>
+        </p:blipFill>
+        <p:spPr>
+          <a:xfrm>
+            <a:off x="3705665" y="1033085"/>
+            <a:ext cx="7533024" cy="5049911"/>
+          </a:xfrm>
+          <a:prstGeom prst="rect">
+            <a:avLst/>
+          </a:prstGeom>
+        </p:spPr>
+      </p:pic>
+    </p:spTree>
+    <p:extLst>
+      <p:ext uri="{BB962C8B-B14F-4D97-AF65-F5344CB8AC3E}">
+        <p14:creationId xmlns:p14="http://schemas.microsoft.com/office/powerpoint/2010/main" val="3721064580"/>
+      </p:ext>
+    </p:extLst>
+  </p:cSld>
+  <p:clrMapOvr>
+    <a:masterClrMapping/>
+  </p:clrMapOvr>
+</p:sld>
+</file>
+
+<file path=ppt/slides/slide6.xml><?xml version="1.0" encoding="utf-8"?>
+<p:sld xmlns:a="http://schemas.openxmlformats.org/drawingml/2006/main" xmlns:r="http://schemas.openxmlformats.org/officeDocument/2006/relationships" xmlns:p="http://schemas.openxmlformats.org/presentationml/2006/main">
+  <p:cSld>
+    <p:bg>
+      <p:bgPr>
+        <a:gradFill rotWithShape="1">
+          <a:gsLst>
+            <a:gs pos="0">
+              <a:schemeClr val="bg2">
+                <a:tint val="93000"/>
+                <a:satMod val="150000"/>
+                <a:shade val="98000"/>
+                <a:lumMod val="102000"/>
+              </a:schemeClr>
+            </a:gs>
+            <a:gs pos="50000">
+              <a:schemeClr val="bg2">
+                <a:tint val="98000"/>
+                <a:satMod val="130000"/>
+                <a:shade val="90000"/>
+                <a:lumMod val="103000"/>
+              </a:schemeClr>
+            </a:gs>
+            <a:gs pos="100000">
+              <a:schemeClr val="bg2">
+                <a:shade val="63000"/>
+                <a:satMod val="120000"/>
+              </a:schemeClr>
+            </a:gs>
+          </a:gsLst>
+          <a:lin ang="5400000" scaled="0"/>
+        </a:gradFill>
+        <a:effectLst/>
+      </p:bgPr>
+    </p:bg>
+    <p:spTree>
+      <p:nvGrpSpPr>
+        <p:cNvPr id="1" name=""/>
+        <p:cNvGrpSpPr/>
+        <p:nvPr/>
+      </p:nvGrpSpPr>
+      <p:grpSpPr>
+        <a:xfrm>
+          <a:off x="0" y="0"/>
+          <a:ext cx="0" cy="0"/>
+          <a:chOff x="0" y="0"/>
+          <a:chExt cx="0" cy="0"/>
+        </a:xfrm>
+      </p:grpSpPr>
+      <p:sp>
+        <p:nvSpPr>
+          <p:cNvPr id="21" name="Rectangle: Rounded Corners 16">
+            <a:extLst>
+              <a:ext uri="{FF2B5EF4-FFF2-40B4-BE49-F238E27FC236}">
+                <a16:creationId xmlns:a16="http://schemas.microsoft.com/office/drawing/2014/main" id="{6AA24DE7-C336-4994-8C52-D9B3F3D0FA4D}"/>
+              </a:ext>
+              <a:ext uri="{C183D7F6-B498-43B3-948B-1728B52AA6E4}">
+                <adec:decorative xmlns:adec="http://schemas.microsoft.com/office/drawing/2017/decorative" val="1"/>
+              </a:ext>
+            </a:extLst>
+          </p:cNvPr>
+          <p:cNvSpPr>
+            <a:spLocks noGrp="1" noRot="1" noChangeAspect="1" noMove="1" noResize="1" noEditPoints="1" noAdjustHandles="1" noChangeArrowheads="1" noChangeShapeType="1" noTextEdit="1"/>
+          </p:cNvSpPr>
+          <p:nvPr>
+            <p:extLst>
+              <p:ext uri="{386F3935-93C4-4BCD-93E2-E3B085C9AB24}">
+                <p16:designElem xmlns:p16="http://schemas.microsoft.com/office/powerpoint/2015/main" val="1"/>
+              </p:ext>
+            </p:extLst>
+          </p:nvPr>
+        </p:nvSpPr>
+        <p:spPr>
+          <a:xfrm>
+            <a:off x="953311" y="953311"/>
+            <a:ext cx="10603149" cy="5263867"/>
+          </a:xfrm>
+          <a:prstGeom prst="roundRect">
+            <a:avLst>
+              <a:gd name="adj" fmla="val 1566"/>
+            </a:avLst>
+          </a:prstGeom>
+          <a:solidFill>
+            <a:srgbClr val="FFFFFF"/>
+          </a:solidFill>
+          <a:ln>
+            <a:noFill/>
+          </a:ln>
+        </p:spPr>
+        <p:style>
+          <a:lnRef idx="2">
+            <a:schemeClr val="accent1">
+              <a:shade val="50000"/>
+            </a:schemeClr>
+          </a:lnRef>
+          <a:fillRef idx="1">
+            <a:schemeClr val="accent1"/>
+          </a:fillRef>
+          <a:effectRef idx="0">
+            <a:schemeClr val="accent1"/>
+          </a:effectRef>
+          <a:fontRef idx="minor">
+            <a:schemeClr val="lt1"/>
+          </a:fontRef>
+        </p:style>
+        <p:txBody>
+          <a:bodyPr rtlCol="0" anchor="ctr"/>
+          <a:lstStyle/>
+          <a:p>
+            <a:pPr algn="ctr"/>
+            <a:endParaRPr lang="en-US"/>
+          </a:p>
+        </p:txBody>
+      </p:sp>
+      <p:sp>
+        <p:nvSpPr>
+          <p:cNvPr id="2" name="Titel 1">
+            <a:extLst>
+              <a:ext uri="{FF2B5EF4-FFF2-40B4-BE49-F238E27FC236}">
+                <a16:creationId xmlns:a16="http://schemas.microsoft.com/office/drawing/2014/main" id="{5AA4DD93-1EFE-9751-5205-FDB5B7815117}"/>
+              </a:ext>
+            </a:extLst>
+          </p:cNvPr>
+          <p:cNvSpPr>
+            <a:spLocks noGrp="1"/>
+          </p:cNvSpPr>
+          <p:nvPr>
+            <p:ph type="title"/>
+          </p:nvPr>
+        </p:nvSpPr>
+        <p:spPr>
+          <a:xfrm>
+            <a:off x="640080" y="640080"/>
+            <a:ext cx="2752354" cy="2709275"/>
+          </a:xfrm>
+          <a:prstGeom prst="rect">
+            <a:avLst/>
+          </a:prstGeom>
+          <a:solidFill>
+            <a:srgbClr val="324660"/>
+          </a:solidFill>
+          <a:ln>
+            <a:solidFill>
+              <a:srgbClr val="324660"/>
+            </a:solidFill>
+          </a:ln>
+        </p:spPr>
+        <p:txBody>
+          <a:bodyPr vert="horz" lIns="91440" tIns="45720" rIns="91440" bIns="45720" rtlCol="0" anchor="ctr">
+            <a:normAutofit/>
+          </a:bodyPr>
+          <a:lstStyle/>
+          <a:p>
+            <a:pPr algn="ctr"/>
+            <a:r>
+              <a:rPr lang="en-US" sz="2800" kern="1200" dirty="0">
+                <a:solidFill>
+                  <a:srgbClr val="FFFFFF"/>
+                </a:solidFill>
+                <a:latin typeface="+mj-lt"/>
+                <a:ea typeface="+mj-ea"/>
+                <a:cs typeface="+mj-cs"/>
+              </a:rPr>
+              <a:t>Spieler Control</a:t>
+            </a:r>
+          </a:p>
+        </p:txBody>
+      </p:sp>
+      <p:pic>
+        <p:nvPicPr>
+          <p:cNvPr id="7" name="Inhaltsplatzhalter 6">
+            <a:extLst>
+              <a:ext uri="{FF2B5EF4-FFF2-40B4-BE49-F238E27FC236}">
+                <a16:creationId xmlns:a16="http://schemas.microsoft.com/office/drawing/2014/main" id="{5589ADEE-4071-FAF5-3028-0EEB074855C3}"/>
+              </a:ext>
+            </a:extLst>
+          </p:cNvPr>
+          <p:cNvPicPr>
+            <a:picLocks noChangeAspect="1"/>
+          </p:cNvPicPr>
+          <p:nvPr/>
+        </p:nvPicPr>
+        <p:blipFill rotWithShape="1">
+          <a:blip r:embed="rId2"/>
+          <a:srcRect r="11616"/>
+          <a:stretch/>
+        </p:blipFill>
+        <p:spPr>
+          <a:xfrm>
+            <a:off x="3806148" y="1161569"/>
+            <a:ext cx="7076216" cy="4743120"/>
+          </a:xfrm>
+          <a:prstGeom prst="rect">
+            <a:avLst/>
+          </a:prstGeom>
+        </p:spPr>
+      </p:pic>
+      <p:sp>
+        <p:nvSpPr>
+          <p:cNvPr id="4" name="Inhaltsplatzhalter 3">
+            <a:extLst>
+              <a:ext uri="{FF2B5EF4-FFF2-40B4-BE49-F238E27FC236}">
+                <a16:creationId xmlns:a16="http://schemas.microsoft.com/office/drawing/2014/main" id="{2D5D56BF-8437-BA46-690F-74B725E16674}"/>
+              </a:ext>
+            </a:extLst>
+          </p:cNvPr>
+          <p:cNvSpPr>
+            <a:spLocks noGrp="1"/>
+          </p:cNvSpPr>
+          <p:nvPr>
+            <p:ph idx="1"/>
+          </p:nvPr>
+        </p:nvSpPr>
+        <p:spPr>
+          <a:xfrm flipV="1">
+            <a:off x="12590584" y="6252033"/>
+            <a:ext cx="670673" cy="239201"/>
+          </a:xfrm>
+        </p:spPr>
+        <p:txBody>
+          <a:bodyPr>
+            <a:normAutofit fontScale="40000" lnSpcReduction="20000"/>
+          </a:bodyPr>
+          <a:lstStyle/>
+          <a:p>
+            <a:pPr marL="0" indent="0">
+              <a:buNone/>
+            </a:pPr>
+            <a:endParaRPr lang="de-AT" dirty="0"/>
+          </a:p>
+        </p:txBody>
+      </p:sp>
+    </p:spTree>
+    <p:extLst>
+      <p:ext uri="{BB962C8B-B14F-4D97-AF65-F5344CB8AC3E}">
+        <p14:creationId xmlns:p14="http://schemas.microsoft.com/office/powerpoint/2010/main" val="4157218891"/>
       </p:ext>
     </p:extLst>
   </p:cSld>

--- a/Projektdokumentation/ZwischenPresentation.pptx
+++ b/Projektdokumentation/ZwischenPresentation.pptx
@@ -4,13 +4,19 @@
   <p:sldMasterIdLst>
     <p:sldMasterId id="2147483648" r:id="rId1"/>
   </p:sldMasterIdLst>
+  <p:notesMasterIdLst>
+    <p:notesMasterId r:id="rId11"/>
+  </p:notesMasterIdLst>
   <p:sldIdLst>
     <p:sldId id="256" r:id="rId2"/>
     <p:sldId id="259" r:id="rId3"/>
     <p:sldId id="264" r:id="rId4"/>
-    <p:sldId id="262" r:id="rId5"/>
-    <p:sldId id="260" r:id="rId6"/>
-    <p:sldId id="261" r:id="rId7"/>
+    <p:sldId id="267" r:id="rId5"/>
+    <p:sldId id="268" r:id="rId6"/>
+    <p:sldId id="266" r:id="rId7"/>
+    <p:sldId id="262" r:id="rId8"/>
+    <p:sldId id="265" r:id="rId9"/>
+    <p:sldId id="260" r:id="rId10"/>
   </p:sldIdLst>
   <p:sldSz cx="12192000" cy="6858000"/>
   <p:notesSz cx="6858000" cy="9144000"/>
@@ -1940,6 +1946,3097 @@
 </cs:chartStyle>
 </file>
 
+<file path=ppt/diagrams/colors1.xml><?xml version="1.0" encoding="utf-8"?>
+<dgm:colorsDef xmlns:dgm="http://schemas.openxmlformats.org/drawingml/2006/diagram" xmlns:a="http://schemas.openxmlformats.org/drawingml/2006/main" uniqueId="urn:microsoft.com/office/officeart/2005/8/colors/accent1_2">
+  <dgm:title val=""/>
+  <dgm:desc val=""/>
+  <dgm:catLst>
+    <dgm:cat type="accent1" pri="11200"/>
+  </dgm:catLst>
+  <dgm:styleLbl name="node0">
+    <dgm:fillClrLst meth="repeat">
+      <a:schemeClr val="accent1"/>
+    </dgm:fillClrLst>
+    <dgm:linClrLst meth="repeat">
+      <a:schemeClr val="lt1"/>
+    </dgm:linClrLst>
+    <dgm:effectClrLst/>
+    <dgm:txLinClrLst/>
+    <dgm:txFillClrLst/>
+    <dgm:txEffectClrLst/>
+  </dgm:styleLbl>
+  <dgm:styleLbl name="alignNode1">
+    <dgm:fillClrLst meth="repeat">
+      <a:schemeClr val="accent1"/>
+    </dgm:fillClrLst>
+    <dgm:linClrLst meth="repeat">
+      <a:schemeClr val="accent1"/>
+    </dgm:linClrLst>
+    <dgm:effectClrLst/>
+    <dgm:txLinClrLst/>
+    <dgm:txFillClrLst/>
+    <dgm:txEffectClrLst/>
+  </dgm:styleLbl>
+  <dgm:styleLbl name="node1">
+    <dgm:fillClrLst meth="repeat">
+      <a:schemeClr val="accent1"/>
+    </dgm:fillClrLst>
+    <dgm:linClrLst meth="repeat">
+      <a:schemeClr val="lt1"/>
+    </dgm:linClrLst>
+    <dgm:effectClrLst/>
+    <dgm:txLinClrLst/>
+    <dgm:txFillClrLst/>
+    <dgm:txEffectClrLst/>
+  </dgm:styleLbl>
+  <dgm:styleLbl name="lnNode1">
+    <dgm:fillClrLst meth="repeat">
+      <a:schemeClr val="accent1"/>
+    </dgm:fillClrLst>
+    <dgm:linClrLst meth="repeat">
+      <a:schemeClr val="lt1"/>
+    </dgm:linClrLst>
+    <dgm:effectClrLst/>
+    <dgm:txLinClrLst/>
+    <dgm:txFillClrLst/>
+    <dgm:txEffectClrLst/>
+  </dgm:styleLbl>
+  <dgm:styleLbl name="vennNode1">
+    <dgm:fillClrLst meth="repeat">
+      <a:schemeClr val="accent1">
+        <a:alpha val="50000"/>
+      </a:schemeClr>
+    </dgm:fillClrLst>
+    <dgm:linClrLst meth="repeat">
+      <a:schemeClr val="lt1"/>
+    </dgm:linClrLst>
+    <dgm:effectClrLst/>
+    <dgm:txLinClrLst/>
+    <dgm:txFillClrLst/>
+    <dgm:txEffectClrLst/>
+  </dgm:styleLbl>
+  <dgm:styleLbl name="node2">
+    <dgm:fillClrLst meth="repeat">
+      <a:schemeClr val="accent1"/>
+    </dgm:fillClrLst>
+    <dgm:linClrLst meth="repeat">
+      <a:schemeClr val="lt1"/>
+    </dgm:linClrLst>
+    <dgm:effectClrLst/>
+    <dgm:txLinClrLst/>
+    <dgm:txFillClrLst/>
+    <dgm:txEffectClrLst/>
+  </dgm:styleLbl>
+  <dgm:styleLbl name="node3">
+    <dgm:fillClrLst meth="repeat">
+      <a:schemeClr val="accent1"/>
+    </dgm:fillClrLst>
+    <dgm:linClrLst meth="repeat">
+      <a:schemeClr val="lt1"/>
+    </dgm:linClrLst>
+    <dgm:effectClrLst/>
+    <dgm:txLinClrLst/>
+    <dgm:txFillClrLst/>
+    <dgm:txEffectClrLst/>
+  </dgm:styleLbl>
+  <dgm:styleLbl name="node4">
+    <dgm:fillClrLst meth="repeat">
+      <a:schemeClr val="accent1"/>
+    </dgm:fillClrLst>
+    <dgm:linClrLst meth="repeat">
+      <a:schemeClr val="lt1"/>
+    </dgm:linClrLst>
+    <dgm:effectClrLst/>
+    <dgm:txLinClrLst/>
+    <dgm:txFillClrLst/>
+    <dgm:txEffectClrLst/>
+  </dgm:styleLbl>
+  <dgm:styleLbl name="fgImgPlace1">
+    <dgm:fillClrLst meth="repeat">
+      <a:schemeClr val="accent1">
+        <a:tint val="50000"/>
+      </a:schemeClr>
+    </dgm:fillClrLst>
+    <dgm:linClrLst meth="repeat">
+      <a:schemeClr val="lt1"/>
+    </dgm:linClrLst>
+    <dgm:effectClrLst/>
+    <dgm:txLinClrLst/>
+    <dgm:txFillClrLst meth="repeat">
+      <a:schemeClr val="lt1"/>
+    </dgm:txFillClrLst>
+    <dgm:txEffectClrLst/>
+  </dgm:styleLbl>
+  <dgm:styleLbl name="alignImgPlace1">
+    <dgm:fillClrLst meth="repeat">
+      <a:schemeClr val="accent1">
+        <a:tint val="50000"/>
+      </a:schemeClr>
+    </dgm:fillClrLst>
+    <dgm:linClrLst meth="repeat">
+      <a:schemeClr val="lt1"/>
+    </dgm:linClrLst>
+    <dgm:effectClrLst/>
+    <dgm:txLinClrLst/>
+    <dgm:txFillClrLst meth="repeat">
+      <a:schemeClr val="lt1"/>
+    </dgm:txFillClrLst>
+    <dgm:txEffectClrLst/>
+  </dgm:styleLbl>
+  <dgm:styleLbl name="bgImgPlace1">
+    <dgm:fillClrLst meth="repeat">
+      <a:schemeClr val="accent1">
+        <a:tint val="50000"/>
+      </a:schemeClr>
+    </dgm:fillClrLst>
+    <dgm:linClrLst meth="repeat">
+      <a:schemeClr val="lt1"/>
+    </dgm:linClrLst>
+    <dgm:effectClrLst/>
+    <dgm:txLinClrLst/>
+    <dgm:txFillClrLst meth="repeat">
+      <a:schemeClr val="lt1"/>
+    </dgm:txFillClrLst>
+    <dgm:txEffectClrLst/>
+  </dgm:styleLbl>
+  <dgm:styleLbl name="sibTrans2D1">
+    <dgm:fillClrLst meth="repeat">
+      <a:schemeClr val="accent1">
+        <a:tint val="60000"/>
+      </a:schemeClr>
+    </dgm:fillClrLst>
+    <dgm:linClrLst meth="repeat">
+      <a:schemeClr val="accent1">
+        <a:tint val="60000"/>
+      </a:schemeClr>
+    </dgm:linClrLst>
+    <dgm:effectClrLst/>
+    <dgm:txLinClrLst/>
+    <dgm:txFillClrLst/>
+    <dgm:txEffectClrLst/>
+  </dgm:styleLbl>
+  <dgm:styleLbl name="fgSibTrans2D1">
+    <dgm:fillClrLst meth="repeat">
+      <a:schemeClr val="accent1">
+        <a:tint val="60000"/>
+      </a:schemeClr>
+    </dgm:fillClrLst>
+    <dgm:linClrLst meth="repeat">
+      <a:schemeClr val="accent1">
+        <a:tint val="60000"/>
+      </a:schemeClr>
+    </dgm:linClrLst>
+    <dgm:effectClrLst/>
+    <dgm:txLinClrLst/>
+    <dgm:txFillClrLst/>
+    <dgm:txEffectClrLst/>
+  </dgm:styleLbl>
+  <dgm:styleLbl name="bgSibTrans2D1">
+    <dgm:fillClrLst meth="repeat">
+      <a:schemeClr val="accent1">
+        <a:tint val="60000"/>
+      </a:schemeClr>
+    </dgm:fillClrLst>
+    <dgm:linClrLst meth="repeat">
+      <a:schemeClr val="accent1">
+        <a:tint val="60000"/>
+      </a:schemeClr>
+    </dgm:linClrLst>
+    <dgm:effectClrLst/>
+    <dgm:txLinClrLst/>
+    <dgm:txFillClrLst/>
+    <dgm:txEffectClrLst/>
+  </dgm:styleLbl>
+  <dgm:styleLbl name="sibTrans1D1">
+    <dgm:fillClrLst meth="repeat">
+      <a:schemeClr val="accent1"/>
+    </dgm:fillClrLst>
+    <dgm:linClrLst meth="repeat">
+      <a:schemeClr val="accent1"/>
+    </dgm:linClrLst>
+    <dgm:effectClrLst/>
+    <dgm:txLinClrLst/>
+    <dgm:txFillClrLst meth="repeat">
+      <a:schemeClr val="tx1"/>
+    </dgm:txFillClrLst>
+    <dgm:txEffectClrLst/>
+  </dgm:styleLbl>
+  <dgm:styleLbl name="callout">
+    <dgm:fillClrLst meth="repeat">
+      <a:schemeClr val="accent1"/>
+    </dgm:fillClrLst>
+    <dgm:linClrLst meth="repeat">
+      <a:schemeClr val="accent1">
+        <a:tint val="50000"/>
+      </a:schemeClr>
+    </dgm:linClrLst>
+    <dgm:effectClrLst/>
+    <dgm:txLinClrLst/>
+    <dgm:txFillClrLst meth="repeat">
+      <a:schemeClr val="tx1"/>
+    </dgm:txFillClrLst>
+    <dgm:txEffectClrLst/>
+  </dgm:styleLbl>
+  <dgm:styleLbl name="asst0">
+    <dgm:fillClrLst meth="repeat">
+      <a:schemeClr val="accent1"/>
+    </dgm:fillClrLst>
+    <dgm:linClrLst meth="repeat">
+      <a:schemeClr val="lt1"/>
+    </dgm:linClrLst>
+    <dgm:effectClrLst/>
+    <dgm:txLinClrLst/>
+    <dgm:txFillClrLst/>
+    <dgm:txEffectClrLst/>
+  </dgm:styleLbl>
+  <dgm:styleLbl name="asst1">
+    <dgm:fillClrLst meth="repeat">
+      <a:schemeClr val="accent1"/>
+    </dgm:fillClrLst>
+    <dgm:linClrLst meth="repeat">
+      <a:schemeClr val="lt1"/>
+    </dgm:linClrLst>
+    <dgm:effectClrLst/>
+    <dgm:txLinClrLst/>
+    <dgm:txFillClrLst/>
+    <dgm:txEffectClrLst/>
+  </dgm:styleLbl>
+  <dgm:styleLbl name="asst2">
+    <dgm:fillClrLst meth="repeat">
+      <a:schemeClr val="accent1"/>
+    </dgm:fillClrLst>
+    <dgm:linClrLst meth="repeat">
+      <a:schemeClr val="lt1"/>
+    </dgm:linClrLst>
+    <dgm:effectClrLst/>
+    <dgm:txLinClrLst/>
+    <dgm:txFillClrLst/>
+    <dgm:txEffectClrLst/>
+  </dgm:styleLbl>
+  <dgm:styleLbl name="asst3">
+    <dgm:fillClrLst meth="repeat">
+      <a:schemeClr val="accent1"/>
+    </dgm:fillClrLst>
+    <dgm:linClrLst meth="repeat">
+      <a:schemeClr val="lt1"/>
+    </dgm:linClrLst>
+    <dgm:effectClrLst/>
+    <dgm:txLinClrLst/>
+    <dgm:txFillClrLst/>
+    <dgm:txEffectClrLst/>
+  </dgm:styleLbl>
+  <dgm:styleLbl name="asst4">
+    <dgm:fillClrLst meth="repeat">
+      <a:schemeClr val="accent1"/>
+    </dgm:fillClrLst>
+    <dgm:linClrLst meth="repeat">
+      <a:schemeClr val="lt1"/>
+    </dgm:linClrLst>
+    <dgm:effectClrLst/>
+    <dgm:txLinClrLst/>
+    <dgm:txFillClrLst/>
+    <dgm:txEffectClrLst/>
+  </dgm:styleLbl>
+  <dgm:styleLbl name="parChTrans2D1">
+    <dgm:fillClrLst meth="repeat">
+      <a:schemeClr val="accent1">
+        <a:tint val="60000"/>
+      </a:schemeClr>
+    </dgm:fillClrLst>
+    <dgm:linClrLst meth="repeat">
+      <a:schemeClr val="accent1">
+        <a:tint val="60000"/>
+      </a:schemeClr>
+    </dgm:linClrLst>
+    <dgm:effectClrLst/>
+    <dgm:txLinClrLst/>
+    <dgm:txFillClrLst meth="repeat">
+      <a:schemeClr val="lt1"/>
+    </dgm:txFillClrLst>
+    <dgm:txEffectClrLst/>
+  </dgm:styleLbl>
+  <dgm:styleLbl name="parChTrans2D2">
+    <dgm:fillClrLst meth="repeat">
+      <a:schemeClr val="accent1"/>
+    </dgm:fillClrLst>
+    <dgm:linClrLst meth="repeat">
+      <a:schemeClr val="accent1"/>
+    </dgm:linClrLst>
+    <dgm:effectClrLst/>
+    <dgm:txLinClrLst/>
+    <dgm:txFillClrLst meth="repeat">
+      <a:schemeClr val="lt1"/>
+    </dgm:txFillClrLst>
+    <dgm:txEffectClrLst/>
+  </dgm:styleLbl>
+  <dgm:styleLbl name="parChTrans2D3">
+    <dgm:fillClrLst meth="repeat">
+      <a:schemeClr val="accent1"/>
+    </dgm:fillClrLst>
+    <dgm:linClrLst meth="repeat">
+      <a:schemeClr val="accent1"/>
+    </dgm:linClrLst>
+    <dgm:effectClrLst/>
+    <dgm:txLinClrLst/>
+    <dgm:txFillClrLst meth="repeat">
+      <a:schemeClr val="lt1"/>
+    </dgm:txFillClrLst>
+    <dgm:txEffectClrLst/>
+  </dgm:styleLbl>
+  <dgm:styleLbl name="parChTrans2D4">
+    <dgm:fillClrLst meth="repeat">
+      <a:schemeClr val="accent1"/>
+    </dgm:fillClrLst>
+    <dgm:linClrLst meth="repeat">
+      <a:schemeClr val="accent1"/>
+    </dgm:linClrLst>
+    <dgm:effectClrLst/>
+    <dgm:txLinClrLst/>
+    <dgm:txFillClrLst meth="repeat">
+      <a:schemeClr val="lt1"/>
+    </dgm:txFillClrLst>
+    <dgm:txEffectClrLst/>
+  </dgm:styleLbl>
+  <dgm:styleLbl name="parChTrans1D1">
+    <dgm:fillClrLst meth="repeat">
+      <a:schemeClr val="accent1"/>
+    </dgm:fillClrLst>
+    <dgm:linClrLst meth="repeat">
+      <a:schemeClr val="accent1">
+        <a:shade val="60000"/>
+      </a:schemeClr>
+    </dgm:linClrLst>
+    <dgm:effectClrLst/>
+    <dgm:txLinClrLst/>
+    <dgm:txFillClrLst meth="repeat">
+      <a:schemeClr val="tx1"/>
+    </dgm:txFillClrLst>
+    <dgm:txEffectClrLst/>
+  </dgm:styleLbl>
+  <dgm:styleLbl name="parChTrans1D2">
+    <dgm:fillClrLst meth="repeat">
+      <a:schemeClr val="accent1"/>
+    </dgm:fillClrLst>
+    <dgm:linClrLst meth="repeat">
+      <a:schemeClr val="accent1">
+        <a:shade val="60000"/>
+      </a:schemeClr>
+    </dgm:linClrLst>
+    <dgm:effectClrLst/>
+    <dgm:txLinClrLst/>
+    <dgm:txFillClrLst meth="repeat">
+      <a:schemeClr val="tx1"/>
+    </dgm:txFillClrLst>
+    <dgm:txEffectClrLst/>
+  </dgm:styleLbl>
+  <dgm:styleLbl name="parChTrans1D3">
+    <dgm:fillClrLst meth="repeat">
+      <a:schemeClr val="accent1"/>
+    </dgm:fillClrLst>
+    <dgm:linClrLst meth="repeat">
+      <a:schemeClr val="accent1">
+        <a:shade val="80000"/>
+      </a:schemeClr>
+    </dgm:linClrLst>
+    <dgm:effectClrLst/>
+    <dgm:txLinClrLst/>
+    <dgm:txFillClrLst meth="repeat">
+      <a:schemeClr val="tx1"/>
+    </dgm:txFillClrLst>
+    <dgm:txEffectClrLst/>
+  </dgm:styleLbl>
+  <dgm:styleLbl name="parChTrans1D4">
+    <dgm:fillClrLst meth="repeat">
+      <a:schemeClr val="accent1"/>
+    </dgm:fillClrLst>
+    <dgm:linClrLst meth="repeat">
+      <a:schemeClr val="accent1">
+        <a:shade val="80000"/>
+      </a:schemeClr>
+    </dgm:linClrLst>
+    <dgm:effectClrLst/>
+    <dgm:txLinClrLst/>
+    <dgm:txFillClrLst meth="repeat">
+      <a:schemeClr val="tx1"/>
+    </dgm:txFillClrLst>
+    <dgm:txEffectClrLst/>
+  </dgm:styleLbl>
+  <dgm:styleLbl name="fgAcc1">
+    <dgm:fillClrLst meth="repeat">
+      <a:schemeClr val="lt1">
+        <a:alpha val="90000"/>
+      </a:schemeClr>
+    </dgm:fillClrLst>
+    <dgm:linClrLst meth="repeat">
+      <a:schemeClr val="accent1"/>
+    </dgm:linClrLst>
+    <dgm:effectClrLst/>
+    <dgm:txLinClrLst/>
+    <dgm:txFillClrLst meth="repeat">
+      <a:schemeClr val="dk1"/>
+    </dgm:txFillClrLst>
+    <dgm:txEffectClrLst/>
+  </dgm:styleLbl>
+  <dgm:styleLbl name="conFgAcc1">
+    <dgm:fillClrLst meth="repeat">
+      <a:schemeClr val="lt1">
+        <a:alpha val="90000"/>
+      </a:schemeClr>
+    </dgm:fillClrLst>
+    <dgm:linClrLst meth="repeat">
+      <a:schemeClr val="accent1"/>
+    </dgm:linClrLst>
+    <dgm:effectClrLst/>
+    <dgm:txLinClrLst/>
+    <dgm:txFillClrLst meth="repeat">
+      <a:schemeClr val="dk1"/>
+    </dgm:txFillClrLst>
+    <dgm:txEffectClrLst/>
+  </dgm:styleLbl>
+  <dgm:styleLbl name="alignAcc1">
+    <dgm:fillClrLst meth="repeat">
+      <a:schemeClr val="lt1">
+        <a:alpha val="90000"/>
+      </a:schemeClr>
+    </dgm:fillClrLst>
+    <dgm:linClrLst meth="repeat">
+      <a:schemeClr val="accent1"/>
+    </dgm:linClrLst>
+    <dgm:effectClrLst/>
+    <dgm:txLinClrLst/>
+    <dgm:txFillClrLst meth="repeat">
+      <a:schemeClr val="dk1"/>
+    </dgm:txFillClrLst>
+    <dgm:txEffectClrLst/>
+  </dgm:styleLbl>
+  <dgm:styleLbl name="trAlignAcc1">
+    <dgm:fillClrLst meth="repeat">
+      <a:schemeClr val="lt1">
+        <a:alpha val="40000"/>
+      </a:schemeClr>
+    </dgm:fillClrLst>
+    <dgm:linClrLst meth="repeat">
+      <a:schemeClr val="accent1"/>
+    </dgm:linClrLst>
+    <dgm:effectClrLst/>
+    <dgm:txLinClrLst/>
+    <dgm:txFillClrLst meth="repeat">
+      <a:schemeClr val="dk1"/>
+    </dgm:txFillClrLst>
+    <dgm:txEffectClrLst/>
+  </dgm:styleLbl>
+  <dgm:styleLbl name="bgAcc1">
+    <dgm:fillClrLst meth="repeat">
+      <a:schemeClr val="lt1">
+        <a:alpha val="90000"/>
+      </a:schemeClr>
+    </dgm:fillClrLst>
+    <dgm:linClrLst meth="repeat">
+      <a:schemeClr val="accent1"/>
+    </dgm:linClrLst>
+    <dgm:effectClrLst/>
+    <dgm:txLinClrLst/>
+    <dgm:txFillClrLst meth="repeat">
+      <a:schemeClr val="dk1"/>
+    </dgm:txFillClrLst>
+    <dgm:txEffectClrLst/>
+  </dgm:styleLbl>
+  <dgm:styleLbl name="solidFgAcc1">
+    <dgm:fillClrLst meth="repeat">
+      <a:schemeClr val="lt1"/>
+    </dgm:fillClrLst>
+    <dgm:linClrLst meth="repeat">
+      <a:schemeClr val="accent1"/>
+    </dgm:linClrLst>
+    <dgm:effectClrLst/>
+    <dgm:txLinClrLst/>
+    <dgm:txFillClrLst meth="repeat">
+      <a:schemeClr val="dk1"/>
+    </dgm:txFillClrLst>
+    <dgm:txEffectClrLst/>
+  </dgm:styleLbl>
+  <dgm:styleLbl name="solidAlignAcc1">
+    <dgm:fillClrLst meth="repeat">
+      <a:schemeClr val="lt1"/>
+    </dgm:fillClrLst>
+    <dgm:linClrLst meth="repeat">
+      <a:schemeClr val="accent1"/>
+    </dgm:linClrLst>
+    <dgm:effectClrLst/>
+    <dgm:txLinClrLst/>
+    <dgm:txFillClrLst meth="repeat">
+      <a:schemeClr val="dk1"/>
+    </dgm:txFillClrLst>
+    <dgm:txEffectClrLst/>
+  </dgm:styleLbl>
+  <dgm:styleLbl name="solidBgAcc1">
+    <dgm:fillClrLst meth="repeat">
+      <a:schemeClr val="lt1"/>
+    </dgm:fillClrLst>
+    <dgm:linClrLst meth="repeat">
+      <a:schemeClr val="accent1"/>
+    </dgm:linClrLst>
+    <dgm:effectClrLst/>
+    <dgm:txLinClrLst/>
+    <dgm:txFillClrLst meth="repeat">
+      <a:schemeClr val="dk1"/>
+    </dgm:txFillClrLst>
+    <dgm:txEffectClrLst/>
+  </dgm:styleLbl>
+  <dgm:styleLbl name="fgAccFollowNode1">
+    <dgm:fillClrLst meth="repeat">
+      <a:schemeClr val="accent1">
+        <a:alpha val="90000"/>
+        <a:tint val="40000"/>
+      </a:schemeClr>
+    </dgm:fillClrLst>
+    <dgm:linClrLst meth="repeat">
+      <a:schemeClr val="accent1">
+        <a:alpha val="90000"/>
+        <a:tint val="40000"/>
+      </a:schemeClr>
+    </dgm:linClrLst>
+    <dgm:effectClrLst/>
+    <dgm:txLinClrLst/>
+    <dgm:txFillClrLst meth="repeat">
+      <a:schemeClr val="dk1"/>
+    </dgm:txFillClrLst>
+    <dgm:txEffectClrLst/>
+  </dgm:styleLbl>
+  <dgm:styleLbl name="alignAccFollowNode1">
+    <dgm:fillClrLst meth="repeat">
+      <a:schemeClr val="accent1">
+        <a:alpha val="90000"/>
+        <a:tint val="40000"/>
+      </a:schemeClr>
+    </dgm:fillClrLst>
+    <dgm:linClrLst meth="repeat">
+      <a:schemeClr val="accent1">
+        <a:alpha val="90000"/>
+        <a:tint val="40000"/>
+      </a:schemeClr>
+    </dgm:linClrLst>
+    <dgm:effectClrLst/>
+    <dgm:txLinClrLst/>
+    <dgm:txFillClrLst meth="repeat">
+      <a:schemeClr val="dk1"/>
+    </dgm:txFillClrLst>
+    <dgm:txEffectClrLst/>
+  </dgm:styleLbl>
+  <dgm:styleLbl name="bgAccFollowNode1">
+    <dgm:fillClrLst meth="repeat">
+      <a:schemeClr val="accent1">
+        <a:alpha val="90000"/>
+        <a:tint val="40000"/>
+      </a:schemeClr>
+    </dgm:fillClrLst>
+    <dgm:linClrLst meth="repeat">
+      <a:schemeClr val="accent1">
+        <a:alpha val="90000"/>
+        <a:tint val="40000"/>
+      </a:schemeClr>
+    </dgm:linClrLst>
+    <dgm:effectClrLst/>
+    <dgm:txLinClrLst/>
+    <dgm:txFillClrLst meth="repeat">
+      <a:schemeClr val="dk1"/>
+    </dgm:txFillClrLst>
+    <dgm:txEffectClrLst/>
+  </dgm:styleLbl>
+  <dgm:styleLbl name="fgAcc0">
+    <dgm:fillClrLst meth="repeat">
+      <a:schemeClr val="lt1">
+        <a:alpha val="90000"/>
+      </a:schemeClr>
+    </dgm:fillClrLst>
+    <dgm:linClrLst meth="repeat">
+      <a:schemeClr val="accent1"/>
+    </dgm:linClrLst>
+    <dgm:effectClrLst/>
+    <dgm:txLinClrLst/>
+    <dgm:txFillClrLst meth="repeat">
+      <a:schemeClr val="dk1"/>
+    </dgm:txFillClrLst>
+    <dgm:txEffectClrLst/>
+  </dgm:styleLbl>
+  <dgm:styleLbl name="fgAcc2">
+    <dgm:fillClrLst meth="repeat">
+      <a:schemeClr val="lt1">
+        <a:alpha val="90000"/>
+      </a:schemeClr>
+    </dgm:fillClrLst>
+    <dgm:linClrLst meth="repeat">
+      <a:schemeClr val="accent1"/>
+    </dgm:linClrLst>
+    <dgm:effectClrLst/>
+    <dgm:txLinClrLst/>
+    <dgm:txFillClrLst meth="repeat">
+      <a:schemeClr val="dk1"/>
+    </dgm:txFillClrLst>
+    <dgm:txEffectClrLst/>
+  </dgm:styleLbl>
+  <dgm:styleLbl name="fgAcc3">
+    <dgm:fillClrLst meth="repeat">
+      <a:schemeClr val="lt1">
+        <a:alpha val="90000"/>
+      </a:schemeClr>
+    </dgm:fillClrLst>
+    <dgm:linClrLst meth="repeat">
+      <a:schemeClr val="accent1"/>
+    </dgm:linClrLst>
+    <dgm:effectClrLst/>
+    <dgm:txLinClrLst/>
+    <dgm:txFillClrLst meth="repeat">
+      <a:schemeClr val="dk1"/>
+    </dgm:txFillClrLst>
+    <dgm:txEffectClrLst/>
+  </dgm:styleLbl>
+  <dgm:styleLbl name="fgAcc4">
+    <dgm:fillClrLst meth="repeat">
+      <a:schemeClr val="lt1">
+        <a:alpha val="90000"/>
+      </a:schemeClr>
+    </dgm:fillClrLst>
+    <dgm:linClrLst meth="repeat">
+      <a:schemeClr val="accent1"/>
+    </dgm:linClrLst>
+    <dgm:effectClrLst/>
+    <dgm:txLinClrLst/>
+    <dgm:txFillClrLst meth="repeat">
+      <a:schemeClr val="dk1"/>
+    </dgm:txFillClrLst>
+    <dgm:txEffectClrLst/>
+  </dgm:styleLbl>
+  <dgm:styleLbl name="bgShp">
+    <dgm:fillClrLst meth="repeat">
+      <a:schemeClr val="accent1">
+        <a:tint val="40000"/>
+      </a:schemeClr>
+    </dgm:fillClrLst>
+    <dgm:linClrLst meth="repeat">
+      <a:schemeClr val="accent1"/>
+    </dgm:linClrLst>
+    <dgm:effectClrLst/>
+    <dgm:txLinClrLst/>
+    <dgm:txFillClrLst meth="repeat">
+      <a:schemeClr val="dk1"/>
+    </dgm:txFillClrLst>
+    <dgm:txEffectClrLst/>
+  </dgm:styleLbl>
+  <dgm:styleLbl name="dkBgShp">
+    <dgm:fillClrLst meth="repeat">
+      <a:schemeClr val="accent1">
+        <a:shade val="80000"/>
+      </a:schemeClr>
+    </dgm:fillClrLst>
+    <dgm:linClrLst meth="repeat">
+      <a:schemeClr val="accent1"/>
+    </dgm:linClrLst>
+    <dgm:effectClrLst/>
+    <dgm:txLinClrLst/>
+    <dgm:txFillClrLst meth="repeat">
+      <a:schemeClr val="lt1"/>
+    </dgm:txFillClrLst>
+    <dgm:txEffectClrLst/>
+  </dgm:styleLbl>
+  <dgm:styleLbl name="trBgShp">
+    <dgm:fillClrLst meth="repeat">
+      <a:schemeClr val="accent1">
+        <a:tint val="50000"/>
+        <a:alpha val="40000"/>
+      </a:schemeClr>
+    </dgm:fillClrLst>
+    <dgm:linClrLst meth="repeat">
+      <a:schemeClr val="accent1"/>
+    </dgm:linClrLst>
+    <dgm:effectClrLst/>
+    <dgm:txLinClrLst/>
+    <dgm:txFillClrLst meth="repeat">
+      <a:schemeClr val="lt1"/>
+    </dgm:txFillClrLst>
+    <dgm:txEffectClrLst/>
+  </dgm:styleLbl>
+  <dgm:styleLbl name="fgShp">
+    <dgm:fillClrLst meth="repeat">
+      <a:schemeClr val="accent1">
+        <a:tint val="60000"/>
+      </a:schemeClr>
+    </dgm:fillClrLst>
+    <dgm:linClrLst meth="repeat">
+      <a:schemeClr val="lt1"/>
+    </dgm:linClrLst>
+    <dgm:effectClrLst/>
+    <dgm:txLinClrLst/>
+    <dgm:txFillClrLst meth="repeat">
+      <a:schemeClr val="dk1"/>
+    </dgm:txFillClrLst>
+    <dgm:txEffectClrLst/>
+  </dgm:styleLbl>
+  <dgm:styleLbl name="revTx">
+    <dgm:fillClrLst meth="repeat">
+      <a:schemeClr val="lt1">
+        <a:alpha val="0"/>
+      </a:schemeClr>
+    </dgm:fillClrLst>
+    <dgm:linClrLst meth="repeat">
+      <a:schemeClr val="dk1">
+        <a:alpha val="0"/>
+      </a:schemeClr>
+    </dgm:linClrLst>
+    <dgm:effectClrLst/>
+    <dgm:txLinClrLst/>
+    <dgm:txFillClrLst meth="repeat">
+      <a:schemeClr val="tx1"/>
+    </dgm:txFillClrLst>
+    <dgm:txEffectClrLst/>
+  </dgm:styleLbl>
+</dgm:colorsDef>
+</file>
+
+<file path=ppt/diagrams/data1.xml><?xml version="1.0" encoding="utf-8"?>
+<dgm:dataModel xmlns:dgm="http://schemas.openxmlformats.org/drawingml/2006/diagram" xmlns:a="http://schemas.openxmlformats.org/drawingml/2006/main">
+  <dgm:ptLst>
+    <dgm:pt modelId="{D61BBEDF-EC40-4753-8D86-2EF020E4E3BB}" type="doc">
+      <dgm:prSet loTypeId="urn:microsoft.com/office/officeart/2005/8/layout/vList2" loCatId="list" qsTypeId="urn:microsoft.com/office/officeart/2005/8/quickstyle/simple1" qsCatId="simple" csTypeId="urn:microsoft.com/office/officeart/2005/8/colors/accent1_2" csCatId="accent1"/>
+      <dgm:spPr/>
+      <dgm:t>
+        <a:bodyPr/>
+        <a:lstStyle/>
+        <a:p>
+          <a:endParaRPr lang="en-US"/>
+        </a:p>
+      </dgm:t>
+    </dgm:pt>
+    <dgm:pt modelId="{9F02CD42-A88E-47FE-9448-9B7963A1CE3F}">
+      <dgm:prSet/>
+      <dgm:spPr/>
+      <dgm:t>
+        <a:bodyPr/>
+        <a:lstStyle/>
+        <a:p>
+          <a:r>
+            <a:rPr lang="de-DE"/>
+            <a:t>Ersten 2-3 Wochen mit Pygame</a:t>
+          </a:r>
+          <a:endParaRPr lang="en-US"/>
+        </a:p>
+      </dgm:t>
+    </dgm:pt>
+    <dgm:pt modelId="{CD14EF2D-1615-449E-B613-8DDEE2255D2D}" type="parTrans" cxnId="{D8A42759-5D47-4F7E-BAFF-68B6830AB27E}">
+      <dgm:prSet/>
+      <dgm:spPr/>
+      <dgm:t>
+        <a:bodyPr/>
+        <a:lstStyle/>
+        <a:p>
+          <a:endParaRPr lang="en-US"/>
+        </a:p>
+      </dgm:t>
+    </dgm:pt>
+    <dgm:pt modelId="{04B25EFF-7956-41B3-8D4B-BFEBBE496DE1}" type="sibTrans" cxnId="{D8A42759-5D47-4F7E-BAFF-68B6830AB27E}">
+      <dgm:prSet/>
+      <dgm:spPr/>
+      <dgm:t>
+        <a:bodyPr/>
+        <a:lstStyle/>
+        <a:p>
+          <a:endParaRPr lang="en-US"/>
+        </a:p>
+      </dgm:t>
+    </dgm:pt>
+    <dgm:pt modelId="{085B44A6-2752-4430-9B0B-D7F5BB30E9E6}">
+      <dgm:prSet/>
+      <dgm:spPr/>
+      <dgm:t>
+        <a:bodyPr/>
+        <a:lstStyle/>
+        <a:p>
+          <a:r>
+            <a:rPr lang="de-DE"/>
+            <a:t>Dann Umstieg auf Unreal Engine</a:t>
+          </a:r>
+          <a:endParaRPr lang="en-US"/>
+        </a:p>
+      </dgm:t>
+    </dgm:pt>
+    <dgm:pt modelId="{2D57900B-93F7-4FB4-B8FA-32591146DEA2}" type="parTrans" cxnId="{3C6C1092-9747-464B-B2C2-E47D65D1F543}">
+      <dgm:prSet/>
+      <dgm:spPr/>
+      <dgm:t>
+        <a:bodyPr/>
+        <a:lstStyle/>
+        <a:p>
+          <a:endParaRPr lang="en-US"/>
+        </a:p>
+      </dgm:t>
+    </dgm:pt>
+    <dgm:pt modelId="{8C3AA7CE-6ACB-4733-8B90-9ABA08FC3DF3}" type="sibTrans" cxnId="{3C6C1092-9747-464B-B2C2-E47D65D1F543}">
+      <dgm:prSet/>
+      <dgm:spPr/>
+      <dgm:t>
+        <a:bodyPr/>
+        <a:lstStyle/>
+        <a:p>
+          <a:endParaRPr lang="en-US"/>
+        </a:p>
+      </dgm:t>
+    </dgm:pt>
+    <dgm:pt modelId="{63812B80-22D0-4752-BBBA-615380135F99}">
+      <dgm:prSet/>
+      <dgm:spPr/>
+      <dgm:t>
+        <a:bodyPr/>
+        <a:lstStyle/>
+        <a:p>
+          <a:r>
+            <a:rPr lang="de-DE"/>
+            <a:t>Projekt und Github wurden neugestartet</a:t>
+          </a:r>
+          <a:endParaRPr lang="en-US"/>
+        </a:p>
+      </dgm:t>
+    </dgm:pt>
+    <dgm:pt modelId="{4C11C379-A7B0-4946-888E-389B253AA6FC}" type="parTrans" cxnId="{DA165BA1-B84B-4A1F-9E74-6E2870613CB9}">
+      <dgm:prSet/>
+      <dgm:spPr/>
+      <dgm:t>
+        <a:bodyPr/>
+        <a:lstStyle/>
+        <a:p>
+          <a:endParaRPr lang="en-US"/>
+        </a:p>
+      </dgm:t>
+    </dgm:pt>
+    <dgm:pt modelId="{AD1F3BB9-4E12-4895-99E6-0F9C39A21E46}" type="sibTrans" cxnId="{DA165BA1-B84B-4A1F-9E74-6E2870613CB9}">
+      <dgm:prSet/>
+      <dgm:spPr/>
+      <dgm:t>
+        <a:bodyPr/>
+        <a:lstStyle/>
+        <a:p>
+          <a:endParaRPr lang="en-US"/>
+        </a:p>
+      </dgm:t>
+    </dgm:pt>
+    <dgm:pt modelId="{20590409-8C3B-4120-8587-2FFC6A9E9C00}">
+      <dgm:prSet/>
+      <dgm:spPr/>
+      <dgm:t>
+        <a:bodyPr/>
+        <a:lstStyle/>
+        <a:p>
+          <a:r>
+            <a:rPr lang="de-DE"/>
+            <a:t>Fortschritt besser als bei Pygame</a:t>
+          </a:r>
+          <a:endParaRPr lang="en-US"/>
+        </a:p>
+      </dgm:t>
+    </dgm:pt>
+    <dgm:pt modelId="{01B8C2C7-46CE-452C-9820-5CBB8580FF99}" type="parTrans" cxnId="{341D092A-B9F0-4A3F-BAB5-945A1B230704}">
+      <dgm:prSet/>
+      <dgm:spPr/>
+      <dgm:t>
+        <a:bodyPr/>
+        <a:lstStyle/>
+        <a:p>
+          <a:endParaRPr lang="en-US"/>
+        </a:p>
+      </dgm:t>
+    </dgm:pt>
+    <dgm:pt modelId="{127B8D85-0766-42EF-BF9C-AE060C1DA73A}" type="sibTrans" cxnId="{341D092A-B9F0-4A3F-BAB5-945A1B230704}">
+      <dgm:prSet/>
+      <dgm:spPr/>
+      <dgm:t>
+        <a:bodyPr/>
+        <a:lstStyle/>
+        <a:p>
+          <a:endParaRPr lang="en-US"/>
+        </a:p>
+      </dgm:t>
+    </dgm:pt>
+    <dgm:pt modelId="{9013A000-9F95-47AF-8796-A4FC929719A8}">
+      <dgm:prSet/>
+      <dgm:spPr/>
+      <dgm:t>
+        <a:bodyPr/>
+        <a:lstStyle/>
+        <a:p>
+          <a:r>
+            <a:rPr lang="de-DE"/>
+            <a:t>Bessere Logik als bei Pygame</a:t>
+          </a:r>
+          <a:endParaRPr lang="en-US"/>
+        </a:p>
+      </dgm:t>
+    </dgm:pt>
+    <dgm:pt modelId="{31FFE785-B5B6-425D-B69C-74F5C35895F8}" type="parTrans" cxnId="{46FFCFA8-25AD-49E0-849D-9DE21D69D033}">
+      <dgm:prSet/>
+      <dgm:spPr/>
+      <dgm:t>
+        <a:bodyPr/>
+        <a:lstStyle/>
+        <a:p>
+          <a:endParaRPr lang="en-US"/>
+        </a:p>
+      </dgm:t>
+    </dgm:pt>
+    <dgm:pt modelId="{394B13BB-46FC-463B-BF70-2642F1B84143}" type="sibTrans" cxnId="{46FFCFA8-25AD-49E0-849D-9DE21D69D033}">
+      <dgm:prSet/>
+      <dgm:spPr/>
+      <dgm:t>
+        <a:bodyPr/>
+        <a:lstStyle/>
+        <a:p>
+          <a:endParaRPr lang="en-US"/>
+        </a:p>
+      </dgm:t>
+    </dgm:pt>
+    <dgm:pt modelId="{2692BCF6-D7A0-453D-9DDA-33BEEADBF5BF}" type="pres">
+      <dgm:prSet presAssocID="{D61BBEDF-EC40-4753-8D86-2EF020E4E3BB}" presName="linear" presStyleCnt="0">
+        <dgm:presLayoutVars>
+          <dgm:animLvl val="lvl"/>
+          <dgm:resizeHandles val="exact"/>
+        </dgm:presLayoutVars>
+      </dgm:prSet>
+      <dgm:spPr/>
+    </dgm:pt>
+    <dgm:pt modelId="{06A6F852-F6B2-49C7-BB70-724178719C2C}" type="pres">
+      <dgm:prSet presAssocID="{9F02CD42-A88E-47FE-9448-9B7963A1CE3F}" presName="parentText" presStyleLbl="node1" presStyleIdx="0" presStyleCnt="5">
+        <dgm:presLayoutVars>
+          <dgm:chMax val="0"/>
+          <dgm:bulletEnabled val="1"/>
+        </dgm:presLayoutVars>
+      </dgm:prSet>
+      <dgm:spPr/>
+    </dgm:pt>
+    <dgm:pt modelId="{B6FC0574-79E1-46D8-A18B-C7E1EA769D93}" type="pres">
+      <dgm:prSet presAssocID="{04B25EFF-7956-41B3-8D4B-BFEBBE496DE1}" presName="spacer" presStyleCnt="0"/>
+      <dgm:spPr/>
+    </dgm:pt>
+    <dgm:pt modelId="{2216588A-CD35-48EB-89E9-FB2C85397092}" type="pres">
+      <dgm:prSet presAssocID="{085B44A6-2752-4430-9B0B-D7F5BB30E9E6}" presName="parentText" presStyleLbl="node1" presStyleIdx="1" presStyleCnt="5">
+        <dgm:presLayoutVars>
+          <dgm:chMax val="0"/>
+          <dgm:bulletEnabled val="1"/>
+        </dgm:presLayoutVars>
+      </dgm:prSet>
+      <dgm:spPr/>
+    </dgm:pt>
+    <dgm:pt modelId="{8F53D92B-EA3C-4AAD-BF24-16376ECD6487}" type="pres">
+      <dgm:prSet presAssocID="{8C3AA7CE-6ACB-4733-8B90-9ABA08FC3DF3}" presName="spacer" presStyleCnt="0"/>
+      <dgm:spPr/>
+    </dgm:pt>
+    <dgm:pt modelId="{686584C8-2E35-4DDA-8C7A-BF09A7623595}" type="pres">
+      <dgm:prSet presAssocID="{63812B80-22D0-4752-BBBA-615380135F99}" presName="parentText" presStyleLbl="node1" presStyleIdx="2" presStyleCnt="5">
+        <dgm:presLayoutVars>
+          <dgm:chMax val="0"/>
+          <dgm:bulletEnabled val="1"/>
+        </dgm:presLayoutVars>
+      </dgm:prSet>
+      <dgm:spPr/>
+    </dgm:pt>
+    <dgm:pt modelId="{77579EDA-ED8C-48B2-93A9-1416F1B8E422}" type="pres">
+      <dgm:prSet presAssocID="{AD1F3BB9-4E12-4895-99E6-0F9C39A21E46}" presName="spacer" presStyleCnt="0"/>
+      <dgm:spPr/>
+    </dgm:pt>
+    <dgm:pt modelId="{06D4FA83-6BB9-4631-9328-93256888959D}" type="pres">
+      <dgm:prSet presAssocID="{20590409-8C3B-4120-8587-2FFC6A9E9C00}" presName="parentText" presStyleLbl="node1" presStyleIdx="3" presStyleCnt="5">
+        <dgm:presLayoutVars>
+          <dgm:chMax val="0"/>
+          <dgm:bulletEnabled val="1"/>
+        </dgm:presLayoutVars>
+      </dgm:prSet>
+      <dgm:spPr/>
+    </dgm:pt>
+    <dgm:pt modelId="{1D4647E8-327E-478C-A44B-0DAE53DEC100}" type="pres">
+      <dgm:prSet presAssocID="{127B8D85-0766-42EF-BF9C-AE060C1DA73A}" presName="spacer" presStyleCnt="0"/>
+      <dgm:spPr/>
+    </dgm:pt>
+    <dgm:pt modelId="{3EDA318A-8A9C-42B1-B401-3AA08EBD3AFA}" type="pres">
+      <dgm:prSet presAssocID="{9013A000-9F95-47AF-8796-A4FC929719A8}" presName="parentText" presStyleLbl="node1" presStyleIdx="4" presStyleCnt="5">
+        <dgm:presLayoutVars>
+          <dgm:chMax val="0"/>
+          <dgm:bulletEnabled val="1"/>
+        </dgm:presLayoutVars>
+      </dgm:prSet>
+      <dgm:spPr/>
+    </dgm:pt>
+  </dgm:ptLst>
+  <dgm:cxnLst>
+    <dgm:cxn modelId="{536BED1C-F574-452C-BB12-01CCE620BB12}" type="presOf" srcId="{D61BBEDF-EC40-4753-8D86-2EF020E4E3BB}" destId="{2692BCF6-D7A0-453D-9DDA-33BEEADBF5BF}" srcOrd="0" destOrd="0" presId="urn:microsoft.com/office/officeart/2005/8/layout/vList2"/>
+    <dgm:cxn modelId="{51FC3F21-3E78-4D53-A9F7-B5640F333622}" type="presOf" srcId="{20590409-8C3B-4120-8587-2FFC6A9E9C00}" destId="{06D4FA83-6BB9-4631-9328-93256888959D}" srcOrd="0" destOrd="0" presId="urn:microsoft.com/office/officeart/2005/8/layout/vList2"/>
+    <dgm:cxn modelId="{341D092A-B9F0-4A3F-BAB5-945A1B230704}" srcId="{D61BBEDF-EC40-4753-8D86-2EF020E4E3BB}" destId="{20590409-8C3B-4120-8587-2FFC6A9E9C00}" srcOrd="3" destOrd="0" parTransId="{01B8C2C7-46CE-452C-9820-5CBB8580FF99}" sibTransId="{127B8D85-0766-42EF-BF9C-AE060C1DA73A}"/>
+    <dgm:cxn modelId="{B662822A-1DF3-46D4-82C2-14F7D641041D}" type="presOf" srcId="{9013A000-9F95-47AF-8796-A4FC929719A8}" destId="{3EDA318A-8A9C-42B1-B401-3AA08EBD3AFA}" srcOrd="0" destOrd="0" presId="urn:microsoft.com/office/officeart/2005/8/layout/vList2"/>
+    <dgm:cxn modelId="{D8A42759-5D47-4F7E-BAFF-68B6830AB27E}" srcId="{D61BBEDF-EC40-4753-8D86-2EF020E4E3BB}" destId="{9F02CD42-A88E-47FE-9448-9B7963A1CE3F}" srcOrd="0" destOrd="0" parTransId="{CD14EF2D-1615-449E-B613-8DDEE2255D2D}" sibTransId="{04B25EFF-7956-41B3-8D4B-BFEBBE496DE1}"/>
+    <dgm:cxn modelId="{3C6C1092-9747-464B-B2C2-E47D65D1F543}" srcId="{D61BBEDF-EC40-4753-8D86-2EF020E4E3BB}" destId="{085B44A6-2752-4430-9B0B-D7F5BB30E9E6}" srcOrd="1" destOrd="0" parTransId="{2D57900B-93F7-4FB4-B8FA-32591146DEA2}" sibTransId="{8C3AA7CE-6ACB-4733-8B90-9ABA08FC3DF3}"/>
+    <dgm:cxn modelId="{DA165BA1-B84B-4A1F-9E74-6E2870613CB9}" srcId="{D61BBEDF-EC40-4753-8D86-2EF020E4E3BB}" destId="{63812B80-22D0-4752-BBBA-615380135F99}" srcOrd="2" destOrd="0" parTransId="{4C11C379-A7B0-4946-888E-389B253AA6FC}" sibTransId="{AD1F3BB9-4E12-4895-99E6-0F9C39A21E46}"/>
+    <dgm:cxn modelId="{46FFCFA8-25AD-49E0-849D-9DE21D69D033}" srcId="{D61BBEDF-EC40-4753-8D86-2EF020E4E3BB}" destId="{9013A000-9F95-47AF-8796-A4FC929719A8}" srcOrd="4" destOrd="0" parTransId="{31FFE785-B5B6-425D-B69C-74F5C35895F8}" sibTransId="{394B13BB-46FC-463B-BF70-2642F1B84143}"/>
+    <dgm:cxn modelId="{7D4255A9-DDA6-41F1-9A63-3E167B0E3A17}" type="presOf" srcId="{9F02CD42-A88E-47FE-9448-9B7963A1CE3F}" destId="{06A6F852-F6B2-49C7-BB70-724178719C2C}" srcOrd="0" destOrd="0" presId="urn:microsoft.com/office/officeart/2005/8/layout/vList2"/>
+    <dgm:cxn modelId="{56C6F5AD-DB87-454A-BF3A-F9B641C58643}" type="presOf" srcId="{085B44A6-2752-4430-9B0B-D7F5BB30E9E6}" destId="{2216588A-CD35-48EB-89E9-FB2C85397092}" srcOrd="0" destOrd="0" presId="urn:microsoft.com/office/officeart/2005/8/layout/vList2"/>
+    <dgm:cxn modelId="{F777C9DD-14B8-46B5-8989-D32E276B1AAC}" type="presOf" srcId="{63812B80-22D0-4752-BBBA-615380135F99}" destId="{686584C8-2E35-4DDA-8C7A-BF09A7623595}" srcOrd="0" destOrd="0" presId="urn:microsoft.com/office/officeart/2005/8/layout/vList2"/>
+    <dgm:cxn modelId="{16B8B74A-DF6F-44A8-9AF0-4131FB5D08C0}" type="presParOf" srcId="{2692BCF6-D7A0-453D-9DDA-33BEEADBF5BF}" destId="{06A6F852-F6B2-49C7-BB70-724178719C2C}" srcOrd="0" destOrd="0" presId="urn:microsoft.com/office/officeart/2005/8/layout/vList2"/>
+    <dgm:cxn modelId="{BFBE94F0-0809-4DC8-B51B-0ECD9A3D1BA5}" type="presParOf" srcId="{2692BCF6-D7A0-453D-9DDA-33BEEADBF5BF}" destId="{B6FC0574-79E1-46D8-A18B-C7E1EA769D93}" srcOrd="1" destOrd="0" presId="urn:microsoft.com/office/officeart/2005/8/layout/vList2"/>
+    <dgm:cxn modelId="{5C9183B3-7F6D-4AAA-A52E-107A6A86C3A6}" type="presParOf" srcId="{2692BCF6-D7A0-453D-9DDA-33BEEADBF5BF}" destId="{2216588A-CD35-48EB-89E9-FB2C85397092}" srcOrd="2" destOrd="0" presId="urn:microsoft.com/office/officeart/2005/8/layout/vList2"/>
+    <dgm:cxn modelId="{E32B8DE5-8DF8-4D64-9C35-D94272D80DF9}" type="presParOf" srcId="{2692BCF6-D7A0-453D-9DDA-33BEEADBF5BF}" destId="{8F53D92B-EA3C-4AAD-BF24-16376ECD6487}" srcOrd="3" destOrd="0" presId="urn:microsoft.com/office/officeart/2005/8/layout/vList2"/>
+    <dgm:cxn modelId="{2E10B405-D0C3-4463-9C07-D2F9EC6BCF53}" type="presParOf" srcId="{2692BCF6-D7A0-453D-9DDA-33BEEADBF5BF}" destId="{686584C8-2E35-4DDA-8C7A-BF09A7623595}" srcOrd="4" destOrd="0" presId="urn:microsoft.com/office/officeart/2005/8/layout/vList2"/>
+    <dgm:cxn modelId="{A3EE8B74-96EA-4FA0-87C4-E803AD80ADD9}" type="presParOf" srcId="{2692BCF6-D7A0-453D-9DDA-33BEEADBF5BF}" destId="{77579EDA-ED8C-48B2-93A9-1416F1B8E422}" srcOrd="5" destOrd="0" presId="urn:microsoft.com/office/officeart/2005/8/layout/vList2"/>
+    <dgm:cxn modelId="{0DFFC30E-AD00-49CD-A944-4EA0A56A3466}" type="presParOf" srcId="{2692BCF6-D7A0-453D-9DDA-33BEEADBF5BF}" destId="{06D4FA83-6BB9-4631-9328-93256888959D}" srcOrd="6" destOrd="0" presId="urn:microsoft.com/office/officeart/2005/8/layout/vList2"/>
+    <dgm:cxn modelId="{8E5A44B4-A936-416C-A807-7DDC332DBC7A}" type="presParOf" srcId="{2692BCF6-D7A0-453D-9DDA-33BEEADBF5BF}" destId="{1D4647E8-327E-478C-A44B-0DAE53DEC100}" srcOrd="7" destOrd="0" presId="urn:microsoft.com/office/officeart/2005/8/layout/vList2"/>
+    <dgm:cxn modelId="{B01C45DB-C20C-4363-9D33-93FE471221DF}" type="presParOf" srcId="{2692BCF6-D7A0-453D-9DDA-33BEEADBF5BF}" destId="{3EDA318A-8A9C-42B1-B401-3AA08EBD3AFA}" srcOrd="8" destOrd="0" presId="urn:microsoft.com/office/officeart/2005/8/layout/vList2"/>
+  </dgm:cxnLst>
+  <dgm:bg/>
+  <dgm:whole/>
+  <dgm:extLst>
+    <a:ext uri="http://schemas.microsoft.com/office/drawing/2008/diagram">
+      <dsp:dataModelExt xmlns:dsp="http://schemas.microsoft.com/office/drawing/2008/diagram" relId="rId6" minVer="http://schemas.openxmlformats.org/drawingml/2006/diagram"/>
+    </a:ext>
+  </dgm:extLst>
+</dgm:dataModel>
+</file>
+
+<file path=ppt/diagrams/drawing1.xml><?xml version="1.0" encoding="utf-8"?>
+<dsp:drawing xmlns:dgm="http://schemas.openxmlformats.org/drawingml/2006/diagram" xmlns:dsp="http://schemas.microsoft.com/office/drawing/2008/diagram" xmlns:a="http://schemas.openxmlformats.org/drawingml/2006/main">
+  <dsp:spTree>
+    <dsp:nvGrpSpPr>
+      <dsp:cNvPr id="0" name=""/>
+      <dsp:cNvGrpSpPr/>
+    </dsp:nvGrpSpPr>
+    <dsp:grpSpPr/>
+    <dsp:sp modelId="{06A6F852-F6B2-49C7-BB70-724178719C2C}">
+      <dsp:nvSpPr>
+        <dsp:cNvPr id="0" name=""/>
+        <dsp:cNvSpPr/>
+      </dsp:nvSpPr>
+      <dsp:spPr>
+        <a:xfrm>
+          <a:off x="0" y="25748"/>
+          <a:ext cx="10515600" cy="786240"/>
+        </a:xfrm>
+        <a:prstGeom prst="roundRect">
+          <a:avLst/>
+        </a:prstGeom>
+        <a:solidFill>
+          <a:schemeClr val="accent1">
+            <a:hueOff val="0"/>
+            <a:satOff val="0"/>
+            <a:lumOff val="0"/>
+            <a:alphaOff val="0"/>
+          </a:schemeClr>
+        </a:solidFill>
+        <a:ln w="19050" cap="flat" cmpd="sng" algn="ctr">
+          <a:solidFill>
+            <a:schemeClr val="lt1">
+              <a:hueOff val="0"/>
+              <a:satOff val="0"/>
+              <a:lumOff val="0"/>
+              <a:alphaOff val="0"/>
+            </a:schemeClr>
+          </a:solidFill>
+          <a:prstDash val="solid"/>
+          <a:miter lim="800000"/>
+        </a:ln>
+        <a:effectLst/>
+      </dsp:spPr>
+      <dsp:style>
+        <a:lnRef idx="2">
+          <a:scrgbClr r="0" g="0" b="0"/>
+        </a:lnRef>
+        <a:fillRef idx="1">
+          <a:scrgbClr r="0" g="0" b="0"/>
+        </a:fillRef>
+        <a:effectRef idx="0">
+          <a:scrgbClr r="0" g="0" b="0"/>
+        </a:effectRef>
+        <a:fontRef idx="minor">
+          <a:schemeClr val="lt1"/>
+        </a:fontRef>
+      </dsp:style>
+      <dsp:txBody>
+        <a:bodyPr spcFirstLastPara="0" vert="horz" wrap="square" lIns="121920" tIns="121920" rIns="121920" bIns="121920" numCol="1" spcCol="1270" anchor="ctr" anchorCtr="0">
+          <a:noAutofit/>
+        </a:bodyPr>
+        <a:lstStyle/>
+        <a:p>
+          <a:pPr marL="0" lvl="0" indent="0" algn="l" defTabSz="1422400">
+            <a:lnSpc>
+              <a:spcPct val="90000"/>
+            </a:lnSpc>
+            <a:spcBef>
+              <a:spcPct val="0"/>
+            </a:spcBef>
+            <a:spcAft>
+              <a:spcPct val="35000"/>
+            </a:spcAft>
+            <a:buNone/>
+          </a:pPr>
+          <a:r>
+            <a:rPr lang="de-DE" sz="3200" kern="1200"/>
+            <a:t>Ersten 2-3 Wochen mit Pygame</a:t>
+          </a:r>
+          <a:endParaRPr lang="en-US" sz="3200" kern="1200"/>
+        </a:p>
+      </dsp:txBody>
+      <dsp:txXfrm>
+        <a:off x="38381" y="64129"/>
+        <a:ext cx="10438838" cy="709478"/>
+      </dsp:txXfrm>
+    </dsp:sp>
+    <dsp:sp modelId="{2216588A-CD35-48EB-89E9-FB2C85397092}">
+      <dsp:nvSpPr>
+        <dsp:cNvPr id="0" name=""/>
+        <dsp:cNvSpPr/>
+      </dsp:nvSpPr>
+      <dsp:spPr>
+        <a:xfrm>
+          <a:off x="0" y="904148"/>
+          <a:ext cx="10515600" cy="786240"/>
+        </a:xfrm>
+        <a:prstGeom prst="roundRect">
+          <a:avLst/>
+        </a:prstGeom>
+        <a:solidFill>
+          <a:schemeClr val="accent1">
+            <a:hueOff val="0"/>
+            <a:satOff val="0"/>
+            <a:lumOff val="0"/>
+            <a:alphaOff val="0"/>
+          </a:schemeClr>
+        </a:solidFill>
+        <a:ln w="19050" cap="flat" cmpd="sng" algn="ctr">
+          <a:solidFill>
+            <a:schemeClr val="lt1">
+              <a:hueOff val="0"/>
+              <a:satOff val="0"/>
+              <a:lumOff val="0"/>
+              <a:alphaOff val="0"/>
+            </a:schemeClr>
+          </a:solidFill>
+          <a:prstDash val="solid"/>
+          <a:miter lim="800000"/>
+        </a:ln>
+        <a:effectLst/>
+      </dsp:spPr>
+      <dsp:style>
+        <a:lnRef idx="2">
+          <a:scrgbClr r="0" g="0" b="0"/>
+        </a:lnRef>
+        <a:fillRef idx="1">
+          <a:scrgbClr r="0" g="0" b="0"/>
+        </a:fillRef>
+        <a:effectRef idx="0">
+          <a:scrgbClr r="0" g="0" b="0"/>
+        </a:effectRef>
+        <a:fontRef idx="minor">
+          <a:schemeClr val="lt1"/>
+        </a:fontRef>
+      </dsp:style>
+      <dsp:txBody>
+        <a:bodyPr spcFirstLastPara="0" vert="horz" wrap="square" lIns="121920" tIns="121920" rIns="121920" bIns="121920" numCol="1" spcCol="1270" anchor="ctr" anchorCtr="0">
+          <a:noAutofit/>
+        </a:bodyPr>
+        <a:lstStyle/>
+        <a:p>
+          <a:pPr marL="0" lvl="0" indent="0" algn="l" defTabSz="1422400">
+            <a:lnSpc>
+              <a:spcPct val="90000"/>
+            </a:lnSpc>
+            <a:spcBef>
+              <a:spcPct val="0"/>
+            </a:spcBef>
+            <a:spcAft>
+              <a:spcPct val="35000"/>
+            </a:spcAft>
+            <a:buNone/>
+          </a:pPr>
+          <a:r>
+            <a:rPr lang="de-DE" sz="3200" kern="1200"/>
+            <a:t>Dann Umstieg auf Unreal Engine</a:t>
+          </a:r>
+          <a:endParaRPr lang="en-US" sz="3200" kern="1200"/>
+        </a:p>
+      </dsp:txBody>
+      <dsp:txXfrm>
+        <a:off x="38381" y="942529"/>
+        <a:ext cx="10438838" cy="709478"/>
+      </dsp:txXfrm>
+    </dsp:sp>
+    <dsp:sp modelId="{686584C8-2E35-4DDA-8C7A-BF09A7623595}">
+      <dsp:nvSpPr>
+        <dsp:cNvPr id="0" name=""/>
+        <dsp:cNvSpPr/>
+      </dsp:nvSpPr>
+      <dsp:spPr>
+        <a:xfrm>
+          <a:off x="0" y="1782549"/>
+          <a:ext cx="10515600" cy="786240"/>
+        </a:xfrm>
+        <a:prstGeom prst="roundRect">
+          <a:avLst/>
+        </a:prstGeom>
+        <a:solidFill>
+          <a:schemeClr val="accent1">
+            <a:hueOff val="0"/>
+            <a:satOff val="0"/>
+            <a:lumOff val="0"/>
+            <a:alphaOff val="0"/>
+          </a:schemeClr>
+        </a:solidFill>
+        <a:ln w="19050" cap="flat" cmpd="sng" algn="ctr">
+          <a:solidFill>
+            <a:schemeClr val="lt1">
+              <a:hueOff val="0"/>
+              <a:satOff val="0"/>
+              <a:lumOff val="0"/>
+              <a:alphaOff val="0"/>
+            </a:schemeClr>
+          </a:solidFill>
+          <a:prstDash val="solid"/>
+          <a:miter lim="800000"/>
+        </a:ln>
+        <a:effectLst/>
+      </dsp:spPr>
+      <dsp:style>
+        <a:lnRef idx="2">
+          <a:scrgbClr r="0" g="0" b="0"/>
+        </a:lnRef>
+        <a:fillRef idx="1">
+          <a:scrgbClr r="0" g="0" b="0"/>
+        </a:fillRef>
+        <a:effectRef idx="0">
+          <a:scrgbClr r="0" g="0" b="0"/>
+        </a:effectRef>
+        <a:fontRef idx="minor">
+          <a:schemeClr val="lt1"/>
+        </a:fontRef>
+      </dsp:style>
+      <dsp:txBody>
+        <a:bodyPr spcFirstLastPara="0" vert="horz" wrap="square" lIns="121920" tIns="121920" rIns="121920" bIns="121920" numCol="1" spcCol="1270" anchor="ctr" anchorCtr="0">
+          <a:noAutofit/>
+        </a:bodyPr>
+        <a:lstStyle/>
+        <a:p>
+          <a:pPr marL="0" lvl="0" indent="0" algn="l" defTabSz="1422400">
+            <a:lnSpc>
+              <a:spcPct val="90000"/>
+            </a:lnSpc>
+            <a:spcBef>
+              <a:spcPct val="0"/>
+            </a:spcBef>
+            <a:spcAft>
+              <a:spcPct val="35000"/>
+            </a:spcAft>
+            <a:buNone/>
+          </a:pPr>
+          <a:r>
+            <a:rPr lang="de-DE" sz="3200" kern="1200"/>
+            <a:t>Projekt und Github wurden neugestartet</a:t>
+          </a:r>
+          <a:endParaRPr lang="en-US" sz="3200" kern="1200"/>
+        </a:p>
+      </dsp:txBody>
+      <dsp:txXfrm>
+        <a:off x="38381" y="1820930"/>
+        <a:ext cx="10438838" cy="709478"/>
+      </dsp:txXfrm>
+    </dsp:sp>
+    <dsp:sp modelId="{06D4FA83-6BB9-4631-9328-93256888959D}">
+      <dsp:nvSpPr>
+        <dsp:cNvPr id="0" name=""/>
+        <dsp:cNvSpPr/>
+      </dsp:nvSpPr>
+      <dsp:spPr>
+        <a:xfrm>
+          <a:off x="0" y="2660949"/>
+          <a:ext cx="10515600" cy="786240"/>
+        </a:xfrm>
+        <a:prstGeom prst="roundRect">
+          <a:avLst/>
+        </a:prstGeom>
+        <a:solidFill>
+          <a:schemeClr val="accent1">
+            <a:hueOff val="0"/>
+            <a:satOff val="0"/>
+            <a:lumOff val="0"/>
+            <a:alphaOff val="0"/>
+          </a:schemeClr>
+        </a:solidFill>
+        <a:ln w="19050" cap="flat" cmpd="sng" algn="ctr">
+          <a:solidFill>
+            <a:schemeClr val="lt1">
+              <a:hueOff val="0"/>
+              <a:satOff val="0"/>
+              <a:lumOff val="0"/>
+              <a:alphaOff val="0"/>
+            </a:schemeClr>
+          </a:solidFill>
+          <a:prstDash val="solid"/>
+          <a:miter lim="800000"/>
+        </a:ln>
+        <a:effectLst/>
+      </dsp:spPr>
+      <dsp:style>
+        <a:lnRef idx="2">
+          <a:scrgbClr r="0" g="0" b="0"/>
+        </a:lnRef>
+        <a:fillRef idx="1">
+          <a:scrgbClr r="0" g="0" b="0"/>
+        </a:fillRef>
+        <a:effectRef idx="0">
+          <a:scrgbClr r="0" g="0" b="0"/>
+        </a:effectRef>
+        <a:fontRef idx="minor">
+          <a:schemeClr val="lt1"/>
+        </a:fontRef>
+      </dsp:style>
+      <dsp:txBody>
+        <a:bodyPr spcFirstLastPara="0" vert="horz" wrap="square" lIns="121920" tIns="121920" rIns="121920" bIns="121920" numCol="1" spcCol="1270" anchor="ctr" anchorCtr="0">
+          <a:noAutofit/>
+        </a:bodyPr>
+        <a:lstStyle/>
+        <a:p>
+          <a:pPr marL="0" lvl="0" indent="0" algn="l" defTabSz="1422400">
+            <a:lnSpc>
+              <a:spcPct val="90000"/>
+            </a:lnSpc>
+            <a:spcBef>
+              <a:spcPct val="0"/>
+            </a:spcBef>
+            <a:spcAft>
+              <a:spcPct val="35000"/>
+            </a:spcAft>
+            <a:buNone/>
+          </a:pPr>
+          <a:r>
+            <a:rPr lang="de-DE" sz="3200" kern="1200"/>
+            <a:t>Fortschritt besser als bei Pygame</a:t>
+          </a:r>
+          <a:endParaRPr lang="en-US" sz="3200" kern="1200"/>
+        </a:p>
+      </dsp:txBody>
+      <dsp:txXfrm>
+        <a:off x="38381" y="2699330"/>
+        <a:ext cx="10438838" cy="709478"/>
+      </dsp:txXfrm>
+    </dsp:sp>
+    <dsp:sp modelId="{3EDA318A-8A9C-42B1-B401-3AA08EBD3AFA}">
+      <dsp:nvSpPr>
+        <dsp:cNvPr id="0" name=""/>
+        <dsp:cNvSpPr/>
+      </dsp:nvSpPr>
+      <dsp:spPr>
+        <a:xfrm>
+          <a:off x="0" y="3539349"/>
+          <a:ext cx="10515600" cy="786240"/>
+        </a:xfrm>
+        <a:prstGeom prst="roundRect">
+          <a:avLst/>
+        </a:prstGeom>
+        <a:solidFill>
+          <a:schemeClr val="accent1">
+            <a:hueOff val="0"/>
+            <a:satOff val="0"/>
+            <a:lumOff val="0"/>
+            <a:alphaOff val="0"/>
+          </a:schemeClr>
+        </a:solidFill>
+        <a:ln w="19050" cap="flat" cmpd="sng" algn="ctr">
+          <a:solidFill>
+            <a:schemeClr val="lt1">
+              <a:hueOff val="0"/>
+              <a:satOff val="0"/>
+              <a:lumOff val="0"/>
+              <a:alphaOff val="0"/>
+            </a:schemeClr>
+          </a:solidFill>
+          <a:prstDash val="solid"/>
+          <a:miter lim="800000"/>
+        </a:ln>
+        <a:effectLst/>
+      </dsp:spPr>
+      <dsp:style>
+        <a:lnRef idx="2">
+          <a:scrgbClr r="0" g="0" b="0"/>
+        </a:lnRef>
+        <a:fillRef idx="1">
+          <a:scrgbClr r="0" g="0" b="0"/>
+        </a:fillRef>
+        <a:effectRef idx="0">
+          <a:scrgbClr r="0" g="0" b="0"/>
+        </a:effectRef>
+        <a:fontRef idx="minor">
+          <a:schemeClr val="lt1"/>
+        </a:fontRef>
+      </dsp:style>
+      <dsp:txBody>
+        <a:bodyPr spcFirstLastPara="0" vert="horz" wrap="square" lIns="121920" tIns="121920" rIns="121920" bIns="121920" numCol="1" spcCol="1270" anchor="ctr" anchorCtr="0">
+          <a:noAutofit/>
+        </a:bodyPr>
+        <a:lstStyle/>
+        <a:p>
+          <a:pPr marL="0" lvl="0" indent="0" algn="l" defTabSz="1422400">
+            <a:lnSpc>
+              <a:spcPct val="90000"/>
+            </a:lnSpc>
+            <a:spcBef>
+              <a:spcPct val="0"/>
+            </a:spcBef>
+            <a:spcAft>
+              <a:spcPct val="35000"/>
+            </a:spcAft>
+            <a:buNone/>
+          </a:pPr>
+          <a:r>
+            <a:rPr lang="de-DE" sz="3200" kern="1200"/>
+            <a:t>Bessere Logik als bei Pygame</a:t>
+          </a:r>
+          <a:endParaRPr lang="en-US" sz="3200" kern="1200"/>
+        </a:p>
+      </dsp:txBody>
+      <dsp:txXfrm>
+        <a:off x="38381" y="3577730"/>
+        <a:ext cx="10438838" cy="709478"/>
+      </dsp:txXfrm>
+    </dsp:sp>
+  </dsp:spTree>
+</dsp:drawing>
+</file>
+
+<file path=ppt/diagrams/layout1.xml><?xml version="1.0" encoding="utf-8"?>
+<dgm:layoutDef xmlns:dgm="http://schemas.openxmlformats.org/drawingml/2006/diagram" xmlns:a="http://schemas.openxmlformats.org/drawingml/2006/main" uniqueId="urn:microsoft.com/office/officeart/2005/8/layout/vList2">
+  <dgm:title val=""/>
+  <dgm:desc val=""/>
+  <dgm:catLst>
+    <dgm:cat type="list" pri="3000"/>
+    <dgm:cat type="convert" pri="1000"/>
+  </dgm:catLst>
+  <dgm:sampData>
+    <dgm:dataModel>
+      <dgm:ptLst>
+        <dgm:pt modelId="0" type="doc"/>
+        <dgm:pt modelId="1">
+          <dgm:prSet phldr="1"/>
+        </dgm:pt>
+        <dgm:pt modelId="11">
+          <dgm:prSet phldr="1"/>
+        </dgm:pt>
+        <dgm:pt modelId="2">
+          <dgm:prSet phldr="1"/>
+        </dgm:pt>
+        <dgm:pt modelId="21">
+          <dgm:prSet phldr="1"/>
+        </dgm:pt>
+      </dgm:ptLst>
+      <dgm:cxnLst>
+        <dgm:cxn modelId="4" srcId="0" destId="1" srcOrd="0" destOrd="0"/>
+        <dgm:cxn modelId="5" srcId="0" destId="2" srcOrd="1" destOrd="0"/>
+        <dgm:cxn modelId="12" srcId="1" destId="11" srcOrd="0" destOrd="0"/>
+        <dgm:cxn modelId="23" srcId="2" destId="21" srcOrd="0" destOrd="0"/>
+      </dgm:cxnLst>
+      <dgm:bg/>
+      <dgm:whole/>
+    </dgm:dataModel>
+  </dgm:sampData>
+  <dgm:styleData>
+    <dgm:dataModel>
+      <dgm:ptLst>
+        <dgm:pt modelId="0" type="doc"/>
+        <dgm:pt modelId="1"/>
+        <dgm:pt modelId="2"/>
+      </dgm:ptLst>
+      <dgm:cxnLst>
+        <dgm:cxn modelId="3" srcId="0" destId="1" srcOrd="0" destOrd="0"/>
+        <dgm:cxn modelId="4" srcId="0" destId="2" srcOrd="1" destOrd="0"/>
+      </dgm:cxnLst>
+      <dgm:bg/>
+      <dgm:whole/>
+    </dgm:dataModel>
+  </dgm:styleData>
+  <dgm:clrData>
+    <dgm:dataModel>
+      <dgm:ptLst>
+        <dgm:pt modelId="0" type="doc"/>
+        <dgm:pt modelId="1"/>
+        <dgm:pt modelId="2"/>
+        <dgm:pt modelId="3"/>
+        <dgm:pt modelId="4"/>
+      </dgm:ptLst>
+      <dgm:cxnLst>
+        <dgm:cxn modelId="5" srcId="0" destId="1" srcOrd="0" destOrd="0"/>
+        <dgm:cxn modelId="6" srcId="0" destId="2" srcOrd="1" destOrd="0"/>
+        <dgm:cxn modelId="7" srcId="0" destId="3" srcOrd="2" destOrd="0"/>
+        <dgm:cxn modelId="8" srcId="0" destId="4" srcOrd="3" destOrd="0"/>
+      </dgm:cxnLst>
+      <dgm:bg/>
+      <dgm:whole/>
+    </dgm:dataModel>
+  </dgm:clrData>
+  <dgm:layoutNode name="linear">
+    <dgm:varLst>
+      <dgm:animLvl val="lvl"/>
+      <dgm:resizeHandles val="exact"/>
+    </dgm:varLst>
+    <dgm:alg type="lin">
+      <dgm:param type="linDir" val="fromT"/>
+      <dgm:param type="vertAlign" val="mid"/>
+    </dgm:alg>
+    <dgm:shape xmlns:r="http://schemas.openxmlformats.org/officeDocument/2006/relationships" r:blip="">
+      <dgm:adjLst/>
+    </dgm:shape>
+    <dgm:presOf/>
+    <dgm:constrLst>
+      <dgm:constr type="w" for="ch" forName="parentText" refType="w"/>
+      <dgm:constr type="h" for="ch" forName="parentText" refType="primFontSz" refFor="ch" refForName="parentText" fact="0.52"/>
+      <dgm:constr type="w" for="ch" forName="childText" refType="w"/>
+      <dgm:constr type="h" for="ch" forName="childText" refType="primFontSz" refFor="ch" refForName="parentText" fact="0.46"/>
+      <dgm:constr type="h" for="ch" forName="parentText" op="equ"/>
+      <dgm:constr type="primFontSz" for="ch" forName="parentText" op="equ" val="65"/>
+      <dgm:constr type="primFontSz" for="ch" forName="childText" refType="primFontSz" refFor="ch" refForName="parentText" op="equ"/>
+      <dgm:constr type="h" for="ch" forName="spacer" refType="primFontSz" refFor="ch" refForName="parentText" fact="0.08"/>
+    </dgm:constrLst>
+    <dgm:ruleLst>
+      <dgm:rule type="primFontSz" for="ch" forName="parentText" val="5" fact="NaN" max="NaN"/>
+    </dgm:ruleLst>
+    <dgm:forEach name="Name0" axis="ch" ptType="node">
+      <dgm:layoutNode name="parentText" styleLbl="node1">
+        <dgm:varLst>
+          <dgm:chMax val="0"/>
+          <dgm:bulletEnabled val="1"/>
+        </dgm:varLst>
+        <dgm:alg type="tx">
+          <dgm:param type="parTxLTRAlign" val="l"/>
+          <dgm:param type="parTxRTLAlign" val="r"/>
+        </dgm:alg>
+        <dgm:shape xmlns:r="http://schemas.openxmlformats.org/officeDocument/2006/relationships" type="roundRect" r:blip="">
+          <dgm:adjLst/>
+        </dgm:shape>
+        <dgm:presOf axis="self"/>
+        <dgm:constrLst>
+          <dgm:constr type="tMarg" refType="primFontSz" fact="0.3"/>
+          <dgm:constr type="bMarg" refType="primFontSz" fact="0.3"/>
+          <dgm:constr type="lMarg" refType="primFontSz" fact="0.3"/>
+          <dgm:constr type="rMarg" refType="primFontSz" fact="0.3"/>
+        </dgm:constrLst>
+        <dgm:ruleLst>
+          <dgm:rule type="h" val="INF" fact="NaN" max="NaN"/>
+        </dgm:ruleLst>
+      </dgm:layoutNode>
+      <dgm:choose name="Name1">
+        <dgm:if name="Name2" axis="ch" ptType="node" func="cnt" op="gte" val="1">
+          <dgm:layoutNode name="childText" styleLbl="revTx">
+            <dgm:varLst>
+              <dgm:bulletEnabled val="1"/>
+            </dgm:varLst>
+            <dgm:alg type="tx">
+              <dgm:param type="stBulletLvl" val="1"/>
+              <dgm:param type="lnSpAfChP" val="20"/>
+            </dgm:alg>
+            <dgm:shape xmlns:r="http://schemas.openxmlformats.org/officeDocument/2006/relationships" type="rect" r:blip="">
+              <dgm:adjLst/>
+            </dgm:shape>
+            <dgm:presOf axis="des" ptType="node"/>
+            <dgm:constrLst>
+              <dgm:constr type="tMarg" refType="primFontSz" fact="0.1"/>
+              <dgm:constr type="bMarg" refType="primFontSz" fact="0.1"/>
+              <dgm:constr type="lMarg" refType="w" fact="0.09"/>
+            </dgm:constrLst>
+            <dgm:ruleLst>
+              <dgm:rule type="h" val="INF" fact="NaN" max="NaN"/>
+            </dgm:ruleLst>
+          </dgm:layoutNode>
+        </dgm:if>
+        <dgm:else name="Name3">
+          <dgm:choose name="Name4">
+            <dgm:if name="Name5" axis="par ch" ptType="doc node" func="cnt" op="gte" val="2">
+              <dgm:forEach name="Name6" axis="followSib" ptType="sibTrans" cnt="1">
+                <dgm:layoutNode name="spacer">
+                  <dgm:alg type="sp"/>
+                  <dgm:shape xmlns:r="http://schemas.openxmlformats.org/officeDocument/2006/relationships" r:blip="">
+                    <dgm:adjLst/>
+                  </dgm:shape>
+                  <dgm:presOf/>
+                  <dgm:constrLst/>
+                  <dgm:ruleLst/>
+                </dgm:layoutNode>
+              </dgm:forEach>
+            </dgm:if>
+            <dgm:else name="Name7"/>
+          </dgm:choose>
+        </dgm:else>
+      </dgm:choose>
+    </dgm:forEach>
+  </dgm:layoutNode>
+</dgm:layoutDef>
+</file>
+
+<file path=ppt/diagrams/quickStyle1.xml><?xml version="1.0" encoding="utf-8"?>
+<dgm:styleDef xmlns:dgm="http://schemas.openxmlformats.org/drawingml/2006/diagram" xmlns:a="http://schemas.openxmlformats.org/drawingml/2006/main" uniqueId="urn:microsoft.com/office/officeart/2005/8/quickstyle/simple1">
+  <dgm:title val=""/>
+  <dgm:desc val=""/>
+  <dgm:catLst>
+    <dgm:cat type="simple" pri="10100"/>
+  </dgm:catLst>
+  <dgm:scene3d>
+    <a:camera prst="orthographicFront"/>
+    <a:lightRig rig="threePt" dir="t"/>
+  </dgm:scene3d>
+  <dgm:styleLbl name="node0">
+    <dgm:scene3d>
+      <a:camera prst="orthographicFront"/>
+      <a:lightRig rig="threePt" dir="t"/>
+    </dgm:scene3d>
+    <dgm:sp3d/>
+    <dgm:txPr/>
+    <dgm:style>
+      <a:lnRef idx="2">
+        <a:scrgbClr r="0" g="0" b="0"/>
+      </a:lnRef>
+      <a:fillRef idx="1">
+        <a:scrgbClr r="0" g="0" b="0"/>
+      </a:fillRef>
+      <a:effectRef idx="0">
+        <a:scrgbClr r="0" g="0" b="0"/>
+      </a:effectRef>
+      <a:fontRef idx="minor">
+        <a:schemeClr val="lt1"/>
+      </a:fontRef>
+    </dgm:style>
+  </dgm:styleLbl>
+  <dgm:styleLbl name="lnNode1">
+    <dgm:scene3d>
+      <a:camera prst="orthographicFront"/>
+      <a:lightRig rig="threePt" dir="t"/>
+    </dgm:scene3d>
+    <dgm:sp3d/>
+    <dgm:txPr/>
+    <dgm:style>
+      <a:lnRef idx="2">
+        <a:scrgbClr r="0" g="0" b="0"/>
+      </a:lnRef>
+      <a:fillRef idx="1">
+        <a:scrgbClr r="0" g="0" b="0"/>
+      </a:fillRef>
+      <a:effectRef idx="0">
+        <a:scrgbClr r="0" g="0" b="0"/>
+      </a:effectRef>
+      <a:fontRef idx="minor">
+        <a:schemeClr val="lt1"/>
+      </a:fontRef>
+    </dgm:style>
+  </dgm:styleLbl>
+  <dgm:styleLbl name="vennNode1">
+    <dgm:scene3d>
+      <a:camera prst="orthographicFront"/>
+      <a:lightRig rig="threePt" dir="t"/>
+    </dgm:scene3d>
+    <dgm:sp3d/>
+    <dgm:txPr/>
+    <dgm:style>
+      <a:lnRef idx="2">
+        <a:scrgbClr r="0" g="0" b="0"/>
+      </a:lnRef>
+      <a:fillRef idx="1">
+        <a:scrgbClr r="0" g="0" b="0"/>
+      </a:fillRef>
+      <a:effectRef idx="0">
+        <a:scrgbClr r="0" g="0" b="0"/>
+      </a:effectRef>
+      <a:fontRef idx="minor">
+        <a:schemeClr val="tx1"/>
+      </a:fontRef>
+    </dgm:style>
+  </dgm:styleLbl>
+  <dgm:styleLbl name="alignNode1">
+    <dgm:scene3d>
+      <a:camera prst="orthographicFront"/>
+      <a:lightRig rig="threePt" dir="t"/>
+    </dgm:scene3d>
+    <dgm:sp3d/>
+    <dgm:txPr/>
+    <dgm:style>
+      <a:lnRef idx="2">
+        <a:scrgbClr r="0" g="0" b="0"/>
+      </a:lnRef>
+      <a:fillRef idx="1">
+        <a:scrgbClr r="0" g="0" b="0"/>
+      </a:fillRef>
+      <a:effectRef idx="0">
+        <a:scrgbClr r="0" g="0" b="0"/>
+      </a:effectRef>
+      <a:fontRef idx="minor">
+        <a:schemeClr val="lt1"/>
+      </a:fontRef>
+    </dgm:style>
+  </dgm:styleLbl>
+  <dgm:styleLbl name="node1">
+    <dgm:scene3d>
+      <a:camera prst="orthographicFront"/>
+      <a:lightRig rig="threePt" dir="t"/>
+    </dgm:scene3d>
+    <dgm:sp3d/>
+    <dgm:txPr/>
+    <dgm:style>
+      <a:lnRef idx="2">
+        <a:scrgbClr r="0" g="0" b="0"/>
+      </a:lnRef>
+      <a:fillRef idx="1">
+        <a:scrgbClr r="0" g="0" b="0"/>
+      </a:fillRef>
+      <a:effectRef idx="0">
+        <a:scrgbClr r="0" g="0" b="0"/>
+      </a:effectRef>
+      <a:fontRef idx="minor">
+        <a:schemeClr val="lt1"/>
+      </a:fontRef>
+    </dgm:style>
+  </dgm:styleLbl>
+  <dgm:styleLbl name="node2">
+    <dgm:scene3d>
+      <a:camera prst="orthographicFront"/>
+      <a:lightRig rig="threePt" dir="t"/>
+    </dgm:scene3d>
+    <dgm:sp3d/>
+    <dgm:txPr/>
+    <dgm:style>
+      <a:lnRef idx="2">
+        <a:scrgbClr r="0" g="0" b="0"/>
+      </a:lnRef>
+      <a:fillRef idx="1">
+        <a:scrgbClr r="0" g="0" b="0"/>
+      </a:fillRef>
+      <a:effectRef idx="0">
+        <a:scrgbClr r="0" g="0" b="0"/>
+      </a:effectRef>
+      <a:fontRef idx="minor">
+        <a:schemeClr val="lt1"/>
+      </a:fontRef>
+    </dgm:style>
+  </dgm:styleLbl>
+  <dgm:styleLbl name="node3">
+    <dgm:scene3d>
+      <a:camera prst="orthographicFront"/>
+      <a:lightRig rig="threePt" dir="t"/>
+    </dgm:scene3d>
+    <dgm:sp3d/>
+    <dgm:txPr/>
+    <dgm:style>
+      <a:lnRef idx="2">
+        <a:scrgbClr r="0" g="0" b="0"/>
+      </a:lnRef>
+      <a:fillRef idx="1">
+        <a:scrgbClr r="0" g="0" b="0"/>
+      </a:fillRef>
+      <a:effectRef idx="0">
+        <a:scrgbClr r="0" g="0" b="0"/>
+      </a:effectRef>
+      <a:fontRef idx="minor">
+        <a:schemeClr val="lt1"/>
+      </a:fontRef>
+    </dgm:style>
+  </dgm:styleLbl>
+  <dgm:styleLbl name="node4">
+    <dgm:scene3d>
+      <a:camera prst="orthographicFront"/>
+      <a:lightRig rig="threePt" dir="t"/>
+    </dgm:scene3d>
+    <dgm:sp3d/>
+    <dgm:txPr/>
+    <dgm:style>
+      <a:lnRef idx="2">
+        <a:scrgbClr r="0" g="0" b="0"/>
+      </a:lnRef>
+      <a:fillRef idx="1">
+        <a:scrgbClr r="0" g="0" b="0"/>
+      </a:fillRef>
+      <a:effectRef idx="0">
+        <a:scrgbClr r="0" g="0" b="0"/>
+      </a:effectRef>
+      <a:fontRef idx="minor">
+        <a:schemeClr val="lt1"/>
+      </a:fontRef>
+    </dgm:style>
+  </dgm:styleLbl>
+  <dgm:styleLbl name="fgImgPlace1">
+    <dgm:scene3d>
+      <a:camera prst="orthographicFront"/>
+      <a:lightRig rig="threePt" dir="t"/>
+    </dgm:scene3d>
+    <dgm:sp3d/>
+    <dgm:txPr/>
+    <dgm:style>
+      <a:lnRef idx="2">
+        <a:scrgbClr r="0" g="0" b="0"/>
+      </a:lnRef>
+      <a:fillRef idx="1">
+        <a:scrgbClr r="0" g="0" b="0"/>
+      </a:fillRef>
+      <a:effectRef idx="0">
+        <a:scrgbClr r="0" g="0" b="0"/>
+      </a:effectRef>
+      <a:fontRef idx="minor"/>
+    </dgm:style>
+  </dgm:styleLbl>
+  <dgm:styleLbl name="alignImgPlace1">
+    <dgm:scene3d>
+      <a:camera prst="orthographicFront"/>
+      <a:lightRig rig="threePt" dir="t"/>
+    </dgm:scene3d>
+    <dgm:sp3d/>
+    <dgm:txPr/>
+    <dgm:style>
+      <a:lnRef idx="2">
+        <a:scrgbClr r="0" g="0" b="0"/>
+      </a:lnRef>
+      <a:fillRef idx="1">
+        <a:scrgbClr r="0" g="0" b="0"/>
+      </a:fillRef>
+      <a:effectRef idx="0">
+        <a:scrgbClr r="0" g="0" b="0"/>
+      </a:effectRef>
+      <a:fontRef idx="minor"/>
+    </dgm:style>
+  </dgm:styleLbl>
+  <dgm:styleLbl name="bgImgPlace1">
+    <dgm:scene3d>
+      <a:camera prst="orthographicFront"/>
+      <a:lightRig rig="threePt" dir="t"/>
+    </dgm:scene3d>
+    <dgm:sp3d/>
+    <dgm:txPr/>
+    <dgm:style>
+      <a:lnRef idx="2">
+        <a:scrgbClr r="0" g="0" b="0"/>
+      </a:lnRef>
+      <a:fillRef idx="1">
+        <a:scrgbClr r="0" g="0" b="0"/>
+      </a:fillRef>
+      <a:effectRef idx="0">
+        <a:scrgbClr r="0" g="0" b="0"/>
+      </a:effectRef>
+      <a:fontRef idx="minor"/>
+    </dgm:style>
+  </dgm:styleLbl>
+  <dgm:styleLbl name="sibTrans2D1">
+    <dgm:scene3d>
+      <a:camera prst="orthographicFront"/>
+      <a:lightRig rig="threePt" dir="t"/>
+    </dgm:scene3d>
+    <dgm:sp3d/>
+    <dgm:txPr/>
+    <dgm:style>
+      <a:lnRef idx="0">
+        <a:scrgbClr r="0" g="0" b="0"/>
+      </a:lnRef>
+      <a:fillRef idx="1">
+        <a:scrgbClr r="0" g="0" b="0"/>
+      </a:fillRef>
+      <a:effectRef idx="0">
+        <a:scrgbClr r="0" g="0" b="0"/>
+      </a:effectRef>
+      <a:fontRef idx="minor">
+        <a:schemeClr val="lt1"/>
+      </a:fontRef>
+    </dgm:style>
+  </dgm:styleLbl>
+  <dgm:styleLbl name="fgSibTrans2D1">
+    <dgm:scene3d>
+      <a:camera prst="orthographicFront"/>
+      <a:lightRig rig="threePt" dir="t"/>
+    </dgm:scene3d>
+    <dgm:sp3d/>
+    <dgm:txPr/>
+    <dgm:style>
+      <a:lnRef idx="0">
+        <a:scrgbClr r="0" g="0" b="0"/>
+      </a:lnRef>
+      <a:fillRef idx="1">
+        <a:scrgbClr r="0" g="0" b="0"/>
+      </a:fillRef>
+      <a:effectRef idx="0">
+        <a:scrgbClr r="0" g="0" b="0"/>
+      </a:effectRef>
+      <a:fontRef idx="minor">
+        <a:schemeClr val="lt1"/>
+      </a:fontRef>
+    </dgm:style>
+  </dgm:styleLbl>
+  <dgm:styleLbl name="bgSibTrans2D1">
+    <dgm:scene3d>
+      <a:camera prst="orthographicFront"/>
+      <a:lightRig rig="threePt" dir="t"/>
+    </dgm:scene3d>
+    <dgm:sp3d/>
+    <dgm:txPr/>
+    <dgm:style>
+      <a:lnRef idx="0">
+        <a:scrgbClr r="0" g="0" b="0"/>
+      </a:lnRef>
+      <a:fillRef idx="1">
+        <a:scrgbClr r="0" g="0" b="0"/>
+      </a:fillRef>
+      <a:effectRef idx="0">
+        <a:scrgbClr r="0" g="0" b="0"/>
+      </a:effectRef>
+      <a:fontRef idx="minor">
+        <a:schemeClr val="lt1"/>
+      </a:fontRef>
+    </dgm:style>
+  </dgm:styleLbl>
+  <dgm:styleLbl name="sibTrans1D1">
+    <dgm:scene3d>
+      <a:camera prst="orthographicFront"/>
+      <a:lightRig rig="threePt" dir="t"/>
+    </dgm:scene3d>
+    <dgm:sp3d/>
+    <dgm:txPr/>
+    <dgm:style>
+      <a:lnRef idx="1">
+        <a:scrgbClr r="0" g="0" b="0"/>
+      </a:lnRef>
+      <a:fillRef idx="0">
+        <a:scrgbClr r="0" g="0" b="0"/>
+      </a:fillRef>
+      <a:effectRef idx="0">
+        <a:scrgbClr r="0" g="0" b="0"/>
+      </a:effectRef>
+      <a:fontRef idx="minor"/>
+    </dgm:style>
+  </dgm:styleLbl>
+  <dgm:styleLbl name="callout">
+    <dgm:scene3d>
+      <a:camera prst="orthographicFront"/>
+      <a:lightRig rig="threePt" dir="t"/>
+    </dgm:scene3d>
+    <dgm:sp3d/>
+    <dgm:txPr/>
+    <dgm:style>
+      <a:lnRef idx="2">
+        <a:scrgbClr r="0" g="0" b="0"/>
+      </a:lnRef>
+      <a:fillRef idx="1">
+        <a:scrgbClr r="0" g="0" b="0"/>
+      </a:fillRef>
+      <a:effectRef idx="0">
+        <a:scrgbClr r="0" g="0" b="0"/>
+      </a:effectRef>
+      <a:fontRef idx="minor"/>
+    </dgm:style>
+  </dgm:styleLbl>
+  <dgm:styleLbl name="asst0">
+    <dgm:scene3d>
+      <a:camera prst="orthographicFront"/>
+      <a:lightRig rig="threePt" dir="t"/>
+    </dgm:scene3d>
+    <dgm:sp3d/>
+    <dgm:txPr/>
+    <dgm:style>
+      <a:lnRef idx="2">
+        <a:scrgbClr r="0" g="0" b="0"/>
+      </a:lnRef>
+      <a:fillRef idx="1">
+        <a:scrgbClr r="0" g="0" b="0"/>
+      </a:fillRef>
+      <a:effectRef idx="0">
+        <a:scrgbClr r="0" g="0" b="0"/>
+      </a:effectRef>
+      <a:fontRef idx="minor">
+        <a:schemeClr val="lt1"/>
+      </a:fontRef>
+    </dgm:style>
+  </dgm:styleLbl>
+  <dgm:styleLbl name="asst1">
+    <dgm:scene3d>
+      <a:camera prst="orthographicFront"/>
+      <a:lightRig rig="threePt" dir="t"/>
+    </dgm:scene3d>
+    <dgm:sp3d/>
+    <dgm:txPr/>
+    <dgm:style>
+      <a:lnRef idx="2">
+        <a:scrgbClr r="0" g="0" b="0"/>
+      </a:lnRef>
+      <a:fillRef idx="1">
+        <a:scrgbClr r="0" g="0" b="0"/>
+      </a:fillRef>
+      <a:effectRef idx="0">
+        <a:scrgbClr r="0" g="0" b="0"/>
+      </a:effectRef>
+      <a:fontRef idx="minor">
+        <a:schemeClr val="lt1"/>
+      </a:fontRef>
+    </dgm:style>
+  </dgm:styleLbl>
+  <dgm:styleLbl name="asst2">
+    <dgm:scene3d>
+      <a:camera prst="orthographicFront"/>
+      <a:lightRig rig="threePt" dir="t"/>
+    </dgm:scene3d>
+    <dgm:sp3d/>
+    <dgm:txPr/>
+    <dgm:style>
+      <a:lnRef idx="2">
+        <a:scrgbClr r="0" g="0" b="0"/>
+      </a:lnRef>
+      <a:fillRef idx="1">
+        <a:scrgbClr r="0" g="0" b="0"/>
+      </a:fillRef>
+      <a:effectRef idx="0">
+        <a:scrgbClr r="0" g="0" b="0"/>
+      </a:effectRef>
+      <a:fontRef idx="minor">
+        <a:schemeClr val="lt1"/>
+      </a:fontRef>
+    </dgm:style>
+  </dgm:styleLbl>
+  <dgm:styleLbl name="asst3">
+    <dgm:scene3d>
+      <a:camera prst="orthographicFront"/>
+      <a:lightRig rig="threePt" dir="t"/>
+    </dgm:scene3d>
+    <dgm:sp3d/>
+    <dgm:txPr/>
+    <dgm:style>
+      <a:lnRef idx="2">
+        <a:scrgbClr r="0" g="0" b="0"/>
+      </a:lnRef>
+      <a:fillRef idx="1">
+        <a:scrgbClr r="0" g="0" b="0"/>
+      </a:fillRef>
+      <a:effectRef idx="0">
+        <a:scrgbClr r="0" g="0" b="0"/>
+      </a:effectRef>
+      <a:fontRef idx="minor">
+        <a:schemeClr val="lt1"/>
+      </a:fontRef>
+    </dgm:style>
+  </dgm:styleLbl>
+  <dgm:styleLbl name="asst4">
+    <dgm:scene3d>
+      <a:camera prst="orthographicFront"/>
+      <a:lightRig rig="threePt" dir="t"/>
+    </dgm:scene3d>
+    <dgm:sp3d/>
+    <dgm:txPr/>
+    <dgm:style>
+      <a:lnRef idx="2">
+        <a:scrgbClr r="0" g="0" b="0"/>
+      </a:lnRef>
+      <a:fillRef idx="1">
+        <a:scrgbClr r="0" g="0" b="0"/>
+      </a:fillRef>
+      <a:effectRef idx="0">
+        <a:scrgbClr r="0" g="0" b="0"/>
+      </a:effectRef>
+      <a:fontRef idx="minor">
+        <a:schemeClr val="lt1"/>
+      </a:fontRef>
+    </dgm:style>
+  </dgm:styleLbl>
+  <dgm:styleLbl name="parChTrans2D1">
+    <dgm:scene3d>
+      <a:camera prst="orthographicFront"/>
+      <a:lightRig rig="threePt" dir="t"/>
+    </dgm:scene3d>
+    <dgm:sp3d/>
+    <dgm:txPr/>
+    <dgm:style>
+      <a:lnRef idx="2">
+        <a:scrgbClr r="0" g="0" b="0"/>
+      </a:lnRef>
+      <a:fillRef idx="1">
+        <a:scrgbClr r="0" g="0" b="0"/>
+      </a:fillRef>
+      <a:effectRef idx="0">
+        <a:scrgbClr r="0" g="0" b="0"/>
+      </a:effectRef>
+      <a:fontRef idx="minor">
+        <a:schemeClr val="lt1"/>
+      </a:fontRef>
+    </dgm:style>
+  </dgm:styleLbl>
+  <dgm:styleLbl name="parChTrans2D2">
+    <dgm:scene3d>
+      <a:camera prst="orthographicFront"/>
+      <a:lightRig rig="threePt" dir="t"/>
+    </dgm:scene3d>
+    <dgm:sp3d/>
+    <dgm:txPr/>
+    <dgm:style>
+      <a:lnRef idx="2">
+        <a:scrgbClr r="0" g="0" b="0"/>
+      </a:lnRef>
+      <a:fillRef idx="1">
+        <a:scrgbClr r="0" g="0" b="0"/>
+      </a:fillRef>
+      <a:effectRef idx="0">
+        <a:scrgbClr r="0" g="0" b="0"/>
+      </a:effectRef>
+      <a:fontRef idx="minor">
+        <a:schemeClr val="lt1"/>
+      </a:fontRef>
+    </dgm:style>
+  </dgm:styleLbl>
+  <dgm:styleLbl name="parChTrans2D3">
+    <dgm:scene3d>
+      <a:camera prst="orthographicFront"/>
+      <a:lightRig rig="threePt" dir="t"/>
+    </dgm:scene3d>
+    <dgm:sp3d/>
+    <dgm:txPr/>
+    <dgm:style>
+      <a:lnRef idx="2">
+        <a:scrgbClr r="0" g="0" b="0"/>
+      </a:lnRef>
+      <a:fillRef idx="1">
+        <a:scrgbClr r="0" g="0" b="0"/>
+      </a:fillRef>
+      <a:effectRef idx="0">
+        <a:scrgbClr r="0" g="0" b="0"/>
+      </a:effectRef>
+      <a:fontRef idx="minor">
+        <a:schemeClr val="lt1"/>
+      </a:fontRef>
+    </dgm:style>
+  </dgm:styleLbl>
+  <dgm:styleLbl name="parChTrans2D4">
+    <dgm:scene3d>
+      <a:camera prst="orthographicFront"/>
+      <a:lightRig rig="threePt" dir="t"/>
+    </dgm:scene3d>
+    <dgm:sp3d/>
+    <dgm:txPr/>
+    <dgm:style>
+      <a:lnRef idx="2">
+        <a:scrgbClr r="0" g="0" b="0"/>
+      </a:lnRef>
+      <a:fillRef idx="1">
+        <a:scrgbClr r="0" g="0" b="0"/>
+      </a:fillRef>
+      <a:effectRef idx="0">
+        <a:scrgbClr r="0" g="0" b="0"/>
+      </a:effectRef>
+      <a:fontRef idx="minor">
+        <a:schemeClr val="lt1"/>
+      </a:fontRef>
+    </dgm:style>
+  </dgm:styleLbl>
+  <dgm:styleLbl name="parChTrans1D1">
+    <dgm:scene3d>
+      <a:camera prst="orthographicFront"/>
+      <a:lightRig rig="threePt" dir="t"/>
+    </dgm:scene3d>
+    <dgm:sp3d/>
+    <dgm:txPr/>
+    <dgm:style>
+      <a:lnRef idx="2">
+        <a:scrgbClr r="0" g="0" b="0"/>
+      </a:lnRef>
+      <a:fillRef idx="0">
+        <a:scrgbClr r="0" g="0" b="0"/>
+      </a:fillRef>
+      <a:effectRef idx="0">
+        <a:scrgbClr r="0" g="0" b="0"/>
+      </a:effectRef>
+      <a:fontRef idx="minor"/>
+    </dgm:style>
+  </dgm:styleLbl>
+  <dgm:styleLbl name="parChTrans1D2">
+    <dgm:scene3d>
+      <a:camera prst="orthographicFront"/>
+      <a:lightRig rig="threePt" dir="t"/>
+    </dgm:scene3d>
+    <dgm:sp3d/>
+    <dgm:txPr/>
+    <dgm:style>
+      <a:lnRef idx="2">
+        <a:scrgbClr r="0" g="0" b="0"/>
+      </a:lnRef>
+      <a:fillRef idx="0">
+        <a:scrgbClr r="0" g="0" b="0"/>
+      </a:fillRef>
+      <a:effectRef idx="0">
+        <a:scrgbClr r="0" g="0" b="0"/>
+      </a:effectRef>
+      <a:fontRef idx="minor"/>
+    </dgm:style>
+  </dgm:styleLbl>
+  <dgm:styleLbl name="parChTrans1D3">
+    <dgm:scene3d>
+      <a:camera prst="orthographicFront"/>
+      <a:lightRig rig="threePt" dir="t"/>
+    </dgm:scene3d>
+    <dgm:sp3d/>
+    <dgm:txPr/>
+    <dgm:style>
+      <a:lnRef idx="2">
+        <a:scrgbClr r="0" g="0" b="0"/>
+      </a:lnRef>
+      <a:fillRef idx="0">
+        <a:scrgbClr r="0" g="0" b="0"/>
+      </a:fillRef>
+      <a:effectRef idx="0">
+        <a:scrgbClr r="0" g="0" b="0"/>
+      </a:effectRef>
+      <a:fontRef idx="minor"/>
+    </dgm:style>
+  </dgm:styleLbl>
+  <dgm:styleLbl name="parChTrans1D4">
+    <dgm:scene3d>
+      <a:camera prst="orthographicFront"/>
+      <a:lightRig rig="threePt" dir="t"/>
+    </dgm:scene3d>
+    <dgm:sp3d/>
+    <dgm:txPr/>
+    <dgm:style>
+      <a:lnRef idx="2">
+        <a:scrgbClr r="0" g="0" b="0"/>
+      </a:lnRef>
+      <a:fillRef idx="0">
+        <a:scrgbClr r="0" g="0" b="0"/>
+      </a:fillRef>
+      <a:effectRef idx="0">
+        <a:scrgbClr r="0" g="0" b="0"/>
+      </a:effectRef>
+      <a:fontRef idx="minor"/>
+    </dgm:style>
+  </dgm:styleLbl>
+  <dgm:styleLbl name="fgAcc1">
+    <dgm:scene3d>
+      <a:camera prst="orthographicFront"/>
+      <a:lightRig rig="threePt" dir="t"/>
+    </dgm:scene3d>
+    <dgm:sp3d/>
+    <dgm:txPr/>
+    <dgm:style>
+      <a:lnRef idx="2">
+        <a:scrgbClr r="0" g="0" b="0"/>
+      </a:lnRef>
+      <a:fillRef idx="1">
+        <a:scrgbClr r="0" g="0" b="0"/>
+      </a:fillRef>
+      <a:effectRef idx="0">
+        <a:scrgbClr r="0" g="0" b="0"/>
+      </a:effectRef>
+      <a:fontRef idx="minor"/>
+    </dgm:style>
+  </dgm:styleLbl>
+  <dgm:styleLbl name="conFgAcc1">
+    <dgm:scene3d>
+      <a:camera prst="orthographicFront"/>
+      <a:lightRig rig="threePt" dir="t"/>
+    </dgm:scene3d>
+    <dgm:sp3d/>
+    <dgm:txPr/>
+    <dgm:style>
+      <a:lnRef idx="2">
+        <a:scrgbClr r="0" g="0" b="0"/>
+      </a:lnRef>
+      <a:fillRef idx="1">
+        <a:scrgbClr r="0" g="0" b="0"/>
+      </a:fillRef>
+      <a:effectRef idx="0">
+        <a:scrgbClr r="0" g="0" b="0"/>
+      </a:effectRef>
+      <a:fontRef idx="minor"/>
+    </dgm:style>
+  </dgm:styleLbl>
+  <dgm:styleLbl name="alignAcc1">
+    <dgm:scene3d>
+      <a:camera prst="orthographicFront"/>
+      <a:lightRig rig="threePt" dir="t"/>
+    </dgm:scene3d>
+    <dgm:sp3d/>
+    <dgm:txPr/>
+    <dgm:style>
+      <a:lnRef idx="2">
+        <a:scrgbClr r="0" g="0" b="0"/>
+      </a:lnRef>
+      <a:fillRef idx="1">
+        <a:scrgbClr r="0" g="0" b="0"/>
+      </a:fillRef>
+      <a:effectRef idx="0">
+        <a:scrgbClr r="0" g="0" b="0"/>
+      </a:effectRef>
+      <a:fontRef idx="minor"/>
+    </dgm:style>
+  </dgm:styleLbl>
+  <dgm:styleLbl name="trAlignAcc1">
+    <dgm:scene3d>
+      <a:camera prst="orthographicFront"/>
+      <a:lightRig rig="threePt" dir="t"/>
+    </dgm:scene3d>
+    <dgm:sp3d/>
+    <dgm:txPr/>
+    <dgm:style>
+      <a:lnRef idx="1">
+        <a:scrgbClr r="0" g="0" b="0"/>
+      </a:lnRef>
+      <a:fillRef idx="1">
+        <a:scrgbClr r="0" g="0" b="0"/>
+      </a:fillRef>
+      <a:effectRef idx="0">
+        <a:scrgbClr r="0" g="0" b="0"/>
+      </a:effectRef>
+      <a:fontRef idx="minor"/>
+    </dgm:style>
+  </dgm:styleLbl>
+  <dgm:styleLbl name="bgAcc1">
+    <dgm:scene3d>
+      <a:camera prst="orthographicFront"/>
+      <a:lightRig rig="threePt" dir="t"/>
+    </dgm:scene3d>
+    <dgm:sp3d/>
+    <dgm:txPr/>
+    <dgm:style>
+      <a:lnRef idx="2">
+        <a:scrgbClr r="0" g="0" b="0"/>
+      </a:lnRef>
+      <a:fillRef idx="1">
+        <a:scrgbClr r="0" g="0" b="0"/>
+      </a:fillRef>
+      <a:effectRef idx="0">
+        <a:scrgbClr r="0" g="0" b="0"/>
+      </a:effectRef>
+      <a:fontRef idx="minor"/>
+    </dgm:style>
+  </dgm:styleLbl>
+  <dgm:styleLbl name="solidFgAcc1">
+    <dgm:scene3d>
+      <a:camera prst="orthographicFront"/>
+      <a:lightRig rig="threePt" dir="t"/>
+    </dgm:scene3d>
+    <dgm:sp3d/>
+    <dgm:txPr/>
+    <dgm:style>
+      <a:lnRef idx="2">
+        <a:scrgbClr r="0" g="0" b="0"/>
+      </a:lnRef>
+      <a:fillRef idx="1">
+        <a:scrgbClr r="0" g="0" b="0"/>
+      </a:fillRef>
+      <a:effectRef idx="0">
+        <a:scrgbClr r="0" g="0" b="0"/>
+      </a:effectRef>
+      <a:fontRef idx="minor"/>
+    </dgm:style>
+  </dgm:styleLbl>
+  <dgm:styleLbl name="solidAlignAcc1">
+    <dgm:scene3d>
+      <a:camera prst="orthographicFront"/>
+      <a:lightRig rig="threePt" dir="t"/>
+    </dgm:scene3d>
+    <dgm:sp3d/>
+    <dgm:txPr/>
+    <dgm:style>
+      <a:lnRef idx="2">
+        <a:scrgbClr r="0" g="0" b="0"/>
+      </a:lnRef>
+      <a:fillRef idx="1">
+        <a:scrgbClr r="0" g="0" b="0"/>
+      </a:fillRef>
+      <a:effectRef idx="0">
+        <a:scrgbClr r="0" g="0" b="0"/>
+      </a:effectRef>
+      <a:fontRef idx="minor"/>
+    </dgm:style>
+  </dgm:styleLbl>
+  <dgm:styleLbl name="solidBgAcc1">
+    <dgm:scene3d>
+      <a:camera prst="orthographicFront"/>
+      <a:lightRig rig="threePt" dir="t"/>
+    </dgm:scene3d>
+    <dgm:sp3d/>
+    <dgm:txPr/>
+    <dgm:style>
+      <a:lnRef idx="2">
+        <a:scrgbClr r="0" g="0" b="0"/>
+      </a:lnRef>
+      <a:fillRef idx="1">
+        <a:scrgbClr r="0" g="0" b="0"/>
+      </a:fillRef>
+      <a:effectRef idx="0">
+        <a:scrgbClr r="0" g="0" b="0"/>
+      </a:effectRef>
+      <a:fontRef idx="minor"/>
+    </dgm:style>
+  </dgm:styleLbl>
+  <dgm:styleLbl name="fgAccFollowNode1">
+    <dgm:scene3d>
+      <a:camera prst="orthographicFront"/>
+      <a:lightRig rig="threePt" dir="t"/>
+    </dgm:scene3d>
+    <dgm:sp3d/>
+    <dgm:txPr/>
+    <dgm:style>
+      <a:lnRef idx="2">
+        <a:scrgbClr r="0" g="0" b="0"/>
+      </a:lnRef>
+      <a:fillRef idx="1">
+        <a:scrgbClr r="0" g="0" b="0"/>
+      </a:fillRef>
+      <a:effectRef idx="0">
+        <a:scrgbClr r="0" g="0" b="0"/>
+      </a:effectRef>
+      <a:fontRef idx="minor"/>
+    </dgm:style>
+  </dgm:styleLbl>
+  <dgm:styleLbl name="alignAccFollowNode1">
+    <dgm:scene3d>
+      <a:camera prst="orthographicFront"/>
+      <a:lightRig rig="threePt" dir="t"/>
+    </dgm:scene3d>
+    <dgm:sp3d/>
+    <dgm:txPr/>
+    <dgm:style>
+      <a:lnRef idx="2">
+        <a:scrgbClr r="0" g="0" b="0"/>
+      </a:lnRef>
+      <a:fillRef idx="1">
+        <a:scrgbClr r="0" g="0" b="0"/>
+      </a:fillRef>
+      <a:effectRef idx="0">
+        <a:scrgbClr r="0" g="0" b="0"/>
+      </a:effectRef>
+      <a:fontRef idx="minor"/>
+    </dgm:style>
+  </dgm:styleLbl>
+  <dgm:styleLbl name="bgAccFollowNode1">
+    <dgm:scene3d>
+      <a:camera prst="orthographicFront"/>
+      <a:lightRig rig="threePt" dir="t"/>
+    </dgm:scene3d>
+    <dgm:sp3d/>
+    <dgm:txPr/>
+    <dgm:style>
+      <a:lnRef idx="2">
+        <a:scrgbClr r="0" g="0" b="0"/>
+      </a:lnRef>
+      <a:fillRef idx="1">
+        <a:scrgbClr r="0" g="0" b="0"/>
+      </a:fillRef>
+      <a:effectRef idx="0">
+        <a:scrgbClr r="0" g="0" b="0"/>
+      </a:effectRef>
+      <a:fontRef idx="minor"/>
+    </dgm:style>
+  </dgm:styleLbl>
+  <dgm:styleLbl name="fgAcc0">
+    <dgm:scene3d>
+      <a:camera prst="orthographicFront"/>
+      <a:lightRig rig="threePt" dir="t"/>
+    </dgm:scene3d>
+    <dgm:sp3d/>
+    <dgm:txPr/>
+    <dgm:style>
+      <a:lnRef idx="2">
+        <a:scrgbClr r="0" g="0" b="0"/>
+      </a:lnRef>
+      <a:fillRef idx="1">
+        <a:scrgbClr r="0" g="0" b="0"/>
+      </a:fillRef>
+      <a:effectRef idx="0">
+        <a:scrgbClr r="0" g="0" b="0"/>
+      </a:effectRef>
+      <a:fontRef idx="minor"/>
+    </dgm:style>
+  </dgm:styleLbl>
+  <dgm:styleLbl name="fgAcc2">
+    <dgm:scene3d>
+      <a:camera prst="orthographicFront"/>
+      <a:lightRig rig="threePt" dir="t"/>
+    </dgm:scene3d>
+    <dgm:sp3d/>
+    <dgm:txPr/>
+    <dgm:style>
+      <a:lnRef idx="2">
+        <a:scrgbClr r="0" g="0" b="0"/>
+      </a:lnRef>
+      <a:fillRef idx="1">
+        <a:scrgbClr r="0" g="0" b="0"/>
+      </a:fillRef>
+      <a:effectRef idx="0">
+        <a:scrgbClr r="0" g="0" b="0"/>
+      </a:effectRef>
+      <a:fontRef idx="minor"/>
+    </dgm:style>
+  </dgm:styleLbl>
+  <dgm:styleLbl name="fgAcc3">
+    <dgm:scene3d>
+      <a:camera prst="orthographicFront"/>
+      <a:lightRig rig="threePt" dir="t"/>
+    </dgm:scene3d>
+    <dgm:sp3d/>
+    <dgm:txPr/>
+    <dgm:style>
+      <a:lnRef idx="2">
+        <a:scrgbClr r="0" g="0" b="0"/>
+      </a:lnRef>
+      <a:fillRef idx="1">
+        <a:scrgbClr r="0" g="0" b="0"/>
+      </a:fillRef>
+      <a:effectRef idx="0">
+        <a:scrgbClr r="0" g="0" b="0"/>
+      </a:effectRef>
+      <a:fontRef idx="minor"/>
+    </dgm:style>
+  </dgm:styleLbl>
+  <dgm:styleLbl name="fgAcc4">
+    <dgm:scene3d>
+      <a:camera prst="orthographicFront"/>
+      <a:lightRig rig="threePt" dir="t"/>
+    </dgm:scene3d>
+    <dgm:sp3d/>
+    <dgm:txPr/>
+    <dgm:style>
+      <a:lnRef idx="2">
+        <a:scrgbClr r="0" g="0" b="0"/>
+      </a:lnRef>
+      <a:fillRef idx="1">
+        <a:scrgbClr r="0" g="0" b="0"/>
+      </a:fillRef>
+      <a:effectRef idx="0">
+        <a:scrgbClr r="0" g="0" b="0"/>
+      </a:effectRef>
+      <a:fontRef idx="minor"/>
+    </dgm:style>
+  </dgm:styleLbl>
+  <dgm:styleLbl name="bgShp">
+    <dgm:scene3d>
+      <a:camera prst="orthographicFront"/>
+      <a:lightRig rig="threePt" dir="t"/>
+    </dgm:scene3d>
+    <dgm:sp3d/>
+    <dgm:txPr/>
+    <dgm:style>
+      <a:lnRef idx="0">
+        <a:scrgbClr r="0" g="0" b="0"/>
+      </a:lnRef>
+      <a:fillRef idx="1">
+        <a:scrgbClr r="0" g="0" b="0"/>
+      </a:fillRef>
+      <a:effectRef idx="0">
+        <a:scrgbClr r="0" g="0" b="0"/>
+      </a:effectRef>
+      <a:fontRef idx="minor"/>
+    </dgm:style>
+  </dgm:styleLbl>
+  <dgm:styleLbl name="dkBgShp">
+    <dgm:scene3d>
+      <a:camera prst="orthographicFront"/>
+      <a:lightRig rig="threePt" dir="t"/>
+    </dgm:scene3d>
+    <dgm:sp3d/>
+    <dgm:txPr/>
+    <dgm:style>
+      <a:lnRef idx="0">
+        <a:scrgbClr r="0" g="0" b="0"/>
+      </a:lnRef>
+      <a:fillRef idx="1">
+        <a:scrgbClr r="0" g="0" b="0"/>
+      </a:fillRef>
+      <a:effectRef idx="0">
+        <a:scrgbClr r="0" g="0" b="0"/>
+      </a:effectRef>
+      <a:fontRef idx="minor"/>
+    </dgm:style>
+  </dgm:styleLbl>
+  <dgm:styleLbl name="trBgShp">
+    <dgm:scene3d>
+      <a:camera prst="orthographicFront"/>
+      <a:lightRig rig="threePt" dir="t"/>
+    </dgm:scene3d>
+    <dgm:sp3d/>
+    <dgm:txPr/>
+    <dgm:style>
+      <a:lnRef idx="0">
+        <a:scrgbClr r="0" g="0" b="0"/>
+      </a:lnRef>
+      <a:fillRef idx="1">
+        <a:scrgbClr r="0" g="0" b="0"/>
+      </a:fillRef>
+      <a:effectRef idx="0">
+        <a:scrgbClr r="0" g="0" b="0"/>
+      </a:effectRef>
+      <a:fontRef idx="minor"/>
+    </dgm:style>
+  </dgm:styleLbl>
+  <dgm:styleLbl name="fgShp">
+    <dgm:scene3d>
+      <a:camera prst="orthographicFront"/>
+      <a:lightRig rig="threePt" dir="t"/>
+    </dgm:scene3d>
+    <dgm:sp3d/>
+    <dgm:txPr/>
+    <dgm:style>
+      <a:lnRef idx="2">
+        <a:scrgbClr r="0" g="0" b="0"/>
+      </a:lnRef>
+      <a:fillRef idx="1">
+        <a:scrgbClr r="0" g="0" b="0"/>
+      </a:fillRef>
+      <a:effectRef idx="0">
+        <a:scrgbClr r="0" g="0" b="0"/>
+      </a:effectRef>
+      <a:fontRef idx="minor"/>
+    </dgm:style>
+  </dgm:styleLbl>
+  <dgm:styleLbl name="revTx">
+    <dgm:scene3d>
+      <a:camera prst="orthographicFront"/>
+      <a:lightRig rig="threePt" dir="t"/>
+    </dgm:scene3d>
+    <dgm:sp3d/>
+    <dgm:txPr/>
+    <dgm:style>
+      <a:lnRef idx="0">
+        <a:scrgbClr r="0" g="0" b="0"/>
+      </a:lnRef>
+      <a:fillRef idx="0">
+        <a:scrgbClr r="0" g="0" b="0"/>
+      </a:fillRef>
+      <a:effectRef idx="0">
+        <a:scrgbClr r="0" g="0" b="0"/>
+      </a:effectRef>
+      <a:fontRef idx="minor"/>
+    </dgm:style>
+  </dgm:styleLbl>
+</dgm:styleDef>
+</file>
+
+<file path=ppt/notesMasters/notesMaster1.xml><?xml version="1.0" encoding="utf-8"?>
+<p:notesMaster xmlns:a="http://schemas.openxmlformats.org/drawingml/2006/main" xmlns:r="http://schemas.openxmlformats.org/officeDocument/2006/relationships" xmlns:p="http://schemas.openxmlformats.org/presentationml/2006/main">
+  <p:cSld>
+    <p:bg>
+      <p:bgRef idx="1001">
+        <a:schemeClr val="bg1"/>
+      </p:bgRef>
+    </p:bg>
+    <p:spTree>
+      <p:nvGrpSpPr>
+        <p:cNvPr id="1" name=""/>
+        <p:cNvGrpSpPr/>
+        <p:nvPr/>
+      </p:nvGrpSpPr>
+      <p:grpSpPr>
+        <a:xfrm>
+          <a:off x="0" y="0"/>
+          <a:ext cx="0" cy="0"/>
+          <a:chOff x="0" y="0"/>
+          <a:chExt cx="0" cy="0"/>
+        </a:xfrm>
+      </p:grpSpPr>
+      <p:sp>
+        <p:nvSpPr>
+          <p:cNvPr id="2" name="Kopfzeilenplatzhalter 1"/>
+          <p:cNvSpPr>
+            <a:spLocks noGrp="1"/>
+          </p:cNvSpPr>
+          <p:nvPr>
+            <p:ph type="hdr" sz="quarter"/>
+          </p:nvPr>
+        </p:nvSpPr>
+        <p:spPr>
+          <a:xfrm>
+            <a:off x="0" y="0"/>
+            <a:ext cx="2971800" cy="458788"/>
+          </a:xfrm>
+          <a:prstGeom prst="rect">
+            <a:avLst/>
+          </a:prstGeom>
+        </p:spPr>
+        <p:txBody>
+          <a:bodyPr vert="horz" lIns="91440" tIns="45720" rIns="91440" bIns="45720" rtlCol="0"/>
+          <a:lstStyle>
+            <a:lvl1pPr algn="l">
+              <a:defRPr sz="1200"/>
+            </a:lvl1pPr>
+          </a:lstStyle>
+          <a:p>
+            <a:endParaRPr lang="de-AT"/>
+          </a:p>
+        </p:txBody>
+      </p:sp>
+      <p:sp>
+        <p:nvSpPr>
+          <p:cNvPr id="3" name="Datumsplatzhalter 2"/>
+          <p:cNvSpPr>
+            <a:spLocks noGrp="1"/>
+          </p:cNvSpPr>
+          <p:nvPr>
+            <p:ph type="dt" idx="1"/>
+          </p:nvPr>
+        </p:nvSpPr>
+        <p:spPr>
+          <a:xfrm>
+            <a:off x="3884613" y="0"/>
+            <a:ext cx="2971800" cy="458788"/>
+          </a:xfrm>
+          <a:prstGeom prst="rect">
+            <a:avLst/>
+          </a:prstGeom>
+        </p:spPr>
+        <p:txBody>
+          <a:bodyPr vert="horz" lIns="91440" tIns="45720" rIns="91440" bIns="45720" rtlCol="0"/>
+          <a:lstStyle>
+            <a:lvl1pPr algn="r">
+              <a:defRPr sz="1200"/>
+            </a:lvl1pPr>
+          </a:lstStyle>
+          <a:p>
+            <a:fld id="{989E8489-F919-42D4-88DC-7BD670D71C27}" type="datetimeFigureOut">
+              <a:rPr lang="de-AT" smtClean="0"/>
+              <a:t>17.03.2024</a:t>
+            </a:fld>
+            <a:endParaRPr lang="de-AT"/>
+          </a:p>
+        </p:txBody>
+      </p:sp>
+      <p:sp>
+        <p:nvSpPr>
+          <p:cNvPr id="4" name="Folienbildplatzhalter 3"/>
+          <p:cNvSpPr>
+            <a:spLocks noGrp="1" noRot="1" noChangeAspect="1"/>
+          </p:cNvSpPr>
+          <p:nvPr>
+            <p:ph type="sldImg" idx="2"/>
+          </p:nvPr>
+        </p:nvSpPr>
+        <p:spPr>
+          <a:xfrm>
+            <a:off x="685800" y="1143000"/>
+            <a:ext cx="5486400" cy="3086100"/>
+          </a:xfrm>
+          <a:prstGeom prst="rect">
+            <a:avLst/>
+          </a:prstGeom>
+          <a:noFill/>
+          <a:ln w="12700">
+            <a:solidFill>
+              <a:prstClr val="black"/>
+            </a:solidFill>
+          </a:ln>
+        </p:spPr>
+        <p:txBody>
+          <a:bodyPr vert="horz" lIns="91440" tIns="45720" rIns="91440" bIns="45720" rtlCol="0" anchor="ctr"/>
+          <a:lstStyle/>
+          <a:p>
+            <a:endParaRPr lang="de-AT"/>
+          </a:p>
+        </p:txBody>
+      </p:sp>
+      <p:sp>
+        <p:nvSpPr>
+          <p:cNvPr id="5" name="Notizenplatzhalter 4"/>
+          <p:cNvSpPr>
+            <a:spLocks noGrp="1"/>
+          </p:cNvSpPr>
+          <p:nvPr>
+            <p:ph type="body" sz="quarter" idx="3"/>
+          </p:nvPr>
+        </p:nvSpPr>
+        <p:spPr>
+          <a:xfrm>
+            <a:off x="685800" y="4400550"/>
+            <a:ext cx="5486400" cy="3600450"/>
+          </a:xfrm>
+          <a:prstGeom prst="rect">
+            <a:avLst/>
+          </a:prstGeom>
+        </p:spPr>
+        <p:txBody>
+          <a:bodyPr vert="horz" lIns="91440" tIns="45720" rIns="91440" bIns="45720" rtlCol="0"/>
+          <a:lstStyle/>
+          <a:p>
+            <a:pPr lvl="0"/>
+            <a:r>
+              <a:rPr lang="de-DE"/>
+              <a:t>Mastertextformat bearbeiten</a:t>
+            </a:r>
+          </a:p>
+          <a:p>
+            <a:pPr lvl="1"/>
+            <a:r>
+              <a:rPr lang="de-DE"/>
+              <a:t>Zweite Ebene</a:t>
+            </a:r>
+          </a:p>
+          <a:p>
+            <a:pPr lvl="2"/>
+            <a:r>
+              <a:rPr lang="de-DE"/>
+              <a:t>Dritte Ebene</a:t>
+            </a:r>
+          </a:p>
+          <a:p>
+            <a:pPr lvl="3"/>
+            <a:r>
+              <a:rPr lang="de-DE"/>
+              <a:t>Vierte Ebene</a:t>
+            </a:r>
+          </a:p>
+          <a:p>
+            <a:pPr lvl="4"/>
+            <a:r>
+              <a:rPr lang="de-DE"/>
+              <a:t>Fünfte Ebene</a:t>
+            </a:r>
+            <a:endParaRPr lang="de-AT"/>
+          </a:p>
+        </p:txBody>
+      </p:sp>
+      <p:sp>
+        <p:nvSpPr>
+          <p:cNvPr id="6" name="Fußzeilenplatzhalter 5"/>
+          <p:cNvSpPr>
+            <a:spLocks noGrp="1"/>
+          </p:cNvSpPr>
+          <p:nvPr>
+            <p:ph type="ftr" sz="quarter" idx="4"/>
+          </p:nvPr>
+        </p:nvSpPr>
+        <p:spPr>
+          <a:xfrm>
+            <a:off x="0" y="8685213"/>
+            <a:ext cx="2971800" cy="458787"/>
+          </a:xfrm>
+          <a:prstGeom prst="rect">
+            <a:avLst/>
+          </a:prstGeom>
+        </p:spPr>
+        <p:txBody>
+          <a:bodyPr vert="horz" lIns="91440" tIns="45720" rIns="91440" bIns="45720" rtlCol="0" anchor="b"/>
+          <a:lstStyle>
+            <a:lvl1pPr algn="l">
+              <a:defRPr sz="1200"/>
+            </a:lvl1pPr>
+          </a:lstStyle>
+          <a:p>
+            <a:endParaRPr lang="de-AT"/>
+          </a:p>
+        </p:txBody>
+      </p:sp>
+      <p:sp>
+        <p:nvSpPr>
+          <p:cNvPr id="7" name="Foliennummernplatzhalter 6"/>
+          <p:cNvSpPr>
+            <a:spLocks noGrp="1"/>
+          </p:cNvSpPr>
+          <p:nvPr>
+            <p:ph type="sldNum" sz="quarter" idx="5"/>
+          </p:nvPr>
+        </p:nvSpPr>
+        <p:spPr>
+          <a:xfrm>
+            <a:off x="3884613" y="8685213"/>
+            <a:ext cx="2971800" cy="458787"/>
+          </a:xfrm>
+          <a:prstGeom prst="rect">
+            <a:avLst/>
+          </a:prstGeom>
+        </p:spPr>
+        <p:txBody>
+          <a:bodyPr vert="horz" lIns="91440" tIns="45720" rIns="91440" bIns="45720" rtlCol="0" anchor="b"/>
+          <a:lstStyle>
+            <a:lvl1pPr algn="r">
+              <a:defRPr sz="1200"/>
+            </a:lvl1pPr>
+          </a:lstStyle>
+          <a:p>
+            <a:fld id="{E8F56561-5409-434B-AAE0-C43C93B0EE37}" type="slidenum">
+              <a:rPr lang="de-AT" smtClean="0"/>
+              <a:t>‹Nr.›</a:t>
+            </a:fld>
+            <a:endParaRPr lang="de-AT"/>
+          </a:p>
+        </p:txBody>
+      </p:sp>
+    </p:spTree>
+    <p:extLst>
+      <p:ext uri="{BB962C8B-B14F-4D97-AF65-F5344CB8AC3E}">
+        <p14:creationId xmlns:p14="http://schemas.microsoft.com/office/powerpoint/2010/main" val="3181908378"/>
+      </p:ext>
+    </p:extLst>
+  </p:cSld>
+  <p:clrMap bg1="lt1" tx1="dk1" bg2="lt2" tx2="dk2" accent1="accent1" accent2="accent2" accent3="accent3" accent4="accent4" accent5="accent5" accent6="accent6" hlink="hlink" folHlink="folHlink"/>
+  <p:notesStyle>
+    <a:lvl1pPr marL="0" algn="l" defTabSz="914400" rtl="0" eaLnBrk="1" latinLnBrk="0" hangingPunct="1">
+      <a:defRPr sz="1200" kern="1200">
+        <a:solidFill>
+          <a:schemeClr val="tx1"/>
+        </a:solidFill>
+        <a:latin typeface="+mn-lt"/>
+        <a:ea typeface="+mn-ea"/>
+        <a:cs typeface="+mn-cs"/>
+      </a:defRPr>
+    </a:lvl1pPr>
+    <a:lvl2pPr marL="457200" algn="l" defTabSz="914400" rtl="0" eaLnBrk="1" latinLnBrk="0" hangingPunct="1">
+      <a:defRPr sz="1200" kern="1200">
+        <a:solidFill>
+          <a:schemeClr val="tx1"/>
+        </a:solidFill>
+        <a:latin typeface="+mn-lt"/>
+        <a:ea typeface="+mn-ea"/>
+        <a:cs typeface="+mn-cs"/>
+      </a:defRPr>
+    </a:lvl2pPr>
+    <a:lvl3pPr marL="914400" algn="l" defTabSz="914400" rtl="0" eaLnBrk="1" latinLnBrk="0" hangingPunct="1">
+      <a:defRPr sz="1200" kern="1200">
+        <a:solidFill>
+          <a:schemeClr val="tx1"/>
+        </a:solidFill>
+        <a:latin typeface="+mn-lt"/>
+        <a:ea typeface="+mn-ea"/>
+        <a:cs typeface="+mn-cs"/>
+      </a:defRPr>
+    </a:lvl3pPr>
+    <a:lvl4pPr marL="1371600" algn="l" defTabSz="914400" rtl="0" eaLnBrk="1" latinLnBrk="0" hangingPunct="1">
+      <a:defRPr sz="1200" kern="1200">
+        <a:solidFill>
+          <a:schemeClr val="tx1"/>
+        </a:solidFill>
+        <a:latin typeface="+mn-lt"/>
+        <a:ea typeface="+mn-ea"/>
+        <a:cs typeface="+mn-cs"/>
+      </a:defRPr>
+    </a:lvl4pPr>
+    <a:lvl5pPr marL="1828800" algn="l" defTabSz="914400" rtl="0" eaLnBrk="1" latinLnBrk="0" hangingPunct="1">
+      <a:defRPr sz="1200" kern="1200">
+        <a:solidFill>
+          <a:schemeClr val="tx1"/>
+        </a:solidFill>
+        <a:latin typeface="+mn-lt"/>
+        <a:ea typeface="+mn-ea"/>
+        <a:cs typeface="+mn-cs"/>
+      </a:defRPr>
+    </a:lvl5pPr>
+    <a:lvl6pPr marL="2286000" algn="l" defTabSz="914400" rtl="0" eaLnBrk="1" latinLnBrk="0" hangingPunct="1">
+      <a:defRPr sz="1200" kern="1200">
+        <a:solidFill>
+          <a:schemeClr val="tx1"/>
+        </a:solidFill>
+        <a:latin typeface="+mn-lt"/>
+        <a:ea typeface="+mn-ea"/>
+        <a:cs typeface="+mn-cs"/>
+      </a:defRPr>
+    </a:lvl6pPr>
+    <a:lvl7pPr marL="2743200" algn="l" defTabSz="914400" rtl="0" eaLnBrk="1" latinLnBrk="0" hangingPunct="1">
+      <a:defRPr sz="1200" kern="1200">
+        <a:solidFill>
+          <a:schemeClr val="tx1"/>
+        </a:solidFill>
+        <a:latin typeface="+mn-lt"/>
+        <a:ea typeface="+mn-ea"/>
+        <a:cs typeface="+mn-cs"/>
+      </a:defRPr>
+    </a:lvl7pPr>
+    <a:lvl8pPr marL="3200400" algn="l" defTabSz="914400" rtl="0" eaLnBrk="1" latinLnBrk="0" hangingPunct="1">
+      <a:defRPr sz="1200" kern="1200">
+        <a:solidFill>
+          <a:schemeClr val="tx1"/>
+        </a:solidFill>
+        <a:latin typeface="+mn-lt"/>
+        <a:ea typeface="+mn-ea"/>
+        <a:cs typeface="+mn-cs"/>
+      </a:defRPr>
+    </a:lvl8pPr>
+    <a:lvl9pPr marL="3657600" algn="l" defTabSz="914400" rtl="0" eaLnBrk="1" latinLnBrk="0" hangingPunct="1">
+      <a:defRPr sz="1200" kern="1200">
+        <a:solidFill>
+          <a:schemeClr val="tx1"/>
+        </a:solidFill>
+        <a:latin typeface="+mn-lt"/>
+        <a:ea typeface="+mn-ea"/>
+        <a:cs typeface="+mn-cs"/>
+      </a:defRPr>
+    </a:lvl9pPr>
+  </p:notesStyle>
+</p:notesMaster>
+</file>
+
+<file path=ppt/notesSlides/notesSlide1.xml><?xml version="1.0" encoding="utf-8"?>
+<p:notes xmlns:a="http://schemas.openxmlformats.org/drawingml/2006/main" xmlns:r="http://schemas.openxmlformats.org/officeDocument/2006/relationships" xmlns:p="http://schemas.openxmlformats.org/presentationml/2006/main">
+  <p:cSld>
+    <p:spTree>
+      <p:nvGrpSpPr>
+        <p:cNvPr id="1" name=""/>
+        <p:cNvGrpSpPr/>
+        <p:nvPr/>
+      </p:nvGrpSpPr>
+      <p:grpSpPr>
+        <a:xfrm>
+          <a:off x="0" y="0"/>
+          <a:ext cx="0" cy="0"/>
+          <a:chOff x="0" y="0"/>
+          <a:chExt cx="0" cy="0"/>
+        </a:xfrm>
+      </p:grpSpPr>
+      <p:sp>
+        <p:nvSpPr>
+          <p:cNvPr id="2" name="Folienbildplatzhalter 1"/>
+          <p:cNvSpPr>
+            <a:spLocks noGrp="1" noRot="1" noChangeAspect="1"/>
+          </p:cNvSpPr>
+          <p:nvPr>
+            <p:ph type="sldImg"/>
+          </p:nvPr>
+        </p:nvSpPr>
+        <p:spPr/>
+      </p:sp>
+      <p:sp>
+        <p:nvSpPr>
+          <p:cNvPr id="3" name="Notizenplatzhalter 2"/>
+          <p:cNvSpPr>
+            <a:spLocks noGrp="1"/>
+          </p:cNvSpPr>
+          <p:nvPr>
+            <p:ph type="body" idx="1"/>
+          </p:nvPr>
+        </p:nvSpPr>
+        <p:spPr/>
+        <p:txBody>
+          <a:bodyPr/>
+          <a:lstStyle/>
+          <a:p>
+            <a:endParaRPr lang="de-AT" dirty="0"/>
+          </a:p>
+        </p:txBody>
+      </p:sp>
+      <p:sp>
+        <p:nvSpPr>
+          <p:cNvPr id="4" name="Foliennummernplatzhalter 3"/>
+          <p:cNvSpPr>
+            <a:spLocks noGrp="1"/>
+          </p:cNvSpPr>
+          <p:nvPr>
+            <p:ph type="sldNum" sz="quarter" idx="5"/>
+          </p:nvPr>
+        </p:nvSpPr>
+        <p:spPr/>
+        <p:txBody>
+          <a:bodyPr/>
+          <a:lstStyle/>
+          <a:p>
+            <a:fld id="{E8F56561-5409-434B-AAE0-C43C93B0EE37}" type="slidenum">
+              <a:rPr lang="de-AT" smtClean="0"/>
+              <a:t>4</a:t>
+            </a:fld>
+            <a:endParaRPr lang="de-AT"/>
+          </a:p>
+        </p:txBody>
+      </p:sp>
+    </p:spTree>
+    <p:extLst>
+      <p:ext uri="{BB962C8B-B14F-4D97-AF65-F5344CB8AC3E}">
+        <p14:creationId xmlns:p14="http://schemas.microsoft.com/office/powerpoint/2010/main" val="1732547369"/>
+      </p:ext>
+    </p:extLst>
+  </p:cSld>
+  <p:clrMapOvr>
+    <a:masterClrMapping/>
+  </p:clrMapOvr>
+</p:notes>
+</file>
+
 <file path=ppt/slideLayouts/slideLayout1.xml><?xml version="1.0" encoding="utf-8"?>
 <p:sldLayout xmlns:a="http://schemas.openxmlformats.org/drawingml/2006/main" xmlns:r="http://schemas.openxmlformats.org/officeDocument/2006/relationships" xmlns:p="http://schemas.openxmlformats.org/presentationml/2006/main" type="title" preserve="1">
   <p:cSld name="Titelfolie">
@@ -2089,7 +5186,7 @@
           <a:p>
             <a:fld id="{5993EA66-8A38-44A1-B09D-5C6674AF9FB8}" type="datetimeFigureOut">
               <a:rPr lang="de-AT" smtClean="0"/>
-              <a:t>15.03.2024</a:t>
+              <a:t>17.03.2024</a:t>
             </a:fld>
             <a:endParaRPr lang="de-AT"/>
           </a:p>
@@ -2289,7 +5386,7 @@
           <a:p>
             <a:fld id="{5993EA66-8A38-44A1-B09D-5C6674AF9FB8}" type="datetimeFigureOut">
               <a:rPr lang="de-AT" smtClean="0"/>
-              <a:t>15.03.2024</a:t>
+              <a:t>17.03.2024</a:t>
             </a:fld>
             <a:endParaRPr lang="de-AT"/>
           </a:p>
@@ -2499,7 +5596,7 @@
           <a:p>
             <a:fld id="{5993EA66-8A38-44A1-B09D-5C6674AF9FB8}" type="datetimeFigureOut">
               <a:rPr lang="de-AT" smtClean="0"/>
-              <a:t>15.03.2024</a:t>
+              <a:t>17.03.2024</a:t>
             </a:fld>
             <a:endParaRPr lang="de-AT"/>
           </a:p>
@@ -2699,7 +5796,7 @@
           <a:p>
             <a:fld id="{5993EA66-8A38-44A1-B09D-5C6674AF9FB8}" type="datetimeFigureOut">
               <a:rPr lang="de-AT" smtClean="0"/>
-              <a:t>15.03.2024</a:t>
+              <a:t>17.03.2024</a:t>
             </a:fld>
             <a:endParaRPr lang="de-AT"/>
           </a:p>
@@ -2975,7 +6072,7 @@
           <a:p>
             <a:fld id="{5993EA66-8A38-44A1-B09D-5C6674AF9FB8}" type="datetimeFigureOut">
               <a:rPr lang="de-AT" smtClean="0"/>
-              <a:t>15.03.2024</a:t>
+              <a:t>17.03.2024</a:t>
             </a:fld>
             <a:endParaRPr lang="de-AT"/>
           </a:p>
@@ -3243,7 +6340,7 @@
           <a:p>
             <a:fld id="{5993EA66-8A38-44A1-B09D-5C6674AF9FB8}" type="datetimeFigureOut">
               <a:rPr lang="de-AT" smtClean="0"/>
-              <a:t>15.03.2024</a:t>
+              <a:t>17.03.2024</a:t>
             </a:fld>
             <a:endParaRPr lang="de-AT"/>
           </a:p>
@@ -3658,7 +6755,7 @@
           <a:p>
             <a:fld id="{5993EA66-8A38-44A1-B09D-5C6674AF9FB8}" type="datetimeFigureOut">
               <a:rPr lang="de-AT" smtClean="0"/>
-              <a:t>15.03.2024</a:t>
+              <a:t>17.03.2024</a:t>
             </a:fld>
             <a:endParaRPr lang="de-AT"/>
           </a:p>
@@ -3800,7 +6897,7 @@
           <a:p>
             <a:fld id="{5993EA66-8A38-44A1-B09D-5C6674AF9FB8}" type="datetimeFigureOut">
               <a:rPr lang="de-AT" smtClean="0"/>
-              <a:t>15.03.2024</a:t>
+              <a:t>17.03.2024</a:t>
             </a:fld>
             <a:endParaRPr lang="de-AT"/>
           </a:p>
@@ -3913,7 +7010,7 @@
           <a:p>
             <a:fld id="{5993EA66-8A38-44A1-B09D-5C6674AF9FB8}" type="datetimeFigureOut">
               <a:rPr lang="de-AT" smtClean="0"/>
-              <a:t>15.03.2024</a:t>
+              <a:t>17.03.2024</a:t>
             </a:fld>
             <a:endParaRPr lang="de-AT"/>
           </a:p>
@@ -4226,7 +7323,7 @@
           <a:p>
             <a:fld id="{5993EA66-8A38-44A1-B09D-5C6674AF9FB8}" type="datetimeFigureOut">
               <a:rPr lang="de-AT" smtClean="0"/>
-              <a:t>15.03.2024</a:t>
+              <a:t>17.03.2024</a:t>
             </a:fld>
             <a:endParaRPr lang="de-AT"/>
           </a:p>
@@ -4515,7 +7612,7 @@
           <a:p>
             <a:fld id="{5993EA66-8A38-44A1-B09D-5C6674AF9FB8}" type="datetimeFigureOut">
               <a:rPr lang="de-AT" smtClean="0"/>
-              <a:t>15.03.2024</a:t>
+              <a:t>17.03.2024</a:t>
             </a:fld>
             <a:endParaRPr lang="de-AT"/>
           </a:p>
@@ -4758,7 +7855,7 @@
           <a:p>
             <a:fld id="{5993EA66-8A38-44A1-B09D-5C6674AF9FB8}" type="datetimeFigureOut">
               <a:rPr lang="de-AT" smtClean="0"/>
-              <a:t>15.03.2024</a:t>
+              <a:t>17.03.2024</a:t>
             </a:fld>
             <a:endParaRPr lang="de-AT"/>
           </a:p>
@@ -5271,6 +8368,14 @@
 <file path=ppt/slides/slide2.xml><?xml version="1.0" encoding="utf-8"?>
 <p:sld xmlns:a="http://schemas.openxmlformats.org/drawingml/2006/main" xmlns:r="http://schemas.openxmlformats.org/officeDocument/2006/relationships" xmlns:p="http://schemas.openxmlformats.org/presentationml/2006/main">
   <p:cSld>
+    <p:bg>
+      <p:bgPr>
+        <a:solidFill>
+          <a:schemeClr val="bg1"/>
+        </a:solidFill>
+        <a:effectLst/>
+      </p:bgPr>
+    </p:bg>
     <p:spTree>
       <p:nvGrpSpPr>
         <p:cNvPr id="1" name=""/>
@@ -5285,6 +8390,628 @@
           <a:chExt cx="0" cy="0"/>
         </a:xfrm>
       </p:grpSpPr>
+      <p:sp useBgFill="1">
+        <p:nvSpPr>
+          <p:cNvPr id="8" name="Rectangle 7">
+            <a:extLst>
+              <a:ext uri="{FF2B5EF4-FFF2-40B4-BE49-F238E27FC236}">
+                <a16:creationId xmlns:a16="http://schemas.microsoft.com/office/drawing/2014/main" id="{09588DA8-065E-4F6F-8EFD-43104AB2E0CF}"/>
+              </a:ext>
+              <a:ext uri="{C183D7F6-B498-43B3-948B-1728B52AA6E4}">
+                <adec:decorative xmlns:adec="http://schemas.microsoft.com/office/drawing/2017/decorative" val="1"/>
+              </a:ext>
+            </a:extLst>
+          </p:cNvPr>
+          <p:cNvSpPr>
+            <a:spLocks noGrp="1" noRot="1" noChangeAspect="1" noMove="1" noResize="1" noEditPoints="1" noAdjustHandles="1" noChangeArrowheads="1" noChangeShapeType="1" noTextEdit="1"/>
+          </p:cNvSpPr>
+          <p:nvPr>
+            <p:extLst>
+              <p:ext uri="{386F3935-93C4-4BCD-93E2-E3B085C9AB24}">
+                <p16:designElem xmlns:p16="http://schemas.microsoft.com/office/powerpoint/2015/main" val="1"/>
+              </p:ext>
+            </p:extLst>
+          </p:nvPr>
+        </p:nvSpPr>
+        <p:spPr>
+          <a:xfrm>
+            <a:off x="0" y="0"/>
+            <a:ext cx="12192000" cy="6858000"/>
+          </a:xfrm>
+          <a:prstGeom prst="rect">
+            <a:avLst/>
+          </a:prstGeom>
+          <a:ln w="12700" cap="flat" cmpd="sng" algn="ctr">
+            <a:noFill/>
+            <a:prstDash val="solid"/>
+            <a:miter lim="800000"/>
+          </a:ln>
+          <a:effectLst/>
+          <a:extLst>
+            <a:ext uri="{91240B29-F687-4F45-9708-019B960494DF}">
+              <a14:hiddenLine xmlns:a14="http://schemas.microsoft.com/office/drawing/2010/main" w="12700" cap="flat" cmpd="sng" algn="ctr">
+                <a:solidFill>
+                  <a:schemeClr val="accent1">
+                    <a:shade val="50000"/>
+                  </a:schemeClr>
+                </a:solidFill>
+                <a:prstDash val="solid"/>
+                <a:miter lim="800000"/>
+              </a14:hiddenLine>
+            </a:ext>
+          </a:extLst>
+        </p:spPr>
+        <p:style>
+          <a:lnRef idx="2">
+            <a:schemeClr val="accent1">
+              <a:shade val="50000"/>
+            </a:schemeClr>
+          </a:lnRef>
+          <a:fillRef idx="1">
+            <a:schemeClr val="accent1"/>
+          </a:fillRef>
+          <a:effectRef idx="0">
+            <a:schemeClr val="accent1"/>
+          </a:effectRef>
+          <a:fontRef idx="minor">
+            <a:schemeClr val="lt1"/>
+          </a:fontRef>
+        </p:style>
+        <p:txBody>
+          <a:bodyPr rtlCol="0" anchor="ctr"/>
+          <a:lstStyle/>
+          <a:p>
+            <a:pPr algn="ctr"/>
+            <a:endParaRPr lang="en-US"/>
+          </a:p>
+        </p:txBody>
+      </p:sp>
+      <p:sp useBgFill="1">
+        <p:nvSpPr>
+          <p:cNvPr id="10" name="Rectangle 9">
+            <a:extLst>
+              <a:ext uri="{FF2B5EF4-FFF2-40B4-BE49-F238E27FC236}">
+                <a16:creationId xmlns:a16="http://schemas.microsoft.com/office/drawing/2014/main" id="{C4285719-470E-454C-AF62-8323075F1F5B}"/>
+              </a:ext>
+              <a:ext uri="{C183D7F6-B498-43B3-948B-1728B52AA6E4}">
+                <adec:decorative xmlns:adec="http://schemas.microsoft.com/office/drawing/2017/decorative" val="1"/>
+              </a:ext>
+            </a:extLst>
+          </p:cNvPr>
+          <p:cNvSpPr>
+            <a:spLocks noGrp="1" noRot="1" noChangeAspect="1" noMove="1" noResize="1" noEditPoints="1" noAdjustHandles="1" noChangeArrowheads="1" noChangeShapeType="1" noTextEdit="1"/>
+          </p:cNvSpPr>
+          <p:nvPr>
+            <p:extLst>
+              <p:ext uri="{386F3935-93C4-4BCD-93E2-E3B085C9AB24}">
+                <p16:designElem xmlns:p16="http://schemas.microsoft.com/office/powerpoint/2015/main" val="1"/>
+              </p:ext>
+            </p:extLst>
+          </p:nvPr>
+        </p:nvSpPr>
+        <p:spPr>
+          <a:xfrm>
+            <a:off x="0" y="0"/>
+            <a:ext cx="12188952" cy="6858000"/>
+          </a:xfrm>
+          <a:prstGeom prst="rect">
+            <a:avLst/>
+          </a:prstGeom>
+          <a:ln w="12700" cap="flat" cmpd="sng" algn="ctr">
+            <a:noFill/>
+            <a:prstDash val="solid"/>
+            <a:miter lim="800000"/>
+          </a:ln>
+          <a:effectLst/>
+          <a:extLst>
+            <a:ext uri="{91240B29-F687-4F45-9708-019B960494DF}">
+              <a14:hiddenLine xmlns:a14="http://schemas.microsoft.com/office/drawing/2010/main" w="12700" cap="flat" cmpd="sng" algn="ctr">
+                <a:solidFill>
+                  <a:schemeClr val="accent1">
+                    <a:shade val="50000"/>
+                  </a:schemeClr>
+                </a:solidFill>
+                <a:prstDash val="solid"/>
+                <a:miter lim="800000"/>
+              </a14:hiddenLine>
+            </a:ext>
+          </a:extLst>
+        </p:spPr>
+        <p:style>
+          <a:lnRef idx="2">
+            <a:schemeClr val="accent1">
+              <a:shade val="50000"/>
+            </a:schemeClr>
+          </a:lnRef>
+          <a:fillRef idx="1">
+            <a:schemeClr val="accent1"/>
+          </a:fillRef>
+          <a:effectRef idx="0">
+            <a:schemeClr val="accent1"/>
+          </a:effectRef>
+          <a:fontRef idx="minor">
+            <a:schemeClr val="lt1"/>
+          </a:fontRef>
+        </p:style>
+        <p:txBody>
+          <a:bodyPr rtlCol="0" anchor="ctr"/>
+          <a:lstStyle/>
+          <a:p>
+            <a:pPr algn="ctr"/>
+            <a:endParaRPr lang="en-US"/>
+          </a:p>
+        </p:txBody>
+      </p:sp>
+      <p:sp>
+        <p:nvSpPr>
+          <p:cNvPr id="12" name="Rectangle 11">
+            <a:extLst>
+              <a:ext uri="{FF2B5EF4-FFF2-40B4-BE49-F238E27FC236}">
+                <a16:creationId xmlns:a16="http://schemas.microsoft.com/office/drawing/2014/main" id="{CD9FE4EF-C4D8-49A0-B2FF-81D8DB7D8A24}"/>
+              </a:ext>
+              <a:ext uri="{C183D7F6-B498-43B3-948B-1728B52AA6E4}">
+                <adec:decorative xmlns:adec="http://schemas.microsoft.com/office/drawing/2017/decorative" val="1"/>
+              </a:ext>
+            </a:extLst>
+          </p:cNvPr>
+          <p:cNvSpPr>
+            <a:spLocks noGrp="1" noRot="1" noChangeAspect="1" noMove="1" noResize="1" noEditPoints="1" noAdjustHandles="1" noChangeArrowheads="1" noChangeShapeType="1" noTextEdit="1"/>
+          </p:cNvSpPr>
+          <p:nvPr>
+            <p:extLst>
+              <p:ext uri="{386F3935-93C4-4BCD-93E2-E3B085C9AB24}">
+                <p16:designElem xmlns:p16="http://schemas.microsoft.com/office/powerpoint/2015/main" val="1"/>
+              </p:ext>
+            </p:extLst>
+          </p:nvPr>
+        </p:nvSpPr>
+        <p:spPr>
+          <a:xfrm rot="5400000" flipH="1">
+            <a:off x="-1410084" y="1410082"/>
+            <a:ext cx="6858000" cy="4037836"/>
+          </a:xfrm>
+          <a:prstGeom prst="rect">
+            <a:avLst/>
+          </a:prstGeom>
+          <a:gradFill>
+            <a:gsLst>
+              <a:gs pos="8000">
+                <a:srgbClr val="000000"/>
+              </a:gs>
+              <a:gs pos="100000">
+                <a:schemeClr val="accent1">
+                  <a:lumMod val="75000"/>
+                </a:schemeClr>
+              </a:gs>
+            </a:gsLst>
+            <a:lin ang="3000000" scaled="0"/>
+          </a:gradFill>
+          <a:ln>
+            <a:noFill/>
+          </a:ln>
+        </p:spPr>
+        <p:style>
+          <a:lnRef idx="2">
+            <a:schemeClr val="accent1">
+              <a:shade val="50000"/>
+            </a:schemeClr>
+          </a:lnRef>
+          <a:fillRef idx="1">
+            <a:schemeClr val="accent1"/>
+          </a:fillRef>
+          <a:effectRef idx="0">
+            <a:schemeClr val="accent1"/>
+          </a:effectRef>
+          <a:fontRef idx="minor">
+            <a:schemeClr val="lt1"/>
+          </a:fontRef>
+        </p:style>
+        <p:txBody>
+          <a:bodyPr rtlCol="0" anchor="ctr"/>
+          <a:lstStyle/>
+          <a:p>
+            <a:pPr algn="ctr"/>
+            <a:endParaRPr lang="en-US"/>
+          </a:p>
+        </p:txBody>
+      </p:sp>
+      <p:sp>
+        <p:nvSpPr>
+          <p:cNvPr id="14" name="Rectangle 13">
+            <a:extLst>
+              <a:ext uri="{FF2B5EF4-FFF2-40B4-BE49-F238E27FC236}">
+                <a16:creationId xmlns:a16="http://schemas.microsoft.com/office/drawing/2014/main" id="{4300840D-0A0B-4512-BACA-B439D5B9C57C}"/>
+              </a:ext>
+              <a:ext uri="{C183D7F6-B498-43B3-948B-1728B52AA6E4}">
+                <adec:decorative xmlns:adec="http://schemas.microsoft.com/office/drawing/2017/decorative" val="1"/>
+              </a:ext>
+            </a:extLst>
+          </p:cNvPr>
+          <p:cNvSpPr>
+            <a:spLocks noGrp="1" noRot="1" noChangeAspect="1" noMove="1" noResize="1" noEditPoints="1" noAdjustHandles="1" noChangeArrowheads="1" noChangeShapeType="1" noTextEdit="1"/>
+          </p:cNvSpPr>
+          <p:nvPr>
+            <p:extLst>
+              <p:ext uri="{386F3935-93C4-4BCD-93E2-E3B085C9AB24}">
+                <p16:designElem xmlns:p16="http://schemas.microsoft.com/office/powerpoint/2015/main" val="1"/>
+              </p:ext>
+            </p:extLst>
+          </p:nvPr>
+        </p:nvSpPr>
+        <p:spPr>
+          <a:xfrm rot="5400000" flipH="1">
+            <a:off x="-1410085" y="1420219"/>
+            <a:ext cx="6857999" cy="4037839"/>
+          </a:xfrm>
+          <a:prstGeom prst="rect">
+            <a:avLst/>
+          </a:prstGeom>
+          <a:gradFill>
+            <a:gsLst>
+              <a:gs pos="0">
+                <a:srgbClr val="000000">
+                  <a:alpha val="0"/>
+                </a:srgbClr>
+              </a:gs>
+              <a:gs pos="99000">
+                <a:schemeClr val="accent1">
+                  <a:alpha val="46000"/>
+                </a:schemeClr>
+              </a:gs>
+            </a:gsLst>
+            <a:lin ang="1800000" scaled="0"/>
+          </a:gradFill>
+          <a:ln>
+            <a:noFill/>
+          </a:ln>
+        </p:spPr>
+        <p:style>
+          <a:lnRef idx="2">
+            <a:schemeClr val="accent1">
+              <a:shade val="50000"/>
+            </a:schemeClr>
+          </a:lnRef>
+          <a:fillRef idx="1">
+            <a:schemeClr val="accent1"/>
+          </a:fillRef>
+          <a:effectRef idx="0">
+            <a:schemeClr val="accent1"/>
+          </a:effectRef>
+          <a:fontRef idx="minor">
+            <a:schemeClr val="lt1"/>
+          </a:fontRef>
+        </p:style>
+        <p:txBody>
+          <a:bodyPr rtlCol="0" anchor="ctr"/>
+          <a:lstStyle/>
+          <a:p>
+            <a:pPr algn="ctr"/>
+            <a:endParaRPr lang="en-US"/>
+          </a:p>
+        </p:txBody>
+      </p:sp>
+      <p:sp>
+        <p:nvSpPr>
+          <p:cNvPr id="16" name="Rectangle 15">
+            <a:extLst>
+              <a:ext uri="{FF2B5EF4-FFF2-40B4-BE49-F238E27FC236}">
+                <a16:creationId xmlns:a16="http://schemas.microsoft.com/office/drawing/2014/main" id="{D2B78728-A580-49A7-84F9-6EF6F583ADE0}"/>
+              </a:ext>
+              <a:ext uri="{C183D7F6-B498-43B3-948B-1728B52AA6E4}">
+                <adec:decorative xmlns:adec="http://schemas.microsoft.com/office/drawing/2017/decorative" val="1"/>
+              </a:ext>
+            </a:extLst>
+          </p:cNvPr>
+          <p:cNvSpPr>
+            <a:spLocks noGrp="1" noRot="1" noChangeAspect="1" noMove="1" noResize="1" noEditPoints="1" noAdjustHandles="1" noChangeArrowheads="1" noChangeShapeType="1" noTextEdit="1"/>
+          </p:cNvSpPr>
+          <p:nvPr>
+            <p:extLst>
+              <p:ext uri="{386F3935-93C4-4BCD-93E2-E3B085C9AB24}">
+                <p16:designElem xmlns:p16="http://schemas.microsoft.com/office/powerpoint/2015/main" val="1"/>
+              </p:ext>
+            </p:extLst>
+          </p:nvPr>
+        </p:nvSpPr>
+        <p:spPr>
+          <a:xfrm rot="5400000" flipH="1">
+            <a:off x="767923" y="3588085"/>
+            <a:ext cx="2501979" cy="4037841"/>
+          </a:xfrm>
+          <a:prstGeom prst="rect">
+            <a:avLst/>
+          </a:prstGeom>
+          <a:gradFill>
+            <a:gsLst>
+              <a:gs pos="2000">
+                <a:schemeClr val="accent1">
+                  <a:alpha val="29000"/>
+                </a:schemeClr>
+              </a:gs>
+              <a:gs pos="100000">
+                <a:srgbClr val="000000">
+                  <a:alpha val="30000"/>
+                </a:srgbClr>
+              </a:gs>
+            </a:gsLst>
+            <a:lin ang="7800000" scaled="0"/>
+          </a:gradFill>
+          <a:ln>
+            <a:noFill/>
+          </a:ln>
+        </p:spPr>
+        <p:style>
+          <a:lnRef idx="2">
+            <a:schemeClr val="accent1">
+              <a:shade val="50000"/>
+            </a:schemeClr>
+          </a:lnRef>
+          <a:fillRef idx="1">
+            <a:schemeClr val="accent1"/>
+          </a:fillRef>
+          <a:effectRef idx="0">
+            <a:schemeClr val="accent1"/>
+          </a:effectRef>
+          <a:fontRef idx="minor">
+            <a:schemeClr val="lt1"/>
+          </a:fontRef>
+        </p:style>
+        <p:txBody>
+          <a:bodyPr rtlCol="0" anchor="ctr"/>
+          <a:lstStyle/>
+          <a:p>
+            <a:pPr algn="ctr"/>
+            <a:endParaRPr lang="en-US" dirty="0"/>
+          </a:p>
+        </p:txBody>
+      </p:sp>
+      <p:sp>
+        <p:nvSpPr>
+          <p:cNvPr id="18" name="Freeform: Shape 17">
+            <a:extLst>
+              <a:ext uri="{FF2B5EF4-FFF2-40B4-BE49-F238E27FC236}">
+                <a16:creationId xmlns:a16="http://schemas.microsoft.com/office/drawing/2014/main" id="{38FAA1A1-D861-433F-88FA-1E9D6FD31D11}"/>
+              </a:ext>
+              <a:ext uri="{C183D7F6-B498-43B3-948B-1728B52AA6E4}">
+                <adec:decorative xmlns:adec="http://schemas.microsoft.com/office/drawing/2017/decorative" val="1"/>
+              </a:ext>
+            </a:extLst>
+          </p:cNvPr>
+          <p:cNvSpPr>
+            <a:spLocks noGrp="1" noRot="1" noChangeAspect="1" noMove="1" noResize="1" noEditPoints="1" noAdjustHandles="1" noChangeArrowheads="1" noChangeShapeType="1" noTextEdit="1"/>
+          </p:cNvSpPr>
+          <p:nvPr>
+            <p:extLst>
+              <p:ext uri="{386F3935-93C4-4BCD-93E2-E3B085C9AB24}">
+                <p16:designElem xmlns:p16="http://schemas.microsoft.com/office/powerpoint/2015/main" val="1"/>
+              </p:ext>
+            </p:extLst>
+          </p:nvPr>
+        </p:nvSpPr>
+        <p:spPr>
+          <a:xfrm rot="20635413">
+            <a:off x="-501737" y="969718"/>
+            <a:ext cx="3900357" cy="4178958"/>
+          </a:xfrm>
+          <a:custGeom>
+            <a:avLst/>
+            <a:gdLst>
+              <a:gd name="connsiteX0" fmla="*/ 2432225 w 3900357"/>
+              <a:gd name="connsiteY0" fmla="*/ 93939 h 4178958"/>
+              <a:gd name="connsiteX1" fmla="*/ 3900357 w 3900357"/>
+              <a:gd name="connsiteY1" fmla="*/ 2089479 h 4178958"/>
+              <a:gd name="connsiteX2" fmla="*/ 1810878 w 3900357"/>
+              <a:gd name="connsiteY2" fmla="*/ 4178958 h 4178958"/>
+              <a:gd name="connsiteX3" fmla="*/ 78249 w 3900357"/>
+              <a:gd name="connsiteY3" fmla="*/ 3257727 h 4178958"/>
+              <a:gd name="connsiteX4" fmla="*/ 0 w 3900357"/>
+              <a:gd name="connsiteY4" fmla="*/ 3128923 h 4178958"/>
+              <a:gd name="connsiteX5" fmla="*/ 831324 w 3900357"/>
+              <a:gd name="connsiteY5" fmla="*/ 244281 h 4178958"/>
+              <a:gd name="connsiteX6" fmla="*/ 997559 w 3900357"/>
+              <a:gd name="connsiteY6" fmla="*/ 164202 h 4178958"/>
+              <a:gd name="connsiteX7" fmla="*/ 1810878 w 3900357"/>
+              <a:gd name="connsiteY7" fmla="*/ 0 h 4178958"/>
+              <a:gd name="connsiteX8" fmla="*/ 2432225 w 3900357"/>
+              <a:gd name="connsiteY8" fmla="*/ 93939 h 4178958"/>
+            </a:gdLst>
+            <a:ahLst/>
+            <a:cxnLst>
+              <a:cxn ang="0">
+                <a:pos x="connsiteX0" y="connsiteY0"/>
+              </a:cxn>
+              <a:cxn ang="0">
+                <a:pos x="connsiteX1" y="connsiteY1"/>
+              </a:cxn>
+              <a:cxn ang="0">
+                <a:pos x="connsiteX2" y="connsiteY2"/>
+              </a:cxn>
+              <a:cxn ang="0">
+                <a:pos x="connsiteX3" y="connsiteY3"/>
+              </a:cxn>
+              <a:cxn ang="0">
+                <a:pos x="connsiteX4" y="connsiteY4"/>
+              </a:cxn>
+              <a:cxn ang="0">
+                <a:pos x="connsiteX5" y="connsiteY5"/>
+              </a:cxn>
+              <a:cxn ang="0">
+                <a:pos x="connsiteX6" y="connsiteY6"/>
+              </a:cxn>
+              <a:cxn ang="0">
+                <a:pos x="connsiteX7" y="connsiteY7"/>
+              </a:cxn>
+              <a:cxn ang="0">
+                <a:pos x="connsiteX8" y="connsiteY8"/>
+              </a:cxn>
+            </a:cxnLst>
+            <a:rect l="l" t="t" r="r" b="b"/>
+            <a:pathLst>
+              <a:path w="3900357" h="4178958">
+                <a:moveTo>
+                  <a:pt x="2432225" y="93939"/>
+                </a:moveTo>
+                <a:cubicBezTo>
+                  <a:pt x="3282786" y="358491"/>
+                  <a:pt x="3900357" y="1151865"/>
+                  <a:pt x="3900357" y="2089479"/>
+                </a:cubicBezTo>
+                <a:cubicBezTo>
+                  <a:pt x="3900357" y="3243466"/>
+                  <a:pt x="2964865" y="4178958"/>
+                  <a:pt x="1810878" y="4178958"/>
+                </a:cubicBezTo>
+                <a:cubicBezTo>
+                  <a:pt x="1089636" y="4178958"/>
+                  <a:pt x="453744" y="3813531"/>
+                  <a:pt x="78249" y="3257727"/>
+                </a:cubicBezTo>
+                <a:lnTo>
+                  <a:pt x="0" y="3128923"/>
+                </a:lnTo>
+                <a:lnTo>
+                  <a:pt x="831324" y="244281"/>
+                </a:lnTo>
+                <a:lnTo>
+                  <a:pt x="997559" y="164202"/>
+                </a:lnTo>
+                <a:cubicBezTo>
+                  <a:pt x="1247540" y="58468"/>
+                  <a:pt x="1522381" y="0"/>
+                  <a:pt x="1810878" y="0"/>
+                </a:cubicBezTo>
+                <a:cubicBezTo>
+                  <a:pt x="2027251" y="0"/>
+                  <a:pt x="2235942" y="32888"/>
+                  <a:pt x="2432225" y="93939"/>
+                </a:cubicBezTo>
+                <a:close/>
+              </a:path>
+            </a:pathLst>
+          </a:custGeom>
+          <a:gradFill>
+            <a:gsLst>
+              <a:gs pos="29000">
+                <a:srgbClr val="000000">
+                  <a:alpha val="0"/>
+                </a:srgbClr>
+              </a:gs>
+              <a:gs pos="100000">
+                <a:schemeClr val="accent1">
+                  <a:alpha val="43000"/>
+                </a:schemeClr>
+              </a:gs>
+            </a:gsLst>
+            <a:lin ang="1800000" scaled="0"/>
+          </a:gradFill>
+          <a:ln>
+            <a:noFill/>
+          </a:ln>
+        </p:spPr>
+        <p:style>
+          <a:lnRef idx="2">
+            <a:schemeClr val="accent1">
+              <a:shade val="50000"/>
+            </a:schemeClr>
+          </a:lnRef>
+          <a:fillRef idx="1">
+            <a:schemeClr val="accent1"/>
+          </a:fillRef>
+          <a:effectRef idx="0">
+            <a:schemeClr val="accent1"/>
+          </a:effectRef>
+          <a:fontRef idx="minor">
+            <a:schemeClr val="lt1"/>
+          </a:fontRef>
+        </p:style>
+        <p:txBody>
+          <a:bodyPr wrap="square" rtlCol="0" anchor="ctr">
+            <a:noAutofit/>
+          </a:bodyPr>
+          <a:lstStyle/>
+          <a:p>
+            <a:pPr algn="ctr"/>
+            <a:endParaRPr lang="en-US" dirty="0"/>
+          </a:p>
+        </p:txBody>
+      </p:sp>
+      <p:sp>
+        <p:nvSpPr>
+          <p:cNvPr id="20" name="Rectangle 19">
+            <a:extLst>
+              <a:ext uri="{FF2B5EF4-FFF2-40B4-BE49-F238E27FC236}">
+                <a16:creationId xmlns:a16="http://schemas.microsoft.com/office/drawing/2014/main" id="{8D71EDA1-87BF-4D5D-AB79-F346FD19278A}"/>
+              </a:ext>
+              <a:ext uri="{C183D7F6-B498-43B3-948B-1728B52AA6E4}">
+                <adec:decorative xmlns:adec="http://schemas.microsoft.com/office/drawing/2017/decorative" val="1"/>
+              </a:ext>
+            </a:extLst>
+          </p:cNvPr>
+          <p:cNvSpPr>
+            <a:spLocks noGrp="1" noRot="1" noChangeAspect="1" noMove="1" noResize="1" noEditPoints="1" noAdjustHandles="1" noChangeArrowheads="1" noChangeShapeType="1" noTextEdit="1"/>
+          </p:cNvSpPr>
+          <p:nvPr>
+            <p:extLst>
+              <p:ext uri="{386F3935-93C4-4BCD-93E2-E3B085C9AB24}">
+                <p16:designElem xmlns:p16="http://schemas.microsoft.com/office/powerpoint/2015/main" val="1"/>
+              </p:ext>
+            </p:extLst>
+          </p:nvPr>
+        </p:nvSpPr>
+        <p:spPr>
+          <a:xfrm rot="5400000" flipH="1">
+            <a:off x="-1410093" y="1399943"/>
+            <a:ext cx="6858003" cy="4037835"/>
+          </a:xfrm>
+          <a:prstGeom prst="rect">
+            <a:avLst/>
+          </a:prstGeom>
+          <a:gradFill>
+            <a:gsLst>
+              <a:gs pos="0">
+                <a:srgbClr val="000000">
+                  <a:alpha val="0"/>
+                </a:srgbClr>
+              </a:gs>
+              <a:gs pos="99000">
+                <a:schemeClr val="accent1">
+                  <a:lumMod val="60000"/>
+                  <a:lumOff val="40000"/>
+                  <a:alpha val="11000"/>
+                </a:schemeClr>
+              </a:gs>
+            </a:gsLst>
+            <a:lin ang="7200000" scaled="0"/>
+          </a:gradFill>
+          <a:ln>
+            <a:noFill/>
+          </a:ln>
+        </p:spPr>
+        <p:style>
+          <a:lnRef idx="2">
+            <a:schemeClr val="accent1">
+              <a:shade val="50000"/>
+            </a:schemeClr>
+          </a:lnRef>
+          <a:fillRef idx="1">
+            <a:schemeClr val="accent1"/>
+          </a:fillRef>
+          <a:effectRef idx="0">
+            <a:schemeClr val="accent1"/>
+          </a:effectRef>
+          <a:fontRef idx="minor">
+            <a:schemeClr val="lt1"/>
+          </a:fontRef>
+        </p:style>
+        <p:txBody>
+          <a:bodyPr rtlCol="0" anchor="ctr"/>
+          <a:lstStyle/>
+          <a:p>
+            <a:pPr algn="ctr"/>
+            <a:endParaRPr lang="en-US"/>
+          </a:p>
+        </p:txBody>
+      </p:sp>
       <p:sp>
         <p:nvSpPr>
           <p:cNvPr id="2" name="Titel 1">
@@ -5301,13 +9028,25 @@
             <p:ph type="title"/>
           </p:nvPr>
         </p:nvSpPr>
-        <p:spPr/>
+        <p:spPr>
+          <a:xfrm>
+            <a:off x="466722" y="586855"/>
+            <a:ext cx="3201366" cy="3387497"/>
+          </a:xfrm>
+        </p:spPr>
         <p:txBody>
-          <a:bodyPr/>
+          <a:bodyPr anchor="b">
+            <a:normAutofit/>
+          </a:bodyPr>
           <a:lstStyle/>
           <a:p>
+            <a:pPr algn="r"/>
             <a:r>
-              <a:rPr lang="de-AT" dirty="0"/>
+              <a:rPr lang="de-AT" sz="4000">
+                <a:solidFill>
+                  <a:srgbClr val="FFFFFF"/>
+                </a:solidFill>
+              </a:rPr>
               <a:t>Inhalt</a:t>
             </a:r>
           </a:p>
@@ -5329,50 +9068,56 @@
             <p:ph idx="1"/>
           </p:nvPr>
         </p:nvSpPr>
-        <p:spPr/>
+        <p:spPr>
+          <a:xfrm>
+            <a:off x="4876494" y="655976"/>
+            <a:ext cx="6555347" cy="5546047"/>
+          </a:xfrm>
+        </p:spPr>
         <p:txBody>
-          <a:bodyPr/>
+          <a:bodyPr anchor="ctr">
+            <a:normAutofit/>
+          </a:bodyPr>
           <a:lstStyle/>
           <a:p>
             <a:r>
-              <a:rPr lang="de-AT" dirty="0"/>
+              <a:rPr lang="de-AT" sz="3200" dirty="0"/>
               <a:t>Meilensteintrend Analyse</a:t>
             </a:r>
           </a:p>
           <a:p>
             <a:r>
-              <a:rPr lang="de-AT" dirty="0"/>
+              <a:rPr lang="de-AT" sz="3200" dirty="0"/>
               <a:t>Ergebnisse</a:t>
             </a:r>
           </a:p>
           <a:p>
             <a:pPr lvl="1"/>
             <a:r>
-              <a:rPr lang="de-AT" dirty="0"/>
+              <a:rPr lang="de-AT" sz="3200" dirty="0"/>
               <a:t>Spieler</a:t>
             </a:r>
           </a:p>
           <a:p>
             <a:pPr lvl="1"/>
             <a:r>
-              <a:rPr lang="de-AT" dirty="0"/>
+              <a:rPr lang="de-AT" sz="3200" dirty="0" err="1"/>
+              <a:t>Map</a:t>
+            </a:r>
+            <a:endParaRPr lang="de-AT" sz="3200" dirty="0"/>
+          </a:p>
+          <a:p>
+            <a:pPr lvl="1"/>
+            <a:r>
+              <a:rPr lang="de-AT" sz="3200" dirty="0"/>
               <a:t>Menü</a:t>
             </a:r>
           </a:p>
           <a:p>
-            <a:r>
-              <a:rPr lang="de-AT" dirty="0"/>
-              <a:t>Kurzes Beispiel</a:t>
-            </a:r>
-          </a:p>
-          <a:p>
-            <a:r>
-              <a:rPr lang="de-AT" dirty="0"/>
-              <a:t>Fazit</a:t>
-            </a:r>
-          </a:p>
-          <a:p>
-            <a:endParaRPr lang="de-AT" dirty="0"/>
+            <a:pPr marL="0" indent="0">
+              <a:buNone/>
+            </a:pPr>
+            <a:endParaRPr lang="de-AT" sz="3200" dirty="0"/>
           </a:p>
         </p:txBody>
       </p:sp>
@@ -5729,6 +9474,416 @@
 <file path=ppt/slides/slide4.xml><?xml version="1.0" encoding="utf-8"?>
 <p:sld xmlns:a="http://schemas.openxmlformats.org/drawingml/2006/main" xmlns:r="http://schemas.openxmlformats.org/officeDocument/2006/relationships" xmlns:p="http://schemas.openxmlformats.org/presentationml/2006/main">
   <p:cSld>
+    <p:spTree>
+      <p:nvGrpSpPr>
+        <p:cNvPr id="1" name=""/>
+        <p:cNvGrpSpPr/>
+        <p:nvPr/>
+      </p:nvGrpSpPr>
+      <p:grpSpPr>
+        <a:xfrm>
+          <a:off x="0" y="0"/>
+          <a:ext cx="0" cy="0"/>
+          <a:chOff x="0" y="0"/>
+          <a:chExt cx="0" cy="0"/>
+        </a:xfrm>
+      </p:grpSpPr>
+      <p:sp>
+        <p:nvSpPr>
+          <p:cNvPr id="2" name="Titel 1">
+            <a:extLst>
+              <a:ext uri="{FF2B5EF4-FFF2-40B4-BE49-F238E27FC236}">
+                <a16:creationId xmlns:a16="http://schemas.microsoft.com/office/drawing/2014/main" id="{5C5731EE-6807-7145-AB5F-3AC81E396118}"/>
+              </a:ext>
+            </a:extLst>
+          </p:cNvPr>
+          <p:cNvSpPr>
+            <a:spLocks noGrp="1"/>
+          </p:cNvSpPr>
+          <p:nvPr>
+            <p:ph type="title"/>
+          </p:nvPr>
+        </p:nvSpPr>
+        <p:spPr/>
+        <p:txBody>
+          <a:bodyPr/>
+          <a:lstStyle/>
+          <a:p>
+            <a:r>
+              <a:rPr lang="de-DE" dirty="0"/>
+              <a:t>Fortschritt/ Projektstand</a:t>
+            </a:r>
+            <a:endParaRPr lang="de-AT" dirty="0"/>
+          </a:p>
+        </p:txBody>
+      </p:sp>
+      <p:sp>
+        <p:nvSpPr>
+          <p:cNvPr id="3" name="Inhaltsplatzhalter 2">
+            <a:extLst>
+              <a:ext uri="{FF2B5EF4-FFF2-40B4-BE49-F238E27FC236}">
+                <a16:creationId xmlns:a16="http://schemas.microsoft.com/office/drawing/2014/main" id="{C4B73FA8-3A71-4EB3-18CB-363D7DD2CE79}"/>
+              </a:ext>
+            </a:extLst>
+          </p:cNvPr>
+          <p:cNvSpPr>
+            <a:spLocks noGrp="1"/>
+          </p:cNvSpPr>
+          <p:nvPr>
+            <p:ph idx="1"/>
+          </p:nvPr>
+        </p:nvSpPr>
+        <p:spPr>
+          <a:xfrm>
+            <a:off x="838200" y="1825624"/>
+            <a:ext cx="10876280" cy="4961255"/>
+          </a:xfrm>
+        </p:spPr>
+        <p:txBody>
+          <a:bodyPr>
+            <a:normAutofit/>
+          </a:bodyPr>
+          <a:lstStyle/>
+          <a:p>
+            <a:r>
+              <a:rPr lang="de-DE" dirty="0"/>
+              <a:t> Spielfigur :</a:t>
+            </a:r>
+          </a:p>
+          <a:p>
+            <a:pPr lvl="1"/>
+            <a:r>
+              <a:rPr lang="de-DE" dirty="0"/>
+              <a:t>Steuerung</a:t>
+            </a:r>
+          </a:p>
+          <a:p>
+            <a:pPr lvl="1"/>
+            <a:r>
+              <a:rPr lang="de-DE" dirty="0"/>
+              <a:t>Animationen</a:t>
+            </a:r>
+          </a:p>
+          <a:p>
+            <a:r>
+              <a:rPr lang="de-DE" dirty="0"/>
+              <a:t>Menü:</a:t>
+            </a:r>
+          </a:p>
+          <a:p>
+            <a:pPr lvl="1"/>
+            <a:r>
+              <a:rPr lang="de-DE" dirty="0"/>
+              <a:t>Start </a:t>
+            </a:r>
+          </a:p>
+          <a:p>
+            <a:pPr lvl="1"/>
+            <a:r>
+              <a:rPr lang="de-DE" dirty="0" err="1"/>
+              <a:t>Quit</a:t>
+            </a:r>
+            <a:endParaRPr lang="de-DE" dirty="0"/>
+          </a:p>
+          <a:p>
+            <a:r>
+              <a:rPr lang="de-AT" dirty="0"/>
+              <a:t>Maps: </a:t>
+            </a:r>
+          </a:p>
+          <a:p>
+            <a:pPr lvl="1"/>
+            <a:r>
+              <a:rPr lang="de-AT" dirty="0"/>
+              <a:t>Aktuell 2 Test Maps</a:t>
+            </a:r>
+          </a:p>
+          <a:p>
+            <a:pPr lvl="1"/>
+            <a:r>
+              <a:rPr lang="de-AT" dirty="0"/>
+              <a:t>Mehrere </a:t>
+            </a:r>
+            <a:r>
+              <a:rPr lang="de-AT" dirty="0" err="1"/>
+              <a:t>Tilesets</a:t>
+            </a:r>
+            <a:r>
+              <a:rPr lang="de-AT" dirty="0"/>
+              <a:t> bereit, um Maps zu erstellen</a:t>
+            </a:r>
+          </a:p>
+          <a:p>
+            <a:pPr lvl="1"/>
+            <a:r>
+              <a:rPr lang="de-AT" dirty="0"/>
+              <a:t>Moving </a:t>
+            </a:r>
+            <a:r>
+              <a:rPr lang="de-AT" dirty="0" err="1"/>
+              <a:t>Platforms</a:t>
+            </a:r>
+            <a:endParaRPr lang="de-AT" dirty="0"/>
+          </a:p>
+          <a:p>
+            <a:pPr lvl="1"/>
+            <a:endParaRPr lang="de-AT" dirty="0"/>
+          </a:p>
+        </p:txBody>
+      </p:sp>
+    </p:spTree>
+    <p:extLst>
+      <p:ext uri="{BB962C8B-B14F-4D97-AF65-F5344CB8AC3E}">
+        <p14:creationId xmlns:p14="http://schemas.microsoft.com/office/powerpoint/2010/main" val="3709773280"/>
+      </p:ext>
+    </p:extLst>
+  </p:cSld>
+  <p:clrMapOvr>
+    <a:masterClrMapping/>
+  </p:clrMapOvr>
+</p:sld>
+</file>
+
+<file path=ppt/slides/slide5.xml><?xml version="1.0" encoding="utf-8"?>
+<p:sld xmlns:a="http://schemas.openxmlformats.org/drawingml/2006/main" xmlns:r="http://schemas.openxmlformats.org/officeDocument/2006/relationships" xmlns:p="http://schemas.openxmlformats.org/presentationml/2006/main">
+  <p:cSld>
+    <p:spTree>
+      <p:nvGrpSpPr>
+        <p:cNvPr id="1" name=""/>
+        <p:cNvGrpSpPr/>
+        <p:nvPr/>
+      </p:nvGrpSpPr>
+      <p:grpSpPr>
+        <a:xfrm>
+          <a:off x="0" y="0"/>
+          <a:ext cx="0" cy="0"/>
+          <a:chOff x="0" y="0"/>
+          <a:chExt cx="0" cy="0"/>
+        </a:xfrm>
+      </p:grpSpPr>
+      <p:sp>
+        <p:nvSpPr>
+          <p:cNvPr id="2" name="Titel 1">
+            <a:extLst>
+              <a:ext uri="{FF2B5EF4-FFF2-40B4-BE49-F238E27FC236}">
+                <a16:creationId xmlns:a16="http://schemas.microsoft.com/office/drawing/2014/main" id="{00165618-DA50-A1B6-E1F3-1F004DA9ACD8}"/>
+              </a:ext>
+            </a:extLst>
+          </p:cNvPr>
+          <p:cNvSpPr>
+            <a:spLocks noGrp="1"/>
+          </p:cNvSpPr>
+          <p:nvPr>
+            <p:ph type="title"/>
+          </p:nvPr>
+        </p:nvSpPr>
+        <p:spPr/>
+        <p:txBody>
+          <a:bodyPr/>
+          <a:lstStyle/>
+          <a:p>
+            <a:r>
+              <a:rPr lang="de-DE" dirty="0"/>
+              <a:t>Fortschritte/Projektstand</a:t>
+            </a:r>
+            <a:endParaRPr lang="de-AT" dirty="0"/>
+          </a:p>
+        </p:txBody>
+      </p:sp>
+      <p:sp>
+        <p:nvSpPr>
+          <p:cNvPr id="3" name="Inhaltsplatzhalter 2">
+            <a:extLst>
+              <a:ext uri="{FF2B5EF4-FFF2-40B4-BE49-F238E27FC236}">
+                <a16:creationId xmlns:a16="http://schemas.microsoft.com/office/drawing/2014/main" id="{396BC635-B9E1-1D41-8746-049FB6A6EA7A}"/>
+              </a:ext>
+            </a:extLst>
+          </p:cNvPr>
+          <p:cNvSpPr>
+            <a:spLocks noGrp="1"/>
+          </p:cNvSpPr>
+          <p:nvPr>
+            <p:ph idx="1"/>
+          </p:nvPr>
+        </p:nvSpPr>
+        <p:spPr/>
+        <p:txBody>
+          <a:bodyPr/>
+          <a:lstStyle/>
+          <a:p>
+            <a:r>
+              <a:rPr lang="de-DE" dirty="0"/>
+              <a:t>NPC:</a:t>
+            </a:r>
+          </a:p>
+          <a:p>
+            <a:pPr lvl="1"/>
+            <a:r>
+              <a:rPr lang="de-DE" dirty="0" err="1"/>
+              <a:t>Plannung</a:t>
+            </a:r>
+            <a:r>
+              <a:rPr lang="de-DE" dirty="0"/>
+              <a:t> begonnen</a:t>
+            </a:r>
+          </a:p>
+          <a:p>
+            <a:pPr lvl="1"/>
+            <a:r>
+              <a:rPr lang="de-DE" dirty="0"/>
+              <a:t>Im Zeitplan</a:t>
+            </a:r>
+          </a:p>
+          <a:p>
+            <a:r>
+              <a:rPr lang="de-DE" dirty="0"/>
+              <a:t>Items:</a:t>
+            </a:r>
+          </a:p>
+          <a:p>
+            <a:pPr lvl="1"/>
+            <a:r>
+              <a:rPr lang="de-DE" dirty="0"/>
+              <a:t>Noch nicht begonnen</a:t>
+            </a:r>
+          </a:p>
+          <a:p>
+            <a:pPr lvl="1"/>
+            <a:r>
+              <a:rPr lang="de-DE" dirty="0"/>
+              <a:t>Verzögerung</a:t>
+            </a:r>
+          </a:p>
+          <a:p>
+            <a:r>
+              <a:rPr lang="de-DE" dirty="0" err="1"/>
+              <a:t>Savestates</a:t>
+            </a:r>
+            <a:r>
+              <a:rPr lang="de-DE" dirty="0"/>
+              <a:t>:</a:t>
+            </a:r>
+          </a:p>
+          <a:p>
+            <a:pPr lvl="1"/>
+            <a:r>
+              <a:rPr lang="de-DE" dirty="0"/>
+              <a:t>Planung für die Bewältigung des Arbeitspakets</a:t>
+            </a:r>
+          </a:p>
+          <a:p>
+            <a:pPr lvl="1"/>
+            <a:r>
+              <a:rPr lang="de-DE" dirty="0"/>
+              <a:t>Im Zeitplan</a:t>
+            </a:r>
+          </a:p>
+          <a:p>
+            <a:endParaRPr lang="de-AT" dirty="0"/>
+          </a:p>
+        </p:txBody>
+      </p:sp>
+    </p:spTree>
+    <p:extLst>
+      <p:ext uri="{BB962C8B-B14F-4D97-AF65-F5344CB8AC3E}">
+        <p14:creationId xmlns:p14="http://schemas.microsoft.com/office/powerpoint/2010/main" val="1987116442"/>
+      </p:ext>
+    </p:extLst>
+  </p:cSld>
+  <p:clrMapOvr>
+    <a:masterClrMapping/>
+  </p:clrMapOvr>
+</p:sld>
+</file>
+
+<file path=ppt/slides/slide6.xml><?xml version="1.0" encoding="utf-8"?>
+<p:sld xmlns:a="http://schemas.openxmlformats.org/drawingml/2006/main" xmlns:r="http://schemas.openxmlformats.org/officeDocument/2006/relationships" xmlns:p="http://schemas.openxmlformats.org/presentationml/2006/main">
+  <p:cSld>
+    <p:spTree>
+      <p:nvGrpSpPr>
+        <p:cNvPr id="1" name=""/>
+        <p:cNvGrpSpPr/>
+        <p:nvPr/>
+      </p:nvGrpSpPr>
+      <p:grpSpPr>
+        <a:xfrm>
+          <a:off x="0" y="0"/>
+          <a:ext cx="0" cy="0"/>
+          <a:chOff x="0" y="0"/>
+          <a:chExt cx="0" cy="0"/>
+        </a:xfrm>
+      </p:grpSpPr>
+      <p:sp>
+        <p:nvSpPr>
+          <p:cNvPr id="2" name="Titel 1">
+            <a:extLst>
+              <a:ext uri="{FF2B5EF4-FFF2-40B4-BE49-F238E27FC236}">
+                <a16:creationId xmlns:a16="http://schemas.microsoft.com/office/drawing/2014/main" id="{1D7DE487-B636-7705-6E45-2A1ACFE8DE33}"/>
+              </a:ext>
+            </a:extLst>
+          </p:cNvPr>
+          <p:cNvSpPr>
+            <a:spLocks noGrp="1"/>
+          </p:cNvSpPr>
+          <p:nvPr>
+            <p:ph type="title"/>
+          </p:nvPr>
+        </p:nvSpPr>
+        <p:spPr/>
+        <p:txBody>
+          <a:bodyPr/>
+          <a:lstStyle/>
+          <a:p>
+            <a:r>
+              <a:rPr lang="de-DE" dirty="0"/>
+              <a:t>Umstieg auf Unreal Engine</a:t>
+            </a:r>
+            <a:endParaRPr lang="de-AT" dirty="0"/>
+          </a:p>
+        </p:txBody>
+      </p:sp>
+      <p:graphicFrame>
+        <p:nvGraphicFramePr>
+          <p:cNvPr id="5" name="Inhaltsplatzhalter 2">
+            <a:extLst>
+              <a:ext uri="{FF2B5EF4-FFF2-40B4-BE49-F238E27FC236}">
+                <a16:creationId xmlns:a16="http://schemas.microsoft.com/office/drawing/2014/main" id="{247958DF-4F65-B822-7AA5-5AAB8C151591}"/>
+              </a:ext>
+            </a:extLst>
+          </p:cNvPr>
+          <p:cNvGraphicFramePr>
+            <a:graphicFrameLocks noGrp="1"/>
+          </p:cNvGraphicFramePr>
+          <p:nvPr>
+            <p:ph idx="1"/>
+          </p:nvPr>
+        </p:nvGraphicFramePr>
+        <p:xfrm>
+          <a:off x="838200" y="1825625"/>
+          <a:ext cx="10515600" cy="4351338"/>
+        </p:xfrm>
+        <a:graphic>
+          <a:graphicData uri="http://schemas.openxmlformats.org/drawingml/2006/diagram">
+            <dgm:relIds xmlns:dgm="http://schemas.openxmlformats.org/drawingml/2006/diagram" xmlns:r="http://schemas.openxmlformats.org/officeDocument/2006/relationships" r:dm="rId2" r:lo="rId3" r:qs="rId4" r:cs="rId5"/>
+          </a:graphicData>
+        </a:graphic>
+      </p:graphicFrame>
+    </p:spTree>
+    <p:extLst>
+      <p:ext uri="{BB962C8B-B14F-4D97-AF65-F5344CB8AC3E}">
+        <p14:creationId xmlns:p14="http://schemas.microsoft.com/office/powerpoint/2010/main" val="37376487"/>
+      </p:ext>
+    </p:extLst>
+  </p:cSld>
+  <p:clrMapOvr>
+    <a:masterClrMapping/>
+  </p:clrMapOvr>
+</p:sld>
+</file>
+
+<file path=ppt/slides/slide7.xml><?xml version="1.0" encoding="utf-8"?>
+<p:sld xmlns:a="http://schemas.openxmlformats.org/drawingml/2006/main" xmlns:r="http://schemas.openxmlformats.org/officeDocument/2006/relationships" xmlns:p="http://schemas.openxmlformats.org/presentationml/2006/main">
+  <p:cSld>
     <p:bg>
       <p:bgPr>
         <a:solidFill>
@@ -5751,59 +9906,12 @@
           <a:chExt cx="0" cy="0"/>
         </a:xfrm>
       </p:grpSpPr>
-      <p:pic>
-        <p:nvPicPr>
-          <p:cNvPr id="1026" name="Picture 2">
+      <p:sp useBgFill="1">
+        <p:nvSpPr>
+          <p:cNvPr id="1045" name="Rectangle 1044">
             <a:extLst>
               <a:ext uri="{FF2B5EF4-FFF2-40B4-BE49-F238E27FC236}">
-                <a16:creationId xmlns:a16="http://schemas.microsoft.com/office/drawing/2014/main" id="{12CBA225-630A-A6AD-84D8-6247988D0264}"/>
-              </a:ext>
-            </a:extLst>
-          </p:cNvPr>
-          <p:cNvPicPr>
-            <a:picLocks noGrp="1" noChangeAspect="1" noChangeArrowheads="1"/>
-          </p:cNvPicPr>
-          <p:nvPr>
-            <p:ph idx="1"/>
-          </p:nvPr>
-        </p:nvPicPr>
-        <p:blipFill rotWithShape="1">
-          <a:blip r:embed="rId2">
-            <a:extLst>
-              <a:ext uri="{28A0092B-C50C-407E-A947-70E740481C1C}">
-                <a14:useLocalDpi xmlns:a14="http://schemas.microsoft.com/office/drawing/2010/main" val="0"/>
-              </a:ext>
-            </a:extLst>
-          </a:blip>
-          <a:srcRect b="881"/>
-          <a:stretch/>
-        </p:blipFill>
-        <p:spPr bwMode="auto">
-          <a:xfrm>
-            <a:off x="20" y="10"/>
-            <a:ext cx="12191980" cy="6857990"/>
-          </a:xfrm>
-          <a:prstGeom prst="rect">
-            <a:avLst/>
-          </a:prstGeom>
-          <a:noFill/>
-          <a:extLst>
-            <a:ext uri="{909E8E84-426E-40DD-AFC4-6F175D3DCCD1}">
-              <a14:hiddenFill xmlns:a14="http://schemas.microsoft.com/office/drawing/2010/main">
-                <a:solidFill>
-                  <a:srgbClr val="FFFFFF"/>
-                </a:solidFill>
-              </a14:hiddenFill>
-            </a:ext>
-          </a:extLst>
-        </p:spPr>
-      </p:pic>
-      <p:sp>
-        <p:nvSpPr>
-          <p:cNvPr id="1034" name="Rectangle 1030">
-            <a:extLst>
-              <a:ext uri="{FF2B5EF4-FFF2-40B4-BE49-F238E27FC236}">
-                <a16:creationId xmlns:a16="http://schemas.microsoft.com/office/drawing/2014/main" id="{37C89E4B-3C9F-44B9-8B86-D9E3D112D8EC}"/>
+                <a16:creationId xmlns:a16="http://schemas.microsoft.com/office/drawing/2014/main" id="{A8384FB5-9ADC-4DDC-881B-597D56F5B15D}"/>
               </a:ext>
               <a:ext uri="{C183D7F6-B498-43B3-948B-1728B52AA6E4}">
                 <adec:decorative xmlns:adec="http://schemas.microsoft.com/office/drawing/2017/decorative" val="1"/>
@@ -5823,17 +9931,101 @@
         </p:nvSpPr>
         <p:spPr>
           <a:xfrm>
-            <a:off x="0" y="428852"/>
-            <a:ext cx="12192000" cy="736551"/>
+            <a:off x="0" y="0"/>
+            <a:ext cx="12192000" cy="6858000"/>
           </a:xfrm>
           <a:prstGeom prst="rect">
             <a:avLst/>
           </a:prstGeom>
-          <a:solidFill>
-            <a:schemeClr val="bg1">
-              <a:alpha val="93000"/>
+          <a:ln w="12700" cap="flat" cmpd="sng" algn="ctr">
+            <a:noFill/>
+            <a:prstDash val="solid"/>
+            <a:miter lim="800000"/>
+          </a:ln>
+          <a:effectLst/>
+          <a:extLst>
+            <a:ext uri="{91240B29-F687-4F45-9708-019B960494DF}">
+              <a14:hiddenLine xmlns:a14="http://schemas.microsoft.com/office/drawing/2010/main" w="12700" cap="flat" cmpd="sng" algn="ctr">
+                <a:solidFill>
+                  <a:schemeClr val="accent1">
+                    <a:shade val="50000"/>
+                  </a:schemeClr>
+                </a:solidFill>
+                <a:prstDash val="solid"/>
+                <a:miter lim="800000"/>
+              </a14:hiddenLine>
+            </a:ext>
+          </a:extLst>
+        </p:spPr>
+        <p:style>
+          <a:lnRef idx="2">
+            <a:schemeClr val="accent1">
+              <a:shade val="50000"/>
             </a:schemeClr>
-          </a:solidFill>
+          </a:lnRef>
+          <a:fillRef idx="1">
+            <a:schemeClr val="accent1"/>
+          </a:fillRef>
+          <a:effectRef idx="0">
+            <a:schemeClr val="accent1"/>
+          </a:effectRef>
+          <a:fontRef idx="minor">
+            <a:schemeClr val="lt1"/>
+          </a:fontRef>
+        </p:style>
+        <p:txBody>
+          <a:bodyPr rtlCol="0" anchor="ctr"/>
+          <a:lstStyle/>
+          <a:p>
+            <a:pPr algn="ctr"/>
+            <a:endParaRPr lang="en-US"/>
+          </a:p>
+        </p:txBody>
+      </p:sp>
+      <p:sp>
+        <p:nvSpPr>
+          <p:cNvPr id="1047" name="Rectangle 1046">
+            <a:extLst>
+              <a:ext uri="{FF2B5EF4-FFF2-40B4-BE49-F238E27FC236}">
+                <a16:creationId xmlns:a16="http://schemas.microsoft.com/office/drawing/2014/main" id="{91E5A9A7-95C6-4F4F-B00E-C82E07FE62EF}"/>
+              </a:ext>
+              <a:ext uri="{C183D7F6-B498-43B3-948B-1728B52AA6E4}">
+                <adec:decorative xmlns:adec="http://schemas.microsoft.com/office/drawing/2017/decorative" val="1"/>
+              </a:ext>
+            </a:extLst>
+          </p:cNvPr>
+          <p:cNvSpPr>
+            <a:spLocks noGrp="1" noRot="1" noChangeAspect="1" noMove="1" noResize="1" noEditPoints="1" noAdjustHandles="1" noChangeArrowheads="1" noChangeShapeType="1" noTextEdit="1"/>
+          </p:cNvSpPr>
+          <p:nvPr>
+            <p:extLst>
+              <p:ext uri="{386F3935-93C4-4BCD-93E2-E3B085C9AB24}">
+                <p16:designElem xmlns:p16="http://schemas.microsoft.com/office/powerpoint/2015/main" val="1"/>
+              </p:ext>
+            </p:extLst>
+          </p:nvPr>
+        </p:nvSpPr>
+        <p:spPr>
+          <a:xfrm rot="5400000" flipH="1">
+            <a:off x="-1417539" y="1417538"/>
+            <a:ext cx="6875818" cy="4040744"/>
+          </a:xfrm>
+          <a:prstGeom prst="rect">
+            <a:avLst/>
+          </a:prstGeom>
+          <a:gradFill>
+            <a:gsLst>
+              <a:gs pos="0">
+                <a:srgbClr val="000000"/>
+              </a:gs>
+              <a:gs pos="100000">
+                <a:schemeClr val="accent1">
+                  <a:lumMod val="75000"/>
+                </a:schemeClr>
+              </a:gs>
+            </a:gsLst>
+            <a:lin ang="18600000" scaled="0"/>
+          </a:gradFill>
           <a:ln>
             <a:noFill/>
           </a:ln>
@@ -5859,229 +10051,16 @@
           <a:lstStyle/>
           <a:p>
             <a:pPr algn="ctr"/>
-            <a:endParaRPr lang="en-US"/>
+            <a:endParaRPr lang="en-US" dirty="0"/>
           </a:p>
         </p:txBody>
       </p:sp>
       <p:sp>
         <p:nvSpPr>
-          <p:cNvPr id="2" name="Titel 1">
+          <p:cNvPr id="1049" name="Rectangle 1048">
             <a:extLst>
               <a:ext uri="{FF2B5EF4-FFF2-40B4-BE49-F238E27FC236}">
-                <a16:creationId xmlns:a16="http://schemas.microsoft.com/office/drawing/2014/main" id="{ABAB358E-57B8-595A-44EC-F8FA5599F18F}"/>
-              </a:ext>
-            </a:extLst>
-          </p:cNvPr>
-          <p:cNvSpPr>
-            <a:spLocks noGrp="1"/>
-          </p:cNvSpPr>
-          <p:nvPr>
-            <p:ph type="title"/>
-          </p:nvPr>
-        </p:nvSpPr>
-        <p:spPr>
-          <a:xfrm>
-            <a:off x="523875" y="425950"/>
-            <a:ext cx="11210925" cy="744836"/>
-          </a:xfrm>
-        </p:spPr>
-        <p:txBody>
-          <a:bodyPr vert="horz" lIns="91440" tIns="45720" rIns="91440" bIns="45720" rtlCol="0" anchor="ctr">
-            <a:normAutofit/>
-          </a:bodyPr>
-          <a:lstStyle/>
-          <a:p>
-            <a:pPr algn="ctr"/>
-            <a:r>
-              <a:rPr lang="en-US" sz="3600">
-                <a:solidFill>
-                  <a:schemeClr val="tx1">
-                    <a:lumMod val="85000"/>
-                    <a:lumOff val="15000"/>
-                  </a:schemeClr>
-                </a:solidFill>
-              </a:rPr>
-              <a:t>Menü</a:t>
-            </a:r>
-          </a:p>
-        </p:txBody>
-      </p:sp>
-      <p:cxnSp>
-        <p:nvCxnSpPr>
-          <p:cNvPr id="1033" name="Straight Connector 1032">
-            <a:extLst>
-              <a:ext uri="{FF2B5EF4-FFF2-40B4-BE49-F238E27FC236}">
-                <a16:creationId xmlns:a16="http://schemas.microsoft.com/office/drawing/2014/main" id="{AA2EAA10-076F-46BD-8F0F-B9A2FB77A85C}"/>
-              </a:ext>
-              <a:ext uri="{C183D7F6-B498-43B3-948B-1728B52AA6E4}">
-                <adec:decorative xmlns:adec="http://schemas.microsoft.com/office/drawing/2017/decorative" val="1"/>
-              </a:ext>
-            </a:extLst>
-          </p:cNvPr>
-          <p:cNvCxnSpPr>
-            <a:cxnSpLocks noGrp="1" noRot="1" noChangeAspect="1" noMove="1" noResize="1" noEditPoints="1" noAdjustHandles="1" noChangeArrowheads="1" noChangeShapeType="1"/>
-          </p:cNvCxnSpPr>
-          <p:nvPr>
-            <p:extLst>
-              <p:ext uri="{386F3935-93C4-4BCD-93E2-E3B085C9AB24}">
-                <p16:designElem xmlns:p16="http://schemas.microsoft.com/office/powerpoint/2015/main" val="1"/>
-              </p:ext>
-            </p:extLst>
-          </p:nvPr>
-        </p:nvCxnSpPr>
-        <p:spPr>
-          <a:xfrm>
-            <a:off x="0" y="350693"/>
-            <a:ext cx="12192000" cy="0"/>
-          </a:xfrm>
-          <a:prstGeom prst="line">
-            <a:avLst/>
-          </a:prstGeom>
-          <a:ln w="41275">
-            <a:solidFill>
-              <a:schemeClr val="bg1">
-                <a:alpha val="90000"/>
-              </a:schemeClr>
-            </a:solidFill>
-          </a:ln>
-        </p:spPr>
-        <p:style>
-          <a:lnRef idx="1">
-            <a:schemeClr val="accent1"/>
-          </a:lnRef>
-          <a:fillRef idx="0">
-            <a:schemeClr val="accent1"/>
-          </a:fillRef>
-          <a:effectRef idx="0">
-            <a:schemeClr val="accent1"/>
-          </a:effectRef>
-          <a:fontRef idx="minor">
-            <a:schemeClr val="tx1"/>
-          </a:fontRef>
-        </p:style>
-      </p:cxnSp>
-      <p:cxnSp>
-        <p:nvCxnSpPr>
-          <p:cNvPr id="1035" name="Straight Connector 1034">
-            <a:extLst>
-              <a:ext uri="{FF2B5EF4-FFF2-40B4-BE49-F238E27FC236}">
-                <a16:creationId xmlns:a16="http://schemas.microsoft.com/office/drawing/2014/main" id="{D891E407-403B-4764-86C9-33A56D3BCAA3}"/>
-              </a:ext>
-              <a:ext uri="{C183D7F6-B498-43B3-948B-1728B52AA6E4}">
-                <adec:decorative xmlns:adec="http://schemas.microsoft.com/office/drawing/2017/decorative" val="1"/>
-              </a:ext>
-            </a:extLst>
-          </p:cNvPr>
-          <p:cNvCxnSpPr>
-            <a:cxnSpLocks noGrp="1" noRot="1" noChangeAspect="1" noMove="1" noResize="1" noEditPoints="1" noAdjustHandles="1" noChangeArrowheads="1" noChangeShapeType="1"/>
-          </p:cNvCxnSpPr>
-          <p:nvPr>
-            <p:extLst>
-              <p:ext uri="{386F3935-93C4-4BCD-93E2-E3B085C9AB24}">
-                <p16:designElem xmlns:p16="http://schemas.microsoft.com/office/powerpoint/2015/main" val="1"/>
-              </p:ext>
-            </p:extLst>
-          </p:nvPr>
-        </p:nvCxnSpPr>
-        <p:spPr>
-          <a:xfrm>
-            <a:off x="0" y="1243562"/>
-            <a:ext cx="12192000" cy="0"/>
-          </a:xfrm>
-          <a:prstGeom prst="line">
-            <a:avLst/>
-          </a:prstGeom>
-          <a:ln w="41275">
-            <a:solidFill>
-              <a:schemeClr val="bg1">
-                <a:alpha val="90000"/>
-              </a:schemeClr>
-            </a:solidFill>
-          </a:ln>
-        </p:spPr>
-        <p:style>
-          <a:lnRef idx="1">
-            <a:schemeClr val="accent1"/>
-          </a:lnRef>
-          <a:fillRef idx="0">
-            <a:schemeClr val="accent1"/>
-          </a:fillRef>
-          <a:effectRef idx="0">
-            <a:schemeClr val="accent1"/>
-          </a:effectRef>
-          <a:fontRef idx="minor">
-            <a:schemeClr val="tx1"/>
-          </a:fontRef>
-        </p:style>
-      </p:cxnSp>
-    </p:spTree>
-    <p:extLst>
-      <p:ext uri="{BB962C8B-B14F-4D97-AF65-F5344CB8AC3E}">
-        <p14:creationId xmlns:p14="http://schemas.microsoft.com/office/powerpoint/2010/main" val="3345182395"/>
-      </p:ext>
-    </p:extLst>
-  </p:cSld>
-  <p:clrMapOvr>
-    <a:masterClrMapping/>
-  </p:clrMapOvr>
-</p:sld>
-</file>
-
-<file path=ppt/slides/slide5.xml><?xml version="1.0" encoding="utf-8"?>
-<p:sld xmlns:a="http://schemas.openxmlformats.org/drawingml/2006/main" xmlns:r="http://schemas.openxmlformats.org/officeDocument/2006/relationships" xmlns:p="http://schemas.openxmlformats.org/presentationml/2006/main">
-  <p:cSld>
-    <p:bg>
-      <p:bgPr>
-        <a:gradFill rotWithShape="1">
-          <a:gsLst>
-            <a:gs pos="0">
-              <a:schemeClr val="bg2">
-                <a:tint val="93000"/>
-                <a:satMod val="150000"/>
-                <a:shade val="98000"/>
-                <a:lumMod val="102000"/>
-              </a:schemeClr>
-            </a:gs>
-            <a:gs pos="50000">
-              <a:schemeClr val="bg2">
-                <a:tint val="98000"/>
-                <a:satMod val="130000"/>
-                <a:shade val="90000"/>
-                <a:lumMod val="103000"/>
-              </a:schemeClr>
-            </a:gs>
-            <a:gs pos="100000">
-              <a:schemeClr val="bg2">
-                <a:shade val="63000"/>
-                <a:satMod val="120000"/>
-              </a:schemeClr>
-            </a:gs>
-          </a:gsLst>
-          <a:lin ang="5400000" scaled="0"/>
-        </a:gradFill>
-        <a:effectLst/>
-      </p:bgPr>
-    </p:bg>
-    <p:spTree>
-      <p:nvGrpSpPr>
-        <p:cNvPr id="1" name=""/>
-        <p:cNvGrpSpPr/>
-        <p:nvPr/>
-      </p:nvGrpSpPr>
-      <p:grpSpPr>
-        <a:xfrm>
-          <a:off x="0" y="0"/>
-          <a:ext cx="0" cy="0"/>
-          <a:chOff x="0" y="0"/>
-          <a:chExt cx="0" cy="0"/>
-        </a:xfrm>
-      </p:grpSpPr>
-      <p:sp>
-        <p:nvSpPr>
-          <p:cNvPr id="21" name="Rectangle: Rounded Corners 16">
-            <a:extLst>
-              <a:ext uri="{FF2B5EF4-FFF2-40B4-BE49-F238E27FC236}">
-                <a16:creationId xmlns:a16="http://schemas.microsoft.com/office/drawing/2014/main" id="{6AA24DE7-C336-4994-8C52-D9B3F3D0FA4D}"/>
+                <a16:creationId xmlns:a16="http://schemas.microsoft.com/office/drawing/2014/main" id="{D07DD2DE-F619-49DD-B5E7-03A290FF4ED1}"/>
               </a:ext>
               <a:ext uri="{C183D7F6-B498-43B3-948B-1728B52AA6E4}">
                 <adec:decorative xmlns:adec="http://schemas.microsoft.com/office/drawing/2017/decorative" val="1"/>
@@ -6100,18 +10079,29 @@
           </p:nvPr>
         </p:nvSpPr>
         <p:spPr>
-          <a:xfrm>
-            <a:off x="953311" y="953311"/>
-            <a:ext cx="10603149" cy="5263867"/>
+          <a:xfrm rot="16200000">
+            <a:off x="-158495" y="2660473"/>
+            <a:ext cx="4355594" cy="4038603"/>
           </a:xfrm>
-          <a:prstGeom prst="roundRect">
-            <a:avLst>
-              <a:gd name="adj" fmla="val 1566"/>
-            </a:avLst>
+          <a:prstGeom prst="rect">
+            <a:avLst/>
           </a:prstGeom>
-          <a:solidFill>
-            <a:srgbClr val="FFFFFF"/>
-          </a:solidFill>
+          <a:gradFill>
+            <a:gsLst>
+              <a:gs pos="0">
+                <a:schemeClr val="accent1">
+                  <a:alpha val="50000"/>
+                </a:schemeClr>
+              </a:gs>
+              <a:gs pos="100000">
+                <a:schemeClr val="accent1">
+                  <a:lumMod val="50000"/>
+                  <a:alpha val="0"/>
+                </a:schemeClr>
+              </a:gs>
+            </a:gsLst>
+            <a:lin ang="11400000" scaled="0"/>
+          </a:gradFill>
           <a:ln>
             <a:noFill/>
           </a:ln>
@@ -6143,157 +10133,10 @@
       </p:sp>
       <p:sp>
         <p:nvSpPr>
-          <p:cNvPr id="2" name="Titel 1">
+          <p:cNvPr id="1051" name="Rectangle 1050">
             <a:extLst>
               <a:ext uri="{FF2B5EF4-FFF2-40B4-BE49-F238E27FC236}">
-                <a16:creationId xmlns:a16="http://schemas.microsoft.com/office/drawing/2014/main" id="{5AA4DD93-1EFE-9751-5205-FDB5B7815117}"/>
-              </a:ext>
-            </a:extLst>
-          </p:cNvPr>
-          <p:cNvSpPr>
-            <a:spLocks noGrp="1"/>
-          </p:cNvSpPr>
-          <p:nvPr>
-            <p:ph type="title"/>
-          </p:nvPr>
-        </p:nvSpPr>
-        <p:spPr>
-          <a:xfrm>
-            <a:off x="640080" y="640080"/>
-            <a:ext cx="2752354" cy="2709275"/>
-          </a:xfrm>
-          <a:prstGeom prst="rect">
-            <a:avLst/>
-          </a:prstGeom>
-          <a:solidFill>
-            <a:srgbClr val="324660"/>
-          </a:solidFill>
-          <a:ln>
-            <a:solidFill>
-              <a:srgbClr val="324660"/>
-            </a:solidFill>
-          </a:ln>
-        </p:spPr>
-        <p:txBody>
-          <a:bodyPr vert="horz" lIns="91440" tIns="45720" rIns="91440" bIns="45720" rtlCol="0" anchor="ctr">
-            <a:normAutofit/>
-          </a:bodyPr>
-          <a:lstStyle/>
-          <a:p>
-            <a:pPr algn="ctr"/>
-            <a:r>
-              <a:rPr lang="en-US" sz="2800" kern="1200">
-                <a:solidFill>
-                  <a:srgbClr val="FFFFFF"/>
-                </a:solidFill>
-                <a:latin typeface="+mj-lt"/>
-                <a:ea typeface="+mj-ea"/>
-                <a:cs typeface="+mj-cs"/>
-              </a:rPr>
-              <a:t>Spieler</a:t>
-            </a:r>
-          </a:p>
-        </p:txBody>
-      </p:sp>
-      <p:pic>
-        <p:nvPicPr>
-          <p:cNvPr id="5" name="Inhaltsplatzhalter 4" descr="Ein Bild, das Screenshot, Text, 3D-Modellierung, Grafiksoftware enthält.&#10;&#10;Automatisch generierte Beschreibung">
-            <a:extLst>
-              <a:ext uri="{FF2B5EF4-FFF2-40B4-BE49-F238E27FC236}">
-                <a16:creationId xmlns:a16="http://schemas.microsoft.com/office/drawing/2014/main" id="{9756885B-1E9A-7B3E-A373-374DCDDF17D9}"/>
-              </a:ext>
-            </a:extLst>
-          </p:cNvPr>
-          <p:cNvPicPr>
-            <a:picLocks noGrp="1" noChangeAspect="1"/>
-          </p:cNvPicPr>
-          <p:nvPr>
-            <p:ph idx="1"/>
-          </p:nvPr>
-        </p:nvPicPr>
-        <p:blipFill rotWithShape="1">
-          <a:blip r:embed="rId2"/>
-          <a:srcRect r="6022"/>
-          <a:stretch/>
-        </p:blipFill>
-        <p:spPr>
-          <a:xfrm>
-            <a:off x="3705665" y="1033085"/>
-            <a:ext cx="7533024" cy="5049911"/>
-          </a:xfrm>
-          <a:prstGeom prst="rect">
-            <a:avLst/>
-          </a:prstGeom>
-        </p:spPr>
-      </p:pic>
-    </p:spTree>
-    <p:extLst>
-      <p:ext uri="{BB962C8B-B14F-4D97-AF65-F5344CB8AC3E}">
-        <p14:creationId xmlns:p14="http://schemas.microsoft.com/office/powerpoint/2010/main" val="3721064580"/>
-      </p:ext>
-    </p:extLst>
-  </p:cSld>
-  <p:clrMapOvr>
-    <a:masterClrMapping/>
-  </p:clrMapOvr>
-</p:sld>
-</file>
-
-<file path=ppt/slides/slide6.xml><?xml version="1.0" encoding="utf-8"?>
-<p:sld xmlns:a="http://schemas.openxmlformats.org/drawingml/2006/main" xmlns:r="http://schemas.openxmlformats.org/officeDocument/2006/relationships" xmlns:p="http://schemas.openxmlformats.org/presentationml/2006/main">
-  <p:cSld>
-    <p:bg>
-      <p:bgPr>
-        <a:gradFill rotWithShape="1">
-          <a:gsLst>
-            <a:gs pos="0">
-              <a:schemeClr val="bg2">
-                <a:tint val="93000"/>
-                <a:satMod val="150000"/>
-                <a:shade val="98000"/>
-                <a:lumMod val="102000"/>
-              </a:schemeClr>
-            </a:gs>
-            <a:gs pos="50000">
-              <a:schemeClr val="bg2">
-                <a:tint val="98000"/>
-                <a:satMod val="130000"/>
-                <a:shade val="90000"/>
-                <a:lumMod val="103000"/>
-              </a:schemeClr>
-            </a:gs>
-            <a:gs pos="100000">
-              <a:schemeClr val="bg2">
-                <a:shade val="63000"/>
-                <a:satMod val="120000"/>
-              </a:schemeClr>
-            </a:gs>
-          </a:gsLst>
-          <a:lin ang="5400000" scaled="0"/>
-        </a:gradFill>
-        <a:effectLst/>
-      </p:bgPr>
-    </p:bg>
-    <p:spTree>
-      <p:nvGrpSpPr>
-        <p:cNvPr id="1" name=""/>
-        <p:cNvGrpSpPr/>
-        <p:nvPr/>
-      </p:nvGrpSpPr>
-      <p:grpSpPr>
-        <a:xfrm>
-          <a:off x="0" y="0"/>
-          <a:ext cx="0" cy="0"/>
-          <a:chOff x="0" y="0"/>
-          <a:chExt cx="0" cy="0"/>
-        </a:xfrm>
-      </p:grpSpPr>
-      <p:sp>
-        <p:nvSpPr>
-          <p:cNvPr id="21" name="Rectangle: Rounded Corners 16">
-            <a:extLst>
-              <a:ext uri="{FF2B5EF4-FFF2-40B4-BE49-F238E27FC236}">
-                <a16:creationId xmlns:a16="http://schemas.microsoft.com/office/drawing/2014/main" id="{6AA24DE7-C336-4994-8C52-D9B3F3D0FA4D}"/>
+                <a16:creationId xmlns:a16="http://schemas.microsoft.com/office/drawing/2014/main" id="{85149191-5F60-4A28-AAFF-039F96B0F3EC}"/>
               </a:ext>
               <a:ext uri="{C183D7F6-B498-43B3-948B-1728B52AA6E4}">
                 <adec:decorative xmlns:adec="http://schemas.microsoft.com/office/drawing/2017/decorative" val="1"/>
@@ -6312,18 +10155,28 @@
           </p:nvPr>
         </p:nvSpPr>
         <p:spPr>
-          <a:xfrm>
-            <a:off x="953311" y="953311"/>
-            <a:ext cx="10603149" cy="5263867"/>
+          <a:xfrm rot="16200000" flipH="1">
+            <a:off x="-1180882" y="1638085"/>
+            <a:ext cx="6857572" cy="3581401"/>
           </a:xfrm>
-          <a:prstGeom prst="roundRect">
-            <a:avLst>
-              <a:gd name="adj" fmla="val 1566"/>
-            </a:avLst>
+          <a:prstGeom prst="rect">
+            <a:avLst/>
           </a:prstGeom>
-          <a:solidFill>
-            <a:srgbClr val="FFFFFF"/>
-          </a:solidFill>
+          <a:gradFill>
+            <a:gsLst>
+              <a:gs pos="0">
+                <a:srgbClr val="000000">
+                  <a:alpha val="59000"/>
+                </a:srgbClr>
+              </a:gs>
+              <a:gs pos="69000">
+                <a:schemeClr val="accent1">
+                  <a:alpha val="0"/>
+                </a:schemeClr>
+              </a:gs>
+            </a:gsLst>
+            <a:lin ang="13200000" scaled="0"/>
+          </a:gradFill>
           <a:ln>
             <a:noFill/>
           </a:ln>
@@ -6349,7 +10202,180 @@
           <a:lstStyle/>
           <a:p>
             <a:pPr algn="ctr"/>
-            <a:endParaRPr lang="en-US"/>
+            <a:endParaRPr lang="en-US" dirty="0"/>
+          </a:p>
+        </p:txBody>
+      </p:sp>
+      <p:sp>
+        <p:nvSpPr>
+          <p:cNvPr id="1053" name="Freeform: Shape 1052">
+            <a:extLst>
+              <a:ext uri="{FF2B5EF4-FFF2-40B4-BE49-F238E27FC236}">
+                <a16:creationId xmlns:a16="http://schemas.microsoft.com/office/drawing/2014/main" id="{F8260ED5-17F7-4158-B241-D51DD4CF1B7E}"/>
+              </a:ext>
+              <a:ext uri="{C183D7F6-B498-43B3-948B-1728B52AA6E4}">
+                <adec:decorative xmlns:adec="http://schemas.microsoft.com/office/drawing/2017/decorative" val="1"/>
+              </a:ext>
+            </a:extLst>
+          </p:cNvPr>
+          <p:cNvSpPr>
+            <a:spLocks noGrp="1" noRot="1" noChangeAspect="1" noMove="1" noResize="1" noEditPoints="1" noAdjustHandles="1" noChangeArrowheads="1" noChangeShapeType="1" noTextEdit="1"/>
+          </p:cNvSpPr>
+          <p:nvPr>
+            <p:extLst>
+              <p:ext uri="{386F3935-93C4-4BCD-93E2-E3B085C9AB24}">
+                <p16:designElem xmlns:p16="http://schemas.microsoft.com/office/powerpoint/2015/main" val="1"/>
+              </p:ext>
+            </p:extLst>
+          </p:nvPr>
+        </p:nvSpPr>
+        <p:spPr>
+          <a:xfrm rot="6097846">
+            <a:off x="-747355" y="1201312"/>
+            <a:ext cx="4808302" cy="4088666"/>
+          </a:xfrm>
+          <a:custGeom>
+            <a:avLst/>
+            <a:gdLst>
+              <a:gd name="connsiteX0" fmla="*/ 48844 w 4808302"/>
+              <a:gd name="connsiteY0" fmla="*/ 2888671 h 4088666"/>
+              <a:gd name="connsiteX1" fmla="*/ 0 w 4808302"/>
+              <a:gd name="connsiteY1" fmla="*/ 2404151 h 4088666"/>
+              <a:gd name="connsiteX2" fmla="*/ 2404151 w 4808302"/>
+              <a:gd name="connsiteY2" fmla="*/ 0 h 4088666"/>
+              <a:gd name="connsiteX3" fmla="*/ 4808302 w 4808302"/>
+              <a:gd name="connsiteY3" fmla="*/ 2404151 h 4088666"/>
+              <a:gd name="connsiteX4" fmla="*/ 4700216 w 4808302"/>
+              <a:gd name="connsiteY4" fmla="*/ 3119072 h 4088666"/>
+              <a:gd name="connsiteX5" fmla="*/ 4643143 w 4808302"/>
+              <a:gd name="connsiteY5" fmla="*/ 3275009 h 4088666"/>
+              <a:gd name="connsiteX6" fmla="*/ 690093 w 4808302"/>
+              <a:gd name="connsiteY6" fmla="*/ 4088666 h 4088666"/>
+              <a:gd name="connsiteX7" fmla="*/ 548991 w 4808302"/>
+              <a:gd name="connsiteY7" fmla="*/ 3933414 h 4088666"/>
+              <a:gd name="connsiteX8" fmla="*/ 48844 w 4808302"/>
+              <a:gd name="connsiteY8" fmla="*/ 2888671 h 4088666"/>
+            </a:gdLst>
+            <a:ahLst/>
+            <a:cxnLst>
+              <a:cxn ang="0">
+                <a:pos x="connsiteX0" y="connsiteY0"/>
+              </a:cxn>
+              <a:cxn ang="0">
+                <a:pos x="connsiteX1" y="connsiteY1"/>
+              </a:cxn>
+              <a:cxn ang="0">
+                <a:pos x="connsiteX2" y="connsiteY2"/>
+              </a:cxn>
+              <a:cxn ang="0">
+                <a:pos x="connsiteX3" y="connsiteY3"/>
+              </a:cxn>
+              <a:cxn ang="0">
+                <a:pos x="connsiteX4" y="connsiteY4"/>
+              </a:cxn>
+              <a:cxn ang="0">
+                <a:pos x="connsiteX5" y="connsiteY5"/>
+              </a:cxn>
+              <a:cxn ang="0">
+                <a:pos x="connsiteX6" y="connsiteY6"/>
+              </a:cxn>
+              <a:cxn ang="0">
+                <a:pos x="connsiteX7" y="connsiteY7"/>
+              </a:cxn>
+              <a:cxn ang="0">
+                <a:pos x="connsiteX8" y="connsiteY8"/>
+              </a:cxn>
+            </a:cxnLst>
+            <a:rect l="l" t="t" r="r" b="b"/>
+            <a:pathLst>
+              <a:path w="4808302" h="4088666">
+                <a:moveTo>
+                  <a:pt x="48844" y="2888671"/>
+                </a:moveTo>
+                <a:cubicBezTo>
+                  <a:pt x="16818" y="2732167"/>
+                  <a:pt x="0" y="2570123"/>
+                  <a:pt x="0" y="2404151"/>
+                </a:cubicBezTo>
+                <a:cubicBezTo>
+                  <a:pt x="0" y="1076375"/>
+                  <a:pt x="1076375" y="0"/>
+                  <a:pt x="2404151" y="0"/>
+                </a:cubicBezTo>
+                <a:cubicBezTo>
+                  <a:pt x="3731927" y="0"/>
+                  <a:pt x="4808302" y="1076375"/>
+                  <a:pt x="4808302" y="2404151"/>
+                </a:cubicBezTo>
+                <a:cubicBezTo>
+                  <a:pt x="4808302" y="2653109"/>
+                  <a:pt x="4770461" y="2893229"/>
+                  <a:pt x="4700216" y="3119072"/>
+                </a:cubicBezTo>
+                <a:lnTo>
+                  <a:pt x="4643143" y="3275009"/>
+                </a:lnTo>
+                <a:lnTo>
+                  <a:pt x="690093" y="4088666"/>
+                </a:lnTo>
+                <a:lnTo>
+                  <a:pt x="548991" y="3933414"/>
+                </a:lnTo>
+                <a:cubicBezTo>
+                  <a:pt x="304015" y="3636572"/>
+                  <a:pt x="128908" y="3279932"/>
+                  <a:pt x="48844" y="2888671"/>
+                </a:cubicBezTo>
+                <a:close/>
+              </a:path>
+            </a:pathLst>
+          </a:custGeom>
+          <a:gradFill>
+            <a:gsLst>
+              <a:gs pos="39000">
+                <a:schemeClr val="accent1">
+                  <a:lumMod val="60000"/>
+                  <a:lumOff val="40000"/>
+                  <a:alpha val="0"/>
+                </a:schemeClr>
+              </a:gs>
+              <a:gs pos="100000">
+                <a:schemeClr val="accent1">
+                  <a:lumMod val="75000"/>
+                  <a:alpha val="26000"/>
+                </a:schemeClr>
+              </a:gs>
+            </a:gsLst>
+            <a:lin ang="18600000" scaled="0"/>
+          </a:gradFill>
+          <a:ln>
+            <a:noFill/>
+          </a:ln>
+        </p:spPr>
+        <p:style>
+          <a:lnRef idx="2">
+            <a:schemeClr val="accent1">
+              <a:shade val="50000"/>
+            </a:schemeClr>
+          </a:lnRef>
+          <a:fillRef idx="1">
+            <a:schemeClr val="accent1"/>
+          </a:fillRef>
+          <a:effectRef idx="0">
+            <a:schemeClr val="accent1"/>
+          </a:effectRef>
+          <a:fontRef idx="minor">
+            <a:schemeClr val="lt1"/>
+          </a:fontRef>
+        </p:style>
+        <p:txBody>
+          <a:bodyPr wrap="square" rtlCol="0" anchor="ctr">
+            <a:noAutofit/>
+          </a:bodyPr>
+          <a:lstStyle/>
+          <a:p>
+            <a:pPr algn="ctr"/>
+            <a:endParaRPr lang="en-US" dirty="0"/>
           </a:p>
         </p:txBody>
       </p:sp>
@@ -6358,7 +10384,7 @@
           <p:cNvPr id="2" name="Titel 1">
             <a:extLst>
               <a:ext uri="{FF2B5EF4-FFF2-40B4-BE49-F238E27FC236}">
-                <a16:creationId xmlns:a16="http://schemas.microsoft.com/office/drawing/2014/main" id="{5AA4DD93-1EFE-9751-5205-FDB5B7815117}"/>
+                <a16:creationId xmlns:a16="http://schemas.microsoft.com/office/drawing/2014/main" id="{ABAB358E-57B8-595A-44EC-F8FA5599F18F}"/>
               </a:ext>
             </a:extLst>
           </p:cNvPr>
@@ -6371,30 +10397,18 @@
         </p:nvSpPr>
         <p:spPr>
           <a:xfrm>
-            <a:off x="640080" y="640080"/>
-            <a:ext cx="2752354" cy="2709275"/>
+            <a:off x="660041" y="2767106"/>
+            <a:ext cx="2880828" cy="3071906"/>
           </a:xfrm>
-          <a:prstGeom prst="rect">
-            <a:avLst/>
-          </a:prstGeom>
-          <a:solidFill>
-            <a:srgbClr val="324660"/>
-          </a:solidFill>
-          <a:ln>
-            <a:solidFill>
-              <a:srgbClr val="324660"/>
-            </a:solidFill>
-          </a:ln>
         </p:spPr>
         <p:txBody>
-          <a:bodyPr vert="horz" lIns="91440" tIns="45720" rIns="91440" bIns="45720" rtlCol="0" anchor="ctr">
+          <a:bodyPr vert="horz" lIns="91440" tIns="45720" rIns="91440" bIns="45720" rtlCol="0" anchor="t">
             <a:normAutofit/>
           </a:bodyPr>
           <a:lstStyle/>
           <a:p>
-            <a:pPr algn="ctr"/>
             <a:r>
-              <a:rPr lang="en-US" sz="2800" kern="1200" dirty="0">
+              <a:rPr lang="en-US" sz="4000" kern="1200">
                 <a:solidFill>
                   <a:srgbClr val="FFFFFF"/>
                 </a:solidFill>
@@ -6402,46 +10416,687 @@
                 <a:ea typeface="+mj-ea"/>
                 <a:cs typeface="+mj-cs"/>
               </a:rPr>
-              <a:t>Spieler Control</a:t>
+              <a:t>Menü</a:t>
             </a:r>
           </a:p>
         </p:txBody>
       </p:sp>
       <p:pic>
         <p:nvPicPr>
-          <p:cNvPr id="7" name="Inhaltsplatzhalter 6">
+          <p:cNvPr id="1026" name="Picture 2">
             <a:extLst>
               <a:ext uri="{FF2B5EF4-FFF2-40B4-BE49-F238E27FC236}">
-                <a16:creationId xmlns:a16="http://schemas.microsoft.com/office/drawing/2014/main" id="{5589ADEE-4071-FAF5-3028-0EEB074855C3}"/>
+                <a16:creationId xmlns:a16="http://schemas.microsoft.com/office/drawing/2014/main" id="{12CBA225-630A-A6AD-84D8-6247988D0264}"/>
               </a:ext>
             </a:extLst>
           </p:cNvPr>
           <p:cNvPicPr>
-            <a:picLocks noChangeAspect="1"/>
+            <a:picLocks noGrp="1" noChangeAspect="1" noChangeArrowheads="1"/>
           </p:cNvPicPr>
-          <p:nvPr/>
+          <p:nvPr>
+            <p:ph idx="1"/>
+          </p:nvPr>
         </p:nvPicPr>
         <p:blipFill rotWithShape="1">
-          <a:blip r:embed="rId2"/>
-          <a:srcRect r="11616"/>
+          <a:blip r:embed="rId2">
+            <a:extLst>
+              <a:ext uri="{28A0092B-C50C-407E-A947-70E740481C1C}">
+                <a14:useLocalDpi xmlns:a14="http://schemas.microsoft.com/office/drawing/2010/main" val="0"/>
+              </a:ext>
+            </a:extLst>
+          </a:blip>
+          <a:srcRect b="881"/>
           <a:stretch/>
         </p:blipFill>
-        <p:spPr>
+        <p:spPr bwMode="auto">
           <a:xfrm>
-            <a:off x="3806148" y="1161569"/>
-            <a:ext cx="7076216" cy="4743120"/>
+            <a:off x="2247904" y="690752"/>
+            <a:ext cx="9735223" cy="5476065"/>
           </a:xfrm>
           <a:prstGeom prst="rect">
             <a:avLst/>
           </a:prstGeom>
+          <a:noFill/>
+          <a:extLst>
+            <a:ext uri="{909E8E84-426E-40DD-AFC4-6F175D3DCCD1}">
+              <a14:hiddenFill xmlns:a14="http://schemas.microsoft.com/office/drawing/2010/main">
+                <a:solidFill>
+                  <a:srgbClr val="FFFFFF"/>
+                </a:solidFill>
+              </a14:hiddenFill>
+            </a:ext>
+          </a:extLst>
         </p:spPr>
       </p:pic>
+    </p:spTree>
+    <p:extLst>
+      <p:ext uri="{BB962C8B-B14F-4D97-AF65-F5344CB8AC3E}">
+        <p14:creationId xmlns:p14="http://schemas.microsoft.com/office/powerpoint/2010/main" val="3345182395"/>
+      </p:ext>
+    </p:extLst>
+  </p:cSld>
+  <p:clrMapOvr>
+    <a:masterClrMapping/>
+  </p:clrMapOvr>
+</p:sld>
+</file>
+
+<file path=ppt/slides/slide8.xml><?xml version="1.0" encoding="utf-8"?>
+<p:sld xmlns:a="http://schemas.openxmlformats.org/drawingml/2006/main" xmlns:r="http://schemas.openxmlformats.org/officeDocument/2006/relationships" xmlns:p="http://schemas.openxmlformats.org/presentationml/2006/main">
+  <p:cSld>
+    <p:bg>
+      <p:bgPr>
+        <a:solidFill>
+          <a:schemeClr val="bg1"/>
+        </a:solidFill>
+        <a:effectLst/>
+      </p:bgPr>
+    </p:bg>
+    <p:spTree>
+      <p:nvGrpSpPr>
+        <p:cNvPr id="1" name=""/>
+        <p:cNvGrpSpPr/>
+        <p:nvPr/>
+      </p:nvGrpSpPr>
+      <p:grpSpPr>
+        <a:xfrm>
+          <a:off x="0" y="0"/>
+          <a:ext cx="0" cy="0"/>
+          <a:chOff x="0" y="0"/>
+          <a:chExt cx="0" cy="0"/>
+        </a:xfrm>
+      </p:grpSpPr>
+      <p:sp useBgFill="1">
+        <p:nvSpPr>
+          <p:cNvPr id="21" name="Rectangle 20">
+            <a:extLst>
+              <a:ext uri="{FF2B5EF4-FFF2-40B4-BE49-F238E27FC236}">
+                <a16:creationId xmlns:a16="http://schemas.microsoft.com/office/drawing/2014/main" id="{C4285719-470E-454C-AF62-8323075F1F5B}"/>
+              </a:ext>
+              <a:ext uri="{C183D7F6-B498-43B3-948B-1728B52AA6E4}">
+                <adec:decorative xmlns:adec="http://schemas.microsoft.com/office/drawing/2017/decorative" val="1"/>
+              </a:ext>
+            </a:extLst>
+          </p:cNvPr>
+          <p:cNvSpPr>
+            <a:spLocks noGrp="1" noRot="1" noChangeAspect="1" noMove="1" noResize="1" noEditPoints="1" noAdjustHandles="1" noChangeArrowheads="1" noChangeShapeType="1" noTextEdit="1"/>
+          </p:cNvSpPr>
+          <p:nvPr>
+            <p:extLst>
+              <p:ext uri="{386F3935-93C4-4BCD-93E2-E3B085C9AB24}">
+                <p16:designElem xmlns:p16="http://schemas.microsoft.com/office/powerpoint/2015/main" val="1"/>
+              </p:ext>
+            </p:extLst>
+          </p:nvPr>
+        </p:nvSpPr>
+        <p:spPr>
+          <a:xfrm>
+            <a:off x="0" y="0"/>
+            <a:ext cx="12188952" cy="6858000"/>
+          </a:xfrm>
+          <a:prstGeom prst="rect">
+            <a:avLst/>
+          </a:prstGeom>
+          <a:ln w="12700" cap="flat" cmpd="sng" algn="ctr">
+            <a:noFill/>
+            <a:prstDash val="solid"/>
+            <a:miter lim="800000"/>
+          </a:ln>
+          <a:effectLst/>
+          <a:extLst>
+            <a:ext uri="{91240B29-F687-4F45-9708-019B960494DF}">
+              <a14:hiddenLine xmlns:a14="http://schemas.microsoft.com/office/drawing/2010/main" w="12700" cap="flat" cmpd="sng" algn="ctr">
+                <a:solidFill>
+                  <a:schemeClr val="accent1">
+                    <a:shade val="50000"/>
+                  </a:schemeClr>
+                </a:solidFill>
+                <a:prstDash val="solid"/>
+                <a:miter lim="800000"/>
+              </a14:hiddenLine>
+            </a:ext>
+          </a:extLst>
+        </p:spPr>
+        <p:style>
+          <a:lnRef idx="2">
+            <a:schemeClr val="accent1">
+              <a:shade val="50000"/>
+            </a:schemeClr>
+          </a:lnRef>
+          <a:fillRef idx="1">
+            <a:schemeClr val="accent1"/>
+          </a:fillRef>
+          <a:effectRef idx="0">
+            <a:schemeClr val="accent1"/>
+          </a:effectRef>
+          <a:fontRef idx="minor">
+            <a:schemeClr val="lt1"/>
+          </a:fontRef>
+        </p:style>
+        <p:txBody>
+          <a:bodyPr rtlCol="0" anchor="ctr"/>
+          <a:lstStyle/>
+          <a:p>
+            <a:pPr algn="ctr"/>
+            <a:endParaRPr lang="en-US"/>
+          </a:p>
+        </p:txBody>
+      </p:sp>
       <p:sp>
         <p:nvSpPr>
-          <p:cNvPr id="4" name="Inhaltsplatzhalter 3">
+          <p:cNvPr id="23" name="Rectangle 22">
             <a:extLst>
               <a:ext uri="{FF2B5EF4-FFF2-40B4-BE49-F238E27FC236}">
-                <a16:creationId xmlns:a16="http://schemas.microsoft.com/office/drawing/2014/main" id="{2D5D56BF-8437-BA46-690F-74B725E16674}"/>
+                <a16:creationId xmlns:a16="http://schemas.microsoft.com/office/drawing/2014/main" id="{CD9FE4EF-C4D8-49A0-B2FF-81D8DB7D8A24}"/>
+              </a:ext>
+              <a:ext uri="{C183D7F6-B498-43B3-948B-1728B52AA6E4}">
+                <adec:decorative xmlns:adec="http://schemas.microsoft.com/office/drawing/2017/decorative" val="1"/>
+              </a:ext>
+            </a:extLst>
+          </p:cNvPr>
+          <p:cNvSpPr>
+            <a:spLocks noGrp="1" noRot="1" noChangeAspect="1" noMove="1" noResize="1" noEditPoints="1" noAdjustHandles="1" noChangeArrowheads="1" noChangeShapeType="1" noTextEdit="1"/>
+          </p:cNvSpPr>
+          <p:nvPr>
+            <p:extLst>
+              <p:ext uri="{386F3935-93C4-4BCD-93E2-E3B085C9AB24}">
+                <p16:designElem xmlns:p16="http://schemas.microsoft.com/office/powerpoint/2015/main" val="1"/>
+              </p:ext>
+            </p:extLst>
+          </p:nvPr>
+        </p:nvSpPr>
+        <p:spPr>
+          <a:xfrm rot="5400000" flipH="1">
+            <a:off x="-1410084" y="1410082"/>
+            <a:ext cx="6858000" cy="4037836"/>
+          </a:xfrm>
+          <a:prstGeom prst="rect">
+            <a:avLst/>
+          </a:prstGeom>
+          <a:gradFill>
+            <a:gsLst>
+              <a:gs pos="8000">
+                <a:srgbClr val="000000"/>
+              </a:gs>
+              <a:gs pos="100000">
+                <a:schemeClr val="accent1">
+                  <a:lumMod val="75000"/>
+                </a:schemeClr>
+              </a:gs>
+            </a:gsLst>
+            <a:lin ang="3000000" scaled="0"/>
+          </a:gradFill>
+          <a:ln>
+            <a:noFill/>
+          </a:ln>
+        </p:spPr>
+        <p:style>
+          <a:lnRef idx="2">
+            <a:schemeClr val="accent1">
+              <a:shade val="50000"/>
+            </a:schemeClr>
+          </a:lnRef>
+          <a:fillRef idx="1">
+            <a:schemeClr val="accent1"/>
+          </a:fillRef>
+          <a:effectRef idx="0">
+            <a:schemeClr val="accent1"/>
+          </a:effectRef>
+          <a:fontRef idx="minor">
+            <a:schemeClr val="lt1"/>
+          </a:fontRef>
+        </p:style>
+        <p:txBody>
+          <a:bodyPr rtlCol="0" anchor="ctr"/>
+          <a:lstStyle/>
+          <a:p>
+            <a:pPr algn="ctr"/>
+            <a:endParaRPr lang="en-US"/>
+          </a:p>
+        </p:txBody>
+      </p:sp>
+      <p:sp>
+        <p:nvSpPr>
+          <p:cNvPr id="25" name="Rectangle 24">
+            <a:extLst>
+              <a:ext uri="{FF2B5EF4-FFF2-40B4-BE49-F238E27FC236}">
+                <a16:creationId xmlns:a16="http://schemas.microsoft.com/office/drawing/2014/main" id="{4300840D-0A0B-4512-BACA-B439D5B9C57C}"/>
+              </a:ext>
+              <a:ext uri="{C183D7F6-B498-43B3-948B-1728B52AA6E4}">
+                <adec:decorative xmlns:adec="http://schemas.microsoft.com/office/drawing/2017/decorative" val="1"/>
+              </a:ext>
+            </a:extLst>
+          </p:cNvPr>
+          <p:cNvSpPr>
+            <a:spLocks noGrp="1" noRot="1" noChangeAspect="1" noMove="1" noResize="1" noEditPoints="1" noAdjustHandles="1" noChangeArrowheads="1" noChangeShapeType="1" noTextEdit="1"/>
+          </p:cNvSpPr>
+          <p:nvPr>
+            <p:extLst>
+              <p:ext uri="{386F3935-93C4-4BCD-93E2-E3B085C9AB24}">
+                <p16:designElem xmlns:p16="http://schemas.microsoft.com/office/powerpoint/2015/main" val="1"/>
+              </p:ext>
+            </p:extLst>
+          </p:nvPr>
+        </p:nvSpPr>
+        <p:spPr>
+          <a:xfrm rot="5400000" flipH="1">
+            <a:off x="-1410085" y="1420219"/>
+            <a:ext cx="6857999" cy="4037839"/>
+          </a:xfrm>
+          <a:prstGeom prst="rect">
+            <a:avLst/>
+          </a:prstGeom>
+          <a:gradFill>
+            <a:gsLst>
+              <a:gs pos="0">
+                <a:srgbClr val="000000">
+                  <a:alpha val="0"/>
+                </a:srgbClr>
+              </a:gs>
+              <a:gs pos="99000">
+                <a:schemeClr val="accent1">
+                  <a:alpha val="46000"/>
+                </a:schemeClr>
+              </a:gs>
+            </a:gsLst>
+            <a:lin ang="1800000" scaled="0"/>
+          </a:gradFill>
+          <a:ln>
+            <a:noFill/>
+          </a:ln>
+        </p:spPr>
+        <p:style>
+          <a:lnRef idx="2">
+            <a:schemeClr val="accent1">
+              <a:shade val="50000"/>
+            </a:schemeClr>
+          </a:lnRef>
+          <a:fillRef idx="1">
+            <a:schemeClr val="accent1"/>
+          </a:fillRef>
+          <a:effectRef idx="0">
+            <a:schemeClr val="accent1"/>
+          </a:effectRef>
+          <a:fontRef idx="minor">
+            <a:schemeClr val="lt1"/>
+          </a:fontRef>
+        </p:style>
+        <p:txBody>
+          <a:bodyPr rtlCol="0" anchor="ctr"/>
+          <a:lstStyle/>
+          <a:p>
+            <a:pPr algn="ctr"/>
+            <a:endParaRPr lang="en-US"/>
+          </a:p>
+        </p:txBody>
+      </p:sp>
+      <p:sp>
+        <p:nvSpPr>
+          <p:cNvPr id="27" name="Rectangle 26">
+            <a:extLst>
+              <a:ext uri="{FF2B5EF4-FFF2-40B4-BE49-F238E27FC236}">
+                <a16:creationId xmlns:a16="http://schemas.microsoft.com/office/drawing/2014/main" id="{D2B78728-A580-49A7-84F9-6EF6F583ADE0}"/>
+              </a:ext>
+              <a:ext uri="{C183D7F6-B498-43B3-948B-1728B52AA6E4}">
+                <adec:decorative xmlns:adec="http://schemas.microsoft.com/office/drawing/2017/decorative" val="1"/>
+              </a:ext>
+            </a:extLst>
+          </p:cNvPr>
+          <p:cNvSpPr>
+            <a:spLocks noGrp="1" noRot="1" noChangeAspect="1" noMove="1" noResize="1" noEditPoints="1" noAdjustHandles="1" noChangeArrowheads="1" noChangeShapeType="1" noTextEdit="1"/>
+          </p:cNvSpPr>
+          <p:nvPr>
+            <p:extLst>
+              <p:ext uri="{386F3935-93C4-4BCD-93E2-E3B085C9AB24}">
+                <p16:designElem xmlns:p16="http://schemas.microsoft.com/office/powerpoint/2015/main" val="1"/>
+              </p:ext>
+            </p:extLst>
+          </p:nvPr>
+        </p:nvSpPr>
+        <p:spPr>
+          <a:xfrm rot="5400000" flipH="1">
+            <a:off x="767923" y="3588085"/>
+            <a:ext cx="2501979" cy="4037841"/>
+          </a:xfrm>
+          <a:prstGeom prst="rect">
+            <a:avLst/>
+          </a:prstGeom>
+          <a:gradFill>
+            <a:gsLst>
+              <a:gs pos="2000">
+                <a:schemeClr val="accent1">
+                  <a:alpha val="29000"/>
+                </a:schemeClr>
+              </a:gs>
+              <a:gs pos="100000">
+                <a:srgbClr val="000000">
+                  <a:alpha val="30000"/>
+                </a:srgbClr>
+              </a:gs>
+            </a:gsLst>
+            <a:lin ang="7800000" scaled="0"/>
+          </a:gradFill>
+          <a:ln>
+            <a:noFill/>
+          </a:ln>
+        </p:spPr>
+        <p:style>
+          <a:lnRef idx="2">
+            <a:schemeClr val="accent1">
+              <a:shade val="50000"/>
+            </a:schemeClr>
+          </a:lnRef>
+          <a:fillRef idx="1">
+            <a:schemeClr val="accent1"/>
+          </a:fillRef>
+          <a:effectRef idx="0">
+            <a:schemeClr val="accent1"/>
+          </a:effectRef>
+          <a:fontRef idx="minor">
+            <a:schemeClr val="lt1"/>
+          </a:fontRef>
+        </p:style>
+        <p:txBody>
+          <a:bodyPr rtlCol="0" anchor="ctr"/>
+          <a:lstStyle/>
+          <a:p>
+            <a:pPr algn="ctr"/>
+            <a:endParaRPr lang="en-US" dirty="0"/>
+          </a:p>
+        </p:txBody>
+      </p:sp>
+      <p:sp>
+        <p:nvSpPr>
+          <p:cNvPr id="29" name="Freeform: Shape 28">
+            <a:extLst>
+              <a:ext uri="{FF2B5EF4-FFF2-40B4-BE49-F238E27FC236}">
+                <a16:creationId xmlns:a16="http://schemas.microsoft.com/office/drawing/2014/main" id="{38FAA1A1-D861-433F-88FA-1E9D6FD31D11}"/>
+              </a:ext>
+              <a:ext uri="{C183D7F6-B498-43B3-948B-1728B52AA6E4}">
+                <adec:decorative xmlns:adec="http://schemas.microsoft.com/office/drawing/2017/decorative" val="1"/>
+              </a:ext>
+            </a:extLst>
+          </p:cNvPr>
+          <p:cNvSpPr>
+            <a:spLocks noGrp="1" noRot="1" noChangeAspect="1" noMove="1" noResize="1" noEditPoints="1" noAdjustHandles="1" noChangeArrowheads="1" noChangeShapeType="1" noTextEdit="1"/>
+          </p:cNvSpPr>
+          <p:nvPr>
+            <p:extLst>
+              <p:ext uri="{386F3935-93C4-4BCD-93E2-E3B085C9AB24}">
+                <p16:designElem xmlns:p16="http://schemas.microsoft.com/office/powerpoint/2015/main" val="1"/>
+              </p:ext>
+            </p:extLst>
+          </p:nvPr>
+        </p:nvSpPr>
+        <p:spPr>
+          <a:xfrm rot="20635413">
+            <a:off x="-501737" y="969718"/>
+            <a:ext cx="3900357" cy="4178958"/>
+          </a:xfrm>
+          <a:custGeom>
+            <a:avLst/>
+            <a:gdLst>
+              <a:gd name="connsiteX0" fmla="*/ 2432225 w 3900357"/>
+              <a:gd name="connsiteY0" fmla="*/ 93939 h 4178958"/>
+              <a:gd name="connsiteX1" fmla="*/ 3900357 w 3900357"/>
+              <a:gd name="connsiteY1" fmla="*/ 2089479 h 4178958"/>
+              <a:gd name="connsiteX2" fmla="*/ 1810878 w 3900357"/>
+              <a:gd name="connsiteY2" fmla="*/ 4178958 h 4178958"/>
+              <a:gd name="connsiteX3" fmla="*/ 78249 w 3900357"/>
+              <a:gd name="connsiteY3" fmla="*/ 3257727 h 4178958"/>
+              <a:gd name="connsiteX4" fmla="*/ 0 w 3900357"/>
+              <a:gd name="connsiteY4" fmla="*/ 3128923 h 4178958"/>
+              <a:gd name="connsiteX5" fmla="*/ 831324 w 3900357"/>
+              <a:gd name="connsiteY5" fmla="*/ 244281 h 4178958"/>
+              <a:gd name="connsiteX6" fmla="*/ 997559 w 3900357"/>
+              <a:gd name="connsiteY6" fmla="*/ 164202 h 4178958"/>
+              <a:gd name="connsiteX7" fmla="*/ 1810878 w 3900357"/>
+              <a:gd name="connsiteY7" fmla="*/ 0 h 4178958"/>
+              <a:gd name="connsiteX8" fmla="*/ 2432225 w 3900357"/>
+              <a:gd name="connsiteY8" fmla="*/ 93939 h 4178958"/>
+            </a:gdLst>
+            <a:ahLst/>
+            <a:cxnLst>
+              <a:cxn ang="0">
+                <a:pos x="connsiteX0" y="connsiteY0"/>
+              </a:cxn>
+              <a:cxn ang="0">
+                <a:pos x="connsiteX1" y="connsiteY1"/>
+              </a:cxn>
+              <a:cxn ang="0">
+                <a:pos x="connsiteX2" y="connsiteY2"/>
+              </a:cxn>
+              <a:cxn ang="0">
+                <a:pos x="connsiteX3" y="connsiteY3"/>
+              </a:cxn>
+              <a:cxn ang="0">
+                <a:pos x="connsiteX4" y="connsiteY4"/>
+              </a:cxn>
+              <a:cxn ang="0">
+                <a:pos x="connsiteX5" y="connsiteY5"/>
+              </a:cxn>
+              <a:cxn ang="0">
+                <a:pos x="connsiteX6" y="connsiteY6"/>
+              </a:cxn>
+              <a:cxn ang="0">
+                <a:pos x="connsiteX7" y="connsiteY7"/>
+              </a:cxn>
+              <a:cxn ang="0">
+                <a:pos x="connsiteX8" y="connsiteY8"/>
+              </a:cxn>
+            </a:cxnLst>
+            <a:rect l="l" t="t" r="r" b="b"/>
+            <a:pathLst>
+              <a:path w="3900357" h="4178958">
+                <a:moveTo>
+                  <a:pt x="2432225" y="93939"/>
+                </a:moveTo>
+                <a:cubicBezTo>
+                  <a:pt x="3282786" y="358491"/>
+                  <a:pt x="3900357" y="1151865"/>
+                  <a:pt x="3900357" y="2089479"/>
+                </a:cubicBezTo>
+                <a:cubicBezTo>
+                  <a:pt x="3900357" y="3243466"/>
+                  <a:pt x="2964865" y="4178958"/>
+                  <a:pt x="1810878" y="4178958"/>
+                </a:cubicBezTo>
+                <a:cubicBezTo>
+                  <a:pt x="1089636" y="4178958"/>
+                  <a:pt x="453744" y="3813531"/>
+                  <a:pt x="78249" y="3257727"/>
+                </a:cubicBezTo>
+                <a:lnTo>
+                  <a:pt x="0" y="3128923"/>
+                </a:lnTo>
+                <a:lnTo>
+                  <a:pt x="831324" y="244281"/>
+                </a:lnTo>
+                <a:lnTo>
+                  <a:pt x="997559" y="164202"/>
+                </a:lnTo>
+                <a:cubicBezTo>
+                  <a:pt x="1247540" y="58468"/>
+                  <a:pt x="1522381" y="0"/>
+                  <a:pt x="1810878" y="0"/>
+                </a:cubicBezTo>
+                <a:cubicBezTo>
+                  <a:pt x="2027251" y="0"/>
+                  <a:pt x="2235942" y="32888"/>
+                  <a:pt x="2432225" y="93939"/>
+                </a:cubicBezTo>
+                <a:close/>
+              </a:path>
+            </a:pathLst>
+          </a:custGeom>
+          <a:gradFill>
+            <a:gsLst>
+              <a:gs pos="29000">
+                <a:srgbClr val="000000">
+                  <a:alpha val="0"/>
+                </a:srgbClr>
+              </a:gs>
+              <a:gs pos="100000">
+                <a:schemeClr val="accent1">
+                  <a:alpha val="43000"/>
+                </a:schemeClr>
+              </a:gs>
+            </a:gsLst>
+            <a:lin ang="1800000" scaled="0"/>
+          </a:gradFill>
+          <a:ln>
+            <a:noFill/>
+          </a:ln>
+        </p:spPr>
+        <p:style>
+          <a:lnRef idx="2">
+            <a:schemeClr val="accent1">
+              <a:shade val="50000"/>
+            </a:schemeClr>
+          </a:lnRef>
+          <a:fillRef idx="1">
+            <a:schemeClr val="accent1"/>
+          </a:fillRef>
+          <a:effectRef idx="0">
+            <a:schemeClr val="accent1"/>
+          </a:effectRef>
+          <a:fontRef idx="minor">
+            <a:schemeClr val="lt1"/>
+          </a:fontRef>
+        </p:style>
+        <p:txBody>
+          <a:bodyPr wrap="square" rtlCol="0" anchor="ctr">
+            <a:noAutofit/>
+          </a:bodyPr>
+          <a:lstStyle/>
+          <a:p>
+            <a:pPr algn="ctr"/>
+            <a:endParaRPr lang="en-US" dirty="0"/>
+          </a:p>
+        </p:txBody>
+      </p:sp>
+      <p:sp>
+        <p:nvSpPr>
+          <p:cNvPr id="31" name="Rectangle 30">
+            <a:extLst>
+              <a:ext uri="{FF2B5EF4-FFF2-40B4-BE49-F238E27FC236}">
+                <a16:creationId xmlns:a16="http://schemas.microsoft.com/office/drawing/2014/main" id="{8D71EDA1-87BF-4D5D-AB79-F346FD19278A}"/>
+              </a:ext>
+              <a:ext uri="{C183D7F6-B498-43B3-948B-1728B52AA6E4}">
+                <adec:decorative xmlns:adec="http://schemas.microsoft.com/office/drawing/2017/decorative" val="1"/>
+              </a:ext>
+            </a:extLst>
+          </p:cNvPr>
+          <p:cNvSpPr>
+            <a:spLocks noGrp="1" noRot="1" noChangeAspect="1" noMove="1" noResize="1" noEditPoints="1" noAdjustHandles="1" noChangeArrowheads="1" noChangeShapeType="1" noTextEdit="1"/>
+          </p:cNvSpPr>
+          <p:nvPr>
+            <p:extLst>
+              <p:ext uri="{386F3935-93C4-4BCD-93E2-E3B085C9AB24}">
+                <p16:designElem xmlns:p16="http://schemas.microsoft.com/office/powerpoint/2015/main" val="1"/>
+              </p:ext>
+            </p:extLst>
+          </p:nvPr>
+        </p:nvSpPr>
+        <p:spPr>
+          <a:xfrm rot="5400000" flipH="1">
+            <a:off x="-1410093" y="1399943"/>
+            <a:ext cx="6858003" cy="4037835"/>
+          </a:xfrm>
+          <a:prstGeom prst="rect">
+            <a:avLst/>
+          </a:prstGeom>
+          <a:gradFill>
+            <a:gsLst>
+              <a:gs pos="0">
+                <a:srgbClr val="000000">
+                  <a:alpha val="0"/>
+                </a:srgbClr>
+              </a:gs>
+              <a:gs pos="99000">
+                <a:schemeClr val="accent1">
+                  <a:lumMod val="60000"/>
+                  <a:lumOff val="40000"/>
+                  <a:alpha val="11000"/>
+                </a:schemeClr>
+              </a:gs>
+            </a:gsLst>
+            <a:lin ang="7200000" scaled="0"/>
+          </a:gradFill>
+          <a:ln>
+            <a:noFill/>
+          </a:ln>
+        </p:spPr>
+        <p:style>
+          <a:lnRef idx="2">
+            <a:schemeClr val="accent1">
+              <a:shade val="50000"/>
+            </a:schemeClr>
+          </a:lnRef>
+          <a:fillRef idx="1">
+            <a:schemeClr val="accent1"/>
+          </a:fillRef>
+          <a:effectRef idx="0">
+            <a:schemeClr val="accent1"/>
+          </a:effectRef>
+          <a:fontRef idx="minor">
+            <a:schemeClr val="lt1"/>
+          </a:fontRef>
+        </p:style>
+        <p:txBody>
+          <a:bodyPr rtlCol="0" anchor="ctr"/>
+          <a:lstStyle/>
+          <a:p>
+            <a:pPr algn="ctr"/>
+            <a:endParaRPr lang="en-US"/>
+          </a:p>
+        </p:txBody>
+      </p:sp>
+      <p:sp>
+        <p:nvSpPr>
+          <p:cNvPr id="2" name="Titel 1">
+            <a:extLst>
+              <a:ext uri="{FF2B5EF4-FFF2-40B4-BE49-F238E27FC236}">
+                <a16:creationId xmlns:a16="http://schemas.microsoft.com/office/drawing/2014/main" id="{16F5D4D1-1DD4-E287-FAE1-0F057933E158}"/>
+              </a:ext>
+            </a:extLst>
+          </p:cNvPr>
+          <p:cNvSpPr>
+            <a:spLocks noGrp="1"/>
+          </p:cNvSpPr>
+          <p:nvPr>
+            <p:ph type="title"/>
+          </p:nvPr>
+        </p:nvSpPr>
+        <p:spPr>
+          <a:xfrm>
+            <a:off x="466722" y="586855"/>
+            <a:ext cx="3201366" cy="3387497"/>
+          </a:xfrm>
+        </p:spPr>
+        <p:txBody>
+          <a:bodyPr vert="horz" lIns="91440" tIns="45720" rIns="91440" bIns="45720" rtlCol="0" anchor="b">
+            <a:normAutofit/>
+          </a:bodyPr>
+          <a:lstStyle/>
+          <a:p>
+            <a:r>
+              <a:rPr lang="en-US" sz="4000" b="1" dirty="0">
+                <a:solidFill>
+                  <a:srgbClr val="FFFFFF"/>
+                </a:solidFill>
+              </a:rPr>
+              <a:t>Map</a:t>
+            </a:r>
+          </a:p>
+        </p:txBody>
+      </p:sp>
+      <p:sp>
+        <p:nvSpPr>
+          <p:cNvPr id="18" name="Content Placeholder 17">
+            <a:extLst>
+              <a:ext uri="{FF2B5EF4-FFF2-40B4-BE49-F238E27FC236}">
+                <a16:creationId xmlns:a16="http://schemas.microsoft.com/office/drawing/2014/main" id="{467E8F1E-3760-B088-A896-0CDB250DAD7F}"/>
               </a:ext>
             </a:extLst>
           </p:cNvPr>
@@ -6453,28 +11108,498 @@
           </p:nvPr>
         </p:nvSpPr>
         <p:spPr>
-          <a:xfrm flipV="1">
-            <a:off x="12590584" y="6252033"/>
-            <a:ext cx="670673" cy="239201"/>
+          <a:xfrm>
+            <a:off x="4581727" y="649480"/>
+            <a:ext cx="3025303" cy="5546047"/>
           </a:xfrm>
         </p:spPr>
         <p:txBody>
-          <a:bodyPr>
-            <a:normAutofit fontScale="40000" lnSpcReduction="20000"/>
+          <a:bodyPr anchor="ctr">
+            <a:normAutofit/>
           </a:bodyPr>
           <a:lstStyle/>
           <a:p>
-            <a:pPr marL="0" indent="0">
-              <a:buNone/>
-            </a:pPr>
-            <a:endParaRPr lang="de-AT" dirty="0"/>
+            <a:endParaRPr lang="en-US" sz="2000"/>
           </a:p>
         </p:txBody>
       </p:sp>
+      <p:pic>
+        <p:nvPicPr>
+          <p:cNvPr id="5" name="Inhaltsplatzhalter 4">
+            <a:extLst>
+              <a:ext uri="{FF2B5EF4-FFF2-40B4-BE49-F238E27FC236}">
+                <a16:creationId xmlns:a16="http://schemas.microsoft.com/office/drawing/2014/main" id="{77F674F2-948F-1DA4-2819-598BA8249A97}"/>
+              </a:ext>
+            </a:extLst>
+          </p:cNvPr>
+          <p:cNvPicPr>
+            <a:picLocks noChangeAspect="1"/>
+          </p:cNvPicPr>
+          <p:nvPr/>
+        </p:nvPicPr>
+        <p:blipFill rotWithShape="1">
+          <a:blip r:embed="rId2"/>
+          <a:srcRect r="888" b="-1"/>
+          <a:stretch/>
+        </p:blipFill>
+        <p:spPr>
+          <a:xfrm>
+            <a:off x="1710812" y="526518"/>
+            <a:ext cx="10283884" cy="5784684"/>
+          </a:xfrm>
+          <a:prstGeom prst="rect">
+            <a:avLst/>
+          </a:prstGeom>
+        </p:spPr>
+      </p:pic>
     </p:spTree>
     <p:extLst>
       <p:ext uri="{BB962C8B-B14F-4D97-AF65-F5344CB8AC3E}">
-        <p14:creationId xmlns:p14="http://schemas.microsoft.com/office/powerpoint/2010/main" val="4157218891"/>
+        <p14:creationId xmlns:p14="http://schemas.microsoft.com/office/powerpoint/2010/main" val="567779977"/>
+      </p:ext>
+    </p:extLst>
+  </p:cSld>
+  <p:clrMapOvr>
+    <a:masterClrMapping/>
+  </p:clrMapOvr>
+</p:sld>
+</file>
+
+<file path=ppt/slides/slide9.xml><?xml version="1.0" encoding="utf-8"?>
+<p:sld xmlns:a="http://schemas.openxmlformats.org/drawingml/2006/main" xmlns:r="http://schemas.openxmlformats.org/officeDocument/2006/relationships" xmlns:p="http://schemas.openxmlformats.org/presentationml/2006/main">
+  <p:cSld>
+    <p:bg>
+      <p:bgPr>
+        <a:solidFill>
+          <a:schemeClr val="bg1"/>
+        </a:solidFill>
+        <a:effectLst/>
+      </p:bgPr>
+    </p:bg>
+    <p:spTree>
+      <p:nvGrpSpPr>
+        <p:cNvPr id="1" name=""/>
+        <p:cNvGrpSpPr/>
+        <p:nvPr/>
+      </p:nvGrpSpPr>
+      <p:grpSpPr>
+        <a:xfrm>
+          <a:off x="0" y="0"/>
+          <a:ext cx="0" cy="0"/>
+          <a:chOff x="0" y="0"/>
+          <a:chExt cx="0" cy="0"/>
+        </a:xfrm>
+      </p:grpSpPr>
+      <p:sp useBgFill="1">
+        <p:nvSpPr>
+          <p:cNvPr id="26" name="Rectangle 25">
+            <a:extLst>
+              <a:ext uri="{FF2B5EF4-FFF2-40B4-BE49-F238E27FC236}">
+                <a16:creationId xmlns:a16="http://schemas.microsoft.com/office/drawing/2014/main" id="{FFCDD23B-75C8-427B-BD08-53C8156CD7CD}"/>
+              </a:ext>
+              <a:ext uri="{C183D7F6-B498-43B3-948B-1728B52AA6E4}">
+                <adec:decorative xmlns:adec="http://schemas.microsoft.com/office/drawing/2017/decorative" val="1"/>
+              </a:ext>
+            </a:extLst>
+          </p:cNvPr>
+          <p:cNvSpPr>
+            <a:spLocks noGrp="1" noRot="1" noChangeAspect="1" noMove="1" noResize="1" noEditPoints="1" noAdjustHandles="1" noChangeArrowheads="1" noChangeShapeType="1" noTextEdit="1"/>
+          </p:cNvSpPr>
+          <p:nvPr>
+            <p:extLst>
+              <p:ext uri="{386F3935-93C4-4BCD-93E2-E3B085C9AB24}">
+                <p16:designElem xmlns:p16="http://schemas.microsoft.com/office/powerpoint/2015/main" val="1"/>
+              </p:ext>
+            </p:extLst>
+          </p:nvPr>
+        </p:nvSpPr>
+        <p:spPr>
+          <a:xfrm>
+            <a:off x="-2" y="0"/>
+            <a:ext cx="12192000" cy="6858000"/>
+          </a:xfrm>
+          <a:prstGeom prst="rect">
+            <a:avLst/>
+          </a:prstGeom>
+          <a:ln w="12700" cap="flat" cmpd="sng" algn="ctr">
+            <a:noFill/>
+            <a:prstDash val="solid"/>
+            <a:miter lim="800000"/>
+          </a:ln>
+          <a:effectLst/>
+          <a:extLst>
+            <a:ext uri="{91240B29-F687-4F45-9708-019B960494DF}">
+              <a14:hiddenLine xmlns:a14="http://schemas.microsoft.com/office/drawing/2010/main" w="12700" cap="flat" cmpd="sng" algn="ctr">
+                <a:solidFill>
+                  <a:schemeClr val="accent1">
+                    <a:shade val="50000"/>
+                  </a:schemeClr>
+                </a:solidFill>
+                <a:prstDash val="solid"/>
+                <a:miter lim="800000"/>
+              </a14:hiddenLine>
+            </a:ext>
+          </a:extLst>
+        </p:spPr>
+        <p:style>
+          <a:lnRef idx="2">
+            <a:schemeClr val="accent1">
+              <a:shade val="50000"/>
+            </a:schemeClr>
+          </a:lnRef>
+          <a:fillRef idx="1">
+            <a:schemeClr val="accent1"/>
+          </a:fillRef>
+          <a:effectRef idx="0">
+            <a:schemeClr val="accent1"/>
+          </a:effectRef>
+          <a:fontRef idx="minor">
+            <a:schemeClr val="lt1"/>
+          </a:fontRef>
+        </p:style>
+        <p:txBody>
+          <a:bodyPr rtlCol="0" anchor="ctr"/>
+          <a:lstStyle/>
+          <a:p>
+            <a:pPr algn="ctr"/>
+            <a:endParaRPr lang="en-US"/>
+          </a:p>
+        </p:txBody>
+      </p:sp>
+      <p:pic>
+        <p:nvPicPr>
+          <p:cNvPr id="9" name="Inhaltsplatzhalter 8">
+            <a:extLst>
+              <a:ext uri="{FF2B5EF4-FFF2-40B4-BE49-F238E27FC236}">
+                <a16:creationId xmlns:a16="http://schemas.microsoft.com/office/drawing/2014/main" id="{1E4562B3-2745-C71D-11DF-250E299DE353}"/>
+              </a:ext>
+            </a:extLst>
+          </p:cNvPr>
+          <p:cNvPicPr>
+            <a:picLocks noGrp="1" noChangeAspect="1"/>
+          </p:cNvPicPr>
+          <p:nvPr>
+            <p:ph idx="1"/>
+          </p:nvPr>
+        </p:nvPicPr>
+        <p:blipFill rotWithShape="1">
+          <a:blip r:embed="rId2"/>
+          <a:srcRect t="5018" r="-1" b="3120"/>
+          <a:stretch/>
+        </p:blipFill>
+        <p:spPr>
+          <a:xfrm>
+            <a:off x="-1" y="190"/>
+            <a:ext cx="8128855" cy="5291194"/>
+          </a:xfrm>
+          <a:prstGeom prst="rect">
+            <a:avLst/>
+          </a:prstGeom>
+        </p:spPr>
+      </p:pic>
+      <p:sp>
+        <p:nvSpPr>
+          <p:cNvPr id="28" name="Rectangle 27">
+            <a:extLst>
+              <a:ext uri="{FF2B5EF4-FFF2-40B4-BE49-F238E27FC236}">
+                <a16:creationId xmlns:a16="http://schemas.microsoft.com/office/drawing/2014/main" id="{AFFC87AC-C919-4FE5-BAC3-39509E001152}"/>
+              </a:ext>
+              <a:ext uri="{C183D7F6-B498-43B3-948B-1728B52AA6E4}">
+                <adec:decorative xmlns:adec="http://schemas.microsoft.com/office/drawing/2017/decorative" val="1"/>
+              </a:ext>
+            </a:extLst>
+          </p:cNvPr>
+          <p:cNvSpPr>
+            <a:spLocks noGrp="1" noRot="1" noChangeAspect="1" noMove="1" noResize="1" noEditPoints="1" noAdjustHandles="1" noChangeArrowheads="1" noChangeShapeType="1" noTextEdit="1"/>
+          </p:cNvSpPr>
+          <p:nvPr>
+            <p:extLst>
+              <p:ext uri="{386F3935-93C4-4BCD-93E2-E3B085C9AB24}">
+                <p16:designElem xmlns:p16="http://schemas.microsoft.com/office/powerpoint/2015/main" val="1"/>
+              </p:ext>
+            </p:extLst>
+          </p:nvPr>
+        </p:nvSpPr>
+        <p:spPr>
+          <a:xfrm flipH="1">
+            <a:off x="-264" y="5282206"/>
+            <a:ext cx="12192264" cy="1163844"/>
+          </a:xfrm>
+          <a:prstGeom prst="rect">
+            <a:avLst/>
+          </a:prstGeom>
+          <a:gradFill>
+            <a:gsLst>
+              <a:gs pos="28000">
+                <a:schemeClr val="accent1">
+                  <a:lumMod val="75000"/>
+                  <a:alpha val="11000"/>
+                </a:schemeClr>
+              </a:gs>
+              <a:gs pos="100000">
+                <a:srgbClr val="000000">
+                  <a:alpha val="77000"/>
+                </a:srgbClr>
+              </a:gs>
+            </a:gsLst>
+            <a:lin ang="12600000" scaled="0"/>
+          </a:gradFill>
+          <a:ln>
+            <a:noFill/>
+          </a:ln>
+        </p:spPr>
+        <p:style>
+          <a:lnRef idx="2">
+            <a:schemeClr val="accent1">
+              <a:shade val="50000"/>
+            </a:schemeClr>
+          </a:lnRef>
+          <a:fillRef idx="1">
+            <a:schemeClr val="accent1"/>
+          </a:fillRef>
+          <a:effectRef idx="0">
+            <a:schemeClr val="accent1"/>
+          </a:effectRef>
+          <a:fontRef idx="minor">
+            <a:schemeClr val="lt1"/>
+          </a:fontRef>
+        </p:style>
+        <p:txBody>
+          <a:bodyPr rtlCol="0" anchor="ctr"/>
+          <a:lstStyle/>
+          <a:p>
+            <a:pPr algn="ctr"/>
+            <a:endParaRPr lang="en-US" dirty="0"/>
+          </a:p>
+        </p:txBody>
+      </p:sp>
+      <p:sp>
+        <p:nvSpPr>
+          <p:cNvPr id="30" name="Rectangle 29">
+            <a:extLst>
+              <a:ext uri="{FF2B5EF4-FFF2-40B4-BE49-F238E27FC236}">
+                <a16:creationId xmlns:a16="http://schemas.microsoft.com/office/drawing/2014/main" id="{AB5E08C4-8CDD-4623-A5B8-E998C6DEE3B7}"/>
+              </a:ext>
+              <a:ext uri="{C183D7F6-B498-43B3-948B-1728B52AA6E4}">
+                <adec:decorative xmlns:adec="http://schemas.microsoft.com/office/drawing/2017/decorative" val="1"/>
+              </a:ext>
+            </a:extLst>
+          </p:cNvPr>
+          <p:cNvSpPr>
+            <a:spLocks noGrp="1" noRot="1" noChangeAspect="1" noMove="1" noResize="1" noEditPoints="1" noAdjustHandles="1" noChangeArrowheads="1" noChangeShapeType="1" noTextEdit="1"/>
+          </p:cNvSpPr>
+          <p:nvPr>
+            <p:extLst>
+              <p:ext uri="{386F3935-93C4-4BCD-93E2-E3B085C9AB24}">
+                <p16:designElem xmlns:p16="http://schemas.microsoft.com/office/powerpoint/2015/main" val="1"/>
+              </p:ext>
+            </p:extLst>
+          </p:nvPr>
+        </p:nvSpPr>
+        <p:spPr>
+          <a:xfrm flipH="1">
+            <a:off x="2" y="5282206"/>
+            <a:ext cx="12191998" cy="1586485"/>
+          </a:xfrm>
+          <a:prstGeom prst="rect">
+            <a:avLst/>
+          </a:prstGeom>
+          <a:gradFill>
+            <a:gsLst>
+              <a:gs pos="0">
+                <a:srgbClr val="000000">
+                  <a:alpha val="96000"/>
+                </a:srgbClr>
+              </a:gs>
+              <a:gs pos="100000">
+                <a:schemeClr val="accent1"/>
+              </a:gs>
+            </a:gsLst>
+            <a:lin ang="8400000" scaled="0"/>
+          </a:gradFill>
+          <a:ln>
+            <a:noFill/>
+          </a:ln>
+        </p:spPr>
+        <p:style>
+          <a:lnRef idx="2">
+            <a:schemeClr val="accent1">
+              <a:shade val="50000"/>
+            </a:schemeClr>
+          </a:lnRef>
+          <a:fillRef idx="1">
+            <a:schemeClr val="accent1"/>
+          </a:fillRef>
+          <a:effectRef idx="0">
+            <a:schemeClr val="accent1"/>
+          </a:effectRef>
+          <a:fontRef idx="minor">
+            <a:schemeClr val="lt1"/>
+          </a:fontRef>
+        </p:style>
+        <p:txBody>
+          <a:bodyPr rtlCol="0" anchor="ctr"/>
+          <a:lstStyle/>
+          <a:p>
+            <a:pPr algn="ctr"/>
+            <a:endParaRPr lang="en-US"/>
+          </a:p>
+        </p:txBody>
+      </p:sp>
+      <p:sp>
+        <p:nvSpPr>
+          <p:cNvPr id="2" name="Titel 1">
+            <a:extLst>
+              <a:ext uri="{FF2B5EF4-FFF2-40B4-BE49-F238E27FC236}">
+                <a16:creationId xmlns:a16="http://schemas.microsoft.com/office/drawing/2014/main" id="{5AA4DD93-1EFE-9751-5205-FDB5B7815117}"/>
+              </a:ext>
+            </a:extLst>
+          </p:cNvPr>
+          <p:cNvSpPr>
+            <a:spLocks noGrp="1"/>
+          </p:cNvSpPr>
+          <p:nvPr>
+            <p:ph type="title"/>
+          </p:nvPr>
+        </p:nvSpPr>
+        <p:spPr>
+          <a:xfrm>
+            <a:off x="699715" y="5635366"/>
+            <a:ext cx="7091299" cy="898581"/>
+          </a:xfrm>
+          <a:prstGeom prst="rect">
+            <a:avLst/>
+          </a:prstGeom>
+        </p:spPr>
+        <p:txBody>
+          <a:bodyPr vert="horz" lIns="91440" tIns="45720" rIns="91440" bIns="45720" rtlCol="0" anchor="ctr">
+            <a:normAutofit/>
+          </a:bodyPr>
+          <a:lstStyle/>
+          <a:p>
+            <a:r>
+              <a:rPr lang="en-US" sz="4000" kern="1200">
+                <a:solidFill>
+                  <a:srgbClr val="FFFFFF"/>
+                </a:solidFill>
+                <a:latin typeface="+mj-lt"/>
+                <a:ea typeface="+mj-ea"/>
+                <a:cs typeface="+mj-cs"/>
+              </a:rPr>
+              <a:t>Spieler</a:t>
+            </a:r>
+          </a:p>
+        </p:txBody>
+      </p:sp>
+      <p:sp>
+        <p:nvSpPr>
+          <p:cNvPr id="32" name="Rectangle 31">
+            <a:extLst>
+              <a:ext uri="{FF2B5EF4-FFF2-40B4-BE49-F238E27FC236}">
+                <a16:creationId xmlns:a16="http://schemas.microsoft.com/office/drawing/2014/main" id="{15F33878-D502-4FFA-8ACE-F2AECDB2A23F}"/>
+              </a:ext>
+              <a:ext uri="{C183D7F6-B498-43B3-948B-1728B52AA6E4}">
+                <adec:decorative xmlns:adec="http://schemas.microsoft.com/office/drawing/2017/decorative" val="1"/>
+              </a:ext>
+            </a:extLst>
+          </p:cNvPr>
+          <p:cNvSpPr>
+            <a:spLocks noGrp="1" noRot="1" noChangeAspect="1" noMove="1" noResize="1" noEditPoints="1" noAdjustHandles="1" noChangeArrowheads="1" noChangeShapeType="1" noTextEdit="1"/>
+          </p:cNvSpPr>
+          <p:nvPr>
+            <p:extLst>
+              <p:ext uri="{386F3935-93C4-4BCD-93E2-E3B085C9AB24}">
+                <p16:designElem xmlns:p16="http://schemas.microsoft.com/office/powerpoint/2015/main" val="1"/>
+              </p:ext>
+            </p:extLst>
+          </p:nvPr>
+        </p:nvSpPr>
+        <p:spPr>
+          <a:xfrm rot="10800000" flipH="1">
+            <a:off x="8128857" y="5282206"/>
+            <a:ext cx="4063143" cy="1576412"/>
+          </a:xfrm>
+          <a:prstGeom prst="rect">
+            <a:avLst/>
+          </a:prstGeom>
+          <a:gradFill>
+            <a:gsLst>
+              <a:gs pos="19000">
+                <a:schemeClr val="accent1">
+                  <a:lumMod val="50000"/>
+                  <a:alpha val="68000"/>
+                </a:schemeClr>
+              </a:gs>
+              <a:gs pos="100000">
+                <a:schemeClr val="accent1">
+                  <a:alpha val="79000"/>
+                </a:schemeClr>
+              </a:gs>
+            </a:gsLst>
+            <a:lin ang="19200000" scaled="0"/>
+          </a:gradFill>
+          <a:ln>
+            <a:noFill/>
+          </a:ln>
+        </p:spPr>
+        <p:style>
+          <a:lnRef idx="2">
+            <a:schemeClr val="accent1">
+              <a:shade val="50000"/>
+            </a:schemeClr>
+          </a:lnRef>
+          <a:fillRef idx="1">
+            <a:schemeClr val="accent1"/>
+          </a:fillRef>
+          <a:effectRef idx="0">
+            <a:schemeClr val="accent1"/>
+          </a:effectRef>
+          <a:fontRef idx="minor">
+            <a:schemeClr val="lt1"/>
+          </a:fontRef>
+        </p:style>
+        <p:txBody>
+          <a:bodyPr rtlCol="0" anchor="ctr"/>
+          <a:lstStyle/>
+          <a:p>
+            <a:pPr algn="ctr"/>
+            <a:endParaRPr lang="en-US"/>
+          </a:p>
+        </p:txBody>
+      </p:sp>
+      <p:pic>
+        <p:nvPicPr>
+          <p:cNvPr id="7" name="Grafik 6">
+            <a:extLst>
+              <a:ext uri="{FF2B5EF4-FFF2-40B4-BE49-F238E27FC236}">
+                <a16:creationId xmlns:a16="http://schemas.microsoft.com/office/drawing/2014/main" id="{92F20DCC-90AD-4C68-586F-1A7DED7478C6}"/>
+              </a:ext>
+            </a:extLst>
+          </p:cNvPr>
+          <p:cNvPicPr>
+            <a:picLocks noChangeAspect="1"/>
+          </p:cNvPicPr>
+          <p:nvPr/>
+        </p:nvPicPr>
+        <p:blipFill rotWithShape="1">
+          <a:blip r:embed="rId3"/>
+          <a:srcRect l="9271" r="27186"/>
+          <a:stretch/>
+        </p:blipFill>
+        <p:spPr>
+          <a:xfrm>
+            <a:off x="8128856" y="1"/>
+            <a:ext cx="4063143" cy="5291384"/>
+          </a:xfrm>
+          <a:prstGeom prst="rect">
+            <a:avLst/>
+          </a:prstGeom>
+        </p:spPr>
+      </p:pic>
+    </p:spTree>
+    <p:extLst>
+      <p:ext uri="{BB962C8B-B14F-4D97-AF65-F5344CB8AC3E}">
+        <p14:creationId xmlns:p14="http://schemas.microsoft.com/office/powerpoint/2010/main" val="3721064580"/>
       </p:ext>
     </p:extLst>
   </p:cSld>
@@ -6797,4 +11922,319 @@
     </a:ext>
   </a:extLst>
 </a:theme>
+</file>
+
+<file path=ppt/theme/theme2.xml><?xml version="1.0" encoding="utf-8"?>
+<a:theme xmlns:a="http://schemas.openxmlformats.org/drawingml/2006/main" name="Office">
+  <a:themeElements>
+    <a:clrScheme name="Office">
+      <a:dk1>
+        <a:sysClr val="windowText" lastClr="000000"/>
+      </a:dk1>
+      <a:lt1>
+        <a:sysClr val="window" lastClr="FFFFFF"/>
+      </a:lt1>
+      <a:dk2>
+        <a:srgbClr val="0E2841"/>
+      </a:dk2>
+      <a:lt2>
+        <a:srgbClr val="E8E8E8"/>
+      </a:lt2>
+      <a:accent1>
+        <a:srgbClr val="156082"/>
+      </a:accent1>
+      <a:accent2>
+        <a:srgbClr val="E97132"/>
+      </a:accent2>
+      <a:accent3>
+        <a:srgbClr val="196B24"/>
+      </a:accent3>
+      <a:accent4>
+        <a:srgbClr val="0F9ED5"/>
+      </a:accent4>
+      <a:accent5>
+        <a:srgbClr val="A02B93"/>
+      </a:accent5>
+      <a:accent6>
+        <a:srgbClr val="4EA72E"/>
+      </a:accent6>
+      <a:hlink>
+        <a:srgbClr val="467886"/>
+      </a:hlink>
+      <a:folHlink>
+        <a:srgbClr val="96607D"/>
+      </a:folHlink>
+    </a:clrScheme>
+    <a:fontScheme name="Office">
+      <a:majorFont>
+        <a:latin typeface="Aptos Display" panose="02110004020202020204"/>
+        <a:ea typeface=""/>
+        <a:cs typeface=""/>
+        <a:font script="Jpan" typeface="游ゴシック Light"/>
+        <a:font script="Hang" typeface="맑은 고딕"/>
+        <a:font script="Hans" typeface="等线 Light"/>
+        <a:font script="Hant" typeface="新細明體"/>
+        <a:font script="Arab" typeface="Times New Roman"/>
+        <a:font script="Hebr" typeface="Times New Roman"/>
+        <a:font script="Thai" typeface="Angsana New"/>
+        <a:font script="Ethi" typeface="Nyala"/>
+        <a:font script="Beng" typeface="Vrinda"/>
+        <a:font script="Gujr" typeface="Shruti"/>
+        <a:font script="Khmr" typeface="MoolBoran"/>
+        <a:font script="Knda" typeface="Tunga"/>
+        <a:font script="Guru" typeface="Raavi"/>
+        <a:font script="Cans" typeface="Euphemia"/>
+        <a:font script="Cher" typeface="Plantagenet Cherokee"/>
+        <a:font script="Yiii" typeface="Microsoft Yi Baiti"/>
+        <a:font script="Tibt" typeface="Microsoft Himalaya"/>
+        <a:font script="Thaa" typeface="MV Boli"/>
+        <a:font script="Deva" typeface="Mangal"/>
+        <a:font script="Telu" typeface="Gautami"/>
+        <a:font script="Taml" typeface="Latha"/>
+        <a:font script="Syrc" typeface="Estrangelo Edessa"/>
+        <a:font script="Orya" typeface="Kalinga"/>
+        <a:font script="Mlym" typeface="Kartika"/>
+        <a:font script="Laoo" typeface="DokChampa"/>
+        <a:font script="Sinh" typeface="Iskoola Pota"/>
+        <a:font script="Mong" typeface="Mongolian Baiti"/>
+        <a:font script="Viet" typeface="Times New Roman"/>
+        <a:font script="Uigh" typeface="Microsoft Uighur"/>
+        <a:font script="Geor" typeface="Sylfaen"/>
+        <a:font script="Armn" typeface="Arial"/>
+        <a:font script="Bugi" typeface="Leelawadee UI"/>
+        <a:font script="Bopo" typeface="Microsoft JhengHei"/>
+        <a:font script="Java" typeface="Javanese Text"/>
+        <a:font script="Lisu" typeface="Segoe UI"/>
+        <a:font script="Mymr" typeface="Myanmar Text"/>
+        <a:font script="Nkoo" typeface="Ebrima"/>
+        <a:font script="Olck" typeface="Nirmala UI"/>
+        <a:font script="Osma" typeface="Ebrima"/>
+        <a:font script="Phag" typeface="Phagspa"/>
+        <a:font script="Syrn" typeface="Estrangelo Edessa"/>
+        <a:font script="Syrj" typeface="Estrangelo Edessa"/>
+        <a:font script="Syre" typeface="Estrangelo Edessa"/>
+        <a:font script="Sora" typeface="Nirmala UI"/>
+        <a:font script="Tale" typeface="Microsoft Tai Le"/>
+        <a:font script="Talu" typeface="Microsoft New Tai Lue"/>
+        <a:font script="Tfng" typeface="Ebrima"/>
+      </a:majorFont>
+      <a:minorFont>
+        <a:latin typeface="Aptos" panose="02110004020202020204"/>
+        <a:ea typeface=""/>
+        <a:cs typeface=""/>
+        <a:font script="Jpan" typeface="游ゴシック"/>
+        <a:font script="Hang" typeface="맑은 고딕"/>
+        <a:font script="Hans" typeface="等线"/>
+        <a:font script="Hant" typeface="新細明體"/>
+        <a:font script="Arab" typeface="Arial"/>
+        <a:font script="Hebr" typeface="Arial"/>
+        <a:font script="Thai" typeface="Cordia New"/>
+        <a:font script="Ethi" typeface="Nyala"/>
+        <a:font script="Beng" typeface="Vrinda"/>
+        <a:font script="Gujr" typeface="Shruti"/>
+        <a:font script="Khmr" typeface="DaunPenh"/>
+        <a:font script="Knda" typeface="Tunga"/>
+        <a:font script="Guru" typeface="Raavi"/>
+        <a:font script="Cans" typeface="Euphemia"/>
+        <a:font script="Cher" typeface="Plantagenet Cherokee"/>
+        <a:font script="Yiii" typeface="Microsoft Yi Baiti"/>
+        <a:font script="Tibt" typeface="Microsoft Himalaya"/>
+        <a:font script="Thaa" typeface="MV Boli"/>
+        <a:font script="Deva" typeface="Mangal"/>
+        <a:font script="Telu" typeface="Gautami"/>
+        <a:font script="Taml" typeface="Latha"/>
+        <a:font script="Syrc" typeface="Estrangelo Edessa"/>
+        <a:font script="Orya" typeface="Kalinga"/>
+        <a:font script="Mlym" typeface="Kartika"/>
+        <a:font script="Laoo" typeface="DokChampa"/>
+        <a:font script="Sinh" typeface="Iskoola Pota"/>
+        <a:font script="Mong" typeface="Mongolian Baiti"/>
+        <a:font script="Viet" typeface="Arial"/>
+        <a:font script="Uigh" typeface="Microsoft Uighur"/>
+        <a:font script="Geor" typeface="Sylfaen"/>
+        <a:font script="Armn" typeface="Arial"/>
+        <a:font script="Bugi" typeface="Leelawadee UI"/>
+        <a:font script="Bopo" typeface="Microsoft JhengHei"/>
+        <a:font script="Java" typeface="Javanese Text"/>
+        <a:font script="Lisu" typeface="Segoe UI"/>
+        <a:font script="Mymr" typeface="Myanmar Text"/>
+        <a:font script="Nkoo" typeface="Ebrima"/>
+        <a:font script="Olck" typeface="Nirmala UI"/>
+        <a:font script="Osma" typeface="Ebrima"/>
+        <a:font script="Phag" typeface="Phagspa"/>
+        <a:font script="Syrn" typeface="Estrangelo Edessa"/>
+        <a:font script="Syrj" typeface="Estrangelo Edessa"/>
+        <a:font script="Syre" typeface="Estrangelo Edessa"/>
+        <a:font script="Sora" typeface="Nirmala UI"/>
+        <a:font script="Tale" typeface="Microsoft Tai Le"/>
+        <a:font script="Talu" typeface="Microsoft New Tai Lue"/>
+        <a:font script="Tfng" typeface="Ebrima"/>
+      </a:minorFont>
+    </a:fontScheme>
+    <a:fmtScheme name="Office">
+      <a:fillStyleLst>
+        <a:solidFill>
+          <a:schemeClr val="phClr"/>
+        </a:solidFill>
+        <a:gradFill rotWithShape="1">
+          <a:gsLst>
+            <a:gs pos="0">
+              <a:schemeClr val="phClr">
+                <a:lumMod val="110000"/>
+                <a:satMod val="105000"/>
+                <a:tint val="67000"/>
+              </a:schemeClr>
+            </a:gs>
+            <a:gs pos="50000">
+              <a:schemeClr val="phClr">
+                <a:lumMod val="105000"/>
+                <a:satMod val="103000"/>
+                <a:tint val="73000"/>
+              </a:schemeClr>
+            </a:gs>
+            <a:gs pos="100000">
+              <a:schemeClr val="phClr">
+                <a:lumMod val="105000"/>
+                <a:satMod val="109000"/>
+                <a:tint val="81000"/>
+              </a:schemeClr>
+            </a:gs>
+          </a:gsLst>
+          <a:lin ang="5400000" scaled="0"/>
+        </a:gradFill>
+        <a:gradFill rotWithShape="1">
+          <a:gsLst>
+            <a:gs pos="0">
+              <a:schemeClr val="phClr">
+                <a:satMod val="103000"/>
+                <a:lumMod val="102000"/>
+                <a:tint val="94000"/>
+              </a:schemeClr>
+            </a:gs>
+            <a:gs pos="50000">
+              <a:schemeClr val="phClr">
+                <a:satMod val="110000"/>
+                <a:lumMod val="100000"/>
+                <a:shade val="100000"/>
+              </a:schemeClr>
+            </a:gs>
+            <a:gs pos="100000">
+              <a:schemeClr val="phClr">
+                <a:lumMod val="99000"/>
+                <a:satMod val="120000"/>
+                <a:shade val="78000"/>
+              </a:schemeClr>
+            </a:gs>
+          </a:gsLst>
+          <a:lin ang="5400000" scaled="0"/>
+        </a:gradFill>
+      </a:fillStyleLst>
+      <a:lnStyleLst>
+        <a:ln w="12700" cap="flat" cmpd="sng" algn="ctr">
+          <a:solidFill>
+            <a:schemeClr val="phClr"/>
+          </a:solidFill>
+          <a:prstDash val="solid"/>
+          <a:miter lim="800000"/>
+        </a:ln>
+        <a:ln w="19050" cap="flat" cmpd="sng" algn="ctr">
+          <a:solidFill>
+            <a:schemeClr val="phClr"/>
+          </a:solidFill>
+          <a:prstDash val="solid"/>
+          <a:miter lim="800000"/>
+        </a:ln>
+        <a:ln w="25400" cap="flat" cmpd="sng" algn="ctr">
+          <a:solidFill>
+            <a:schemeClr val="phClr"/>
+          </a:solidFill>
+          <a:prstDash val="solid"/>
+          <a:miter lim="800000"/>
+        </a:ln>
+      </a:lnStyleLst>
+      <a:effectStyleLst>
+        <a:effectStyle>
+          <a:effectLst/>
+        </a:effectStyle>
+        <a:effectStyle>
+          <a:effectLst/>
+        </a:effectStyle>
+        <a:effectStyle>
+          <a:effectLst>
+            <a:outerShdw blurRad="57150" dist="19050" dir="5400000" algn="ctr" rotWithShape="0">
+              <a:srgbClr val="000000">
+                <a:alpha val="63000"/>
+              </a:srgbClr>
+            </a:outerShdw>
+          </a:effectLst>
+        </a:effectStyle>
+      </a:effectStyleLst>
+      <a:bgFillStyleLst>
+        <a:solidFill>
+          <a:schemeClr val="phClr"/>
+        </a:solidFill>
+        <a:solidFill>
+          <a:schemeClr val="phClr">
+            <a:tint val="95000"/>
+            <a:satMod val="170000"/>
+          </a:schemeClr>
+        </a:solidFill>
+        <a:gradFill rotWithShape="1">
+          <a:gsLst>
+            <a:gs pos="0">
+              <a:schemeClr val="phClr">
+                <a:tint val="93000"/>
+                <a:satMod val="150000"/>
+                <a:shade val="98000"/>
+                <a:lumMod val="102000"/>
+              </a:schemeClr>
+            </a:gs>
+            <a:gs pos="50000">
+              <a:schemeClr val="phClr">
+                <a:tint val="98000"/>
+                <a:satMod val="130000"/>
+                <a:shade val="90000"/>
+                <a:lumMod val="103000"/>
+              </a:schemeClr>
+            </a:gs>
+            <a:gs pos="100000">
+              <a:schemeClr val="phClr">
+                <a:shade val="63000"/>
+                <a:satMod val="120000"/>
+              </a:schemeClr>
+            </a:gs>
+          </a:gsLst>
+          <a:lin ang="5400000" scaled="0"/>
+        </a:gradFill>
+      </a:bgFillStyleLst>
+    </a:fmtScheme>
+  </a:themeElements>
+  <a:objectDefaults>
+    <a:lnDef>
+      <a:spPr/>
+      <a:bodyPr/>
+      <a:lstStyle/>
+      <a:style>
+        <a:lnRef idx="2">
+          <a:schemeClr val="accent1"/>
+        </a:lnRef>
+        <a:fillRef idx="0">
+          <a:schemeClr val="accent1"/>
+        </a:fillRef>
+        <a:effectRef idx="1">
+          <a:schemeClr val="accent1"/>
+        </a:effectRef>
+        <a:fontRef idx="minor">
+          <a:schemeClr val="tx1"/>
+        </a:fontRef>
+      </a:style>
+    </a:lnDef>
+  </a:objectDefaults>
+  <a:extraClrSchemeLst/>
+  <a:extLst>
+    <a:ext uri="{05A4C25C-085E-4340-85A3-A5531E510DB2}">
+      <thm15:themeFamily xmlns:thm15="http://schemas.microsoft.com/office/thememl/2012/main" name="Office Theme" id="{2E142A2C-CD16-42D6-873A-C26D2A0506FA}" vid="{1BDDFF52-6CD6-40A5-AB3C-68EB2F1E4D0A}"/>
+    </a:ext>
+  </a:extLst>
+</a:theme>
 </file>
--- a/Projektdokumentation/ZwischenPresentation.pptx
+++ b/Projektdokumentation/ZwischenPresentation.pptx
@@ -14,9 +14,9 @@
     <p:sldId id="267" r:id="rId5"/>
     <p:sldId id="268" r:id="rId6"/>
     <p:sldId id="266" r:id="rId7"/>
-    <p:sldId id="262" r:id="rId8"/>
+    <p:sldId id="260" r:id="rId8"/>
     <p:sldId id="265" r:id="rId9"/>
-    <p:sldId id="260" r:id="rId10"/>
+    <p:sldId id="262" r:id="rId10"/>
   </p:sldIdLst>
   <p:sldSz cx="12192000" cy="6858000"/>
   <p:notesSz cx="6858000" cy="9144000"/>
@@ -2697,7 +2697,7 @@
 <dgm:dataModel xmlns:dgm="http://schemas.openxmlformats.org/drawingml/2006/diagram" xmlns:a="http://schemas.openxmlformats.org/drawingml/2006/main">
   <dgm:ptLst>
     <dgm:pt modelId="{D61BBEDF-EC40-4753-8D86-2EF020E4E3BB}" type="doc">
-      <dgm:prSet loTypeId="urn:microsoft.com/office/officeart/2005/8/layout/vList2" loCatId="list" qsTypeId="urn:microsoft.com/office/officeart/2005/8/quickstyle/simple1" qsCatId="simple" csTypeId="urn:microsoft.com/office/officeart/2005/8/colors/accent1_2" csCatId="accent1"/>
+      <dgm:prSet loTypeId="urn:microsoft.com/office/officeart/2005/8/layout/vList2" loCatId="list" qsTypeId="urn:microsoft.com/office/officeart/2005/8/quickstyle/simple1" qsCatId="simple" csTypeId="urn:microsoft.com/office/officeart/2005/8/colors/accent1_2" csCatId="accent1" phldr="1"/>
       <dgm:spPr/>
       <dgm:t>
         <a:bodyPr/>
@@ -2752,10 +2752,10 @@
         <a:lstStyle/>
         <a:p>
           <a:r>
-            <a:rPr lang="de-DE"/>
+            <a:rPr lang="de-DE" dirty="0"/>
             <a:t>Dann Umstieg auf Unreal Engine</a:t>
           </a:r>
-          <a:endParaRPr lang="en-US"/>
+          <a:endParaRPr lang="en-US" dirty="0"/>
         </a:p>
       </dgm:t>
     </dgm:pt>
@@ -2789,10 +2789,10 @@
         <a:lstStyle/>
         <a:p>
           <a:r>
-            <a:rPr lang="de-DE"/>
-            <a:t>Projekt und Github wurden neugestartet</a:t>
+            <a:rPr lang="de-DE" dirty="0"/>
+            <a:t>Projekt und GitHub wurden neuaufgesetzt</a:t>
           </a:r>
-          <a:endParaRPr lang="en-US"/>
+          <a:endParaRPr lang="en-US" dirty="0"/>
         </a:p>
       </dgm:t>
     </dgm:pt>
@@ -2826,10 +2826,14 @@
         <a:lstStyle/>
         <a:p>
           <a:r>
-            <a:rPr lang="de-DE"/>
-            <a:t>Fortschritt besser als bei Pygame</a:t>
+            <a:rPr lang="de-DE" dirty="0"/>
+            <a:t>Fortschritt besser als bei </a:t>
           </a:r>
-          <a:endParaRPr lang="en-US"/>
+          <a:r>
+            <a:rPr lang="de-DE" dirty="0" err="1"/>
+            <a:t>Pygame</a:t>
+          </a:r>
+          <a:endParaRPr lang="en-US" dirty="0"/>
         </a:p>
       </dgm:t>
     </dgm:pt>
@@ -2863,10 +2867,14 @@
         <a:lstStyle/>
         <a:p>
           <a:r>
-            <a:rPr lang="de-DE"/>
-            <a:t>Bessere Logik als bei Pygame</a:t>
+            <a:rPr lang="de-DE" dirty="0"/>
+            <a:t>Bessere Logik als bei </a:t>
           </a:r>
-          <a:endParaRPr lang="en-US"/>
+          <a:r>
+            <a:rPr lang="de-DE" dirty="0" err="1"/>
+            <a:t>Pygame</a:t>
+          </a:r>
+          <a:endParaRPr lang="en-US" dirty="0"/>
         </a:p>
       </dgm:t>
     </dgm:pt>
@@ -2928,7 +2936,7 @@
       <dgm:spPr/>
     </dgm:pt>
     <dgm:pt modelId="{686584C8-2E35-4DDA-8C7A-BF09A7623595}" type="pres">
-      <dgm:prSet presAssocID="{63812B80-22D0-4752-BBBA-615380135F99}" presName="parentText" presStyleLbl="node1" presStyleIdx="2" presStyleCnt="5">
+      <dgm:prSet presAssocID="{63812B80-22D0-4752-BBBA-615380135F99}" presName="parentText" presStyleLbl="node1" presStyleIdx="2" presStyleCnt="5" custLinFactNeighborX="-9269">
         <dgm:presLayoutVars>
           <dgm:chMax val="0"/>
           <dgm:bulletEnabled val="1"/>
@@ -3150,10 +3158,10 @@
             <a:buNone/>
           </a:pPr>
           <a:r>
-            <a:rPr lang="de-DE" sz="3200" kern="1200"/>
+            <a:rPr lang="de-DE" sz="3200" kern="1200" dirty="0"/>
             <a:t>Dann Umstieg auf Unreal Engine</a:t>
           </a:r>
-          <a:endParaRPr lang="en-US" sz="3200" kern="1200"/>
+          <a:endParaRPr lang="en-US" sz="3200" kern="1200" dirty="0"/>
         </a:p>
       </dsp:txBody>
       <dsp:txXfrm>
@@ -3229,10 +3237,10 @@
             <a:buNone/>
           </a:pPr>
           <a:r>
-            <a:rPr lang="de-DE" sz="3200" kern="1200"/>
-            <a:t>Projekt und Github wurden neugestartet</a:t>
+            <a:rPr lang="de-DE" sz="3200" kern="1200" dirty="0"/>
+            <a:t>Projekt und GitHub wurden neuaufgesetzt</a:t>
           </a:r>
-          <a:endParaRPr lang="en-US" sz="3200" kern="1200"/>
+          <a:endParaRPr lang="en-US" sz="3200" kern="1200" dirty="0"/>
         </a:p>
       </dsp:txBody>
       <dsp:txXfrm>
@@ -3308,10 +3316,14 @@
             <a:buNone/>
           </a:pPr>
           <a:r>
-            <a:rPr lang="de-DE" sz="3200" kern="1200"/>
-            <a:t>Fortschritt besser als bei Pygame</a:t>
+            <a:rPr lang="de-DE" sz="3200" kern="1200" dirty="0"/>
+            <a:t>Fortschritt besser als bei </a:t>
           </a:r>
-          <a:endParaRPr lang="en-US" sz="3200" kern="1200"/>
+          <a:r>
+            <a:rPr lang="de-DE" sz="3200" kern="1200" dirty="0" err="1"/>
+            <a:t>Pygame</a:t>
+          </a:r>
+          <a:endParaRPr lang="en-US" sz="3200" kern="1200" dirty="0"/>
         </a:p>
       </dsp:txBody>
       <dsp:txXfrm>
@@ -3387,10 +3399,14 @@
             <a:buNone/>
           </a:pPr>
           <a:r>
-            <a:rPr lang="de-DE" sz="3200" kern="1200"/>
-            <a:t>Bessere Logik als bei Pygame</a:t>
+            <a:rPr lang="de-DE" sz="3200" kern="1200" dirty="0"/>
+            <a:t>Bessere Logik als bei </a:t>
           </a:r>
-          <a:endParaRPr lang="en-US" sz="3200" kern="1200"/>
+          <a:r>
+            <a:rPr lang="de-DE" sz="3200" kern="1200" dirty="0" err="1"/>
+            <a:t>Pygame</a:t>
+          </a:r>
+          <a:endParaRPr lang="en-US" sz="3200" kern="1200" dirty="0"/>
         </a:p>
       </dsp:txBody>
       <dsp:txXfrm>
@@ -4685,7 +4701,7 @@
           <a:p>
             <a:fld id="{989E8489-F919-42D4-88DC-7BD670D71C27}" type="datetimeFigureOut">
               <a:rPr lang="de-AT" smtClean="0"/>
-              <a:t>17.03.2024</a:t>
+              <a:t>20.03.2024</a:t>
             </a:fld>
             <a:endParaRPr lang="de-AT"/>
           </a:p>
@@ -5186,7 +5202,7 @@
           <a:p>
             <a:fld id="{5993EA66-8A38-44A1-B09D-5C6674AF9FB8}" type="datetimeFigureOut">
               <a:rPr lang="de-AT" smtClean="0"/>
-              <a:t>17.03.2024</a:t>
+              <a:t>20.03.2024</a:t>
             </a:fld>
             <a:endParaRPr lang="de-AT"/>
           </a:p>
@@ -5386,7 +5402,7 @@
           <a:p>
             <a:fld id="{5993EA66-8A38-44A1-B09D-5C6674AF9FB8}" type="datetimeFigureOut">
               <a:rPr lang="de-AT" smtClean="0"/>
-              <a:t>17.03.2024</a:t>
+              <a:t>20.03.2024</a:t>
             </a:fld>
             <a:endParaRPr lang="de-AT"/>
           </a:p>
@@ -5596,7 +5612,7 @@
           <a:p>
             <a:fld id="{5993EA66-8A38-44A1-B09D-5C6674AF9FB8}" type="datetimeFigureOut">
               <a:rPr lang="de-AT" smtClean="0"/>
-              <a:t>17.03.2024</a:t>
+              <a:t>20.03.2024</a:t>
             </a:fld>
             <a:endParaRPr lang="de-AT"/>
           </a:p>
@@ -5796,7 +5812,7 @@
           <a:p>
             <a:fld id="{5993EA66-8A38-44A1-B09D-5C6674AF9FB8}" type="datetimeFigureOut">
               <a:rPr lang="de-AT" smtClean="0"/>
-              <a:t>17.03.2024</a:t>
+              <a:t>20.03.2024</a:t>
             </a:fld>
             <a:endParaRPr lang="de-AT"/>
           </a:p>
@@ -6072,7 +6088,7 @@
           <a:p>
             <a:fld id="{5993EA66-8A38-44A1-B09D-5C6674AF9FB8}" type="datetimeFigureOut">
               <a:rPr lang="de-AT" smtClean="0"/>
-              <a:t>17.03.2024</a:t>
+              <a:t>20.03.2024</a:t>
             </a:fld>
             <a:endParaRPr lang="de-AT"/>
           </a:p>
@@ -6340,7 +6356,7 @@
           <a:p>
             <a:fld id="{5993EA66-8A38-44A1-B09D-5C6674AF9FB8}" type="datetimeFigureOut">
               <a:rPr lang="de-AT" smtClean="0"/>
-              <a:t>17.03.2024</a:t>
+              <a:t>20.03.2024</a:t>
             </a:fld>
             <a:endParaRPr lang="de-AT"/>
           </a:p>
@@ -6755,7 +6771,7 @@
           <a:p>
             <a:fld id="{5993EA66-8A38-44A1-B09D-5C6674AF9FB8}" type="datetimeFigureOut">
               <a:rPr lang="de-AT" smtClean="0"/>
-              <a:t>17.03.2024</a:t>
+              <a:t>20.03.2024</a:t>
             </a:fld>
             <a:endParaRPr lang="de-AT"/>
           </a:p>
@@ -6897,7 +6913,7 @@
           <a:p>
             <a:fld id="{5993EA66-8A38-44A1-B09D-5C6674AF9FB8}" type="datetimeFigureOut">
               <a:rPr lang="de-AT" smtClean="0"/>
-              <a:t>17.03.2024</a:t>
+              <a:t>20.03.2024</a:t>
             </a:fld>
             <a:endParaRPr lang="de-AT"/>
           </a:p>
@@ -7010,7 +7026,7 @@
           <a:p>
             <a:fld id="{5993EA66-8A38-44A1-B09D-5C6674AF9FB8}" type="datetimeFigureOut">
               <a:rPr lang="de-AT" smtClean="0"/>
-              <a:t>17.03.2024</a:t>
+              <a:t>20.03.2024</a:t>
             </a:fld>
             <a:endParaRPr lang="de-AT"/>
           </a:p>
@@ -7323,7 +7339,7 @@
           <a:p>
             <a:fld id="{5993EA66-8A38-44A1-B09D-5C6674AF9FB8}" type="datetimeFigureOut">
               <a:rPr lang="de-AT" smtClean="0"/>
-              <a:t>17.03.2024</a:t>
+              <a:t>20.03.2024</a:t>
             </a:fld>
             <a:endParaRPr lang="de-AT"/>
           </a:p>
@@ -7612,7 +7628,7 @@
           <a:p>
             <a:fld id="{5993EA66-8A38-44A1-B09D-5C6674AF9FB8}" type="datetimeFigureOut">
               <a:rPr lang="de-AT" smtClean="0"/>
-              <a:t>17.03.2024</a:t>
+              <a:t>20.03.2024</a:t>
             </a:fld>
             <a:endParaRPr lang="de-AT"/>
           </a:p>
@@ -7855,7 +7871,7 @@
           <a:p>
             <a:fld id="{5993EA66-8A38-44A1-B09D-5C6674AF9FB8}" type="datetimeFigureOut">
               <a:rPr lang="de-AT" smtClean="0"/>
-              <a:t>17.03.2024</a:t>
+              <a:t>20.03.2024</a:t>
             </a:fld>
             <a:endParaRPr lang="de-AT"/>
           </a:p>
@@ -9580,6 +9596,13 @@
           <a:p>
             <a:pPr lvl="1"/>
             <a:r>
+              <a:rPr lang="de-DE" dirty="0"/>
+              <a:t>Level Auswahl</a:t>
+            </a:r>
+          </a:p>
+          <a:p>
+            <a:pPr lvl="1"/>
+            <a:r>
               <a:rPr lang="de-DE" dirty="0" err="1"/>
               <a:t>Quit</a:t>
             </a:r>
@@ -9775,7 +9798,7 @@
             <a:pPr lvl="1"/>
             <a:r>
               <a:rPr lang="de-DE" dirty="0"/>
-              <a:t>Im Zeitplan</a:t>
+              <a:t>Verzögerung</a:t>
             </a:r>
           </a:p>
           <a:p>
@@ -9856,6 +9879,11 @@
           </p:cNvGraphicFramePr>
           <p:nvPr>
             <p:ph idx="1"/>
+            <p:extLst>
+              <p:ext uri="{D42A27DB-BD31-4B8C-83A1-F6EECF244321}">
+                <p14:modId xmlns:p14="http://schemas.microsoft.com/office/powerpoint/2010/main" val="3345857170"/>
+              </p:ext>
+            </p:extLst>
           </p:nvPr>
         </p:nvGraphicFramePr>
         <p:xfrm>
@@ -9882,6 +9910,1134 @@
 </file>
 
 <file path=ppt/slides/slide7.xml><?xml version="1.0" encoding="utf-8"?>
+<p:sld xmlns:a="http://schemas.openxmlformats.org/drawingml/2006/main" xmlns:r="http://schemas.openxmlformats.org/officeDocument/2006/relationships" xmlns:p="http://schemas.openxmlformats.org/presentationml/2006/main">
+  <p:cSld>
+    <p:bg>
+      <p:bgPr>
+        <a:solidFill>
+          <a:schemeClr val="bg1"/>
+        </a:solidFill>
+        <a:effectLst/>
+      </p:bgPr>
+    </p:bg>
+    <p:spTree>
+      <p:nvGrpSpPr>
+        <p:cNvPr id="1" name=""/>
+        <p:cNvGrpSpPr/>
+        <p:nvPr/>
+      </p:nvGrpSpPr>
+      <p:grpSpPr>
+        <a:xfrm>
+          <a:off x="0" y="0"/>
+          <a:ext cx="0" cy="0"/>
+          <a:chOff x="0" y="0"/>
+          <a:chExt cx="0" cy="0"/>
+        </a:xfrm>
+      </p:grpSpPr>
+      <p:sp useBgFill="1">
+        <p:nvSpPr>
+          <p:cNvPr id="26" name="Rectangle 25">
+            <a:extLst>
+              <a:ext uri="{FF2B5EF4-FFF2-40B4-BE49-F238E27FC236}">
+                <a16:creationId xmlns:a16="http://schemas.microsoft.com/office/drawing/2014/main" id="{FFCDD23B-75C8-427B-BD08-53C8156CD7CD}"/>
+              </a:ext>
+              <a:ext uri="{C183D7F6-B498-43B3-948B-1728B52AA6E4}">
+                <adec:decorative xmlns:adec="http://schemas.microsoft.com/office/drawing/2017/decorative" val="1"/>
+              </a:ext>
+            </a:extLst>
+          </p:cNvPr>
+          <p:cNvSpPr>
+            <a:spLocks noGrp="1" noRot="1" noChangeAspect="1" noMove="1" noResize="1" noEditPoints="1" noAdjustHandles="1" noChangeArrowheads="1" noChangeShapeType="1" noTextEdit="1"/>
+          </p:cNvSpPr>
+          <p:nvPr>
+            <p:extLst>
+              <p:ext uri="{386F3935-93C4-4BCD-93E2-E3B085C9AB24}">
+                <p16:designElem xmlns:p16="http://schemas.microsoft.com/office/powerpoint/2015/main" val="1"/>
+              </p:ext>
+            </p:extLst>
+          </p:nvPr>
+        </p:nvSpPr>
+        <p:spPr>
+          <a:xfrm>
+            <a:off x="-2" y="0"/>
+            <a:ext cx="12192000" cy="6858000"/>
+          </a:xfrm>
+          <a:prstGeom prst="rect">
+            <a:avLst/>
+          </a:prstGeom>
+          <a:ln w="12700" cap="flat" cmpd="sng" algn="ctr">
+            <a:noFill/>
+            <a:prstDash val="solid"/>
+            <a:miter lim="800000"/>
+          </a:ln>
+          <a:effectLst/>
+          <a:extLst>
+            <a:ext uri="{91240B29-F687-4F45-9708-019B960494DF}">
+              <a14:hiddenLine xmlns:a14="http://schemas.microsoft.com/office/drawing/2010/main" w="12700" cap="flat" cmpd="sng" algn="ctr">
+                <a:solidFill>
+                  <a:schemeClr val="accent1">
+                    <a:shade val="50000"/>
+                  </a:schemeClr>
+                </a:solidFill>
+                <a:prstDash val="solid"/>
+                <a:miter lim="800000"/>
+              </a14:hiddenLine>
+            </a:ext>
+          </a:extLst>
+        </p:spPr>
+        <p:style>
+          <a:lnRef idx="2">
+            <a:schemeClr val="accent1">
+              <a:shade val="50000"/>
+            </a:schemeClr>
+          </a:lnRef>
+          <a:fillRef idx="1">
+            <a:schemeClr val="accent1"/>
+          </a:fillRef>
+          <a:effectRef idx="0">
+            <a:schemeClr val="accent1"/>
+          </a:effectRef>
+          <a:fontRef idx="minor">
+            <a:schemeClr val="lt1"/>
+          </a:fontRef>
+        </p:style>
+        <p:txBody>
+          <a:bodyPr rtlCol="0" anchor="ctr"/>
+          <a:lstStyle/>
+          <a:p>
+            <a:pPr algn="ctr"/>
+            <a:endParaRPr lang="en-US"/>
+          </a:p>
+        </p:txBody>
+      </p:sp>
+      <p:pic>
+        <p:nvPicPr>
+          <p:cNvPr id="9" name="Inhaltsplatzhalter 8">
+            <a:extLst>
+              <a:ext uri="{FF2B5EF4-FFF2-40B4-BE49-F238E27FC236}">
+                <a16:creationId xmlns:a16="http://schemas.microsoft.com/office/drawing/2014/main" id="{1E4562B3-2745-C71D-11DF-250E299DE353}"/>
+              </a:ext>
+            </a:extLst>
+          </p:cNvPr>
+          <p:cNvPicPr>
+            <a:picLocks noGrp="1" noChangeAspect="1"/>
+          </p:cNvPicPr>
+          <p:nvPr>
+            <p:ph idx="1"/>
+          </p:nvPr>
+        </p:nvPicPr>
+        <p:blipFill rotWithShape="1">
+          <a:blip r:embed="rId2"/>
+          <a:srcRect t="5018" r="-1" b="3120"/>
+          <a:stretch/>
+        </p:blipFill>
+        <p:spPr>
+          <a:xfrm>
+            <a:off x="-1" y="190"/>
+            <a:ext cx="8128855" cy="5291194"/>
+          </a:xfrm>
+          <a:prstGeom prst="rect">
+            <a:avLst/>
+          </a:prstGeom>
+        </p:spPr>
+      </p:pic>
+      <p:sp>
+        <p:nvSpPr>
+          <p:cNvPr id="28" name="Rectangle 27">
+            <a:extLst>
+              <a:ext uri="{FF2B5EF4-FFF2-40B4-BE49-F238E27FC236}">
+                <a16:creationId xmlns:a16="http://schemas.microsoft.com/office/drawing/2014/main" id="{AFFC87AC-C919-4FE5-BAC3-39509E001152}"/>
+              </a:ext>
+              <a:ext uri="{C183D7F6-B498-43B3-948B-1728B52AA6E4}">
+                <adec:decorative xmlns:adec="http://schemas.microsoft.com/office/drawing/2017/decorative" val="1"/>
+              </a:ext>
+            </a:extLst>
+          </p:cNvPr>
+          <p:cNvSpPr>
+            <a:spLocks noGrp="1" noRot="1" noChangeAspect="1" noMove="1" noResize="1" noEditPoints="1" noAdjustHandles="1" noChangeArrowheads="1" noChangeShapeType="1" noTextEdit="1"/>
+          </p:cNvSpPr>
+          <p:nvPr>
+            <p:extLst>
+              <p:ext uri="{386F3935-93C4-4BCD-93E2-E3B085C9AB24}">
+                <p16:designElem xmlns:p16="http://schemas.microsoft.com/office/powerpoint/2015/main" val="1"/>
+              </p:ext>
+            </p:extLst>
+          </p:nvPr>
+        </p:nvSpPr>
+        <p:spPr>
+          <a:xfrm flipH="1">
+            <a:off x="-264" y="5282206"/>
+            <a:ext cx="12192264" cy="1163844"/>
+          </a:xfrm>
+          <a:prstGeom prst="rect">
+            <a:avLst/>
+          </a:prstGeom>
+          <a:gradFill>
+            <a:gsLst>
+              <a:gs pos="28000">
+                <a:schemeClr val="accent1">
+                  <a:lumMod val="75000"/>
+                  <a:alpha val="11000"/>
+                </a:schemeClr>
+              </a:gs>
+              <a:gs pos="100000">
+                <a:srgbClr val="000000">
+                  <a:alpha val="77000"/>
+                </a:srgbClr>
+              </a:gs>
+            </a:gsLst>
+            <a:lin ang="12600000" scaled="0"/>
+          </a:gradFill>
+          <a:ln>
+            <a:noFill/>
+          </a:ln>
+        </p:spPr>
+        <p:style>
+          <a:lnRef idx="2">
+            <a:schemeClr val="accent1">
+              <a:shade val="50000"/>
+            </a:schemeClr>
+          </a:lnRef>
+          <a:fillRef idx="1">
+            <a:schemeClr val="accent1"/>
+          </a:fillRef>
+          <a:effectRef idx="0">
+            <a:schemeClr val="accent1"/>
+          </a:effectRef>
+          <a:fontRef idx="minor">
+            <a:schemeClr val="lt1"/>
+          </a:fontRef>
+        </p:style>
+        <p:txBody>
+          <a:bodyPr rtlCol="0" anchor="ctr"/>
+          <a:lstStyle/>
+          <a:p>
+            <a:pPr algn="ctr"/>
+            <a:endParaRPr lang="en-US" dirty="0"/>
+          </a:p>
+        </p:txBody>
+      </p:sp>
+      <p:sp>
+        <p:nvSpPr>
+          <p:cNvPr id="30" name="Rectangle 29">
+            <a:extLst>
+              <a:ext uri="{FF2B5EF4-FFF2-40B4-BE49-F238E27FC236}">
+                <a16:creationId xmlns:a16="http://schemas.microsoft.com/office/drawing/2014/main" id="{AB5E08C4-8CDD-4623-A5B8-E998C6DEE3B7}"/>
+              </a:ext>
+              <a:ext uri="{C183D7F6-B498-43B3-948B-1728B52AA6E4}">
+                <adec:decorative xmlns:adec="http://schemas.microsoft.com/office/drawing/2017/decorative" val="1"/>
+              </a:ext>
+            </a:extLst>
+          </p:cNvPr>
+          <p:cNvSpPr>
+            <a:spLocks noGrp="1" noRot="1" noChangeAspect="1" noMove="1" noResize="1" noEditPoints="1" noAdjustHandles="1" noChangeArrowheads="1" noChangeShapeType="1" noTextEdit="1"/>
+          </p:cNvSpPr>
+          <p:nvPr>
+            <p:extLst>
+              <p:ext uri="{386F3935-93C4-4BCD-93E2-E3B085C9AB24}">
+                <p16:designElem xmlns:p16="http://schemas.microsoft.com/office/powerpoint/2015/main" val="1"/>
+              </p:ext>
+            </p:extLst>
+          </p:nvPr>
+        </p:nvSpPr>
+        <p:spPr>
+          <a:xfrm flipH="1">
+            <a:off x="2" y="5282206"/>
+            <a:ext cx="12191998" cy="1586485"/>
+          </a:xfrm>
+          <a:prstGeom prst="rect">
+            <a:avLst/>
+          </a:prstGeom>
+          <a:gradFill>
+            <a:gsLst>
+              <a:gs pos="0">
+                <a:srgbClr val="000000">
+                  <a:alpha val="96000"/>
+                </a:srgbClr>
+              </a:gs>
+              <a:gs pos="100000">
+                <a:schemeClr val="accent1"/>
+              </a:gs>
+            </a:gsLst>
+            <a:lin ang="8400000" scaled="0"/>
+          </a:gradFill>
+          <a:ln>
+            <a:noFill/>
+          </a:ln>
+        </p:spPr>
+        <p:style>
+          <a:lnRef idx="2">
+            <a:schemeClr val="accent1">
+              <a:shade val="50000"/>
+            </a:schemeClr>
+          </a:lnRef>
+          <a:fillRef idx="1">
+            <a:schemeClr val="accent1"/>
+          </a:fillRef>
+          <a:effectRef idx="0">
+            <a:schemeClr val="accent1"/>
+          </a:effectRef>
+          <a:fontRef idx="minor">
+            <a:schemeClr val="lt1"/>
+          </a:fontRef>
+        </p:style>
+        <p:txBody>
+          <a:bodyPr rtlCol="0" anchor="ctr"/>
+          <a:lstStyle/>
+          <a:p>
+            <a:pPr algn="ctr"/>
+            <a:endParaRPr lang="en-US"/>
+          </a:p>
+        </p:txBody>
+      </p:sp>
+      <p:sp>
+        <p:nvSpPr>
+          <p:cNvPr id="2" name="Titel 1">
+            <a:extLst>
+              <a:ext uri="{FF2B5EF4-FFF2-40B4-BE49-F238E27FC236}">
+                <a16:creationId xmlns:a16="http://schemas.microsoft.com/office/drawing/2014/main" id="{5AA4DD93-1EFE-9751-5205-FDB5B7815117}"/>
+              </a:ext>
+            </a:extLst>
+          </p:cNvPr>
+          <p:cNvSpPr>
+            <a:spLocks noGrp="1"/>
+          </p:cNvSpPr>
+          <p:nvPr>
+            <p:ph type="title"/>
+          </p:nvPr>
+        </p:nvSpPr>
+        <p:spPr>
+          <a:xfrm>
+            <a:off x="699715" y="5635366"/>
+            <a:ext cx="7091299" cy="898581"/>
+          </a:xfrm>
+          <a:prstGeom prst="rect">
+            <a:avLst/>
+          </a:prstGeom>
+        </p:spPr>
+        <p:txBody>
+          <a:bodyPr vert="horz" lIns="91440" tIns="45720" rIns="91440" bIns="45720" rtlCol="0" anchor="ctr">
+            <a:normAutofit/>
+          </a:bodyPr>
+          <a:lstStyle/>
+          <a:p>
+            <a:r>
+              <a:rPr lang="en-US" sz="4000" kern="1200">
+                <a:solidFill>
+                  <a:srgbClr val="FFFFFF"/>
+                </a:solidFill>
+                <a:latin typeface="+mj-lt"/>
+                <a:ea typeface="+mj-ea"/>
+                <a:cs typeface="+mj-cs"/>
+              </a:rPr>
+              <a:t>Spieler</a:t>
+            </a:r>
+          </a:p>
+        </p:txBody>
+      </p:sp>
+      <p:sp>
+        <p:nvSpPr>
+          <p:cNvPr id="32" name="Rectangle 31">
+            <a:extLst>
+              <a:ext uri="{FF2B5EF4-FFF2-40B4-BE49-F238E27FC236}">
+                <a16:creationId xmlns:a16="http://schemas.microsoft.com/office/drawing/2014/main" id="{15F33878-D502-4FFA-8ACE-F2AECDB2A23F}"/>
+              </a:ext>
+              <a:ext uri="{C183D7F6-B498-43B3-948B-1728B52AA6E4}">
+                <adec:decorative xmlns:adec="http://schemas.microsoft.com/office/drawing/2017/decorative" val="1"/>
+              </a:ext>
+            </a:extLst>
+          </p:cNvPr>
+          <p:cNvSpPr>
+            <a:spLocks noGrp="1" noRot="1" noChangeAspect="1" noMove="1" noResize="1" noEditPoints="1" noAdjustHandles="1" noChangeArrowheads="1" noChangeShapeType="1" noTextEdit="1"/>
+          </p:cNvSpPr>
+          <p:nvPr>
+            <p:extLst>
+              <p:ext uri="{386F3935-93C4-4BCD-93E2-E3B085C9AB24}">
+                <p16:designElem xmlns:p16="http://schemas.microsoft.com/office/powerpoint/2015/main" val="1"/>
+              </p:ext>
+            </p:extLst>
+          </p:nvPr>
+        </p:nvSpPr>
+        <p:spPr>
+          <a:xfrm rot="10800000" flipH="1">
+            <a:off x="8128857" y="5282206"/>
+            <a:ext cx="4063143" cy="1576412"/>
+          </a:xfrm>
+          <a:prstGeom prst="rect">
+            <a:avLst/>
+          </a:prstGeom>
+          <a:gradFill>
+            <a:gsLst>
+              <a:gs pos="19000">
+                <a:schemeClr val="accent1">
+                  <a:lumMod val="50000"/>
+                  <a:alpha val="68000"/>
+                </a:schemeClr>
+              </a:gs>
+              <a:gs pos="100000">
+                <a:schemeClr val="accent1">
+                  <a:alpha val="79000"/>
+                </a:schemeClr>
+              </a:gs>
+            </a:gsLst>
+            <a:lin ang="19200000" scaled="0"/>
+          </a:gradFill>
+          <a:ln>
+            <a:noFill/>
+          </a:ln>
+        </p:spPr>
+        <p:style>
+          <a:lnRef idx="2">
+            <a:schemeClr val="accent1">
+              <a:shade val="50000"/>
+            </a:schemeClr>
+          </a:lnRef>
+          <a:fillRef idx="1">
+            <a:schemeClr val="accent1"/>
+          </a:fillRef>
+          <a:effectRef idx="0">
+            <a:schemeClr val="accent1"/>
+          </a:effectRef>
+          <a:fontRef idx="minor">
+            <a:schemeClr val="lt1"/>
+          </a:fontRef>
+        </p:style>
+        <p:txBody>
+          <a:bodyPr rtlCol="0" anchor="ctr"/>
+          <a:lstStyle/>
+          <a:p>
+            <a:pPr algn="ctr"/>
+            <a:endParaRPr lang="en-US"/>
+          </a:p>
+        </p:txBody>
+      </p:sp>
+      <p:pic>
+        <p:nvPicPr>
+          <p:cNvPr id="7" name="Grafik 6">
+            <a:extLst>
+              <a:ext uri="{FF2B5EF4-FFF2-40B4-BE49-F238E27FC236}">
+                <a16:creationId xmlns:a16="http://schemas.microsoft.com/office/drawing/2014/main" id="{92F20DCC-90AD-4C68-586F-1A7DED7478C6}"/>
+              </a:ext>
+            </a:extLst>
+          </p:cNvPr>
+          <p:cNvPicPr>
+            <a:picLocks noChangeAspect="1"/>
+          </p:cNvPicPr>
+          <p:nvPr/>
+        </p:nvPicPr>
+        <p:blipFill rotWithShape="1">
+          <a:blip r:embed="rId3"/>
+          <a:srcRect l="9271" r="27186"/>
+          <a:stretch/>
+        </p:blipFill>
+        <p:spPr>
+          <a:xfrm>
+            <a:off x="8128856" y="1"/>
+            <a:ext cx="4063143" cy="5291384"/>
+          </a:xfrm>
+          <a:prstGeom prst="rect">
+            <a:avLst/>
+          </a:prstGeom>
+        </p:spPr>
+      </p:pic>
+    </p:spTree>
+    <p:extLst>
+      <p:ext uri="{BB962C8B-B14F-4D97-AF65-F5344CB8AC3E}">
+        <p14:creationId xmlns:p14="http://schemas.microsoft.com/office/powerpoint/2010/main" val="3721064580"/>
+      </p:ext>
+    </p:extLst>
+  </p:cSld>
+  <p:clrMapOvr>
+    <a:masterClrMapping/>
+  </p:clrMapOvr>
+</p:sld>
+</file>
+
+<file path=ppt/slides/slide8.xml><?xml version="1.0" encoding="utf-8"?>
+<p:sld xmlns:a="http://schemas.openxmlformats.org/drawingml/2006/main" xmlns:r="http://schemas.openxmlformats.org/officeDocument/2006/relationships" xmlns:p="http://schemas.openxmlformats.org/presentationml/2006/main">
+  <p:cSld>
+    <p:bg>
+      <p:bgPr>
+        <a:solidFill>
+          <a:schemeClr val="bg1"/>
+        </a:solidFill>
+        <a:effectLst/>
+      </p:bgPr>
+    </p:bg>
+    <p:spTree>
+      <p:nvGrpSpPr>
+        <p:cNvPr id="1" name=""/>
+        <p:cNvGrpSpPr/>
+        <p:nvPr/>
+      </p:nvGrpSpPr>
+      <p:grpSpPr>
+        <a:xfrm>
+          <a:off x="0" y="0"/>
+          <a:ext cx="0" cy="0"/>
+          <a:chOff x="0" y="0"/>
+          <a:chExt cx="0" cy="0"/>
+        </a:xfrm>
+      </p:grpSpPr>
+      <p:sp useBgFill="1">
+        <p:nvSpPr>
+          <p:cNvPr id="21" name="Rectangle 20">
+            <a:extLst>
+              <a:ext uri="{FF2B5EF4-FFF2-40B4-BE49-F238E27FC236}">
+                <a16:creationId xmlns:a16="http://schemas.microsoft.com/office/drawing/2014/main" id="{C4285719-470E-454C-AF62-8323075F1F5B}"/>
+              </a:ext>
+              <a:ext uri="{C183D7F6-B498-43B3-948B-1728B52AA6E4}">
+                <adec:decorative xmlns:adec="http://schemas.microsoft.com/office/drawing/2017/decorative" val="1"/>
+              </a:ext>
+            </a:extLst>
+          </p:cNvPr>
+          <p:cNvSpPr>
+            <a:spLocks noGrp="1" noRot="1" noChangeAspect="1" noMove="1" noResize="1" noEditPoints="1" noAdjustHandles="1" noChangeArrowheads="1" noChangeShapeType="1" noTextEdit="1"/>
+          </p:cNvSpPr>
+          <p:nvPr>
+            <p:extLst>
+              <p:ext uri="{386F3935-93C4-4BCD-93E2-E3B085C9AB24}">
+                <p16:designElem xmlns:p16="http://schemas.microsoft.com/office/powerpoint/2015/main" val="1"/>
+              </p:ext>
+            </p:extLst>
+          </p:nvPr>
+        </p:nvSpPr>
+        <p:spPr>
+          <a:xfrm>
+            <a:off x="0" y="0"/>
+            <a:ext cx="12188952" cy="6858000"/>
+          </a:xfrm>
+          <a:prstGeom prst="rect">
+            <a:avLst/>
+          </a:prstGeom>
+          <a:ln w="12700" cap="flat" cmpd="sng" algn="ctr">
+            <a:noFill/>
+            <a:prstDash val="solid"/>
+            <a:miter lim="800000"/>
+          </a:ln>
+          <a:effectLst/>
+          <a:extLst>
+            <a:ext uri="{91240B29-F687-4F45-9708-019B960494DF}">
+              <a14:hiddenLine xmlns:a14="http://schemas.microsoft.com/office/drawing/2010/main" w="12700" cap="flat" cmpd="sng" algn="ctr">
+                <a:solidFill>
+                  <a:schemeClr val="accent1">
+                    <a:shade val="50000"/>
+                  </a:schemeClr>
+                </a:solidFill>
+                <a:prstDash val="solid"/>
+                <a:miter lim="800000"/>
+              </a14:hiddenLine>
+            </a:ext>
+          </a:extLst>
+        </p:spPr>
+        <p:style>
+          <a:lnRef idx="2">
+            <a:schemeClr val="accent1">
+              <a:shade val="50000"/>
+            </a:schemeClr>
+          </a:lnRef>
+          <a:fillRef idx="1">
+            <a:schemeClr val="accent1"/>
+          </a:fillRef>
+          <a:effectRef idx="0">
+            <a:schemeClr val="accent1"/>
+          </a:effectRef>
+          <a:fontRef idx="minor">
+            <a:schemeClr val="lt1"/>
+          </a:fontRef>
+        </p:style>
+        <p:txBody>
+          <a:bodyPr rtlCol="0" anchor="ctr"/>
+          <a:lstStyle/>
+          <a:p>
+            <a:pPr algn="ctr"/>
+            <a:endParaRPr lang="en-US"/>
+          </a:p>
+        </p:txBody>
+      </p:sp>
+      <p:sp>
+        <p:nvSpPr>
+          <p:cNvPr id="23" name="Rectangle 22">
+            <a:extLst>
+              <a:ext uri="{FF2B5EF4-FFF2-40B4-BE49-F238E27FC236}">
+                <a16:creationId xmlns:a16="http://schemas.microsoft.com/office/drawing/2014/main" id="{CD9FE4EF-C4D8-49A0-B2FF-81D8DB7D8A24}"/>
+              </a:ext>
+              <a:ext uri="{C183D7F6-B498-43B3-948B-1728B52AA6E4}">
+                <adec:decorative xmlns:adec="http://schemas.microsoft.com/office/drawing/2017/decorative" val="1"/>
+              </a:ext>
+            </a:extLst>
+          </p:cNvPr>
+          <p:cNvSpPr>
+            <a:spLocks noGrp="1" noRot="1" noChangeAspect="1" noMove="1" noResize="1" noEditPoints="1" noAdjustHandles="1" noChangeArrowheads="1" noChangeShapeType="1" noTextEdit="1"/>
+          </p:cNvSpPr>
+          <p:nvPr>
+            <p:extLst>
+              <p:ext uri="{386F3935-93C4-4BCD-93E2-E3B085C9AB24}">
+                <p16:designElem xmlns:p16="http://schemas.microsoft.com/office/powerpoint/2015/main" val="1"/>
+              </p:ext>
+            </p:extLst>
+          </p:nvPr>
+        </p:nvSpPr>
+        <p:spPr>
+          <a:xfrm rot="5400000" flipH="1">
+            <a:off x="-1410084" y="1410082"/>
+            <a:ext cx="6858000" cy="4037836"/>
+          </a:xfrm>
+          <a:prstGeom prst="rect">
+            <a:avLst/>
+          </a:prstGeom>
+          <a:gradFill>
+            <a:gsLst>
+              <a:gs pos="8000">
+                <a:srgbClr val="000000"/>
+              </a:gs>
+              <a:gs pos="100000">
+                <a:schemeClr val="accent1">
+                  <a:lumMod val="75000"/>
+                </a:schemeClr>
+              </a:gs>
+            </a:gsLst>
+            <a:lin ang="3000000" scaled="0"/>
+          </a:gradFill>
+          <a:ln>
+            <a:noFill/>
+          </a:ln>
+        </p:spPr>
+        <p:style>
+          <a:lnRef idx="2">
+            <a:schemeClr val="accent1">
+              <a:shade val="50000"/>
+            </a:schemeClr>
+          </a:lnRef>
+          <a:fillRef idx="1">
+            <a:schemeClr val="accent1"/>
+          </a:fillRef>
+          <a:effectRef idx="0">
+            <a:schemeClr val="accent1"/>
+          </a:effectRef>
+          <a:fontRef idx="minor">
+            <a:schemeClr val="lt1"/>
+          </a:fontRef>
+        </p:style>
+        <p:txBody>
+          <a:bodyPr rtlCol="0" anchor="ctr"/>
+          <a:lstStyle/>
+          <a:p>
+            <a:pPr algn="ctr"/>
+            <a:endParaRPr lang="en-US"/>
+          </a:p>
+        </p:txBody>
+      </p:sp>
+      <p:sp>
+        <p:nvSpPr>
+          <p:cNvPr id="25" name="Rectangle 24">
+            <a:extLst>
+              <a:ext uri="{FF2B5EF4-FFF2-40B4-BE49-F238E27FC236}">
+                <a16:creationId xmlns:a16="http://schemas.microsoft.com/office/drawing/2014/main" id="{4300840D-0A0B-4512-BACA-B439D5B9C57C}"/>
+              </a:ext>
+              <a:ext uri="{C183D7F6-B498-43B3-948B-1728B52AA6E4}">
+                <adec:decorative xmlns:adec="http://schemas.microsoft.com/office/drawing/2017/decorative" val="1"/>
+              </a:ext>
+            </a:extLst>
+          </p:cNvPr>
+          <p:cNvSpPr>
+            <a:spLocks noGrp="1" noRot="1" noChangeAspect="1" noMove="1" noResize="1" noEditPoints="1" noAdjustHandles="1" noChangeArrowheads="1" noChangeShapeType="1" noTextEdit="1"/>
+          </p:cNvSpPr>
+          <p:nvPr>
+            <p:extLst>
+              <p:ext uri="{386F3935-93C4-4BCD-93E2-E3B085C9AB24}">
+                <p16:designElem xmlns:p16="http://schemas.microsoft.com/office/powerpoint/2015/main" val="1"/>
+              </p:ext>
+            </p:extLst>
+          </p:nvPr>
+        </p:nvSpPr>
+        <p:spPr>
+          <a:xfrm rot="5400000" flipH="1">
+            <a:off x="-1410085" y="1420219"/>
+            <a:ext cx="6857999" cy="4037839"/>
+          </a:xfrm>
+          <a:prstGeom prst="rect">
+            <a:avLst/>
+          </a:prstGeom>
+          <a:gradFill>
+            <a:gsLst>
+              <a:gs pos="0">
+                <a:srgbClr val="000000">
+                  <a:alpha val="0"/>
+                </a:srgbClr>
+              </a:gs>
+              <a:gs pos="99000">
+                <a:schemeClr val="accent1">
+                  <a:alpha val="46000"/>
+                </a:schemeClr>
+              </a:gs>
+            </a:gsLst>
+            <a:lin ang="1800000" scaled="0"/>
+          </a:gradFill>
+          <a:ln>
+            <a:noFill/>
+          </a:ln>
+        </p:spPr>
+        <p:style>
+          <a:lnRef idx="2">
+            <a:schemeClr val="accent1">
+              <a:shade val="50000"/>
+            </a:schemeClr>
+          </a:lnRef>
+          <a:fillRef idx="1">
+            <a:schemeClr val="accent1"/>
+          </a:fillRef>
+          <a:effectRef idx="0">
+            <a:schemeClr val="accent1"/>
+          </a:effectRef>
+          <a:fontRef idx="minor">
+            <a:schemeClr val="lt1"/>
+          </a:fontRef>
+        </p:style>
+        <p:txBody>
+          <a:bodyPr rtlCol="0" anchor="ctr"/>
+          <a:lstStyle/>
+          <a:p>
+            <a:pPr algn="ctr"/>
+            <a:endParaRPr lang="en-US"/>
+          </a:p>
+        </p:txBody>
+      </p:sp>
+      <p:sp>
+        <p:nvSpPr>
+          <p:cNvPr id="27" name="Rectangle 26">
+            <a:extLst>
+              <a:ext uri="{FF2B5EF4-FFF2-40B4-BE49-F238E27FC236}">
+                <a16:creationId xmlns:a16="http://schemas.microsoft.com/office/drawing/2014/main" id="{D2B78728-A580-49A7-84F9-6EF6F583ADE0}"/>
+              </a:ext>
+              <a:ext uri="{C183D7F6-B498-43B3-948B-1728B52AA6E4}">
+                <adec:decorative xmlns:adec="http://schemas.microsoft.com/office/drawing/2017/decorative" val="1"/>
+              </a:ext>
+            </a:extLst>
+          </p:cNvPr>
+          <p:cNvSpPr>
+            <a:spLocks noGrp="1" noRot="1" noChangeAspect="1" noMove="1" noResize="1" noEditPoints="1" noAdjustHandles="1" noChangeArrowheads="1" noChangeShapeType="1" noTextEdit="1"/>
+          </p:cNvSpPr>
+          <p:nvPr>
+            <p:extLst>
+              <p:ext uri="{386F3935-93C4-4BCD-93E2-E3B085C9AB24}">
+                <p16:designElem xmlns:p16="http://schemas.microsoft.com/office/powerpoint/2015/main" val="1"/>
+              </p:ext>
+            </p:extLst>
+          </p:nvPr>
+        </p:nvSpPr>
+        <p:spPr>
+          <a:xfrm rot="5400000" flipH="1">
+            <a:off x="767923" y="3588085"/>
+            <a:ext cx="2501979" cy="4037841"/>
+          </a:xfrm>
+          <a:prstGeom prst="rect">
+            <a:avLst/>
+          </a:prstGeom>
+          <a:gradFill>
+            <a:gsLst>
+              <a:gs pos="2000">
+                <a:schemeClr val="accent1">
+                  <a:alpha val="29000"/>
+                </a:schemeClr>
+              </a:gs>
+              <a:gs pos="100000">
+                <a:srgbClr val="000000">
+                  <a:alpha val="30000"/>
+                </a:srgbClr>
+              </a:gs>
+            </a:gsLst>
+            <a:lin ang="7800000" scaled="0"/>
+          </a:gradFill>
+          <a:ln>
+            <a:noFill/>
+          </a:ln>
+        </p:spPr>
+        <p:style>
+          <a:lnRef idx="2">
+            <a:schemeClr val="accent1">
+              <a:shade val="50000"/>
+            </a:schemeClr>
+          </a:lnRef>
+          <a:fillRef idx="1">
+            <a:schemeClr val="accent1"/>
+          </a:fillRef>
+          <a:effectRef idx="0">
+            <a:schemeClr val="accent1"/>
+          </a:effectRef>
+          <a:fontRef idx="minor">
+            <a:schemeClr val="lt1"/>
+          </a:fontRef>
+        </p:style>
+        <p:txBody>
+          <a:bodyPr rtlCol="0" anchor="ctr"/>
+          <a:lstStyle/>
+          <a:p>
+            <a:pPr algn="ctr"/>
+            <a:endParaRPr lang="en-US" dirty="0"/>
+          </a:p>
+        </p:txBody>
+      </p:sp>
+      <p:sp>
+        <p:nvSpPr>
+          <p:cNvPr id="29" name="Freeform: Shape 28">
+            <a:extLst>
+              <a:ext uri="{FF2B5EF4-FFF2-40B4-BE49-F238E27FC236}">
+                <a16:creationId xmlns:a16="http://schemas.microsoft.com/office/drawing/2014/main" id="{38FAA1A1-D861-433F-88FA-1E9D6FD31D11}"/>
+              </a:ext>
+              <a:ext uri="{C183D7F6-B498-43B3-948B-1728B52AA6E4}">
+                <adec:decorative xmlns:adec="http://schemas.microsoft.com/office/drawing/2017/decorative" val="1"/>
+              </a:ext>
+            </a:extLst>
+          </p:cNvPr>
+          <p:cNvSpPr>
+            <a:spLocks noGrp="1" noRot="1" noChangeAspect="1" noMove="1" noResize="1" noEditPoints="1" noAdjustHandles="1" noChangeArrowheads="1" noChangeShapeType="1" noTextEdit="1"/>
+          </p:cNvSpPr>
+          <p:nvPr>
+            <p:extLst>
+              <p:ext uri="{386F3935-93C4-4BCD-93E2-E3B085C9AB24}">
+                <p16:designElem xmlns:p16="http://schemas.microsoft.com/office/powerpoint/2015/main" val="1"/>
+              </p:ext>
+            </p:extLst>
+          </p:nvPr>
+        </p:nvSpPr>
+        <p:spPr>
+          <a:xfrm rot="20635413">
+            <a:off x="-501737" y="969718"/>
+            <a:ext cx="3900357" cy="4178958"/>
+          </a:xfrm>
+          <a:custGeom>
+            <a:avLst/>
+            <a:gdLst>
+              <a:gd name="connsiteX0" fmla="*/ 2432225 w 3900357"/>
+              <a:gd name="connsiteY0" fmla="*/ 93939 h 4178958"/>
+              <a:gd name="connsiteX1" fmla="*/ 3900357 w 3900357"/>
+              <a:gd name="connsiteY1" fmla="*/ 2089479 h 4178958"/>
+              <a:gd name="connsiteX2" fmla="*/ 1810878 w 3900357"/>
+              <a:gd name="connsiteY2" fmla="*/ 4178958 h 4178958"/>
+              <a:gd name="connsiteX3" fmla="*/ 78249 w 3900357"/>
+              <a:gd name="connsiteY3" fmla="*/ 3257727 h 4178958"/>
+              <a:gd name="connsiteX4" fmla="*/ 0 w 3900357"/>
+              <a:gd name="connsiteY4" fmla="*/ 3128923 h 4178958"/>
+              <a:gd name="connsiteX5" fmla="*/ 831324 w 3900357"/>
+              <a:gd name="connsiteY5" fmla="*/ 244281 h 4178958"/>
+              <a:gd name="connsiteX6" fmla="*/ 997559 w 3900357"/>
+              <a:gd name="connsiteY6" fmla="*/ 164202 h 4178958"/>
+              <a:gd name="connsiteX7" fmla="*/ 1810878 w 3900357"/>
+              <a:gd name="connsiteY7" fmla="*/ 0 h 4178958"/>
+              <a:gd name="connsiteX8" fmla="*/ 2432225 w 3900357"/>
+              <a:gd name="connsiteY8" fmla="*/ 93939 h 4178958"/>
+            </a:gdLst>
+            <a:ahLst/>
+            <a:cxnLst>
+              <a:cxn ang="0">
+                <a:pos x="connsiteX0" y="connsiteY0"/>
+              </a:cxn>
+              <a:cxn ang="0">
+                <a:pos x="connsiteX1" y="connsiteY1"/>
+              </a:cxn>
+              <a:cxn ang="0">
+                <a:pos x="connsiteX2" y="connsiteY2"/>
+              </a:cxn>
+              <a:cxn ang="0">
+                <a:pos x="connsiteX3" y="connsiteY3"/>
+              </a:cxn>
+              <a:cxn ang="0">
+                <a:pos x="connsiteX4" y="connsiteY4"/>
+              </a:cxn>
+              <a:cxn ang="0">
+                <a:pos x="connsiteX5" y="connsiteY5"/>
+              </a:cxn>
+              <a:cxn ang="0">
+                <a:pos x="connsiteX6" y="connsiteY6"/>
+              </a:cxn>
+              <a:cxn ang="0">
+                <a:pos x="connsiteX7" y="connsiteY7"/>
+              </a:cxn>
+              <a:cxn ang="0">
+                <a:pos x="connsiteX8" y="connsiteY8"/>
+              </a:cxn>
+            </a:cxnLst>
+            <a:rect l="l" t="t" r="r" b="b"/>
+            <a:pathLst>
+              <a:path w="3900357" h="4178958">
+                <a:moveTo>
+                  <a:pt x="2432225" y="93939"/>
+                </a:moveTo>
+                <a:cubicBezTo>
+                  <a:pt x="3282786" y="358491"/>
+                  <a:pt x="3900357" y="1151865"/>
+                  <a:pt x="3900357" y="2089479"/>
+                </a:cubicBezTo>
+                <a:cubicBezTo>
+                  <a:pt x="3900357" y="3243466"/>
+                  <a:pt x="2964865" y="4178958"/>
+                  <a:pt x="1810878" y="4178958"/>
+                </a:cubicBezTo>
+                <a:cubicBezTo>
+                  <a:pt x="1089636" y="4178958"/>
+                  <a:pt x="453744" y="3813531"/>
+                  <a:pt x="78249" y="3257727"/>
+                </a:cubicBezTo>
+                <a:lnTo>
+                  <a:pt x="0" y="3128923"/>
+                </a:lnTo>
+                <a:lnTo>
+                  <a:pt x="831324" y="244281"/>
+                </a:lnTo>
+                <a:lnTo>
+                  <a:pt x="997559" y="164202"/>
+                </a:lnTo>
+                <a:cubicBezTo>
+                  <a:pt x="1247540" y="58468"/>
+                  <a:pt x="1522381" y="0"/>
+                  <a:pt x="1810878" y="0"/>
+                </a:cubicBezTo>
+                <a:cubicBezTo>
+                  <a:pt x="2027251" y="0"/>
+                  <a:pt x="2235942" y="32888"/>
+                  <a:pt x="2432225" y="93939"/>
+                </a:cubicBezTo>
+                <a:close/>
+              </a:path>
+            </a:pathLst>
+          </a:custGeom>
+          <a:gradFill>
+            <a:gsLst>
+              <a:gs pos="29000">
+                <a:srgbClr val="000000">
+                  <a:alpha val="0"/>
+                </a:srgbClr>
+              </a:gs>
+              <a:gs pos="100000">
+                <a:schemeClr val="accent1">
+                  <a:alpha val="43000"/>
+                </a:schemeClr>
+              </a:gs>
+            </a:gsLst>
+            <a:lin ang="1800000" scaled="0"/>
+          </a:gradFill>
+          <a:ln>
+            <a:noFill/>
+          </a:ln>
+        </p:spPr>
+        <p:style>
+          <a:lnRef idx="2">
+            <a:schemeClr val="accent1">
+              <a:shade val="50000"/>
+            </a:schemeClr>
+          </a:lnRef>
+          <a:fillRef idx="1">
+            <a:schemeClr val="accent1"/>
+          </a:fillRef>
+          <a:effectRef idx="0">
+            <a:schemeClr val="accent1"/>
+          </a:effectRef>
+          <a:fontRef idx="minor">
+            <a:schemeClr val="lt1"/>
+          </a:fontRef>
+        </p:style>
+        <p:txBody>
+          <a:bodyPr wrap="square" rtlCol="0" anchor="ctr">
+            <a:noAutofit/>
+          </a:bodyPr>
+          <a:lstStyle/>
+          <a:p>
+            <a:pPr algn="ctr"/>
+            <a:endParaRPr lang="en-US" dirty="0"/>
+          </a:p>
+        </p:txBody>
+      </p:sp>
+      <p:sp>
+        <p:nvSpPr>
+          <p:cNvPr id="31" name="Rectangle 30">
+            <a:extLst>
+              <a:ext uri="{FF2B5EF4-FFF2-40B4-BE49-F238E27FC236}">
+                <a16:creationId xmlns:a16="http://schemas.microsoft.com/office/drawing/2014/main" id="{8D71EDA1-87BF-4D5D-AB79-F346FD19278A}"/>
+              </a:ext>
+              <a:ext uri="{C183D7F6-B498-43B3-948B-1728B52AA6E4}">
+                <adec:decorative xmlns:adec="http://schemas.microsoft.com/office/drawing/2017/decorative" val="1"/>
+              </a:ext>
+            </a:extLst>
+          </p:cNvPr>
+          <p:cNvSpPr>
+            <a:spLocks noGrp="1" noRot="1" noChangeAspect="1" noMove="1" noResize="1" noEditPoints="1" noAdjustHandles="1" noChangeArrowheads="1" noChangeShapeType="1" noTextEdit="1"/>
+          </p:cNvSpPr>
+          <p:nvPr>
+            <p:extLst>
+              <p:ext uri="{386F3935-93C4-4BCD-93E2-E3B085C9AB24}">
+                <p16:designElem xmlns:p16="http://schemas.microsoft.com/office/powerpoint/2015/main" val="1"/>
+              </p:ext>
+            </p:extLst>
+          </p:nvPr>
+        </p:nvSpPr>
+        <p:spPr>
+          <a:xfrm rot="5400000" flipH="1">
+            <a:off x="-1410093" y="1399943"/>
+            <a:ext cx="6858003" cy="4037835"/>
+          </a:xfrm>
+          <a:prstGeom prst="rect">
+            <a:avLst/>
+          </a:prstGeom>
+          <a:gradFill>
+            <a:gsLst>
+              <a:gs pos="0">
+                <a:srgbClr val="000000">
+                  <a:alpha val="0"/>
+                </a:srgbClr>
+              </a:gs>
+              <a:gs pos="99000">
+                <a:schemeClr val="accent1">
+                  <a:lumMod val="60000"/>
+                  <a:lumOff val="40000"/>
+                  <a:alpha val="11000"/>
+                </a:schemeClr>
+              </a:gs>
+            </a:gsLst>
+            <a:lin ang="7200000" scaled="0"/>
+          </a:gradFill>
+          <a:ln>
+            <a:noFill/>
+          </a:ln>
+        </p:spPr>
+        <p:style>
+          <a:lnRef idx="2">
+            <a:schemeClr val="accent1">
+              <a:shade val="50000"/>
+            </a:schemeClr>
+          </a:lnRef>
+          <a:fillRef idx="1">
+            <a:schemeClr val="accent1"/>
+          </a:fillRef>
+          <a:effectRef idx="0">
+            <a:schemeClr val="accent1"/>
+          </a:effectRef>
+          <a:fontRef idx="minor">
+            <a:schemeClr val="lt1"/>
+          </a:fontRef>
+        </p:style>
+        <p:txBody>
+          <a:bodyPr rtlCol="0" anchor="ctr"/>
+          <a:lstStyle/>
+          <a:p>
+            <a:pPr algn="ctr"/>
+            <a:endParaRPr lang="en-US"/>
+          </a:p>
+        </p:txBody>
+      </p:sp>
+      <p:sp>
+        <p:nvSpPr>
+          <p:cNvPr id="2" name="Titel 1">
+            <a:extLst>
+              <a:ext uri="{FF2B5EF4-FFF2-40B4-BE49-F238E27FC236}">
+                <a16:creationId xmlns:a16="http://schemas.microsoft.com/office/drawing/2014/main" id="{16F5D4D1-1DD4-E287-FAE1-0F057933E158}"/>
+              </a:ext>
+            </a:extLst>
+          </p:cNvPr>
+          <p:cNvSpPr>
+            <a:spLocks noGrp="1"/>
+          </p:cNvSpPr>
+          <p:nvPr>
+            <p:ph type="title"/>
+          </p:nvPr>
+        </p:nvSpPr>
+        <p:spPr>
+          <a:xfrm>
+            <a:off x="466722" y="586855"/>
+            <a:ext cx="3201366" cy="3387497"/>
+          </a:xfrm>
+        </p:spPr>
+        <p:txBody>
+          <a:bodyPr vert="horz" lIns="91440" tIns="45720" rIns="91440" bIns="45720" rtlCol="0" anchor="b">
+            <a:normAutofit/>
+          </a:bodyPr>
+          <a:lstStyle/>
+          <a:p>
+            <a:r>
+              <a:rPr lang="en-US" sz="4000" b="1" dirty="0">
+                <a:solidFill>
+                  <a:srgbClr val="FFFFFF"/>
+                </a:solidFill>
+              </a:rPr>
+              <a:t>Map</a:t>
+            </a:r>
+          </a:p>
+        </p:txBody>
+      </p:sp>
+      <p:sp>
+        <p:nvSpPr>
+          <p:cNvPr id="18" name="Content Placeholder 17">
+            <a:extLst>
+              <a:ext uri="{FF2B5EF4-FFF2-40B4-BE49-F238E27FC236}">
+                <a16:creationId xmlns:a16="http://schemas.microsoft.com/office/drawing/2014/main" id="{467E8F1E-3760-B088-A896-0CDB250DAD7F}"/>
+              </a:ext>
+            </a:extLst>
+          </p:cNvPr>
+          <p:cNvSpPr>
+            <a:spLocks noGrp="1"/>
+          </p:cNvSpPr>
+          <p:nvPr>
+            <p:ph idx="1"/>
+          </p:nvPr>
+        </p:nvSpPr>
+        <p:spPr>
+          <a:xfrm>
+            <a:off x="4581727" y="649480"/>
+            <a:ext cx="3025303" cy="5546047"/>
+          </a:xfrm>
+        </p:spPr>
+        <p:txBody>
+          <a:bodyPr anchor="ctr">
+            <a:normAutofit/>
+          </a:bodyPr>
+          <a:lstStyle/>
+          <a:p>
+            <a:endParaRPr lang="en-US" sz="2000"/>
+          </a:p>
+        </p:txBody>
+      </p:sp>
+      <p:pic>
+        <p:nvPicPr>
+          <p:cNvPr id="5" name="Inhaltsplatzhalter 4">
+            <a:extLst>
+              <a:ext uri="{FF2B5EF4-FFF2-40B4-BE49-F238E27FC236}">
+                <a16:creationId xmlns:a16="http://schemas.microsoft.com/office/drawing/2014/main" id="{77F674F2-948F-1DA4-2819-598BA8249A97}"/>
+              </a:ext>
+            </a:extLst>
+          </p:cNvPr>
+          <p:cNvPicPr>
+            <a:picLocks noChangeAspect="1"/>
+          </p:cNvPicPr>
+          <p:nvPr/>
+        </p:nvPicPr>
+        <p:blipFill rotWithShape="1">
+          <a:blip r:embed="rId2"/>
+          <a:srcRect r="888" b="-1"/>
+          <a:stretch/>
+        </p:blipFill>
+        <p:spPr>
+          <a:xfrm>
+            <a:off x="1710812" y="526518"/>
+            <a:ext cx="10283884" cy="5784684"/>
+          </a:xfrm>
+          <a:prstGeom prst="rect">
+            <a:avLst/>
+          </a:prstGeom>
+        </p:spPr>
+      </p:pic>
+    </p:spTree>
+    <p:extLst>
+      <p:ext uri="{BB962C8B-B14F-4D97-AF65-F5344CB8AC3E}">
+        <p14:creationId xmlns:p14="http://schemas.microsoft.com/office/powerpoint/2010/main" val="567779977"/>
+      </p:ext>
+    </p:extLst>
+  </p:cSld>
+  <p:clrMapOvr>
+    <a:masterClrMapping/>
+  </p:clrMapOvr>
+</p:sld>
+</file>
+
+<file path=ppt/slides/slide9.xml><?xml version="1.0" encoding="utf-8"?>
 <p:sld xmlns:a="http://schemas.openxmlformats.org/drawingml/2006/main" xmlns:r="http://schemas.openxmlformats.org/officeDocument/2006/relationships" xmlns:p="http://schemas.openxmlformats.org/presentationml/2006/main">
   <p:cSld>
     <p:bg>
@@ -10472,1134 +11628,6 @@
     <p:extLst>
       <p:ext uri="{BB962C8B-B14F-4D97-AF65-F5344CB8AC3E}">
         <p14:creationId xmlns:p14="http://schemas.microsoft.com/office/powerpoint/2010/main" val="3345182395"/>
-      </p:ext>
-    </p:extLst>
-  </p:cSld>
-  <p:clrMapOvr>
-    <a:masterClrMapping/>
-  </p:clrMapOvr>
-</p:sld>
-</file>
-
-<file path=ppt/slides/slide8.xml><?xml version="1.0" encoding="utf-8"?>
-<p:sld xmlns:a="http://schemas.openxmlformats.org/drawingml/2006/main" xmlns:r="http://schemas.openxmlformats.org/officeDocument/2006/relationships" xmlns:p="http://schemas.openxmlformats.org/presentationml/2006/main">
-  <p:cSld>
-    <p:bg>
-      <p:bgPr>
-        <a:solidFill>
-          <a:schemeClr val="bg1"/>
-        </a:solidFill>
-        <a:effectLst/>
-      </p:bgPr>
-    </p:bg>
-    <p:spTree>
-      <p:nvGrpSpPr>
-        <p:cNvPr id="1" name=""/>
-        <p:cNvGrpSpPr/>
-        <p:nvPr/>
-      </p:nvGrpSpPr>
-      <p:grpSpPr>
-        <a:xfrm>
-          <a:off x="0" y="0"/>
-          <a:ext cx="0" cy="0"/>
-          <a:chOff x="0" y="0"/>
-          <a:chExt cx="0" cy="0"/>
-        </a:xfrm>
-      </p:grpSpPr>
-      <p:sp useBgFill="1">
-        <p:nvSpPr>
-          <p:cNvPr id="21" name="Rectangle 20">
-            <a:extLst>
-              <a:ext uri="{FF2B5EF4-FFF2-40B4-BE49-F238E27FC236}">
-                <a16:creationId xmlns:a16="http://schemas.microsoft.com/office/drawing/2014/main" id="{C4285719-470E-454C-AF62-8323075F1F5B}"/>
-              </a:ext>
-              <a:ext uri="{C183D7F6-B498-43B3-948B-1728B52AA6E4}">
-                <adec:decorative xmlns:adec="http://schemas.microsoft.com/office/drawing/2017/decorative" val="1"/>
-              </a:ext>
-            </a:extLst>
-          </p:cNvPr>
-          <p:cNvSpPr>
-            <a:spLocks noGrp="1" noRot="1" noChangeAspect="1" noMove="1" noResize="1" noEditPoints="1" noAdjustHandles="1" noChangeArrowheads="1" noChangeShapeType="1" noTextEdit="1"/>
-          </p:cNvSpPr>
-          <p:nvPr>
-            <p:extLst>
-              <p:ext uri="{386F3935-93C4-4BCD-93E2-E3B085C9AB24}">
-                <p16:designElem xmlns:p16="http://schemas.microsoft.com/office/powerpoint/2015/main" val="1"/>
-              </p:ext>
-            </p:extLst>
-          </p:nvPr>
-        </p:nvSpPr>
-        <p:spPr>
-          <a:xfrm>
-            <a:off x="0" y="0"/>
-            <a:ext cx="12188952" cy="6858000"/>
-          </a:xfrm>
-          <a:prstGeom prst="rect">
-            <a:avLst/>
-          </a:prstGeom>
-          <a:ln w="12700" cap="flat" cmpd="sng" algn="ctr">
-            <a:noFill/>
-            <a:prstDash val="solid"/>
-            <a:miter lim="800000"/>
-          </a:ln>
-          <a:effectLst/>
-          <a:extLst>
-            <a:ext uri="{91240B29-F687-4F45-9708-019B960494DF}">
-              <a14:hiddenLine xmlns:a14="http://schemas.microsoft.com/office/drawing/2010/main" w="12700" cap="flat" cmpd="sng" algn="ctr">
-                <a:solidFill>
-                  <a:schemeClr val="accent1">
-                    <a:shade val="50000"/>
-                  </a:schemeClr>
-                </a:solidFill>
-                <a:prstDash val="solid"/>
-                <a:miter lim="800000"/>
-              </a14:hiddenLine>
-            </a:ext>
-          </a:extLst>
-        </p:spPr>
-        <p:style>
-          <a:lnRef idx="2">
-            <a:schemeClr val="accent1">
-              <a:shade val="50000"/>
-            </a:schemeClr>
-          </a:lnRef>
-          <a:fillRef idx="1">
-            <a:schemeClr val="accent1"/>
-          </a:fillRef>
-          <a:effectRef idx="0">
-            <a:schemeClr val="accent1"/>
-          </a:effectRef>
-          <a:fontRef idx="minor">
-            <a:schemeClr val="lt1"/>
-          </a:fontRef>
-        </p:style>
-        <p:txBody>
-          <a:bodyPr rtlCol="0" anchor="ctr"/>
-          <a:lstStyle/>
-          <a:p>
-            <a:pPr algn="ctr"/>
-            <a:endParaRPr lang="en-US"/>
-          </a:p>
-        </p:txBody>
-      </p:sp>
-      <p:sp>
-        <p:nvSpPr>
-          <p:cNvPr id="23" name="Rectangle 22">
-            <a:extLst>
-              <a:ext uri="{FF2B5EF4-FFF2-40B4-BE49-F238E27FC236}">
-                <a16:creationId xmlns:a16="http://schemas.microsoft.com/office/drawing/2014/main" id="{CD9FE4EF-C4D8-49A0-B2FF-81D8DB7D8A24}"/>
-              </a:ext>
-              <a:ext uri="{C183D7F6-B498-43B3-948B-1728B52AA6E4}">
-                <adec:decorative xmlns:adec="http://schemas.microsoft.com/office/drawing/2017/decorative" val="1"/>
-              </a:ext>
-            </a:extLst>
-          </p:cNvPr>
-          <p:cNvSpPr>
-            <a:spLocks noGrp="1" noRot="1" noChangeAspect="1" noMove="1" noResize="1" noEditPoints="1" noAdjustHandles="1" noChangeArrowheads="1" noChangeShapeType="1" noTextEdit="1"/>
-          </p:cNvSpPr>
-          <p:nvPr>
-            <p:extLst>
-              <p:ext uri="{386F3935-93C4-4BCD-93E2-E3B085C9AB24}">
-                <p16:designElem xmlns:p16="http://schemas.microsoft.com/office/powerpoint/2015/main" val="1"/>
-              </p:ext>
-            </p:extLst>
-          </p:nvPr>
-        </p:nvSpPr>
-        <p:spPr>
-          <a:xfrm rot="5400000" flipH="1">
-            <a:off x="-1410084" y="1410082"/>
-            <a:ext cx="6858000" cy="4037836"/>
-          </a:xfrm>
-          <a:prstGeom prst="rect">
-            <a:avLst/>
-          </a:prstGeom>
-          <a:gradFill>
-            <a:gsLst>
-              <a:gs pos="8000">
-                <a:srgbClr val="000000"/>
-              </a:gs>
-              <a:gs pos="100000">
-                <a:schemeClr val="accent1">
-                  <a:lumMod val="75000"/>
-                </a:schemeClr>
-              </a:gs>
-            </a:gsLst>
-            <a:lin ang="3000000" scaled="0"/>
-          </a:gradFill>
-          <a:ln>
-            <a:noFill/>
-          </a:ln>
-        </p:spPr>
-        <p:style>
-          <a:lnRef idx="2">
-            <a:schemeClr val="accent1">
-              <a:shade val="50000"/>
-            </a:schemeClr>
-          </a:lnRef>
-          <a:fillRef idx="1">
-            <a:schemeClr val="accent1"/>
-          </a:fillRef>
-          <a:effectRef idx="0">
-            <a:schemeClr val="accent1"/>
-          </a:effectRef>
-          <a:fontRef idx="minor">
-            <a:schemeClr val="lt1"/>
-          </a:fontRef>
-        </p:style>
-        <p:txBody>
-          <a:bodyPr rtlCol="0" anchor="ctr"/>
-          <a:lstStyle/>
-          <a:p>
-            <a:pPr algn="ctr"/>
-            <a:endParaRPr lang="en-US"/>
-          </a:p>
-        </p:txBody>
-      </p:sp>
-      <p:sp>
-        <p:nvSpPr>
-          <p:cNvPr id="25" name="Rectangle 24">
-            <a:extLst>
-              <a:ext uri="{FF2B5EF4-FFF2-40B4-BE49-F238E27FC236}">
-                <a16:creationId xmlns:a16="http://schemas.microsoft.com/office/drawing/2014/main" id="{4300840D-0A0B-4512-BACA-B439D5B9C57C}"/>
-              </a:ext>
-              <a:ext uri="{C183D7F6-B498-43B3-948B-1728B52AA6E4}">
-                <adec:decorative xmlns:adec="http://schemas.microsoft.com/office/drawing/2017/decorative" val="1"/>
-              </a:ext>
-            </a:extLst>
-          </p:cNvPr>
-          <p:cNvSpPr>
-            <a:spLocks noGrp="1" noRot="1" noChangeAspect="1" noMove="1" noResize="1" noEditPoints="1" noAdjustHandles="1" noChangeArrowheads="1" noChangeShapeType="1" noTextEdit="1"/>
-          </p:cNvSpPr>
-          <p:nvPr>
-            <p:extLst>
-              <p:ext uri="{386F3935-93C4-4BCD-93E2-E3B085C9AB24}">
-                <p16:designElem xmlns:p16="http://schemas.microsoft.com/office/powerpoint/2015/main" val="1"/>
-              </p:ext>
-            </p:extLst>
-          </p:nvPr>
-        </p:nvSpPr>
-        <p:spPr>
-          <a:xfrm rot="5400000" flipH="1">
-            <a:off x="-1410085" y="1420219"/>
-            <a:ext cx="6857999" cy="4037839"/>
-          </a:xfrm>
-          <a:prstGeom prst="rect">
-            <a:avLst/>
-          </a:prstGeom>
-          <a:gradFill>
-            <a:gsLst>
-              <a:gs pos="0">
-                <a:srgbClr val="000000">
-                  <a:alpha val="0"/>
-                </a:srgbClr>
-              </a:gs>
-              <a:gs pos="99000">
-                <a:schemeClr val="accent1">
-                  <a:alpha val="46000"/>
-                </a:schemeClr>
-              </a:gs>
-            </a:gsLst>
-            <a:lin ang="1800000" scaled="0"/>
-          </a:gradFill>
-          <a:ln>
-            <a:noFill/>
-          </a:ln>
-        </p:spPr>
-        <p:style>
-          <a:lnRef idx="2">
-            <a:schemeClr val="accent1">
-              <a:shade val="50000"/>
-            </a:schemeClr>
-          </a:lnRef>
-          <a:fillRef idx="1">
-            <a:schemeClr val="accent1"/>
-          </a:fillRef>
-          <a:effectRef idx="0">
-            <a:schemeClr val="accent1"/>
-          </a:effectRef>
-          <a:fontRef idx="minor">
-            <a:schemeClr val="lt1"/>
-          </a:fontRef>
-        </p:style>
-        <p:txBody>
-          <a:bodyPr rtlCol="0" anchor="ctr"/>
-          <a:lstStyle/>
-          <a:p>
-            <a:pPr algn="ctr"/>
-            <a:endParaRPr lang="en-US"/>
-          </a:p>
-        </p:txBody>
-      </p:sp>
-      <p:sp>
-        <p:nvSpPr>
-          <p:cNvPr id="27" name="Rectangle 26">
-            <a:extLst>
-              <a:ext uri="{FF2B5EF4-FFF2-40B4-BE49-F238E27FC236}">
-                <a16:creationId xmlns:a16="http://schemas.microsoft.com/office/drawing/2014/main" id="{D2B78728-A580-49A7-84F9-6EF6F583ADE0}"/>
-              </a:ext>
-              <a:ext uri="{C183D7F6-B498-43B3-948B-1728B52AA6E4}">
-                <adec:decorative xmlns:adec="http://schemas.microsoft.com/office/drawing/2017/decorative" val="1"/>
-              </a:ext>
-            </a:extLst>
-          </p:cNvPr>
-          <p:cNvSpPr>
-            <a:spLocks noGrp="1" noRot="1" noChangeAspect="1" noMove="1" noResize="1" noEditPoints="1" noAdjustHandles="1" noChangeArrowheads="1" noChangeShapeType="1" noTextEdit="1"/>
-          </p:cNvSpPr>
-          <p:nvPr>
-            <p:extLst>
-              <p:ext uri="{386F3935-93C4-4BCD-93E2-E3B085C9AB24}">
-                <p16:designElem xmlns:p16="http://schemas.microsoft.com/office/powerpoint/2015/main" val="1"/>
-              </p:ext>
-            </p:extLst>
-          </p:nvPr>
-        </p:nvSpPr>
-        <p:spPr>
-          <a:xfrm rot="5400000" flipH="1">
-            <a:off x="767923" y="3588085"/>
-            <a:ext cx="2501979" cy="4037841"/>
-          </a:xfrm>
-          <a:prstGeom prst="rect">
-            <a:avLst/>
-          </a:prstGeom>
-          <a:gradFill>
-            <a:gsLst>
-              <a:gs pos="2000">
-                <a:schemeClr val="accent1">
-                  <a:alpha val="29000"/>
-                </a:schemeClr>
-              </a:gs>
-              <a:gs pos="100000">
-                <a:srgbClr val="000000">
-                  <a:alpha val="30000"/>
-                </a:srgbClr>
-              </a:gs>
-            </a:gsLst>
-            <a:lin ang="7800000" scaled="0"/>
-          </a:gradFill>
-          <a:ln>
-            <a:noFill/>
-          </a:ln>
-        </p:spPr>
-        <p:style>
-          <a:lnRef idx="2">
-            <a:schemeClr val="accent1">
-              <a:shade val="50000"/>
-            </a:schemeClr>
-          </a:lnRef>
-          <a:fillRef idx="1">
-            <a:schemeClr val="accent1"/>
-          </a:fillRef>
-          <a:effectRef idx="0">
-            <a:schemeClr val="accent1"/>
-          </a:effectRef>
-          <a:fontRef idx="minor">
-            <a:schemeClr val="lt1"/>
-          </a:fontRef>
-        </p:style>
-        <p:txBody>
-          <a:bodyPr rtlCol="0" anchor="ctr"/>
-          <a:lstStyle/>
-          <a:p>
-            <a:pPr algn="ctr"/>
-            <a:endParaRPr lang="en-US" dirty="0"/>
-          </a:p>
-        </p:txBody>
-      </p:sp>
-      <p:sp>
-        <p:nvSpPr>
-          <p:cNvPr id="29" name="Freeform: Shape 28">
-            <a:extLst>
-              <a:ext uri="{FF2B5EF4-FFF2-40B4-BE49-F238E27FC236}">
-                <a16:creationId xmlns:a16="http://schemas.microsoft.com/office/drawing/2014/main" id="{38FAA1A1-D861-433F-88FA-1E9D6FD31D11}"/>
-              </a:ext>
-              <a:ext uri="{C183D7F6-B498-43B3-948B-1728B52AA6E4}">
-                <adec:decorative xmlns:adec="http://schemas.microsoft.com/office/drawing/2017/decorative" val="1"/>
-              </a:ext>
-            </a:extLst>
-          </p:cNvPr>
-          <p:cNvSpPr>
-            <a:spLocks noGrp="1" noRot="1" noChangeAspect="1" noMove="1" noResize="1" noEditPoints="1" noAdjustHandles="1" noChangeArrowheads="1" noChangeShapeType="1" noTextEdit="1"/>
-          </p:cNvSpPr>
-          <p:nvPr>
-            <p:extLst>
-              <p:ext uri="{386F3935-93C4-4BCD-93E2-E3B085C9AB24}">
-                <p16:designElem xmlns:p16="http://schemas.microsoft.com/office/powerpoint/2015/main" val="1"/>
-              </p:ext>
-            </p:extLst>
-          </p:nvPr>
-        </p:nvSpPr>
-        <p:spPr>
-          <a:xfrm rot="20635413">
-            <a:off x="-501737" y="969718"/>
-            <a:ext cx="3900357" cy="4178958"/>
-          </a:xfrm>
-          <a:custGeom>
-            <a:avLst/>
-            <a:gdLst>
-              <a:gd name="connsiteX0" fmla="*/ 2432225 w 3900357"/>
-              <a:gd name="connsiteY0" fmla="*/ 93939 h 4178958"/>
-              <a:gd name="connsiteX1" fmla="*/ 3900357 w 3900357"/>
-              <a:gd name="connsiteY1" fmla="*/ 2089479 h 4178958"/>
-              <a:gd name="connsiteX2" fmla="*/ 1810878 w 3900357"/>
-              <a:gd name="connsiteY2" fmla="*/ 4178958 h 4178958"/>
-              <a:gd name="connsiteX3" fmla="*/ 78249 w 3900357"/>
-              <a:gd name="connsiteY3" fmla="*/ 3257727 h 4178958"/>
-              <a:gd name="connsiteX4" fmla="*/ 0 w 3900357"/>
-              <a:gd name="connsiteY4" fmla="*/ 3128923 h 4178958"/>
-              <a:gd name="connsiteX5" fmla="*/ 831324 w 3900357"/>
-              <a:gd name="connsiteY5" fmla="*/ 244281 h 4178958"/>
-              <a:gd name="connsiteX6" fmla="*/ 997559 w 3900357"/>
-              <a:gd name="connsiteY6" fmla="*/ 164202 h 4178958"/>
-              <a:gd name="connsiteX7" fmla="*/ 1810878 w 3900357"/>
-              <a:gd name="connsiteY7" fmla="*/ 0 h 4178958"/>
-              <a:gd name="connsiteX8" fmla="*/ 2432225 w 3900357"/>
-              <a:gd name="connsiteY8" fmla="*/ 93939 h 4178958"/>
-            </a:gdLst>
-            <a:ahLst/>
-            <a:cxnLst>
-              <a:cxn ang="0">
-                <a:pos x="connsiteX0" y="connsiteY0"/>
-              </a:cxn>
-              <a:cxn ang="0">
-                <a:pos x="connsiteX1" y="connsiteY1"/>
-              </a:cxn>
-              <a:cxn ang="0">
-                <a:pos x="connsiteX2" y="connsiteY2"/>
-              </a:cxn>
-              <a:cxn ang="0">
-                <a:pos x="connsiteX3" y="connsiteY3"/>
-              </a:cxn>
-              <a:cxn ang="0">
-                <a:pos x="connsiteX4" y="connsiteY4"/>
-              </a:cxn>
-              <a:cxn ang="0">
-                <a:pos x="connsiteX5" y="connsiteY5"/>
-              </a:cxn>
-              <a:cxn ang="0">
-                <a:pos x="connsiteX6" y="connsiteY6"/>
-              </a:cxn>
-              <a:cxn ang="0">
-                <a:pos x="connsiteX7" y="connsiteY7"/>
-              </a:cxn>
-              <a:cxn ang="0">
-                <a:pos x="connsiteX8" y="connsiteY8"/>
-              </a:cxn>
-            </a:cxnLst>
-            <a:rect l="l" t="t" r="r" b="b"/>
-            <a:pathLst>
-              <a:path w="3900357" h="4178958">
-                <a:moveTo>
-                  <a:pt x="2432225" y="93939"/>
-                </a:moveTo>
-                <a:cubicBezTo>
-                  <a:pt x="3282786" y="358491"/>
-                  <a:pt x="3900357" y="1151865"/>
-                  <a:pt x="3900357" y="2089479"/>
-                </a:cubicBezTo>
-                <a:cubicBezTo>
-                  <a:pt x="3900357" y="3243466"/>
-                  <a:pt x="2964865" y="4178958"/>
-                  <a:pt x="1810878" y="4178958"/>
-                </a:cubicBezTo>
-                <a:cubicBezTo>
-                  <a:pt x="1089636" y="4178958"/>
-                  <a:pt x="453744" y="3813531"/>
-                  <a:pt x="78249" y="3257727"/>
-                </a:cubicBezTo>
-                <a:lnTo>
-                  <a:pt x="0" y="3128923"/>
-                </a:lnTo>
-                <a:lnTo>
-                  <a:pt x="831324" y="244281"/>
-                </a:lnTo>
-                <a:lnTo>
-                  <a:pt x="997559" y="164202"/>
-                </a:lnTo>
-                <a:cubicBezTo>
-                  <a:pt x="1247540" y="58468"/>
-                  <a:pt x="1522381" y="0"/>
-                  <a:pt x="1810878" y="0"/>
-                </a:cubicBezTo>
-                <a:cubicBezTo>
-                  <a:pt x="2027251" y="0"/>
-                  <a:pt x="2235942" y="32888"/>
-                  <a:pt x="2432225" y="93939"/>
-                </a:cubicBezTo>
-                <a:close/>
-              </a:path>
-            </a:pathLst>
-          </a:custGeom>
-          <a:gradFill>
-            <a:gsLst>
-              <a:gs pos="29000">
-                <a:srgbClr val="000000">
-                  <a:alpha val="0"/>
-                </a:srgbClr>
-              </a:gs>
-              <a:gs pos="100000">
-                <a:schemeClr val="accent1">
-                  <a:alpha val="43000"/>
-                </a:schemeClr>
-              </a:gs>
-            </a:gsLst>
-            <a:lin ang="1800000" scaled="0"/>
-          </a:gradFill>
-          <a:ln>
-            <a:noFill/>
-          </a:ln>
-        </p:spPr>
-        <p:style>
-          <a:lnRef idx="2">
-            <a:schemeClr val="accent1">
-              <a:shade val="50000"/>
-            </a:schemeClr>
-          </a:lnRef>
-          <a:fillRef idx="1">
-            <a:schemeClr val="accent1"/>
-          </a:fillRef>
-          <a:effectRef idx="0">
-            <a:schemeClr val="accent1"/>
-          </a:effectRef>
-          <a:fontRef idx="minor">
-            <a:schemeClr val="lt1"/>
-          </a:fontRef>
-        </p:style>
-        <p:txBody>
-          <a:bodyPr wrap="square" rtlCol="0" anchor="ctr">
-            <a:noAutofit/>
-          </a:bodyPr>
-          <a:lstStyle/>
-          <a:p>
-            <a:pPr algn="ctr"/>
-            <a:endParaRPr lang="en-US" dirty="0"/>
-          </a:p>
-        </p:txBody>
-      </p:sp>
-      <p:sp>
-        <p:nvSpPr>
-          <p:cNvPr id="31" name="Rectangle 30">
-            <a:extLst>
-              <a:ext uri="{FF2B5EF4-FFF2-40B4-BE49-F238E27FC236}">
-                <a16:creationId xmlns:a16="http://schemas.microsoft.com/office/drawing/2014/main" id="{8D71EDA1-87BF-4D5D-AB79-F346FD19278A}"/>
-              </a:ext>
-              <a:ext uri="{C183D7F6-B498-43B3-948B-1728B52AA6E4}">
-                <adec:decorative xmlns:adec="http://schemas.microsoft.com/office/drawing/2017/decorative" val="1"/>
-              </a:ext>
-            </a:extLst>
-          </p:cNvPr>
-          <p:cNvSpPr>
-            <a:spLocks noGrp="1" noRot="1" noChangeAspect="1" noMove="1" noResize="1" noEditPoints="1" noAdjustHandles="1" noChangeArrowheads="1" noChangeShapeType="1" noTextEdit="1"/>
-          </p:cNvSpPr>
-          <p:nvPr>
-            <p:extLst>
-              <p:ext uri="{386F3935-93C4-4BCD-93E2-E3B085C9AB24}">
-                <p16:designElem xmlns:p16="http://schemas.microsoft.com/office/powerpoint/2015/main" val="1"/>
-              </p:ext>
-            </p:extLst>
-          </p:nvPr>
-        </p:nvSpPr>
-        <p:spPr>
-          <a:xfrm rot="5400000" flipH="1">
-            <a:off x="-1410093" y="1399943"/>
-            <a:ext cx="6858003" cy="4037835"/>
-          </a:xfrm>
-          <a:prstGeom prst="rect">
-            <a:avLst/>
-          </a:prstGeom>
-          <a:gradFill>
-            <a:gsLst>
-              <a:gs pos="0">
-                <a:srgbClr val="000000">
-                  <a:alpha val="0"/>
-                </a:srgbClr>
-              </a:gs>
-              <a:gs pos="99000">
-                <a:schemeClr val="accent1">
-                  <a:lumMod val="60000"/>
-                  <a:lumOff val="40000"/>
-                  <a:alpha val="11000"/>
-                </a:schemeClr>
-              </a:gs>
-            </a:gsLst>
-            <a:lin ang="7200000" scaled="0"/>
-          </a:gradFill>
-          <a:ln>
-            <a:noFill/>
-          </a:ln>
-        </p:spPr>
-        <p:style>
-          <a:lnRef idx="2">
-            <a:schemeClr val="accent1">
-              <a:shade val="50000"/>
-            </a:schemeClr>
-          </a:lnRef>
-          <a:fillRef idx="1">
-            <a:schemeClr val="accent1"/>
-          </a:fillRef>
-          <a:effectRef idx="0">
-            <a:schemeClr val="accent1"/>
-          </a:effectRef>
-          <a:fontRef idx="minor">
-            <a:schemeClr val="lt1"/>
-          </a:fontRef>
-        </p:style>
-        <p:txBody>
-          <a:bodyPr rtlCol="0" anchor="ctr"/>
-          <a:lstStyle/>
-          <a:p>
-            <a:pPr algn="ctr"/>
-            <a:endParaRPr lang="en-US"/>
-          </a:p>
-        </p:txBody>
-      </p:sp>
-      <p:sp>
-        <p:nvSpPr>
-          <p:cNvPr id="2" name="Titel 1">
-            <a:extLst>
-              <a:ext uri="{FF2B5EF4-FFF2-40B4-BE49-F238E27FC236}">
-                <a16:creationId xmlns:a16="http://schemas.microsoft.com/office/drawing/2014/main" id="{16F5D4D1-1DD4-E287-FAE1-0F057933E158}"/>
-              </a:ext>
-            </a:extLst>
-          </p:cNvPr>
-          <p:cNvSpPr>
-            <a:spLocks noGrp="1"/>
-          </p:cNvSpPr>
-          <p:nvPr>
-            <p:ph type="title"/>
-          </p:nvPr>
-        </p:nvSpPr>
-        <p:spPr>
-          <a:xfrm>
-            <a:off x="466722" y="586855"/>
-            <a:ext cx="3201366" cy="3387497"/>
-          </a:xfrm>
-        </p:spPr>
-        <p:txBody>
-          <a:bodyPr vert="horz" lIns="91440" tIns="45720" rIns="91440" bIns="45720" rtlCol="0" anchor="b">
-            <a:normAutofit/>
-          </a:bodyPr>
-          <a:lstStyle/>
-          <a:p>
-            <a:r>
-              <a:rPr lang="en-US" sz="4000" b="1" dirty="0">
-                <a:solidFill>
-                  <a:srgbClr val="FFFFFF"/>
-                </a:solidFill>
-              </a:rPr>
-              <a:t>Map</a:t>
-            </a:r>
-          </a:p>
-        </p:txBody>
-      </p:sp>
-      <p:sp>
-        <p:nvSpPr>
-          <p:cNvPr id="18" name="Content Placeholder 17">
-            <a:extLst>
-              <a:ext uri="{FF2B5EF4-FFF2-40B4-BE49-F238E27FC236}">
-                <a16:creationId xmlns:a16="http://schemas.microsoft.com/office/drawing/2014/main" id="{467E8F1E-3760-B088-A896-0CDB250DAD7F}"/>
-              </a:ext>
-            </a:extLst>
-          </p:cNvPr>
-          <p:cNvSpPr>
-            <a:spLocks noGrp="1"/>
-          </p:cNvSpPr>
-          <p:nvPr>
-            <p:ph idx="1"/>
-          </p:nvPr>
-        </p:nvSpPr>
-        <p:spPr>
-          <a:xfrm>
-            <a:off x="4581727" y="649480"/>
-            <a:ext cx="3025303" cy="5546047"/>
-          </a:xfrm>
-        </p:spPr>
-        <p:txBody>
-          <a:bodyPr anchor="ctr">
-            <a:normAutofit/>
-          </a:bodyPr>
-          <a:lstStyle/>
-          <a:p>
-            <a:endParaRPr lang="en-US" sz="2000"/>
-          </a:p>
-        </p:txBody>
-      </p:sp>
-      <p:pic>
-        <p:nvPicPr>
-          <p:cNvPr id="5" name="Inhaltsplatzhalter 4">
-            <a:extLst>
-              <a:ext uri="{FF2B5EF4-FFF2-40B4-BE49-F238E27FC236}">
-                <a16:creationId xmlns:a16="http://schemas.microsoft.com/office/drawing/2014/main" id="{77F674F2-948F-1DA4-2819-598BA8249A97}"/>
-              </a:ext>
-            </a:extLst>
-          </p:cNvPr>
-          <p:cNvPicPr>
-            <a:picLocks noChangeAspect="1"/>
-          </p:cNvPicPr>
-          <p:nvPr/>
-        </p:nvPicPr>
-        <p:blipFill rotWithShape="1">
-          <a:blip r:embed="rId2"/>
-          <a:srcRect r="888" b="-1"/>
-          <a:stretch/>
-        </p:blipFill>
-        <p:spPr>
-          <a:xfrm>
-            <a:off x="1710812" y="526518"/>
-            <a:ext cx="10283884" cy="5784684"/>
-          </a:xfrm>
-          <a:prstGeom prst="rect">
-            <a:avLst/>
-          </a:prstGeom>
-        </p:spPr>
-      </p:pic>
-    </p:spTree>
-    <p:extLst>
-      <p:ext uri="{BB962C8B-B14F-4D97-AF65-F5344CB8AC3E}">
-        <p14:creationId xmlns:p14="http://schemas.microsoft.com/office/powerpoint/2010/main" val="567779977"/>
-      </p:ext>
-    </p:extLst>
-  </p:cSld>
-  <p:clrMapOvr>
-    <a:masterClrMapping/>
-  </p:clrMapOvr>
-</p:sld>
-</file>
-
-<file path=ppt/slides/slide9.xml><?xml version="1.0" encoding="utf-8"?>
-<p:sld xmlns:a="http://schemas.openxmlformats.org/drawingml/2006/main" xmlns:r="http://schemas.openxmlformats.org/officeDocument/2006/relationships" xmlns:p="http://schemas.openxmlformats.org/presentationml/2006/main">
-  <p:cSld>
-    <p:bg>
-      <p:bgPr>
-        <a:solidFill>
-          <a:schemeClr val="bg1"/>
-        </a:solidFill>
-        <a:effectLst/>
-      </p:bgPr>
-    </p:bg>
-    <p:spTree>
-      <p:nvGrpSpPr>
-        <p:cNvPr id="1" name=""/>
-        <p:cNvGrpSpPr/>
-        <p:nvPr/>
-      </p:nvGrpSpPr>
-      <p:grpSpPr>
-        <a:xfrm>
-          <a:off x="0" y="0"/>
-          <a:ext cx="0" cy="0"/>
-          <a:chOff x="0" y="0"/>
-          <a:chExt cx="0" cy="0"/>
-        </a:xfrm>
-      </p:grpSpPr>
-      <p:sp useBgFill="1">
-        <p:nvSpPr>
-          <p:cNvPr id="26" name="Rectangle 25">
-            <a:extLst>
-              <a:ext uri="{FF2B5EF4-FFF2-40B4-BE49-F238E27FC236}">
-                <a16:creationId xmlns:a16="http://schemas.microsoft.com/office/drawing/2014/main" id="{FFCDD23B-75C8-427B-BD08-53C8156CD7CD}"/>
-              </a:ext>
-              <a:ext uri="{C183D7F6-B498-43B3-948B-1728B52AA6E4}">
-                <adec:decorative xmlns:adec="http://schemas.microsoft.com/office/drawing/2017/decorative" val="1"/>
-              </a:ext>
-            </a:extLst>
-          </p:cNvPr>
-          <p:cNvSpPr>
-            <a:spLocks noGrp="1" noRot="1" noChangeAspect="1" noMove="1" noResize="1" noEditPoints="1" noAdjustHandles="1" noChangeArrowheads="1" noChangeShapeType="1" noTextEdit="1"/>
-          </p:cNvSpPr>
-          <p:nvPr>
-            <p:extLst>
-              <p:ext uri="{386F3935-93C4-4BCD-93E2-E3B085C9AB24}">
-                <p16:designElem xmlns:p16="http://schemas.microsoft.com/office/powerpoint/2015/main" val="1"/>
-              </p:ext>
-            </p:extLst>
-          </p:nvPr>
-        </p:nvSpPr>
-        <p:spPr>
-          <a:xfrm>
-            <a:off x="-2" y="0"/>
-            <a:ext cx="12192000" cy="6858000"/>
-          </a:xfrm>
-          <a:prstGeom prst="rect">
-            <a:avLst/>
-          </a:prstGeom>
-          <a:ln w="12700" cap="flat" cmpd="sng" algn="ctr">
-            <a:noFill/>
-            <a:prstDash val="solid"/>
-            <a:miter lim="800000"/>
-          </a:ln>
-          <a:effectLst/>
-          <a:extLst>
-            <a:ext uri="{91240B29-F687-4F45-9708-019B960494DF}">
-              <a14:hiddenLine xmlns:a14="http://schemas.microsoft.com/office/drawing/2010/main" w="12700" cap="flat" cmpd="sng" algn="ctr">
-                <a:solidFill>
-                  <a:schemeClr val="accent1">
-                    <a:shade val="50000"/>
-                  </a:schemeClr>
-                </a:solidFill>
-                <a:prstDash val="solid"/>
-                <a:miter lim="800000"/>
-              </a14:hiddenLine>
-            </a:ext>
-          </a:extLst>
-        </p:spPr>
-        <p:style>
-          <a:lnRef idx="2">
-            <a:schemeClr val="accent1">
-              <a:shade val="50000"/>
-            </a:schemeClr>
-          </a:lnRef>
-          <a:fillRef idx="1">
-            <a:schemeClr val="accent1"/>
-          </a:fillRef>
-          <a:effectRef idx="0">
-            <a:schemeClr val="accent1"/>
-          </a:effectRef>
-          <a:fontRef idx="minor">
-            <a:schemeClr val="lt1"/>
-          </a:fontRef>
-        </p:style>
-        <p:txBody>
-          <a:bodyPr rtlCol="0" anchor="ctr"/>
-          <a:lstStyle/>
-          <a:p>
-            <a:pPr algn="ctr"/>
-            <a:endParaRPr lang="en-US"/>
-          </a:p>
-        </p:txBody>
-      </p:sp>
-      <p:pic>
-        <p:nvPicPr>
-          <p:cNvPr id="9" name="Inhaltsplatzhalter 8">
-            <a:extLst>
-              <a:ext uri="{FF2B5EF4-FFF2-40B4-BE49-F238E27FC236}">
-                <a16:creationId xmlns:a16="http://schemas.microsoft.com/office/drawing/2014/main" id="{1E4562B3-2745-C71D-11DF-250E299DE353}"/>
-              </a:ext>
-            </a:extLst>
-          </p:cNvPr>
-          <p:cNvPicPr>
-            <a:picLocks noGrp="1" noChangeAspect="1"/>
-          </p:cNvPicPr>
-          <p:nvPr>
-            <p:ph idx="1"/>
-          </p:nvPr>
-        </p:nvPicPr>
-        <p:blipFill rotWithShape="1">
-          <a:blip r:embed="rId2"/>
-          <a:srcRect t="5018" r="-1" b="3120"/>
-          <a:stretch/>
-        </p:blipFill>
-        <p:spPr>
-          <a:xfrm>
-            <a:off x="-1" y="190"/>
-            <a:ext cx="8128855" cy="5291194"/>
-          </a:xfrm>
-          <a:prstGeom prst="rect">
-            <a:avLst/>
-          </a:prstGeom>
-        </p:spPr>
-      </p:pic>
-      <p:sp>
-        <p:nvSpPr>
-          <p:cNvPr id="28" name="Rectangle 27">
-            <a:extLst>
-              <a:ext uri="{FF2B5EF4-FFF2-40B4-BE49-F238E27FC236}">
-                <a16:creationId xmlns:a16="http://schemas.microsoft.com/office/drawing/2014/main" id="{AFFC87AC-C919-4FE5-BAC3-39509E001152}"/>
-              </a:ext>
-              <a:ext uri="{C183D7F6-B498-43B3-948B-1728B52AA6E4}">
-                <adec:decorative xmlns:adec="http://schemas.microsoft.com/office/drawing/2017/decorative" val="1"/>
-              </a:ext>
-            </a:extLst>
-          </p:cNvPr>
-          <p:cNvSpPr>
-            <a:spLocks noGrp="1" noRot="1" noChangeAspect="1" noMove="1" noResize="1" noEditPoints="1" noAdjustHandles="1" noChangeArrowheads="1" noChangeShapeType="1" noTextEdit="1"/>
-          </p:cNvSpPr>
-          <p:nvPr>
-            <p:extLst>
-              <p:ext uri="{386F3935-93C4-4BCD-93E2-E3B085C9AB24}">
-                <p16:designElem xmlns:p16="http://schemas.microsoft.com/office/powerpoint/2015/main" val="1"/>
-              </p:ext>
-            </p:extLst>
-          </p:nvPr>
-        </p:nvSpPr>
-        <p:spPr>
-          <a:xfrm flipH="1">
-            <a:off x="-264" y="5282206"/>
-            <a:ext cx="12192264" cy="1163844"/>
-          </a:xfrm>
-          <a:prstGeom prst="rect">
-            <a:avLst/>
-          </a:prstGeom>
-          <a:gradFill>
-            <a:gsLst>
-              <a:gs pos="28000">
-                <a:schemeClr val="accent1">
-                  <a:lumMod val="75000"/>
-                  <a:alpha val="11000"/>
-                </a:schemeClr>
-              </a:gs>
-              <a:gs pos="100000">
-                <a:srgbClr val="000000">
-                  <a:alpha val="77000"/>
-                </a:srgbClr>
-              </a:gs>
-            </a:gsLst>
-            <a:lin ang="12600000" scaled="0"/>
-          </a:gradFill>
-          <a:ln>
-            <a:noFill/>
-          </a:ln>
-        </p:spPr>
-        <p:style>
-          <a:lnRef idx="2">
-            <a:schemeClr val="accent1">
-              <a:shade val="50000"/>
-            </a:schemeClr>
-          </a:lnRef>
-          <a:fillRef idx="1">
-            <a:schemeClr val="accent1"/>
-          </a:fillRef>
-          <a:effectRef idx="0">
-            <a:schemeClr val="accent1"/>
-          </a:effectRef>
-          <a:fontRef idx="minor">
-            <a:schemeClr val="lt1"/>
-          </a:fontRef>
-        </p:style>
-        <p:txBody>
-          <a:bodyPr rtlCol="0" anchor="ctr"/>
-          <a:lstStyle/>
-          <a:p>
-            <a:pPr algn="ctr"/>
-            <a:endParaRPr lang="en-US" dirty="0"/>
-          </a:p>
-        </p:txBody>
-      </p:sp>
-      <p:sp>
-        <p:nvSpPr>
-          <p:cNvPr id="30" name="Rectangle 29">
-            <a:extLst>
-              <a:ext uri="{FF2B5EF4-FFF2-40B4-BE49-F238E27FC236}">
-                <a16:creationId xmlns:a16="http://schemas.microsoft.com/office/drawing/2014/main" id="{AB5E08C4-8CDD-4623-A5B8-E998C6DEE3B7}"/>
-              </a:ext>
-              <a:ext uri="{C183D7F6-B498-43B3-948B-1728B52AA6E4}">
-                <adec:decorative xmlns:adec="http://schemas.microsoft.com/office/drawing/2017/decorative" val="1"/>
-              </a:ext>
-            </a:extLst>
-          </p:cNvPr>
-          <p:cNvSpPr>
-            <a:spLocks noGrp="1" noRot="1" noChangeAspect="1" noMove="1" noResize="1" noEditPoints="1" noAdjustHandles="1" noChangeArrowheads="1" noChangeShapeType="1" noTextEdit="1"/>
-          </p:cNvSpPr>
-          <p:nvPr>
-            <p:extLst>
-              <p:ext uri="{386F3935-93C4-4BCD-93E2-E3B085C9AB24}">
-                <p16:designElem xmlns:p16="http://schemas.microsoft.com/office/powerpoint/2015/main" val="1"/>
-              </p:ext>
-            </p:extLst>
-          </p:nvPr>
-        </p:nvSpPr>
-        <p:spPr>
-          <a:xfrm flipH="1">
-            <a:off x="2" y="5282206"/>
-            <a:ext cx="12191998" cy="1586485"/>
-          </a:xfrm>
-          <a:prstGeom prst="rect">
-            <a:avLst/>
-          </a:prstGeom>
-          <a:gradFill>
-            <a:gsLst>
-              <a:gs pos="0">
-                <a:srgbClr val="000000">
-                  <a:alpha val="96000"/>
-                </a:srgbClr>
-              </a:gs>
-              <a:gs pos="100000">
-                <a:schemeClr val="accent1"/>
-              </a:gs>
-            </a:gsLst>
-            <a:lin ang="8400000" scaled="0"/>
-          </a:gradFill>
-          <a:ln>
-            <a:noFill/>
-          </a:ln>
-        </p:spPr>
-        <p:style>
-          <a:lnRef idx="2">
-            <a:schemeClr val="accent1">
-              <a:shade val="50000"/>
-            </a:schemeClr>
-          </a:lnRef>
-          <a:fillRef idx="1">
-            <a:schemeClr val="accent1"/>
-          </a:fillRef>
-          <a:effectRef idx="0">
-            <a:schemeClr val="accent1"/>
-          </a:effectRef>
-          <a:fontRef idx="minor">
-            <a:schemeClr val="lt1"/>
-          </a:fontRef>
-        </p:style>
-        <p:txBody>
-          <a:bodyPr rtlCol="0" anchor="ctr"/>
-          <a:lstStyle/>
-          <a:p>
-            <a:pPr algn="ctr"/>
-            <a:endParaRPr lang="en-US"/>
-          </a:p>
-        </p:txBody>
-      </p:sp>
-      <p:sp>
-        <p:nvSpPr>
-          <p:cNvPr id="2" name="Titel 1">
-            <a:extLst>
-              <a:ext uri="{FF2B5EF4-FFF2-40B4-BE49-F238E27FC236}">
-                <a16:creationId xmlns:a16="http://schemas.microsoft.com/office/drawing/2014/main" id="{5AA4DD93-1EFE-9751-5205-FDB5B7815117}"/>
-              </a:ext>
-            </a:extLst>
-          </p:cNvPr>
-          <p:cNvSpPr>
-            <a:spLocks noGrp="1"/>
-          </p:cNvSpPr>
-          <p:nvPr>
-            <p:ph type="title"/>
-          </p:nvPr>
-        </p:nvSpPr>
-        <p:spPr>
-          <a:xfrm>
-            <a:off x="699715" y="5635366"/>
-            <a:ext cx="7091299" cy="898581"/>
-          </a:xfrm>
-          <a:prstGeom prst="rect">
-            <a:avLst/>
-          </a:prstGeom>
-        </p:spPr>
-        <p:txBody>
-          <a:bodyPr vert="horz" lIns="91440" tIns="45720" rIns="91440" bIns="45720" rtlCol="0" anchor="ctr">
-            <a:normAutofit/>
-          </a:bodyPr>
-          <a:lstStyle/>
-          <a:p>
-            <a:r>
-              <a:rPr lang="en-US" sz="4000" kern="1200">
-                <a:solidFill>
-                  <a:srgbClr val="FFFFFF"/>
-                </a:solidFill>
-                <a:latin typeface="+mj-lt"/>
-                <a:ea typeface="+mj-ea"/>
-                <a:cs typeface="+mj-cs"/>
-              </a:rPr>
-              <a:t>Spieler</a:t>
-            </a:r>
-          </a:p>
-        </p:txBody>
-      </p:sp>
-      <p:sp>
-        <p:nvSpPr>
-          <p:cNvPr id="32" name="Rectangle 31">
-            <a:extLst>
-              <a:ext uri="{FF2B5EF4-FFF2-40B4-BE49-F238E27FC236}">
-                <a16:creationId xmlns:a16="http://schemas.microsoft.com/office/drawing/2014/main" id="{15F33878-D502-4FFA-8ACE-F2AECDB2A23F}"/>
-              </a:ext>
-              <a:ext uri="{C183D7F6-B498-43B3-948B-1728B52AA6E4}">
-                <adec:decorative xmlns:adec="http://schemas.microsoft.com/office/drawing/2017/decorative" val="1"/>
-              </a:ext>
-            </a:extLst>
-          </p:cNvPr>
-          <p:cNvSpPr>
-            <a:spLocks noGrp="1" noRot="1" noChangeAspect="1" noMove="1" noResize="1" noEditPoints="1" noAdjustHandles="1" noChangeArrowheads="1" noChangeShapeType="1" noTextEdit="1"/>
-          </p:cNvSpPr>
-          <p:nvPr>
-            <p:extLst>
-              <p:ext uri="{386F3935-93C4-4BCD-93E2-E3B085C9AB24}">
-                <p16:designElem xmlns:p16="http://schemas.microsoft.com/office/powerpoint/2015/main" val="1"/>
-              </p:ext>
-            </p:extLst>
-          </p:nvPr>
-        </p:nvSpPr>
-        <p:spPr>
-          <a:xfrm rot="10800000" flipH="1">
-            <a:off x="8128857" y="5282206"/>
-            <a:ext cx="4063143" cy="1576412"/>
-          </a:xfrm>
-          <a:prstGeom prst="rect">
-            <a:avLst/>
-          </a:prstGeom>
-          <a:gradFill>
-            <a:gsLst>
-              <a:gs pos="19000">
-                <a:schemeClr val="accent1">
-                  <a:lumMod val="50000"/>
-                  <a:alpha val="68000"/>
-                </a:schemeClr>
-              </a:gs>
-              <a:gs pos="100000">
-                <a:schemeClr val="accent1">
-                  <a:alpha val="79000"/>
-                </a:schemeClr>
-              </a:gs>
-            </a:gsLst>
-            <a:lin ang="19200000" scaled="0"/>
-          </a:gradFill>
-          <a:ln>
-            <a:noFill/>
-          </a:ln>
-        </p:spPr>
-        <p:style>
-          <a:lnRef idx="2">
-            <a:schemeClr val="accent1">
-              <a:shade val="50000"/>
-            </a:schemeClr>
-          </a:lnRef>
-          <a:fillRef idx="1">
-            <a:schemeClr val="accent1"/>
-          </a:fillRef>
-          <a:effectRef idx="0">
-            <a:schemeClr val="accent1"/>
-          </a:effectRef>
-          <a:fontRef idx="minor">
-            <a:schemeClr val="lt1"/>
-          </a:fontRef>
-        </p:style>
-        <p:txBody>
-          <a:bodyPr rtlCol="0" anchor="ctr"/>
-          <a:lstStyle/>
-          <a:p>
-            <a:pPr algn="ctr"/>
-            <a:endParaRPr lang="en-US"/>
-          </a:p>
-        </p:txBody>
-      </p:sp>
-      <p:pic>
-        <p:nvPicPr>
-          <p:cNvPr id="7" name="Grafik 6">
-            <a:extLst>
-              <a:ext uri="{FF2B5EF4-FFF2-40B4-BE49-F238E27FC236}">
-                <a16:creationId xmlns:a16="http://schemas.microsoft.com/office/drawing/2014/main" id="{92F20DCC-90AD-4C68-586F-1A7DED7478C6}"/>
-              </a:ext>
-            </a:extLst>
-          </p:cNvPr>
-          <p:cNvPicPr>
-            <a:picLocks noChangeAspect="1"/>
-          </p:cNvPicPr>
-          <p:nvPr/>
-        </p:nvPicPr>
-        <p:blipFill rotWithShape="1">
-          <a:blip r:embed="rId3"/>
-          <a:srcRect l="9271" r="27186"/>
-          <a:stretch/>
-        </p:blipFill>
-        <p:spPr>
-          <a:xfrm>
-            <a:off x="8128856" y="1"/>
-            <a:ext cx="4063143" cy="5291384"/>
-          </a:xfrm>
-          <a:prstGeom prst="rect">
-            <a:avLst/>
-          </a:prstGeom>
-        </p:spPr>
-      </p:pic>
-    </p:spTree>
-    <p:extLst>
-      <p:ext uri="{BB962C8B-B14F-4D97-AF65-F5344CB8AC3E}">
-        <p14:creationId xmlns:p14="http://schemas.microsoft.com/office/powerpoint/2010/main" val="3721064580"/>
       </p:ext>
     </p:extLst>
   </p:cSld>
